--- a/report/FinalReport.pptx
+++ b/report/FinalReport.pptx
@@ -15,12 +15,13 @@
     <p:sldId id="264" r:id="rId9"/>
     <p:sldId id="266" r:id="rId10"/>
     <p:sldId id="267" r:id="rId11"/>
-    <p:sldId id="269" r:id="rId12"/>
-    <p:sldId id="271" r:id="rId13"/>
-    <p:sldId id="272" r:id="rId14"/>
-    <p:sldId id="275" r:id="rId15"/>
-    <p:sldId id="276" r:id="rId16"/>
-    <p:sldId id="273" r:id="rId17"/>
+    <p:sldId id="277" r:id="rId12"/>
+    <p:sldId id="269" r:id="rId13"/>
+    <p:sldId id="271" r:id="rId14"/>
+    <p:sldId id="272" r:id="rId15"/>
+    <p:sldId id="275" r:id="rId16"/>
+    <p:sldId id="276" r:id="rId17"/>
+    <p:sldId id="273" r:id="rId18"/>
   </p:sldIdLst>
   <p:sldSz cx="12192000" cy="6858000"/>
   <p:notesSz cx="6858000" cy="9144000"/>
@@ -276,7 +277,7 @@
           <a:p>
             <a:fld id="{1D9BD311-84D8-0946-8E87-1C2F5B0ACECB}" type="datetimeFigureOut">
               <a:rPr lang="en-VN" smtClean="0"/>
-              <a:t>6/2/20</a:t>
+              <a:t>06/03/2020</a:t>
             </a:fld>
             <a:endParaRPr lang="en-VN"/>
           </a:p>
@@ -476,7 +477,7 @@
           <a:p>
             <a:fld id="{1D9BD311-84D8-0946-8E87-1C2F5B0ACECB}" type="datetimeFigureOut">
               <a:rPr lang="en-VN" smtClean="0"/>
-              <a:t>6/2/20</a:t>
+              <a:t>06/03/2020</a:t>
             </a:fld>
             <a:endParaRPr lang="en-VN"/>
           </a:p>
@@ -686,7 +687,7 @@
           <a:p>
             <a:fld id="{1D9BD311-84D8-0946-8E87-1C2F5B0ACECB}" type="datetimeFigureOut">
               <a:rPr lang="en-VN" smtClean="0"/>
-              <a:t>6/2/20</a:t>
+              <a:t>06/03/2020</a:t>
             </a:fld>
             <a:endParaRPr lang="en-VN"/>
           </a:p>
@@ -886,7 +887,7 @@
           <a:p>
             <a:fld id="{1D9BD311-84D8-0946-8E87-1C2F5B0ACECB}" type="datetimeFigureOut">
               <a:rPr lang="en-VN" smtClean="0"/>
-              <a:t>6/2/20</a:t>
+              <a:t>06/03/2020</a:t>
             </a:fld>
             <a:endParaRPr lang="en-VN"/>
           </a:p>
@@ -1162,7 +1163,7 @@
           <a:p>
             <a:fld id="{1D9BD311-84D8-0946-8E87-1C2F5B0ACECB}" type="datetimeFigureOut">
               <a:rPr lang="en-VN" smtClean="0"/>
-              <a:t>6/2/20</a:t>
+              <a:t>06/03/2020</a:t>
             </a:fld>
             <a:endParaRPr lang="en-VN"/>
           </a:p>
@@ -1430,7 +1431,7 @@
           <a:p>
             <a:fld id="{1D9BD311-84D8-0946-8E87-1C2F5B0ACECB}" type="datetimeFigureOut">
               <a:rPr lang="en-VN" smtClean="0"/>
-              <a:t>6/2/20</a:t>
+              <a:t>06/03/2020</a:t>
             </a:fld>
             <a:endParaRPr lang="en-VN"/>
           </a:p>
@@ -1845,7 +1846,7 @@
           <a:p>
             <a:fld id="{1D9BD311-84D8-0946-8E87-1C2F5B0ACECB}" type="datetimeFigureOut">
               <a:rPr lang="en-VN" smtClean="0"/>
-              <a:t>6/2/20</a:t>
+              <a:t>06/03/2020</a:t>
             </a:fld>
             <a:endParaRPr lang="en-VN"/>
           </a:p>
@@ -1987,7 +1988,7 @@
           <a:p>
             <a:fld id="{1D9BD311-84D8-0946-8E87-1C2F5B0ACECB}" type="datetimeFigureOut">
               <a:rPr lang="en-VN" smtClean="0"/>
-              <a:t>6/2/20</a:t>
+              <a:t>06/03/2020</a:t>
             </a:fld>
             <a:endParaRPr lang="en-VN"/>
           </a:p>
@@ -2100,7 +2101,7 @@
           <a:p>
             <a:fld id="{1D9BD311-84D8-0946-8E87-1C2F5B0ACECB}" type="datetimeFigureOut">
               <a:rPr lang="en-VN" smtClean="0"/>
-              <a:t>6/2/20</a:t>
+              <a:t>06/03/2020</a:t>
             </a:fld>
             <a:endParaRPr lang="en-VN"/>
           </a:p>
@@ -2413,7 +2414,7 @@
           <a:p>
             <a:fld id="{1D9BD311-84D8-0946-8E87-1C2F5B0ACECB}" type="datetimeFigureOut">
               <a:rPr lang="en-VN" smtClean="0"/>
-              <a:t>6/2/20</a:t>
+              <a:t>06/03/2020</a:t>
             </a:fld>
             <a:endParaRPr lang="en-VN"/>
           </a:p>
@@ -2702,7 +2703,7 @@
           <a:p>
             <a:fld id="{1D9BD311-84D8-0946-8E87-1C2F5B0ACECB}" type="datetimeFigureOut">
               <a:rPr lang="en-VN" smtClean="0"/>
-              <a:t>6/2/20</a:t>
+              <a:t>06/03/2020</a:t>
             </a:fld>
             <a:endParaRPr lang="en-VN"/>
           </a:p>
@@ -2945,7 +2946,7 @@
           <a:p>
             <a:fld id="{1D9BD311-84D8-0946-8E87-1C2F5B0ACECB}" type="datetimeFigureOut">
               <a:rPr lang="en-VN" smtClean="0"/>
-              <a:t>6/2/20</a:t>
+              <a:t>06/03/2020</a:t>
             </a:fld>
             <a:endParaRPr lang="en-VN"/>
           </a:p>
@@ -3698,7 +3699,7 @@
           <a:p>
             <a:pPr algn="ctr"/>
             <a:r>
-              <a:rPr lang="en-US" sz="2400" spc="300" dirty="0">
+              <a:rPr lang="en-US" sz="2800" spc="300" dirty="0">
                 <a:solidFill>
                   <a:schemeClr val="bg2">
                     <a:lumMod val="10000"/>
@@ -3741,8 +3742,8 @@
         </p:blipFill>
         <p:spPr>
           <a:xfrm>
-            <a:off x="6168428" y="4715703"/>
-            <a:ext cx="5232400" cy="1701800"/>
+            <a:off x="5383336" y="4350327"/>
+            <a:ext cx="6355795" cy="2067176"/>
           </a:xfrm>
           <a:prstGeom prst="rect">
             <a:avLst/>
@@ -3793,7 +3794,7 @@
         </p:nvSpPr>
         <p:spPr>
           <a:xfrm>
-            <a:off x="269915" y="220407"/>
+            <a:off x="269915" y="192698"/>
             <a:ext cx="5065303" cy="889856"/>
           </a:xfrm>
           <a:prstGeom prst="rect">
@@ -3844,10 +3845,10 @@
       </p:sp>
       <p:pic>
         <p:nvPicPr>
-          <p:cNvPr id="3" name="Picture 2">
-            <a:extLst>
-              <a:ext uri="{FF2B5EF4-FFF2-40B4-BE49-F238E27FC236}">
-                <a16:creationId xmlns:a16="http://schemas.microsoft.com/office/drawing/2014/main" id="{849923BE-2873-0647-BFE0-81A3EE2D1AC8}"/>
+          <p:cNvPr id="4" name="Picture 3">
+            <a:extLst>
+              <a:ext uri="{FF2B5EF4-FFF2-40B4-BE49-F238E27FC236}">
+                <a16:creationId xmlns:a16="http://schemas.microsoft.com/office/drawing/2014/main" id="{AF7A8D01-0846-456F-AF95-E302E65AEAD2}"/>
               </a:ext>
             </a:extLst>
           </p:cNvPr>
@@ -3864,14 +3865,97 @@
         </p:blipFill>
         <p:spPr>
           <a:xfrm>
-            <a:off x="9768589" y="257826"/>
-            <a:ext cx="1623176" cy="1859889"/>
+            <a:off x="10449732" y="132975"/>
+            <a:ext cx="1380660" cy="1582006"/>
           </a:xfrm>
           <a:prstGeom prst="rect">
             <a:avLst/>
           </a:prstGeom>
         </p:spPr>
       </p:pic>
+      <p:pic>
+        <p:nvPicPr>
+          <p:cNvPr id="5" name="Picture 4">
+            <a:extLst>
+              <a:ext uri="{FF2B5EF4-FFF2-40B4-BE49-F238E27FC236}">
+                <a16:creationId xmlns:a16="http://schemas.microsoft.com/office/drawing/2014/main" id="{73AC08A3-2648-4B4E-B68F-1A08402FB2C5}"/>
+              </a:ext>
+            </a:extLst>
+          </p:cNvPr>
+          <p:cNvPicPr>
+            <a:picLocks noChangeAspect="1"/>
+          </p:cNvPicPr>
+          <p:nvPr/>
+        </p:nvPicPr>
+        <p:blipFill>
+          <a:blip r:embed="rId3"/>
+          <a:stretch>
+            <a:fillRect/>
+          </a:stretch>
+        </p:blipFill>
+        <p:spPr>
+          <a:xfrm>
+            <a:off x="2041814" y="985708"/>
+            <a:ext cx="8477827" cy="5651885"/>
+          </a:xfrm>
+          <a:prstGeom prst="rect">
+            <a:avLst/>
+          </a:prstGeom>
+        </p:spPr>
+      </p:pic>
+      <p:sp>
+        <p:nvSpPr>
+          <p:cNvPr id="7" name="TextBox 6">
+            <a:extLst>
+              <a:ext uri="{FF2B5EF4-FFF2-40B4-BE49-F238E27FC236}">
+                <a16:creationId xmlns:a16="http://schemas.microsoft.com/office/drawing/2014/main" id="{AF5EC718-02EA-460D-8C9D-24FB4013AE16}"/>
+              </a:ext>
+            </a:extLst>
+          </p:cNvPr>
+          <p:cNvSpPr txBox="1"/>
+          <p:nvPr/>
+        </p:nvSpPr>
+        <p:spPr>
+          <a:xfrm>
+            <a:off x="361796" y="3630627"/>
+            <a:ext cx="1467004" cy="1477328"/>
+          </a:xfrm>
+          <a:prstGeom prst="rect">
+            <a:avLst/>
+          </a:prstGeom>
+          <a:solidFill>
+            <a:schemeClr val="bg1"/>
+          </a:solidFill>
+        </p:spPr>
+        <p:txBody>
+          <a:bodyPr wrap="square" rtlCol="0">
+            <a:spAutoFit/>
+          </a:bodyPr>
+          <a:lstStyle/>
+          <a:p>
+            <a:r>
+              <a:rPr lang="en-VN" b="1" dirty="0"/>
+              <a:t>BIỂU ĐỒ </a:t>
+            </a:r>
+            <a:r>
+              <a:rPr lang="en-US" b="1" dirty="0"/>
+              <a:t>TRÌNH TỰ</a:t>
+            </a:r>
+            <a:endParaRPr lang="en-VN" b="1" dirty="0"/>
+          </a:p>
+          <a:p>
+            <a:r>
+              <a:rPr lang="en-VN" b="1" dirty="0"/>
+              <a:t>USE CASE </a:t>
+            </a:r>
+            <a:r>
+              <a:rPr lang="en-US" b="1" dirty="0"/>
+              <a:t>BÁN HÀNG – GỌI MÓN</a:t>
+            </a:r>
+            <a:endParaRPr lang="en-VN" b="1" dirty="0"/>
+          </a:p>
+        </p:txBody>
+      </p:sp>
     </p:spTree>
     <p:extLst>
       <p:ext uri="{BB962C8B-B14F-4D97-AF65-F5344CB8AC3E}">
@@ -3902,42 +3986,12 @@
           <a:chExt cx="0" cy="0"/>
         </a:xfrm>
       </p:grpSpPr>
-      <p:pic>
-        <p:nvPicPr>
-          <p:cNvPr id="3" name="Picture 2">
-            <a:extLst>
-              <a:ext uri="{FF2B5EF4-FFF2-40B4-BE49-F238E27FC236}">
-                <a16:creationId xmlns:a16="http://schemas.microsoft.com/office/drawing/2014/main" id="{849923BE-2873-0647-BFE0-81A3EE2D1AC8}"/>
-              </a:ext>
-            </a:extLst>
-          </p:cNvPr>
-          <p:cNvPicPr>
-            <a:picLocks noChangeAspect="1"/>
-          </p:cNvPicPr>
-          <p:nvPr/>
-        </p:nvPicPr>
-        <p:blipFill>
-          <a:blip r:embed="rId2"/>
-          <a:stretch>
-            <a:fillRect/>
-          </a:stretch>
-        </p:blipFill>
-        <p:spPr>
-          <a:xfrm>
-            <a:off x="9768589" y="257826"/>
-            <a:ext cx="1623176" cy="1859889"/>
-          </a:xfrm>
-          <a:prstGeom prst="rect">
-            <a:avLst/>
-          </a:prstGeom>
-        </p:spPr>
-      </p:pic>
-      <p:sp>
-        <p:nvSpPr>
-          <p:cNvPr id="6" name="Rectangle 5">
-            <a:extLst>
-              <a:ext uri="{FF2B5EF4-FFF2-40B4-BE49-F238E27FC236}">
-                <a16:creationId xmlns:a16="http://schemas.microsoft.com/office/drawing/2014/main" id="{FE2B29CF-C549-E64C-B9A1-BEB338493485}"/>
+      <p:sp>
+        <p:nvSpPr>
+          <p:cNvPr id="2" name="Rectangle 1">
+            <a:extLst>
+              <a:ext uri="{FF2B5EF4-FFF2-40B4-BE49-F238E27FC236}">
+                <a16:creationId xmlns:a16="http://schemas.microsoft.com/office/drawing/2014/main" id="{0EB15DA3-7B5D-44FC-8EEB-B150988770F1}"/>
               </a:ext>
             </a:extLst>
           </p:cNvPr>
@@ -3946,7 +4000,7 @@
         </p:nvSpPr>
         <p:spPr>
           <a:xfrm>
-            <a:off x="269915" y="220407"/>
+            <a:off x="269915" y="192698"/>
             <a:ext cx="5065303" cy="889856"/>
           </a:xfrm>
           <a:prstGeom prst="rect">
@@ -3990,17 +4044,103 @@
                 <a:latin typeface=".VnCourier New" panose="02027200000000000000" pitchFamily="18" charset="0"/>
                 <a:cs typeface="Courier New" panose="02070309020205020404" pitchFamily="49" charset="0"/>
               </a:rPr>
-              <a:t>BIỂU ĐỒ LỚP</a:t>
+              <a:t>BIỂU ĐỒ TRÌNH TỰ</a:t>
             </a:r>
           </a:p>
         </p:txBody>
       </p:sp>
       <p:pic>
         <p:nvPicPr>
-          <p:cNvPr id="13" name="Picture 12">
-            <a:extLst>
-              <a:ext uri="{FF2B5EF4-FFF2-40B4-BE49-F238E27FC236}">
-                <a16:creationId xmlns:a16="http://schemas.microsoft.com/office/drawing/2014/main" id="{33966F26-3954-674B-8F60-2A3198C0AFC3}"/>
+          <p:cNvPr id="3" name="Picture 2">
+            <a:extLst>
+              <a:ext uri="{FF2B5EF4-FFF2-40B4-BE49-F238E27FC236}">
+                <a16:creationId xmlns:a16="http://schemas.microsoft.com/office/drawing/2014/main" id="{3376EBAD-2A2B-413A-9911-E1DEC0B31929}"/>
+              </a:ext>
+            </a:extLst>
+          </p:cNvPr>
+          <p:cNvPicPr>
+            <a:picLocks noChangeAspect="1"/>
+          </p:cNvPicPr>
+          <p:nvPr/>
+        </p:nvPicPr>
+        <p:blipFill>
+          <a:blip r:embed="rId2"/>
+          <a:stretch>
+            <a:fillRect/>
+          </a:stretch>
+        </p:blipFill>
+        <p:spPr>
+          <a:xfrm>
+            <a:off x="10449732" y="132975"/>
+            <a:ext cx="1380660" cy="1582006"/>
+          </a:xfrm>
+          <a:prstGeom prst="rect">
+            <a:avLst/>
+          </a:prstGeom>
+        </p:spPr>
+      </p:pic>
+      <p:sp>
+        <p:nvSpPr>
+          <p:cNvPr id="4" name="TextBox 3">
+            <a:extLst>
+              <a:ext uri="{FF2B5EF4-FFF2-40B4-BE49-F238E27FC236}">
+                <a16:creationId xmlns:a16="http://schemas.microsoft.com/office/drawing/2014/main" id="{58855A3F-5439-485B-9AFF-40943CBC2D0B}"/>
+              </a:ext>
+            </a:extLst>
+          </p:cNvPr>
+          <p:cNvSpPr txBox="1"/>
+          <p:nvPr/>
+        </p:nvSpPr>
+        <p:spPr>
+          <a:xfrm>
+            <a:off x="896165" y="5505609"/>
+            <a:ext cx="2649259" cy="923330"/>
+          </a:xfrm>
+          <a:prstGeom prst="rect">
+            <a:avLst/>
+          </a:prstGeom>
+          <a:solidFill>
+            <a:schemeClr val="bg1"/>
+          </a:solidFill>
+        </p:spPr>
+        <p:txBody>
+          <a:bodyPr wrap="square" rtlCol="0">
+            <a:spAutoFit/>
+          </a:bodyPr>
+          <a:lstStyle/>
+          <a:p>
+            <a:r>
+              <a:rPr lang="en-VN" b="1" dirty="0"/>
+              <a:t>BIỂU ĐỒ </a:t>
+            </a:r>
+            <a:r>
+              <a:rPr lang="en-US" b="1" dirty="0"/>
+              <a:t>TRÌNH TỰ</a:t>
+            </a:r>
+            <a:endParaRPr lang="en-VN" b="1" dirty="0"/>
+          </a:p>
+          <a:p>
+            <a:r>
+              <a:rPr lang="en-VN" b="1" dirty="0"/>
+              <a:t>USE CASE </a:t>
+            </a:r>
+            <a:endParaRPr lang="en-US" b="1" dirty="0"/>
+          </a:p>
+          <a:p>
+            <a:r>
+              <a:rPr lang="en-US" b="1" dirty="0"/>
+              <a:t>QUẢN LÝ THỰC ĐƠN</a:t>
+            </a:r>
+            <a:endParaRPr lang="en-VN" b="1" dirty="0"/>
+          </a:p>
+        </p:txBody>
+      </p:sp>
+      <p:pic>
+        <p:nvPicPr>
+          <p:cNvPr id="6" name="Picture 5">
+            <a:extLst>
+              <a:ext uri="{FF2B5EF4-FFF2-40B4-BE49-F238E27FC236}">
+                <a16:creationId xmlns:a16="http://schemas.microsoft.com/office/drawing/2014/main" id="{B063BEBD-6AF3-4DC9-8F27-E2890D104F2C}"/>
               </a:ext>
             </a:extLst>
           </p:cNvPr>
@@ -4017,59 +4157,18 @@
         </p:blipFill>
         <p:spPr>
           <a:xfrm>
-            <a:off x="2685977" y="1037437"/>
-            <a:ext cx="7082612" cy="5493207"/>
+            <a:off x="3742362" y="849744"/>
+            <a:ext cx="6228843" cy="5925127"/>
           </a:xfrm>
           <a:prstGeom prst="rect">
             <a:avLst/>
           </a:prstGeom>
         </p:spPr>
       </p:pic>
-      <p:sp>
-        <p:nvSpPr>
-          <p:cNvPr id="16" name="TextBox 15">
-            <a:extLst>
-              <a:ext uri="{FF2B5EF4-FFF2-40B4-BE49-F238E27FC236}">
-                <a16:creationId xmlns:a16="http://schemas.microsoft.com/office/drawing/2014/main" id="{791328B2-E4F8-DE41-8601-C4EDD20E7335}"/>
-              </a:ext>
-            </a:extLst>
-          </p:cNvPr>
-          <p:cNvSpPr txBox="1"/>
-          <p:nvPr/>
-        </p:nvSpPr>
-        <p:spPr>
-          <a:xfrm>
-            <a:off x="575417" y="5884313"/>
-            <a:ext cx="1949252" cy="646331"/>
-          </a:xfrm>
-          <a:prstGeom prst="rect">
-            <a:avLst/>
-          </a:prstGeom>
-          <a:noFill/>
-        </p:spPr>
-        <p:txBody>
-          <a:bodyPr wrap="none" rtlCol="0">
-            <a:spAutoFit/>
-          </a:bodyPr>
-          <a:lstStyle/>
-          <a:p>
-            <a:r>
-              <a:rPr lang="en-VN" b="1" dirty="0"/>
-              <a:t>CLASS DIAGRAM</a:t>
-            </a:r>
-          </a:p>
-          <a:p>
-            <a:r>
-              <a:rPr lang="en-VN" b="1" dirty="0"/>
-              <a:t>PACKAGE MODELS</a:t>
-            </a:r>
-          </a:p>
-        </p:txBody>
-      </p:sp>
     </p:spTree>
     <p:extLst>
       <p:ext uri="{BB962C8B-B14F-4D97-AF65-F5344CB8AC3E}">
-        <p14:creationId xmlns:p14="http://schemas.microsoft.com/office/powerpoint/2010/main" val="1963631301"/>
+        <p14:creationId xmlns:p14="http://schemas.microsoft.com/office/powerpoint/2010/main" val="2033124094"/>
       </p:ext>
     </p:extLst>
   </p:cSld>
@@ -4191,10 +4290,10 @@
       </p:sp>
       <p:pic>
         <p:nvPicPr>
-          <p:cNvPr id="15" name="Picture 14">
-            <a:extLst>
-              <a:ext uri="{FF2B5EF4-FFF2-40B4-BE49-F238E27FC236}">
-                <a16:creationId xmlns:a16="http://schemas.microsoft.com/office/drawing/2014/main" id="{12F6F707-27BF-6749-B4D2-10B904834957}"/>
+          <p:cNvPr id="13" name="Picture 12">
+            <a:extLst>
+              <a:ext uri="{FF2B5EF4-FFF2-40B4-BE49-F238E27FC236}">
+                <a16:creationId xmlns:a16="http://schemas.microsoft.com/office/drawing/2014/main" id="{33966F26-3954-674B-8F60-2A3198C0AFC3}"/>
               </a:ext>
             </a:extLst>
           </p:cNvPr>
@@ -4211,8 +4310,8 @@
         </p:blipFill>
         <p:spPr>
           <a:xfrm>
-            <a:off x="2244011" y="1110263"/>
-            <a:ext cx="7703978" cy="5377678"/>
+            <a:off x="2685977" y="1037437"/>
+            <a:ext cx="7082612" cy="5493207"/>
           </a:xfrm>
           <a:prstGeom prst="rect">
             <a:avLst/>
@@ -4221,10 +4320,10 @@
       </p:pic>
       <p:sp>
         <p:nvSpPr>
-          <p:cNvPr id="7" name="TextBox 6">
-            <a:extLst>
-              <a:ext uri="{FF2B5EF4-FFF2-40B4-BE49-F238E27FC236}">
-                <a16:creationId xmlns:a16="http://schemas.microsoft.com/office/drawing/2014/main" id="{E248EB28-EEE3-0D43-9CCF-0C1A4EF557BF}"/>
+          <p:cNvPr id="16" name="TextBox 15">
+            <a:extLst>
+              <a:ext uri="{FF2B5EF4-FFF2-40B4-BE49-F238E27FC236}">
+                <a16:creationId xmlns:a16="http://schemas.microsoft.com/office/drawing/2014/main" id="{791328B2-E4F8-DE41-8601-C4EDD20E7335}"/>
               </a:ext>
             </a:extLst>
           </p:cNvPr>
@@ -4233,8 +4332,8 @@
         </p:nvSpPr>
         <p:spPr>
           <a:xfrm>
-            <a:off x="403764" y="5747737"/>
-            <a:ext cx="1840247" cy="646331"/>
+            <a:off x="575417" y="5884313"/>
+            <a:ext cx="1949252" cy="646331"/>
           </a:xfrm>
           <a:prstGeom prst="rect">
             <a:avLst/>
@@ -4255,7 +4354,7 @@
           <a:p>
             <a:r>
               <a:rPr lang="en-VN" b="1" dirty="0"/>
-              <a:t>PACKAGE MYSQL</a:t>
+              <a:t>PACKAGE MODELS</a:t>
             </a:r>
           </a:p>
         </p:txBody>
@@ -4263,7 +4362,7 @@
     </p:spTree>
     <p:extLst>
       <p:ext uri="{BB962C8B-B14F-4D97-AF65-F5344CB8AC3E}">
-        <p14:creationId xmlns:p14="http://schemas.microsoft.com/office/powerpoint/2010/main" val="3147069618"/>
+        <p14:creationId xmlns:p14="http://schemas.microsoft.com/office/powerpoint/2010/main" val="1963631301"/>
       </p:ext>
     </p:extLst>
   </p:cSld>
@@ -4290,36 +4389,6 @@
           <a:chExt cx="0" cy="0"/>
         </a:xfrm>
       </p:grpSpPr>
-      <p:pic>
-        <p:nvPicPr>
-          <p:cNvPr id="3" name="Picture 2">
-            <a:extLst>
-              <a:ext uri="{FF2B5EF4-FFF2-40B4-BE49-F238E27FC236}">
-                <a16:creationId xmlns:a16="http://schemas.microsoft.com/office/drawing/2014/main" id="{849923BE-2873-0647-BFE0-81A3EE2D1AC8}"/>
-              </a:ext>
-            </a:extLst>
-          </p:cNvPr>
-          <p:cNvPicPr>
-            <a:picLocks noChangeAspect="1"/>
-          </p:cNvPicPr>
-          <p:nvPr/>
-        </p:nvPicPr>
-        <p:blipFill>
-          <a:blip r:embed="rId2"/>
-          <a:stretch>
-            <a:fillRect/>
-          </a:stretch>
-        </p:blipFill>
-        <p:spPr>
-          <a:xfrm>
-            <a:off x="9768589" y="257826"/>
-            <a:ext cx="1623176" cy="1859889"/>
-          </a:xfrm>
-          <a:prstGeom prst="rect">
-            <a:avLst/>
-          </a:prstGeom>
-        </p:spPr>
-      </p:pic>
       <p:sp>
         <p:nvSpPr>
           <p:cNvPr id="6" name="Rectangle 5">
@@ -4385,10 +4454,81 @@
       </p:sp>
       <p:pic>
         <p:nvPicPr>
-          <p:cNvPr id="11" name="Picture 10">
-            <a:extLst>
-              <a:ext uri="{FF2B5EF4-FFF2-40B4-BE49-F238E27FC236}">
-                <a16:creationId xmlns:a16="http://schemas.microsoft.com/office/drawing/2014/main" id="{B001E981-785A-524C-B020-FDA953419A30}"/>
+          <p:cNvPr id="15" name="Picture 14">
+            <a:extLst>
+              <a:ext uri="{FF2B5EF4-FFF2-40B4-BE49-F238E27FC236}">
+                <a16:creationId xmlns:a16="http://schemas.microsoft.com/office/drawing/2014/main" id="{12F6F707-27BF-6749-B4D2-10B904834957}"/>
+              </a:ext>
+            </a:extLst>
+          </p:cNvPr>
+          <p:cNvPicPr>
+            <a:picLocks noChangeAspect="1"/>
+          </p:cNvPicPr>
+          <p:nvPr/>
+        </p:nvPicPr>
+        <p:blipFill>
+          <a:blip r:embed="rId2"/>
+          <a:stretch>
+            <a:fillRect/>
+          </a:stretch>
+        </p:blipFill>
+        <p:spPr>
+          <a:xfrm>
+            <a:off x="2244011" y="1110263"/>
+            <a:ext cx="7703978" cy="5377678"/>
+          </a:xfrm>
+          <a:prstGeom prst="rect">
+            <a:avLst/>
+          </a:prstGeom>
+        </p:spPr>
+      </p:pic>
+      <p:sp>
+        <p:nvSpPr>
+          <p:cNvPr id="7" name="TextBox 6">
+            <a:extLst>
+              <a:ext uri="{FF2B5EF4-FFF2-40B4-BE49-F238E27FC236}">
+                <a16:creationId xmlns:a16="http://schemas.microsoft.com/office/drawing/2014/main" id="{E248EB28-EEE3-0D43-9CCF-0C1A4EF557BF}"/>
+              </a:ext>
+            </a:extLst>
+          </p:cNvPr>
+          <p:cNvSpPr txBox="1"/>
+          <p:nvPr/>
+        </p:nvSpPr>
+        <p:spPr>
+          <a:xfrm>
+            <a:off x="403764" y="5747737"/>
+            <a:ext cx="1840247" cy="646331"/>
+          </a:xfrm>
+          <a:prstGeom prst="rect">
+            <a:avLst/>
+          </a:prstGeom>
+          <a:noFill/>
+        </p:spPr>
+        <p:txBody>
+          <a:bodyPr wrap="none" rtlCol="0">
+            <a:spAutoFit/>
+          </a:bodyPr>
+          <a:lstStyle/>
+          <a:p>
+            <a:r>
+              <a:rPr lang="en-VN" b="1" dirty="0"/>
+              <a:t>CLASS DIAGRAM</a:t>
+            </a:r>
+          </a:p>
+          <a:p>
+            <a:r>
+              <a:rPr lang="en-VN" b="1" dirty="0"/>
+              <a:t>PACKAGE MYSQL</a:t>
+            </a:r>
+          </a:p>
+        </p:txBody>
+      </p:sp>
+      <p:pic>
+        <p:nvPicPr>
+          <p:cNvPr id="8" name="Picture 7">
+            <a:extLst>
+              <a:ext uri="{FF2B5EF4-FFF2-40B4-BE49-F238E27FC236}">
+                <a16:creationId xmlns:a16="http://schemas.microsoft.com/office/drawing/2014/main" id="{02625421-E35E-4097-A4EB-00E64E2DD88C}"/>
               </a:ext>
             </a:extLst>
           </p:cNvPr>
@@ -4405,59 +4545,18 @@
         </p:blipFill>
         <p:spPr>
           <a:xfrm>
-            <a:off x="2563266" y="1165520"/>
-            <a:ext cx="7478604" cy="5228548"/>
+            <a:off x="10449732" y="132975"/>
+            <a:ext cx="1380660" cy="1582006"/>
           </a:xfrm>
           <a:prstGeom prst="rect">
             <a:avLst/>
           </a:prstGeom>
         </p:spPr>
       </p:pic>
-      <p:sp>
-        <p:nvSpPr>
-          <p:cNvPr id="7" name="TextBox 6">
-            <a:extLst>
-              <a:ext uri="{FF2B5EF4-FFF2-40B4-BE49-F238E27FC236}">
-                <a16:creationId xmlns:a16="http://schemas.microsoft.com/office/drawing/2014/main" id="{8111DE63-D119-354C-911A-6F4017EAA75F}"/>
-              </a:ext>
-            </a:extLst>
-          </p:cNvPr>
-          <p:cNvSpPr txBox="1"/>
-          <p:nvPr/>
-        </p:nvSpPr>
-        <p:spPr>
-          <a:xfrm>
-            <a:off x="518064" y="5692560"/>
-            <a:ext cx="2159502" cy="646331"/>
-          </a:xfrm>
-          <a:prstGeom prst="rect">
-            <a:avLst/>
-          </a:prstGeom>
-          <a:noFill/>
-        </p:spPr>
-        <p:txBody>
-          <a:bodyPr wrap="none" rtlCol="0">
-            <a:spAutoFit/>
-          </a:bodyPr>
-          <a:lstStyle/>
-          <a:p>
-            <a:r>
-              <a:rPr lang="en-VN" b="1" dirty="0"/>
-              <a:t>CLASS DIAGRAM</a:t>
-            </a:r>
-          </a:p>
-          <a:p>
-            <a:r>
-              <a:rPr lang="en-VN" b="1" dirty="0"/>
-              <a:t>PACKAGE INTERFACE</a:t>
-            </a:r>
-          </a:p>
-        </p:txBody>
-      </p:sp>
     </p:spTree>
     <p:extLst>
       <p:ext uri="{BB962C8B-B14F-4D97-AF65-F5344CB8AC3E}">
-        <p14:creationId xmlns:p14="http://schemas.microsoft.com/office/powerpoint/2010/main" val="4143834433"/>
+        <p14:creationId xmlns:p14="http://schemas.microsoft.com/office/powerpoint/2010/main" val="3147069618"/>
       </p:ext>
     </p:extLst>
   </p:cSld>
@@ -4484,36 +4583,6 @@
           <a:chExt cx="0" cy="0"/>
         </a:xfrm>
       </p:grpSpPr>
-      <p:pic>
-        <p:nvPicPr>
-          <p:cNvPr id="3" name="Picture 2">
-            <a:extLst>
-              <a:ext uri="{FF2B5EF4-FFF2-40B4-BE49-F238E27FC236}">
-                <a16:creationId xmlns:a16="http://schemas.microsoft.com/office/drawing/2014/main" id="{849923BE-2873-0647-BFE0-81A3EE2D1AC8}"/>
-              </a:ext>
-            </a:extLst>
-          </p:cNvPr>
-          <p:cNvPicPr>
-            <a:picLocks noChangeAspect="1"/>
-          </p:cNvPicPr>
-          <p:nvPr/>
-        </p:nvPicPr>
-        <p:blipFill>
-          <a:blip r:embed="rId2"/>
-          <a:stretch>
-            <a:fillRect/>
-          </a:stretch>
-        </p:blipFill>
-        <p:spPr>
-          <a:xfrm>
-            <a:off x="9768589" y="257826"/>
-            <a:ext cx="1623176" cy="1859889"/>
-          </a:xfrm>
-          <a:prstGeom prst="rect">
-            <a:avLst/>
-          </a:prstGeom>
-        </p:spPr>
-      </p:pic>
       <p:sp>
         <p:nvSpPr>
           <p:cNvPr id="6" name="Rectangle 5">
@@ -4579,10 +4648,81 @@
       </p:sp>
       <p:pic>
         <p:nvPicPr>
-          <p:cNvPr id="4" name="Picture 3">
-            <a:extLst>
-              <a:ext uri="{FF2B5EF4-FFF2-40B4-BE49-F238E27FC236}">
-                <a16:creationId xmlns:a16="http://schemas.microsoft.com/office/drawing/2014/main" id="{709B5B5B-0B67-F54B-A6C7-CDE32D310809}"/>
+          <p:cNvPr id="11" name="Picture 10">
+            <a:extLst>
+              <a:ext uri="{FF2B5EF4-FFF2-40B4-BE49-F238E27FC236}">
+                <a16:creationId xmlns:a16="http://schemas.microsoft.com/office/drawing/2014/main" id="{B001E981-785A-524C-B020-FDA953419A30}"/>
+              </a:ext>
+            </a:extLst>
+          </p:cNvPr>
+          <p:cNvPicPr>
+            <a:picLocks noChangeAspect="1"/>
+          </p:cNvPicPr>
+          <p:nvPr/>
+        </p:nvPicPr>
+        <p:blipFill>
+          <a:blip r:embed="rId2"/>
+          <a:stretch>
+            <a:fillRect/>
+          </a:stretch>
+        </p:blipFill>
+        <p:spPr>
+          <a:xfrm>
+            <a:off x="2563266" y="1165520"/>
+            <a:ext cx="7478604" cy="5228548"/>
+          </a:xfrm>
+          <a:prstGeom prst="rect">
+            <a:avLst/>
+          </a:prstGeom>
+        </p:spPr>
+      </p:pic>
+      <p:sp>
+        <p:nvSpPr>
+          <p:cNvPr id="7" name="TextBox 6">
+            <a:extLst>
+              <a:ext uri="{FF2B5EF4-FFF2-40B4-BE49-F238E27FC236}">
+                <a16:creationId xmlns:a16="http://schemas.microsoft.com/office/drawing/2014/main" id="{8111DE63-D119-354C-911A-6F4017EAA75F}"/>
+              </a:ext>
+            </a:extLst>
+          </p:cNvPr>
+          <p:cNvSpPr txBox="1"/>
+          <p:nvPr/>
+        </p:nvSpPr>
+        <p:spPr>
+          <a:xfrm>
+            <a:off x="518064" y="5692560"/>
+            <a:ext cx="2159502" cy="646331"/>
+          </a:xfrm>
+          <a:prstGeom prst="rect">
+            <a:avLst/>
+          </a:prstGeom>
+          <a:noFill/>
+        </p:spPr>
+        <p:txBody>
+          <a:bodyPr wrap="none" rtlCol="0">
+            <a:spAutoFit/>
+          </a:bodyPr>
+          <a:lstStyle/>
+          <a:p>
+            <a:r>
+              <a:rPr lang="en-VN" b="1" dirty="0"/>
+              <a:t>CLASS DIAGRAM</a:t>
+            </a:r>
+          </a:p>
+          <a:p>
+            <a:r>
+              <a:rPr lang="en-VN" b="1" dirty="0"/>
+              <a:t>PACKAGE INTERFACE</a:t>
+            </a:r>
+          </a:p>
+        </p:txBody>
+      </p:sp>
+      <p:pic>
+        <p:nvPicPr>
+          <p:cNvPr id="8" name="Picture 7">
+            <a:extLst>
+              <a:ext uri="{FF2B5EF4-FFF2-40B4-BE49-F238E27FC236}">
+                <a16:creationId xmlns:a16="http://schemas.microsoft.com/office/drawing/2014/main" id="{BF340165-9EBC-4025-9CFC-2DF781D68B6B}"/>
               </a:ext>
             </a:extLst>
           </p:cNvPr>
@@ -4599,35 +4739,158 @@
         </p:blipFill>
         <p:spPr>
           <a:xfrm>
-            <a:off x="2581926" y="1110263"/>
-            <a:ext cx="7300963" cy="5389843"/>
+            <a:off x="10449732" y="132975"/>
+            <a:ext cx="1380660" cy="1582006"/>
           </a:xfrm>
           <a:prstGeom prst="rect">
             <a:avLst/>
           </a:prstGeom>
         </p:spPr>
       </p:pic>
-      <p:sp>
-        <p:nvSpPr>
-          <p:cNvPr id="7" name="TextBox 6">
-            <a:extLst>
-              <a:ext uri="{FF2B5EF4-FFF2-40B4-BE49-F238E27FC236}">
-                <a16:creationId xmlns:a16="http://schemas.microsoft.com/office/drawing/2014/main" id="{8111DE63-D119-354C-911A-6F4017EAA75F}"/>
-              </a:ext>
-            </a:extLst>
-          </p:cNvPr>
-          <p:cNvSpPr txBox="1"/>
+    </p:spTree>
+    <p:extLst>
+      <p:ext uri="{BB962C8B-B14F-4D97-AF65-F5344CB8AC3E}">
+        <p14:creationId xmlns:p14="http://schemas.microsoft.com/office/powerpoint/2010/main" val="4143834433"/>
+      </p:ext>
+    </p:extLst>
+  </p:cSld>
+  <p:clrMapOvr>
+    <a:masterClrMapping/>
+  </p:clrMapOvr>
+</p:sld>
+</file>
+
+<file path=ppt/slides/slide15.xml><?xml version="1.0" encoding="utf-8"?>
+<p:sld xmlns:a="http://schemas.openxmlformats.org/drawingml/2006/main" xmlns:r="http://schemas.openxmlformats.org/officeDocument/2006/relationships" xmlns:p="http://schemas.openxmlformats.org/presentationml/2006/main">
+  <p:cSld>
+    <p:spTree>
+      <p:nvGrpSpPr>
+        <p:cNvPr id="1" name=""/>
+        <p:cNvGrpSpPr/>
+        <p:nvPr/>
+      </p:nvGrpSpPr>
+      <p:grpSpPr>
+        <a:xfrm>
+          <a:off x="0" y="0"/>
+          <a:ext cx="0" cy="0"/>
+          <a:chOff x="0" y="0"/>
+          <a:chExt cx="0" cy="0"/>
+        </a:xfrm>
+      </p:grpSpPr>
+      <p:sp>
+        <p:nvSpPr>
+          <p:cNvPr id="6" name="Rectangle 5">
+            <a:extLst>
+              <a:ext uri="{FF2B5EF4-FFF2-40B4-BE49-F238E27FC236}">
+                <a16:creationId xmlns:a16="http://schemas.microsoft.com/office/drawing/2014/main" id="{FE2B29CF-C549-E64C-B9A1-BEB338493485}"/>
+              </a:ext>
+            </a:extLst>
+          </p:cNvPr>
+          <p:cNvSpPr/>
           <p:nvPr/>
         </p:nvSpPr>
         <p:spPr>
           <a:xfrm>
-            <a:off x="460771" y="6130774"/>
-            <a:ext cx="2341795" cy="369332"/>
+            <a:off x="269915" y="220407"/>
+            <a:ext cx="5065303" cy="889856"/>
           </a:xfrm>
           <a:prstGeom prst="rect">
             <a:avLst/>
           </a:prstGeom>
           <a:noFill/>
+          <a:ln w="12700" cap="flat" cmpd="sng" algn="ctr">
+            <a:noFill/>
+            <a:prstDash val="solid"/>
+            <a:miter lim="800000"/>
+          </a:ln>
+          <a:effectLst>
+            <a:outerShdw blurRad="50800" dist="50800" dir="5400000" algn="ctr" rotWithShape="0">
+              <a:srgbClr val="000000">
+                <a:alpha val="8000"/>
+              </a:srgbClr>
+            </a:outerShdw>
+          </a:effectLst>
+        </p:spPr>
+        <p:txBody>
+          <a:bodyPr rtlCol="0" anchor="ctr"/>
+          <a:lstStyle/>
+          <a:p>
+            <a:pPr algn="ctr">
+              <a:defRPr/>
+            </a:pPr>
+            <a:r>
+              <a:rPr lang="en-US" sz="3200" b="1" kern="0" spc="300" dirty="0">
+                <a:solidFill>
+                  <a:srgbClr val="E7E6E6">
+                    <a:lumMod val="10000"/>
+                  </a:srgbClr>
+                </a:solidFill>
+                <a:effectLst>
+                  <a:outerShdw blurRad="38100" dist="38100" dir="2700000" algn="tl">
+                    <a:srgbClr val="000000">
+                      <a:alpha val="43137"/>
+                    </a:srgbClr>
+                  </a:outerShdw>
+                </a:effectLst>
+                <a:latin typeface=".VnCourier New" panose="02027200000000000000" pitchFamily="18" charset="0"/>
+                <a:cs typeface="Courier New" panose="02070309020205020404" pitchFamily="49" charset="0"/>
+              </a:rPr>
+              <a:t>BIỂU ĐỒ LỚP</a:t>
+            </a:r>
+          </a:p>
+        </p:txBody>
+      </p:sp>
+      <p:pic>
+        <p:nvPicPr>
+          <p:cNvPr id="4" name="Picture 3">
+            <a:extLst>
+              <a:ext uri="{FF2B5EF4-FFF2-40B4-BE49-F238E27FC236}">
+                <a16:creationId xmlns:a16="http://schemas.microsoft.com/office/drawing/2014/main" id="{709B5B5B-0B67-F54B-A6C7-CDE32D310809}"/>
+              </a:ext>
+            </a:extLst>
+          </p:cNvPr>
+          <p:cNvPicPr>
+            <a:picLocks noChangeAspect="1"/>
+          </p:cNvPicPr>
+          <p:nvPr/>
+        </p:nvPicPr>
+        <p:blipFill>
+          <a:blip r:embed="rId2"/>
+          <a:stretch>
+            <a:fillRect/>
+          </a:stretch>
+        </p:blipFill>
+        <p:spPr>
+          <a:xfrm>
+            <a:off x="2581926" y="1110263"/>
+            <a:ext cx="7300963" cy="5389843"/>
+          </a:xfrm>
+          <a:prstGeom prst="rect">
+            <a:avLst/>
+          </a:prstGeom>
+        </p:spPr>
+      </p:pic>
+      <p:sp>
+        <p:nvSpPr>
+          <p:cNvPr id="7" name="TextBox 6">
+            <a:extLst>
+              <a:ext uri="{FF2B5EF4-FFF2-40B4-BE49-F238E27FC236}">
+                <a16:creationId xmlns:a16="http://schemas.microsoft.com/office/drawing/2014/main" id="{8111DE63-D119-354C-911A-6F4017EAA75F}"/>
+              </a:ext>
+            </a:extLst>
+          </p:cNvPr>
+          <p:cNvSpPr txBox="1"/>
+          <p:nvPr/>
+        </p:nvSpPr>
+        <p:spPr>
+          <a:xfrm>
+            <a:off x="460771" y="6130774"/>
+            <a:ext cx="2341795" cy="369332"/>
+          </a:xfrm>
+          <a:prstGeom prst="rect">
+            <a:avLst/>
+          </a:prstGeom>
+          <a:noFill/>
         </p:spPr>
         <p:txBody>
           <a:bodyPr wrap="none" rtlCol="0">
@@ -4642,6 +4905,36 @@
           </a:p>
         </p:txBody>
       </p:sp>
+      <p:pic>
+        <p:nvPicPr>
+          <p:cNvPr id="8" name="Picture 7">
+            <a:extLst>
+              <a:ext uri="{FF2B5EF4-FFF2-40B4-BE49-F238E27FC236}">
+                <a16:creationId xmlns:a16="http://schemas.microsoft.com/office/drawing/2014/main" id="{DC89FBBB-E0F0-4F8D-8909-F98A1F658A62}"/>
+              </a:ext>
+            </a:extLst>
+          </p:cNvPr>
+          <p:cNvPicPr>
+            <a:picLocks noChangeAspect="1"/>
+          </p:cNvPicPr>
+          <p:nvPr/>
+        </p:nvPicPr>
+        <p:blipFill>
+          <a:blip r:embed="rId3"/>
+          <a:stretch>
+            <a:fillRect/>
+          </a:stretch>
+        </p:blipFill>
+        <p:spPr>
+          <a:xfrm>
+            <a:off x="10449732" y="132975"/>
+            <a:ext cx="1380660" cy="1582006"/>
+          </a:xfrm>
+          <a:prstGeom prst="rect">
+            <a:avLst/>
+          </a:prstGeom>
+        </p:spPr>
+      </p:pic>
     </p:spTree>
     <p:extLst>
       <p:ext uri="{BB962C8B-B14F-4D97-AF65-F5344CB8AC3E}">
@@ -4655,7 +4948,7 @@
 </p:sld>
 </file>
 
-<file path=ppt/slides/slide15.xml><?xml version="1.0" encoding="utf-8"?>
+<file path=ppt/slides/slide16.xml><?xml version="1.0" encoding="utf-8"?>
 <p:sld xmlns:a="http://schemas.openxmlformats.org/drawingml/2006/main" xmlns:r="http://schemas.openxmlformats.org/officeDocument/2006/relationships" xmlns:p="http://schemas.openxmlformats.org/presentationml/2006/main">
   <p:cSld>
     <p:bg>
@@ -6137,7 +6430,7 @@
 </p:sld>
 </file>
 
-<file path=ppt/slides/slide16.xml><?xml version="1.0" encoding="utf-8"?>
+<file path=ppt/slides/slide17.xml><?xml version="1.0" encoding="utf-8"?>
 <p:sld xmlns:a="http://schemas.openxmlformats.org/drawingml/2006/main" xmlns:r="http://schemas.openxmlformats.org/officeDocument/2006/relationships" xmlns:p="http://schemas.openxmlformats.org/presentationml/2006/main">
   <p:cSld>
     <p:spTree>
@@ -7907,36 +8200,6 @@
           <a:chExt cx="0" cy="0"/>
         </a:xfrm>
       </p:grpSpPr>
-      <p:pic>
-        <p:nvPicPr>
-          <p:cNvPr id="3" name="Picture 2">
-            <a:extLst>
-              <a:ext uri="{FF2B5EF4-FFF2-40B4-BE49-F238E27FC236}">
-                <a16:creationId xmlns:a16="http://schemas.microsoft.com/office/drawing/2014/main" id="{849923BE-2873-0647-BFE0-81A3EE2D1AC8}"/>
-              </a:ext>
-            </a:extLst>
-          </p:cNvPr>
-          <p:cNvPicPr>
-            <a:picLocks noChangeAspect="1"/>
-          </p:cNvPicPr>
-          <p:nvPr/>
-        </p:nvPicPr>
-        <p:blipFill>
-          <a:blip r:embed="rId2"/>
-          <a:stretch>
-            <a:fillRect/>
-          </a:stretch>
-        </p:blipFill>
-        <p:spPr>
-          <a:xfrm>
-            <a:off x="9768589" y="257826"/>
-            <a:ext cx="1623176" cy="1859889"/>
-          </a:xfrm>
-          <a:prstGeom prst="rect">
-            <a:avLst/>
-          </a:prstGeom>
-        </p:spPr>
-      </p:pic>
       <p:sp>
         <p:nvSpPr>
           <p:cNvPr id="6" name="Rectangle 5">
@@ -8015,6 +8278,71 @@
           <p:nvPr/>
         </p:nvPicPr>
         <p:blipFill>
+          <a:blip r:embed="rId2"/>
+          <a:stretch>
+            <a:fillRect/>
+          </a:stretch>
+        </p:blipFill>
+        <p:spPr>
+          <a:xfrm>
+            <a:off x="3237887" y="975334"/>
+            <a:ext cx="5759689" cy="5497222"/>
+          </a:xfrm>
+          <a:prstGeom prst="rect">
+            <a:avLst/>
+          </a:prstGeom>
+        </p:spPr>
+      </p:pic>
+      <p:sp>
+        <p:nvSpPr>
+          <p:cNvPr id="11" name="TextBox 10">
+            <a:extLst>
+              <a:ext uri="{FF2B5EF4-FFF2-40B4-BE49-F238E27FC236}">
+                <a16:creationId xmlns:a16="http://schemas.microsoft.com/office/drawing/2014/main" id="{460F6268-D289-3143-B67A-401516FDDF16}"/>
+              </a:ext>
+            </a:extLst>
+          </p:cNvPr>
+          <p:cNvSpPr txBox="1"/>
+          <p:nvPr/>
+        </p:nvSpPr>
+        <p:spPr>
+          <a:xfrm>
+            <a:off x="882370" y="5823333"/>
+            <a:ext cx="2355517" cy="369332"/>
+          </a:xfrm>
+          <a:prstGeom prst="rect">
+            <a:avLst/>
+          </a:prstGeom>
+          <a:noFill/>
+        </p:spPr>
+        <p:txBody>
+          <a:bodyPr wrap="none" rtlCol="0">
+            <a:spAutoFit/>
+          </a:bodyPr>
+          <a:lstStyle/>
+          <a:p>
+            <a:r>
+              <a:rPr lang="en-VN" b="1" dirty="0"/>
+              <a:t>USE CASE TỔNG QUAN</a:t>
+            </a:r>
+          </a:p>
+        </p:txBody>
+      </p:sp>
+      <p:pic>
+        <p:nvPicPr>
+          <p:cNvPr id="7" name="Picture 6">
+            <a:extLst>
+              <a:ext uri="{FF2B5EF4-FFF2-40B4-BE49-F238E27FC236}">
+                <a16:creationId xmlns:a16="http://schemas.microsoft.com/office/drawing/2014/main" id="{A882591C-3C01-4971-AD56-05F54BD2D904}"/>
+              </a:ext>
+            </a:extLst>
+          </p:cNvPr>
+          <p:cNvPicPr>
+            <a:picLocks noChangeAspect="1"/>
+          </p:cNvPicPr>
+          <p:nvPr/>
+        </p:nvPicPr>
+        <p:blipFill>
           <a:blip r:embed="rId3"/>
           <a:stretch>
             <a:fillRect/>
@@ -8022,49 +8350,14 @@
         </p:blipFill>
         <p:spPr>
           <a:xfrm>
-            <a:off x="3670638" y="1187771"/>
-            <a:ext cx="5243855" cy="5004894"/>
+            <a:off x="10449732" y="132975"/>
+            <a:ext cx="1380660" cy="1582006"/>
           </a:xfrm>
           <a:prstGeom prst="rect">
             <a:avLst/>
           </a:prstGeom>
         </p:spPr>
       </p:pic>
-      <p:sp>
-        <p:nvSpPr>
-          <p:cNvPr id="11" name="TextBox 10">
-            <a:extLst>
-              <a:ext uri="{FF2B5EF4-FFF2-40B4-BE49-F238E27FC236}">
-                <a16:creationId xmlns:a16="http://schemas.microsoft.com/office/drawing/2014/main" id="{460F6268-D289-3143-B67A-401516FDDF16}"/>
-              </a:ext>
-            </a:extLst>
-          </p:cNvPr>
-          <p:cNvSpPr txBox="1"/>
-          <p:nvPr/>
-        </p:nvSpPr>
-        <p:spPr>
-          <a:xfrm>
-            <a:off x="1316479" y="5823333"/>
-            <a:ext cx="2355517" cy="369332"/>
-          </a:xfrm>
-          <a:prstGeom prst="rect">
-            <a:avLst/>
-          </a:prstGeom>
-          <a:noFill/>
-        </p:spPr>
-        <p:txBody>
-          <a:bodyPr wrap="none" rtlCol="0">
-            <a:spAutoFit/>
-          </a:bodyPr>
-          <a:lstStyle/>
-          <a:p>
-            <a:r>
-              <a:rPr lang="en-VN" b="1" dirty="0"/>
-              <a:t>USE CASE TỔNG QUAN</a:t>
-            </a:r>
-          </a:p>
-        </p:txBody>
-      </p:sp>
     </p:spTree>
     <p:extLst>
       <p:ext uri="{BB962C8B-B14F-4D97-AF65-F5344CB8AC3E}">
@@ -8310,8 +8603,8 @@
         </p:blipFill>
         <p:spPr>
           <a:xfrm>
-            <a:off x="9768589" y="257826"/>
-            <a:ext cx="1623176" cy="1859889"/>
+            <a:off x="10449732" y="132975"/>
+            <a:ext cx="1380660" cy="1582006"/>
           </a:xfrm>
           <a:prstGeom prst="rect">
             <a:avLst/>
@@ -8478,10 +8771,10 @@
       </p:sp>
       <p:pic>
         <p:nvPicPr>
-          <p:cNvPr id="9" name="Picture 8">
-            <a:extLst>
-              <a:ext uri="{FF2B5EF4-FFF2-40B4-BE49-F238E27FC236}">
-                <a16:creationId xmlns:a16="http://schemas.microsoft.com/office/drawing/2014/main" id="{9A7B69BE-D256-7547-98BA-C1F760D58C21}"/>
+          <p:cNvPr id="6" name="Picture 5">
+            <a:extLst>
+              <a:ext uri="{FF2B5EF4-FFF2-40B4-BE49-F238E27FC236}">
+                <a16:creationId xmlns:a16="http://schemas.microsoft.com/office/drawing/2014/main" id="{ACD4C133-1BDE-4B2E-80C2-EF7A6BD37D7D}"/>
               </a:ext>
             </a:extLst>
           </p:cNvPr>
@@ -8498,8 +8791,8 @@
         </p:blipFill>
         <p:spPr>
           <a:xfrm>
-            <a:off x="9768589" y="257826"/>
-            <a:ext cx="1623176" cy="1859889"/>
+            <a:off x="10449732" y="132975"/>
+            <a:ext cx="1380660" cy="1582006"/>
           </a:xfrm>
           <a:prstGeom prst="rect">
             <a:avLst/>
@@ -8629,12 +8922,53 @@
           </a:prstGeom>
         </p:spPr>
       </p:pic>
+      <p:sp>
+        <p:nvSpPr>
+          <p:cNvPr id="11" name="TextBox 10">
+            <a:extLst>
+              <a:ext uri="{FF2B5EF4-FFF2-40B4-BE49-F238E27FC236}">
+                <a16:creationId xmlns:a16="http://schemas.microsoft.com/office/drawing/2014/main" id="{2807DF2E-7A25-A942-A4F7-1EA4D9903AD4}"/>
+              </a:ext>
+            </a:extLst>
+          </p:cNvPr>
+          <p:cNvSpPr txBox="1"/>
+          <p:nvPr/>
+        </p:nvSpPr>
+        <p:spPr>
+          <a:xfrm>
+            <a:off x="528050" y="5991262"/>
+            <a:ext cx="2236190" cy="646331"/>
+          </a:xfrm>
+          <a:prstGeom prst="rect">
+            <a:avLst/>
+          </a:prstGeom>
+          <a:noFill/>
+        </p:spPr>
+        <p:txBody>
+          <a:bodyPr wrap="none" rtlCol="0">
+            <a:spAutoFit/>
+          </a:bodyPr>
+          <a:lstStyle/>
+          <a:p>
+            <a:r>
+              <a:rPr lang="en-VN" b="1" dirty="0"/>
+              <a:t>BIỂU ĐỒ HOẠT ĐỘNG</a:t>
+            </a:r>
+          </a:p>
+          <a:p>
+            <a:r>
+              <a:rPr lang="en-VN" b="1" dirty="0"/>
+              <a:t>USE CASE BÁN HÀNG</a:t>
+            </a:r>
+          </a:p>
+        </p:txBody>
+      </p:sp>
       <p:pic>
         <p:nvPicPr>
-          <p:cNvPr id="8" name="Picture 7">
-            <a:extLst>
-              <a:ext uri="{FF2B5EF4-FFF2-40B4-BE49-F238E27FC236}">
-                <a16:creationId xmlns:a16="http://schemas.microsoft.com/office/drawing/2014/main" id="{61B2B51F-437E-6F48-852C-C78FF9FD4D7F}"/>
+          <p:cNvPr id="6" name="Picture 5">
+            <a:extLst>
+              <a:ext uri="{FF2B5EF4-FFF2-40B4-BE49-F238E27FC236}">
+                <a16:creationId xmlns:a16="http://schemas.microsoft.com/office/drawing/2014/main" id="{35DA0122-7E53-4370-B0E1-BFEA9D300CDD}"/>
               </a:ext>
             </a:extLst>
           </p:cNvPr>
@@ -8651,55 +8985,14 @@
         </p:blipFill>
         <p:spPr>
           <a:xfrm>
-            <a:off x="9768589" y="257826"/>
-            <a:ext cx="1623176" cy="1859889"/>
+            <a:off x="10449732" y="132975"/>
+            <a:ext cx="1380660" cy="1582006"/>
           </a:xfrm>
           <a:prstGeom prst="rect">
             <a:avLst/>
           </a:prstGeom>
         </p:spPr>
       </p:pic>
-      <p:sp>
-        <p:nvSpPr>
-          <p:cNvPr id="11" name="TextBox 10">
-            <a:extLst>
-              <a:ext uri="{FF2B5EF4-FFF2-40B4-BE49-F238E27FC236}">
-                <a16:creationId xmlns:a16="http://schemas.microsoft.com/office/drawing/2014/main" id="{2807DF2E-7A25-A942-A4F7-1EA4D9903AD4}"/>
-              </a:ext>
-            </a:extLst>
-          </p:cNvPr>
-          <p:cNvSpPr txBox="1"/>
-          <p:nvPr/>
-        </p:nvSpPr>
-        <p:spPr>
-          <a:xfrm>
-            <a:off x="528050" y="5991262"/>
-            <a:ext cx="2236190" cy="646331"/>
-          </a:xfrm>
-          <a:prstGeom prst="rect">
-            <a:avLst/>
-          </a:prstGeom>
-          <a:noFill/>
-        </p:spPr>
-        <p:txBody>
-          <a:bodyPr wrap="none" rtlCol="0">
-            <a:spAutoFit/>
-          </a:bodyPr>
-          <a:lstStyle/>
-          <a:p>
-            <a:r>
-              <a:rPr lang="en-VN" b="1" dirty="0"/>
-              <a:t>BIỂU ĐỒ HOẠT ĐỘNG</a:t>
-            </a:r>
-          </a:p>
-          <a:p>
-            <a:r>
-              <a:rPr lang="en-VN" b="1" dirty="0"/>
-              <a:t>USE CASE BÁN HÀNG</a:t>
-            </a:r>
-          </a:p>
-        </p:txBody>
-      </p:sp>
     </p:spTree>
     <p:extLst>
       <p:ext uri="{BB962C8B-B14F-4D97-AF65-F5344CB8AC3E}">
@@ -8795,10 +9088,10 @@
       </p:sp>
       <p:pic>
         <p:nvPicPr>
-          <p:cNvPr id="6" name="Picture 5">
-            <a:extLst>
-              <a:ext uri="{FF2B5EF4-FFF2-40B4-BE49-F238E27FC236}">
-                <a16:creationId xmlns:a16="http://schemas.microsoft.com/office/drawing/2014/main" id="{41A5A38F-7B99-9042-A571-533645CC32DA}"/>
+          <p:cNvPr id="7" name="Picture 6">
+            <a:extLst>
+              <a:ext uri="{FF2B5EF4-FFF2-40B4-BE49-F238E27FC236}">
+                <a16:creationId xmlns:a16="http://schemas.microsoft.com/office/drawing/2014/main" id="{781C6590-918D-734D-8A7E-9B4DD2282893}"/>
               </a:ext>
             </a:extLst>
           </p:cNvPr>
@@ -8815,20 +9108,63 @@
         </p:blipFill>
         <p:spPr>
           <a:xfrm>
-            <a:off x="9768589" y="257826"/>
-            <a:ext cx="1623176" cy="1859889"/>
+            <a:off x="3631848" y="1213846"/>
+            <a:ext cx="6136740" cy="5433934"/>
           </a:xfrm>
           <a:prstGeom prst="rect">
             <a:avLst/>
           </a:prstGeom>
         </p:spPr>
       </p:pic>
+      <p:sp>
+        <p:nvSpPr>
+          <p:cNvPr id="8" name="TextBox 7">
+            <a:extLst>
+              <a:ext uri="{FF2B5EF4-FFF2-40B4-BE49-F238E27FC236}">
+                <a16:creationId xmlns:a16="http://schemas.microsoft.com/office/drawing/2014/main" id="{B41377C0-7778-B040-B456-B9519DC21D0D}"/>
+              </a:ext>
+            </a:extLst>
+          </p:cNvPr>
+          <p:cNvSpPr txBox="1"/>
+          <p:nvPr/>
+        </p:nvSpPr>
+        <p:spPr>
+          <a:xfrm>
+            <a:off x="528050" y="5644154"/>
+            <a:ext cx="3103798" cy="646331"/>
+          </a:xfrm>
+          <a:prstGeom prst="rect">
+            <a:avLst/>
+          </a:prstGeom>
+          <a:solidFill>
+            <a:schemeClr val="bg1"/>
+          </a:solidFill>
+        </p:spPr>
+        <p:txBody>
+          <a:bodyPr wrap="none" rtlCol="0">
+            <a:spAutoFit/>
+          </a:bodyPr>
+          <a:lstStyle/>
+          <a:p>
+            <a:r>
+              <a:rPr lang="en-VN" b="1" dirty="0"/>
+              <a:t>BIỂU ĐỒ HOẠT ĐỘNG</a:t>
+            </a:r>
+          </a:p>
+          <a:p>
+            <a:r>
+              <a:rPr lang="en-VN" b="1" dirty="0"/>
+              <a:t>USE CASE QUẢN LÝ THỰC ĐƠN</a:t>
+            </a:r>
+          </a:p>
+        </p:txBody>
+      </p:sp>
       <p:pic>
         <p:nvPicPr>
-          <p:cNvPr id="7" name="Picture 6">
-            <a:extLst>
-              <a:ext uri="{FF2B5EF4-FFF2-40B4-BE49-F238E27FC236}">
-                <a16:creationId xmlns:a16="http://schemas.microsoft.com/office/drawing/2014/main" id="{781C6590-918D-734D-8A7E-9B4DD2282893}"/>
+          <p:cNvPr id="9" name="Picture 8">
+            <a:extLst>
+              <a:ext uri="{FF2B5EF4-FFF2-40B4-BE49-F238E27FC236}">
+                <a16:creationId xmlns:a16="http://schemas.microsoft.com/office/drawing/2014/main" id="{DED182D7-76ED-4686-B774-F977AB2798D7}"/>
               </a:ext>
             </a:extLst>
           </p:cNvPr>
@@ -8845,57 +9181,14 @@
         </p:blipFill>
         <p:spPr>
           <a:xfrm>
-            <a:off x="3631848" y="1213846"/>
-            <a:ext cx="6136740" cy="5433934"/>
+            <a:off x="10449732" y="132975"/>
+            <a:ext cx="1380660" cy="1582006"/>
           </a:xfrm>
           <a:prstGeom prst="rect">
             <a:avLst/>
           </a:prstGeom>
         </p:spPr>
       </p:pic>
-      <p:sp>
-        <p:nvSpPr>
-          <p:cNvPr id="8" name="TextBox 7">
-            <a:extLst>
-              <a:ext uri="{FF2B5EF4-FFF2-40B4-BE49-F238E27FC236}">
-                <a16:creationId xmlns:a16="http://schemas.microsoft.com/office/drawing/2014/main" id="{B41377C0-7778-B040-B456-B9519DC21D0D}"/>
-              </a:ext>
-            </a:extLst>
-          </p:cNvPr>
-          <p:cNvSpPr txBox="1"/>
-          <p:nvPr/>
-        </p:nvSpPr>
-        <p:spPr>
-          <a:xfrm>
-            <a:off x="1016986" y="5644154"/>
-            <a:ext cx="3103798" cy="646331"/>
-          </a:xfrm>
-          <a:prstGeom prst="rect">
-            <a:avLst/>
-          </a:prstGeom>
-          <a:solidFill>
-            <a:schemeClr val="bg1"/>
-          </a:solidFill>
-        </p:spPr>
-        <p:txBody>
-          <a:bodyPr wrap="none" rtlCol="0">
-            <a:spAutoFit/>
-          </a:bodyPr>
-          <a:lstStyle/>
-          <a:p>
-            <a:r>
-              <a:rPr lang="en-VN" b="1" dirty="0"/>
-              <a:t>BIỂU ĐỒ HOẠT ĐỘNG</a:t>
-            </a:r>
-          </a:p>
-          <a:p>
-            <a:r>
-              <a:rPr lang="en-VN" b="1" dirty="0"/>
-              <a:t>USE CASE QUẢN LÝ THỰC ĐƠN</a:t>
-            </a:r>
-          </a:p>
-        </p:txBody>
-      </p:sp>
     </p:spTree>
     <p:extLst>
       <p:ext uri="{BB962C8B-B14F-4D97-AF65-F5344CB8AC3E}">
@@ -9250,6 +9543,36 @@
           </a:p>
         </p:txBody>
       </p:sp>
+      <p:pic>
+        <p:nvPicPr>
+          <p:cNvPr id="8" name="Picture 7">
+            <a:extLst>
+              <a:ext uri="{FF2B5EF4-FFF2-40B4-BE49-F238E27FC236}">
+                <a16:creationId xmlns:a16="http://schemas.microsoft.com/office/drawing/2014/main" id="{65803C33-BC1E-4DE9-A11F-E47FFA6B26D8}"/>
+              </a:ext>
+            </a:extLst>
+          </p:cNvPr>
+          <p:cNvPicPr>
+            <a:picLocks noChangeAspect="1"/>
+          </p:cNvPicPr>
+          <p:nvPr/>
+        </p:nvPicPr>
+        <p:blipFill>
+          <a:blip r:embed="rId3"/>
+          <a:stretch>
+            <a:fillRect/>
+          </a:stretch>
+        </p:blipFill>
+        <p:spPr>
+          <a:xfrm>
+            <a:off x="10449732" y="132975"/>
+            <a:ext cx="1380660" cy="1582006"/>
+          </a:xfrm>
+          <a:prstGeom prst="rect">
+            <a:avLst/>
+          </a:prstGeom>
+        </p:spPr>
+      </p:pic>
     </p:spTree>
     <p:extLst>
       <p:ext uri="{BB962C8B-B14F-4D97-AF65-F5344CB8AC3E}">

--- a/report/FinalReport.pptx
+++ b/report/FinalReport.pptx
@@ -1,9 +1,12 @@
 
 <file path=ppt/presentation.xml><?xml version="1.0" encoding="utf-8"?>
-<p:presentation xmlns:a="http://schemas.openxmlformats.org/drawingml/2006/main" xmlns:r="http://schemas.openxmlformats.org/officeDocument/2006/relationships" xmlns:p="http://schemas.openxmlformats.org/presentationml/2006/main" saveSubsetFonts="1" autoCompressPictures="0">
+<p:presentation xmlns:a="http://schemas.openxmlformats.org/drawingml/2006/main" xmlns:r="http://schemas.openxmlformats.org/officeDocument/2006/relationships" xmlns:p="http://schemas.openxmlformats.org/presentationml/2006/main" showSpecialPlsOnTitleSld="0" saveSubsetFonts="1" autoCompressPictures="0">
   <p:sldMasterIdLst>
     <p:sldMasterId id="2147483648" r:id="rId1"/>
   </p:sldMasterIdLst>
+  <p:notesMasterIdLst>
+    <p:notesMasterId r:id="rId19"/>
+  </p:notesMasterIdLst>
   <p:sldIdLst>
     <p:sldId id="274" r:id="rId2"/>
     <p:sldId id="258" r:id="rId3"/>
@@ -128,6 +131,355 @@
 </p:presentation>
 </file>
 
+<file path=ppt/notesMasters/notesMaster1.xml><?xml version="1.0" encoding="utf-8"?>
+<p:notesMaster xmlns:a="http://schemas.openxmlformats.org/drawingml/2006/main" xmlns:r="http://schemas.openxmlformats.org/officeDocument/2006/relationships" xmlns:p="http://schemas.openxmlformats.org/presentationml/2006/main">
+  <p:cSld>
+    <p:bg>
+      <p:bgRef idx="1001">
+        <a:schemeClr val="bg1"/>
+      </p:bgRef>
+    </p:bg>
+    <p:spTree>
+      <p:nvGrpSpPr>
+        <p:cNvPr id="1" name=""/>
+        <p:cNvGrpSpPr/>
+        <p:nvPr/>
+      </p:nvGrpSpPr>
+      <p:grpSpPr>
+        <a:xfrm>
+          <a:off x="0" y="0"/>
+          <a:ext cx="0" cy="0"/>
+          <a:chOff x="0" y="0"/>
+          <a:chExt cx="0" cy="0"/>
+        </a:xfrm>
+      </p:grpSpPr>
+      <p:sp>
+        <p:nvSpPr>
+          <p:cNvPr id="2" name="Header Placeholder 1"/>
+          <p:cNvSpPr>
+            <a:spLocks noGrp="1"/>
+          </p:cNvSpPr>
+          <p:nvPr>
+            <p:ph type="hdr" sz="quarter"/>
+          </p:nvPr>
+        </p:nvSpPr>
+        <p:spPr>
+          <a:xfrm>
+            <a:off x="0" y="0"/>
+            <a:ext cx="2971800" cy="458788"/>
+          </a:xfrm>
+          <a:prstGeom prst="rect">
+            <a:avLst/>
+          </a:prstGeom>
+        </p:spPr>
+        <p:txBody>
+          <a:bodyPr vert="horz" lIns="91440" tIns="45720" rIns="91440" bIns="45720" rtlCol="0"/>
+          <a:lstStyle>
+            <a:lvl1pPr algn="l">
+              <a:defRPr sz="1200"/>
+            </a:lvl1pPr>
+          </a:lstStyle>
+          <a:p>
+            <a:endParaRPr lang="en-US"/>
+          </a:p>
+        </p:txBody>
+      </p:sp>
+      <p:sp>
+        <p:nvSpPr>
+          <p:cNvPr id="3" name="Date Placeholder 2"/>
+          <p:cNvSpPr>
+            <a:spLocks noGrp="1"/>
+          </p:cNvSpPr>
+          <p:nvPr>
+            <p:ph type="dt" idx="1"/>
+          </p:nvPr>
+        </p:nvSpPr>
+        <p:spPr>
+          <a:xfrm>
+            <a:off x="3884613" y="0"/>
+            <a:ext cx="2971800" cy="458788"/>
+          </a:xfrm>
+          <a:prstGeom prst="rect">
+            <a:avLst/>
+          </a:prstGeom>
+        </p:spPr>
+        <p:txBody>
+          <a:bodyPr vert="horz" lIns="91440" tIns="45720" rIns="91440" bIns="45720" rtlCol="0"/>
+          <a:lstStyle>
+            <a:lvl1pPr algn="r">
+              <a:defRPr sz="1200"/>
+            </a:lvl1pPr>
+          </a:lstStyle>
+          <a:p>
+            <a:fld id="{01FDEEA1-956A-4AFB-ABC5-DCB461D8FCB6}" type="datetimeFigureOut">
+              <a:rPr lang="en-US" smtClean="0"/>
+              <a:t>6/4/2020</a:t>
+            </a:fld>
+            <a:endParaRPr lang="en-US"/>
+          </a:p>
+        </p:txBody>
+      </p:sp>
+      <p:sp>
+        <p:nvSpPr>
+          <p:cNvPr id="4" name="Slide Image Placeholder 3"/>
+          <p:cNvSpPr>
+            <a:spLocks noGrp="1" noRot="1" noChangeAspect="1"/>
+          </p:cNvSpPr>
+          <p:nvPr>
+            <p:ph type="sldImg" idx="2"/>
+          </p:nvPr>
+        </p:nvSpPr>
+        <p:spPr>
+          <a:xfrm>
+            <a:off x="685800" y="1143000"/>
+            <a:ext cx="5486400" cy="3086100"/>
+          </a:xfrm>
+          <a:prstGeom prst="rect">
+            <a:avLst/>
+          </a:prstGeom>
+          <a:noFill/>
+          <a:ln w="12700">
+            <a:solidFill>
+              <a:prstClr val="black"/>
+            </a:solidFill>
+          </a:ln>
+        </p:spPr>
+        <p:txBody>
+          <a:bodyPr vert="horz" lIns="91440" tIns="45720" rIns="91440" bIns="45720" rtlCol="0" anchor="ctr"/>
+          <a:lstStyle/>
+          <a:p>
+            <a:endParaRPr lang="en-US"/>
+          </a:p>
+        </p:txBody>
+      </p:sp>
+      <p:sp>
+        <p:nvSpPr>
+          <p:cNvPr id="5" name="Notes Placeholder 4"/>
+          <p:cNvSpPr>
+            <a:spLocks noGrp="1"/>
+          </p:cNvSpPr>
+          <p:nvPr>
+            <p:ph type="body" sz="quarter" idx="3"/>
+          </p:nvPr>
+        </p:nvSpPr>
+        <p:spPr>
+          <a:xfrm>
+            <a:off x="685800" y="4400550"/>
+            <a:ext cx="5486400" cy="3600450"/>
+          </a:xfrm>
+          <a:prstGeom prst="rect">
+            <a:avLst/>
+          </a:prstGeom>
+        </p:spPr>
+        <p:txBody>
+          <a:bodyPr vert="horz" lIns="91440" tIns="45720" rIns="91440" bIns="45720" rtlCol="0"/>
+          <a:lstStyle/>
+          <a:p>
+            <a:pPr lvl="0"/>
+            <a:r>
+              <a:rPr lang="en-US"/>
+              <a:t>Click to edit Master text styles</a:t>
+            </a:r>
+          </a:p>
+          <a:p>
+            <a:pPr lvl="1"/>
+            <a:r>
+              <a:rPr lang="en-US"/>
+              <a:t>Second level</a:t>
+            </a:r>
+          </a:p>
+          <a:p>
+            <a:pPr lvl="2"/>
+            <a:r>
+              <a:rPr lang="en-US"/>
+              <a:t>Third level</a:t>
+            </a:r>
+          </a:p>
+          <a:p>
+            <a:pPr lvl="3"/>
+            <a:r>
+              <a:rPr lang="en-US"/>
+              <a:t>Fourth level</a:t>
+            </a:r>
+          </a:p>
+          <a:p>
+            <a:pPr lvl="4"/>
+            <a:r>
+              <a:rPr lang="en-US"/>
+              <a:t>Fifth level</a:t>
+            </a:r>
+          </a:p>
+        </p:txBody>
+      </p:sp>
+      <p:sp>
+        <p:nvSpPr>
+          <p:cNvPr id="6" name="Footer Placeholder 5"/>
+          <p:cNvSpPr>
+            <a:spLocks noGrp="1"/>
+          </p:cNvSpPr>
+          <p:nvPr>
+            <p:ph type="ftr" sz="quarter" idx="4"/>
+          </p:nvPr>
+        </p:nvSpPr>
+        <p:spPr>
+          <a:xfrm>
+            <a:off x="0" y="8685213"/>
+            <a:ext cx="2971800" cy="458787"/>
+          </a:xfrm>
+          <a:prstGeom prst="rect">
+            <a:avLst/>
+          </a:prstGeom>
+        </p:spPr>
+        <p:txBody>
+          <a:bodyPr vert="horz" lIns="91440" tIns="45720" rIns="91440" bIns="45720" rtlCol="0" anchor="b"/>
+          <a:lstStyle>
+            <a:lvl1pPr algn="l">
+              <a:defRPr sz="1200"/>
+            </a:lvl1pPr>
+          </a:lstStyle>
+          <a:p>
+            <a:endParaRPr lang="en-US"/>
+          </a:p>
+        </p:txBody>
+      </p:sp>
+      <p:sp>
+        <p:nvSpPr>
+          <p:cNvPr id="7" name="Slide Number Placeholder 6"/>
+          <p:cNvSpPr>
+            <a:spLocks noGrp="1"/>
+          </p:cNvSpPr>
+          <p:nvPr>
+            <p:ph type="sldNum" sz="quarter" idx="5"/>
+          </p:nvPr>
+        </p:nvSpPr>
+        <p:spPr>
+          <a:xfrm>
+            <a:off x="3884613" y="8685213"/>
+            <a:ext cx="2971800" cy="458787"/>
+          </a:xfrm>
+          <a:prstGeom prst="rect">
+            <a:avLst/>
+          </a:prstGeom>
+        </p:spPr>
+        <p:txBody>
+          <a:bodyPr vert="horz" lIns="91440" tIns="45720" rIns="91440" bIns="45720" rtlCol="0" anchor="b"/>
+          <a:lstStyle>
+            <a:lvl1pPr algn="r">
+              <a:defRPr sz="1200"/>
+            </a:lvl1pPr>
+          </a:lstStyle>
+          <a:p>
+            <a:fld id="{875AEE93-928E-470A-92AC-F090C05E3BC8}" type="slidenum">
+              <a:rPr lang="en-US" smtClean="0"/>
+              <a:t>‹#›</a:t>
+            </a:fld>
+            <a:endParaRPr lang="en-US"/>
+          </a:p>
+        </p:txBody>
+      </p:sp>
+    </p:spTree>
+    <p:extLst>
+      <p:ext uri="{BB962C8B-B14F-4D97-AF65-F5344CB8AC3E}">
+        <p14:creationId xmlns:p14="http://schemas.microsoft.com/office/powerpoint/2010/main" val="2048592915"/>
+      </p:ext>
+    </p:extLst>
+  </p:cSld>
+  <p:clrMap bg1="lt1" tx1="dk1" bg2="lt2" tx2="dk2" accent1="accent1" accent2="accent2" accent3="accent3" accent4="accent4" accent5="accent5" accent6="accent6" hlink="hlink" folHlink="folHlink"/>
+  <p:notesStyle>
+    <a:lvl1pPr marL="0" algn="l" defTabSz="914400" rtl="0" eaLnBrk="1" latinLnBrk="0" hangingPunct="1">
+      <a:defRPr sz="1200" kern="1200">
+        <a:solidFill>
+          <a:schemeClr val="tx1"/>
+        </a:solidFill>
+        <a:latin typeface="+mn-lt"/>
+        <a:ea typeface="+mn-ea"/>
+        <a:cs typeface="+mn-cs"/>
+      </a:defRPr>
+    </a:lvl1pPr>
+    <a:lvl2pPr marL="457200" algn="l" defTabSz="914400" rtl="0" eaLnBrk="1" latinLnBrk="0" hangingPunct="1">
+      <a:defRPr sz="1200" kern="1200">
+        <a:solidFill>
+          <a:schemeClr val="tx1"/>
+        </a:solidFill>
+        <a:latin typeface="+mn-lt"/>
+        <a:ea typeface="+mn-ea"/>
+        <a:cs typeface="+mn-cs"/>
+      </a:defRPr>
+    </a:lvl2pPr>
+    <a:lvl3pPr marL="914400" algn="l" defTabSz="914400" rtl="0" eaLnBrk="1" latinLnBrk="0" hangingPunct="1">
+      <a:defRPr sz="1200" kern="1200">
+        <a:solidFill>
+          <a:schemeClr val="tx1"/>
+        </a:solidFill>
+        <a:latin typeface="+mn-lt"/>
+        <a:ea typeface="+mn-ea"/>
+        <a:cs typeface="+mn-cs"/>
+      </a:defRPr>
+    </a:lvl3pPr>
+    <a:lvl4pPr marL="1371600" algn="l" defTabSz="914400" rtl="0" eaLnBrk="1" latinLnBrk="0" hangingPunct="1">
+      <a:defRPr sz="1200" kern="1200">
+        <a:solidFill>
+          <a:schemeClr val="tx1"/>
+        </a:solidFill>
+        <a:latin typeface="+mn-lt"/>
+        <a:ea typeface="+mn-ea"/>
+        <a:cs typeface="+mn-cs"/>
+      </a:defRPr>
+    </a:lvl4pPr>
+    <a:lvl5pPr marL="1828800" algn="l" defTabSz="914400" rtl="0" eaLnBrk="1" latinLnBrk="0" hangingPunct="1">
+      <a:defRPr sz="1200" kern="1200">
+        <a:solidFill>
+          <a:schemeClr val="tx1"/>
+        </a:solidFill>
+        <a:latin typeface="+mn-lt"/>
+        <a:ea typeface="+mn-ea"/>
+        <a:cs typeface="+mn-cs"/>
+      </a:defRPr>
+    </a:lvl5pPr>
+    <a:lvl6pPr marL="2286000" algn="l" defTabSz="914400" rtl="0" eaLnBrk="1" latinLnBrk="0" hangingPunct="1">
+      <a:defRPr sz="1200" kern="1200">
+        <a:solidFill>
+          <a:schemeClr val="tx1"/>
+        </a:solidFill>
+        <a:latin typeface="+mn-lt"/>
+        <a:ea typeface="+mn-ea"/>
+        <a:cs typeface="+mn-cs"/>
+      </a:defRPr>
+    </a:lvl6pPr>
+    <a:lvl7pPr marL="2743200" algn="l" defTabSz="914400" rtl="0" eaLnBrk="1" latinLnBrk="0" hangingPunct="1">
+      <a:defRPr sz="1200" kern="1200">
+        <a:solidFill>
+          <a:schemeClr val="tx1"/>
+        </a:solidFill>
+        <a:latin typeface="+mn-lt"/>
+        <a:ea typeface="+mn-ea"/>
+        <a:cs typeface="+mn-cs"/>
+      </a:defRPr>
+    </a:lvl7pPr>
+    <a:lvl8pPr marL="3200400" algn="l" defTabSz="914400" rtl="0" eaLnBrk="1" latinLnBrk="0" hangingPunct="1">
+      <a:defRPr sz="1200" kern="1200">
+        <a:solidFill>
+          <a:schemeClr val="tx1"/>
+        </a:solidFill>
+        <a:latin typeface="+mn-lt"/>
+        <a:ea typeface="+mn-ea"/>
+        <a:cs typeface="+mn-cs"/>
+      </a:defRPr>
+    </a:lvl8pPr>
+    <a:lvl9pPr marL="3657600" algn="l" defTabSz="914400" rtl="0" eaLnBrk="1" latinLnBrk="0" hangingPunct="1">
+      <a:defRPr sz="1200" kern="1200">
+        <a:solidFill>
+          <a:schemeClr val="tx1"/>
+        </a:solidFill>
+        <a:latin typeface="+mn-lt"/>
+        <a:ea typeface="+mn-ea"/>
+        <a:cs typeface="+mn-cs"/>
+      </a:defRPr>
+    </a:lvl9pPr>
+  </p:notesStyle>
+</p:notesMaster>
+</file>
+
 <file path=ppt/slideLayouts/slideLayout1.xml><?xml version="1.0" encoding="utf-8"?>
 <p:sldLayout xmlns:a="http://schemas.openxmlformats.org/drawingml/2006/main" xmlns:r="http://schemas.openxmlformats.org/officeDocument/2006/relationships" xmlns:p="http://schemas.openxmlformats.org/presentationml/2006/main" type="title" preserve="1">
   <p:cSld name="Title Slide">
@@ -275,9 +627,9 @@
           <a:bodyPr/>
           <a:lstStyle/>
           <a:p>
-            <a:fld id="{1D9BD311-84D8-0946-8E87-1C2F5B0ACECB}" type="datetimeFigureOut">
-              <a:rPr lang="en-VN" smtClean="0"/>
-              <a:t>06/03/2020</a:t>
+            <a:fld id="{1A86B5BD-4459-468B-9691-51C131CCCD98}" type="datetime1">
+              <a:rPr lang="LID4096" smtClean="0"/>
+              <a:t>06/04/2020</a:t>
             </a:fld>
             <a:endParaRPr lang="en-VN"/>
           </a:p>
@@ -475,9 +827,9 @@
           <a:bodyPr/>
           <a:lstStyle/>
           <a:p>
-            <a:fld id="{1D9BD311-84D8-0946-8E87-1C2F5B0ACECB}" type="datetimeFigureOut">
-              <a:rPr lang="en-VN" smtClean="0"/>
-              <a:t>06/03/2020</a:t>
+            <a:fld id="{61A5DC9B-F7A6-40FE-A0D3-5C5F6D60D834}" type="datetime1">
+              <a:rPr lang="LID4096" smtClean="0"/>
+              <a:t>06/04/2020</a:t>
             </a:fld>
             <a:endParaRPr lang="en-VN"/>
           </a:p>
@@ -685,9 +1037,9 @@
           <a:bodyPr/>
           <a:lstStyle/>
           <a:p>
-            <a:fld id="{1D9BD311-84D8-0946-8E87-1C2F5B0ACECB}" type="datetimeFigureOut">
-              <a:rPr lang="en-VN" smtClean="0"/>
-              <a:t>06/03/2020</a:t>
+            <a:fld id="{0EA3BBA3-84D7-4F82-AC43-184A2032E672}" type="datetime1">
+              <a:rPr lang="LID4096" smtClean="0"/>
+              <a:t>06/04/2020</a:t>
             </a:fld>
             <a:endParaRPr lang="en-VN"/>
           </a:p>
@@ -885,9 +1237,9 @@
           <a:bodyPr/>
           <a:lstStyle/>
           <a:p>
-            <a:fld id="{1D9BD311-84D8-0946-8E87-1C2F5B0ACECB}" type="datetimeFigureOut">
-              <a:rPr lang="en-VN" smtClean="0"/>
-              <a:t>06/03/2020</a:t>
+            <a:fld id="{14AC1AA0-C639-4BB5-A281-341DC35ED3B3}" type="datetime1">
+              <a:rPr lang="LID4096" smtClean="0"/>
+              <a:t>06/04/2020</a:t>
             </a:fld>
             <a:endParaRPr lang="en-VN"/>
           </a:p>
@@ -1161,9 +1513,9 @@
           <a:bodyPr/>
           <a:lstStyle/>
           <a:p>
-            <a:fld id="{1D9BD311-84D8-0946-8E87-1C2F5B0ACECB}" type="datetimeFigureOut">
-              <a:rPr lang="en-VN" smtClean="0"/>
-              <a:t>06/03/2020</a:t>
+            <a:fld id="{43ED78D4-39E2-4A46-A9F3-EFE6D38BB2F0}" type="datetime1">
+              <a:rPr lang="LID4096" smtClean="0"/>
+              <a:t>06/04/2020</a:t>
             </a:fld>
             <a:endParaRPr lang="en-VN"/>
           </a:p>
@@ -1429,9 +1781,9 @@
           <a:bodyPr/>
           <a:lstStyle/>
           <a:p>
-            <a:fld id="{1D9BD311-84D8-0946-8E87-1C2F5B0ACECB}" type="datetimeFigureOut">
-              <a:rPr lang="en-VN" smtClean="0"/>
-              <a:t>06/03/2020</a:t>
+            <a:fld id="{BBA6921E-478F-4C41-BE9B-E5D90A4BC536}" type="datetime1">
+              <a:rPr lang="LID4096" smtClean="0"/>
+              <a:t>06/04/2020</a:t>
             </a:fld>
             <a:endParaRPr lang="en-VN"/>
           </a:p>
@@ -1844,9 +2196,9 @@
           <a:bodyPr/>
           <a:lstStyle/>
           <a:p>
-            <a:fld id="{1D9BD311-84D8-0946-8E87-1C2F5B0ACECB}" type="datetimeFigureOut">
-              <a:rPr lang="en-VN" smtClean="0"/>
-              <a:t>06/03/2020</a:t>
+            <a:fld id="{91DBA207-AE7E-4894-99A8-C08C23BD7059}" type="datetime1">
+              <a:rPr lang="LID4096" smtClean="0"/>
+              <a:t>06/04/2020</a:t>
             </a:fld>
             <a:endParaRPr lang="en-VN"/>
           </a:p>
@@ -1986,9 +2338,9 @@
           <a:bodyPr/>
           <a:lstStyle/>
           <a:p>
-            <a:fld id="{1D9BD311-84D8-0946-8E87-1C2F5B0ACECB}" type="datetimeFigureOut">
-              <a:rPr lang="en-VN" smtClean="0"/>
-              <a:t>06/03/2020</a:t>
+            <a:fld id="{5BE0FA6D-C952-46BD-BD48-EF1D00877F2A}" type="datetime1">
+              <a:rPr lang="LID4096" smtClean="0"/>
+              <a:t>06/04/2020</a:t>
             </a:fld>
             <a:endParaRPr lang="en-VN"/>
           </a:p>
@@ -2099,9 +2451,9 @@
           <a:bodyPr/>
           <a:lstStyle/>
           <a:p>
-            <a:fld id="{1D9BD311-84D8-0946-8E87-1C2F5B0ACECB}" type="datetimeFigureOut">
-              <a:rPr lang="en-VN" smtClean="0"/>
-              <a:t>06/03/2020</a:t>
+            <a:fld id="{5EB90824-7FA5-454F-A55A-E1C5D94FA956}" type="datetime1">
+              <a:rPr lang="LID4096" smtClean="0"/>
+              <a:t>06/04/2020</a:t>
             </a:fld>
             <a:endParaRPr lang="en-VN"/>
           </a:p>
@@ -2412,9 +2764,9 @@
           <a:bodyPr/>
           <a:lstStyle/>
           <a:p>
-            <a:fld id="{1D9BD311-84D8-0946-8E87-1C2F5B0ACECB}" type="datetimeFigureOut">
-              <a:rPr lang="en-VN" smtClean="0"/>
-              <a:t>06/03/2020</a:t>
+            <a:fld id="{8ACA31C4-7F42-4CDF-80C1-0E62026099EB}" type="datetime1">
+              <a:rPr lang="LID4096" smtClean="0"/>
+              <a:t>06/04/2020</a:t>
             </a:fld>
             <a:endParaRPr lang="en-VN"/>
           </a:p>
@@ -2701,9 +3053,9 @@
           <a:bodyPr/>
           <a:lstStyle/>
           <a:p>
-            <a:fld id="{1D9BD311-84D8-0946-8E87-1C2F5B0ACECB}" type="datetimeFigureOut">
-              <a:rPr lang="en-VN" smtClean="0"/>
-              <a:t>06/03/2020</a:t>
+            <a:fld id="{67E79196-DA74-4B73-A24D-44BF107C0965}" type="datetime1">
+              <a:rPr lang="LID4096" smtClean="0"/>
+              <a:t>06/04/2020</a:t>
             </a:fld>
             <a:endParaRPr lang="en-VN"/>
           </a:p>
@@ -2944,9 +3296,9 @@
             </a:lvl1pPr>
           </a:lstStyle>
           <a:p>
-            <a:fld id="{1D9BD311-84D8-0946-8E87-1C2F5B0ACECB}" type="datetimeFigureOut">
-              <a:rPr lang="en-VN" smtClean="0"/>
-              <a:t>06/03/2020</a:t>
+            <a:fld id="{7AEE5555-E5F4-42E8-BB23-EC1E7008E89B}" type="datetime1">
+              <a:rPr lang="LID4096" smtClean="0"/>
+              <a:t>06/04/2020</a:t>
             </a:fld>
             <a:endParaRPr lang="en-VN"/>
           </a:p>
@@ -3063,6 +3415,7 @@
     <p:sldLayoutId id="2147483658" r:id="rId10"/>
     <p:sldLayoutId id="2147483659" r:id="rId11"/>
   </p:sldLayoutIdLst>
+  <p:hf hdr="0" ftr="0" dt="0"/>
   <p:txStyles>
     <p:titleStyle>
       <a:lvl1pPr algn="l" defTabSz="914400" rtl="0" eaLnBrk="1" latinLnBrk="0" hangingPunct="1">
@@ -3371,7 +3724,7 @@
         </p:nvSpPr>
         <p:spPr>
           <a:xfrm>
-            <a:off x="-68239" y="14535"/>
+            <a:off x="59444" y="1033809"/>
             <a:ext cx="12328478" cy="6980830"/>
           </a:xfrm>
           <a:prstGeom prst="rect">
@@ -3411,7 +3764,6 @@
           <a:bodyPr rtlCol="0" anchor="ctr"/>
           <a:lstStyle/>
           <a:p>
-            <a:pPr algn="ctr"/>
             <a:endParaRPr lang="en-US"/>
           </a:p>
         </p:txBody>
@@ -3426,7 +3778,7 @@
         </p:nvCxnSpPr>
         <p:spPr>
           <a:xfrm>
-            <a:off x="834788" y="6171613"/>
+            <a:off x="770133" y="4608526"/>
             <a:ext cx="3296341" cy="0"/>
           </a:xfrm>
           <a:prstGeom prst="line">
@@ -3461,7 +3813,7 @@
         </p:nvSpPr>
         <p:spPr>
           <a:xfrm>
-            <a:off x="1401591" y="5566603"/>
+            <a:off x="1235337" y="4130855"/>
             <a:ext cx="2162734" cy="477671"/>
           </a:xfrm>
           <a:prstGeom prst="rect">
@@ -3536,7 +3888,7 @@
         </p:nvSpPr>
         <p:spPr>
           <a:xfrm>
-            <a:off x="-87152" y="14535"/>
+            <a:off x="-68238" y="-77625"/>
             <a:ext cx="12328477" cy="3064594"/>
           </a:xfrm>
           <a:prstGeom prst="rect">
@@ -3582,7 +3934,7 @@
         </p:nvSpPr>
         <p:spPr>
           <a:xfrm>
-            <a:off x="1541344" y="1429193"/>
+            <a:off x="1803546" y="824226"/>
             <a:ext cx="9109312" cy="1659450"/>
           </a:xfrm>
           <a:prstGeom prst="rect">
@@ -3666,7 +4018,7 @@
         </p:nvSpPr>
         <p:spPr>
           <a:xfrm>
-            <a:off x="2111081" y="3188626"/>
+            <a:off x="2063435" y="3346636"/>
             <a:ext cx="7833359" cy="644023"/>
           </a:xfrm>
           <a:prstGeom prst="rect">
@@ -3699,7 +4051,7 @@
           <a:p>
             <a:pPr algn="ctr"/>
             <a:r>
-              <a:rPr lang="en-US" sz="2800" spc="300" dirty="0">
+              <a:rPr lang="en-US" sz="3200" spc="300" dirty="0">
                 <a:solidFill>
                   <a:schemeClr val="bg2">
                     <a:lumMod val="10000"/>
@@ -3712,8 +4064,8 @@
                     </a:srgbClr>
                   </a:outerShdw>
                 </a:effectLst>
-                <a:latin typeface="Courier New" panose="02070309020205020404" pitchFamily="49" charset="0"/>
-                <a:cs typeface="Courier New" panose="02070309020205020404" pitchFamily="49" charset="0"/>
+                <a:latin typeface="Cascadia Code" panose="020B0609020000020004" pitchFamily="49" charset="0"/>
+                <a:cs typeface="Cascadia Code" panose="020B0609020000020004" pitchFamily="49" charset="0"/>
               </a:rPr>
               <a:t>BÁO CÁO BÀI TẬP LỚN</a:t>
             </a:r>
@@ -3742,7 +4094,7 @@
         </p:blipFill>
         <p:spPr>
           <a:xfrm>
-            <a:off x="5383336" y="4350327"/>
+            <a:off x="5540520" y="4226051"/>
             <a:ext cx="6355795" cy="2067176"/>
           </a:xfrm>
           <a:prstGeom prst="rect">
@@ -3750,6 +4102,509 @@
           </a:prstGeom>
         </p:spPr>
       </p:pic>
+      <p:sp>
+        <p:nvSpPr>
+          <p:cNvPr id="10" name="Rectangle 9">
+            <a:extLst>
+              <a:ext uri="{FF2B5EF4-FFF2-40B4-BE49-F238E27FC236}">
+                <a16:creationId xmlns:a16="http://schemas.microsoft.com/office/drawing/2014/main" id="{5D2726E6-1CE2-4A25-B710-949046923B55}"/>
+              </a:ext>
+            </a:extLst>
+          </p:cNvPr>
+          <p:cNvSpPr/>
+          <p:nvPr/>
+        </p:nvSpPr>
+        <p:spPr>
+          <a:xfrm>
+            <a:off x="1145074" y="4656874"/>
+            <a:ext cx="2861880" cy="477671"/>
+          </a:xfrm>
+          <a:prstGeom prst="rect">
+            <a:avLst/>
+          </a:prstGeom>
+          <a:noFill/>
+          <a:ln>
+            <a:noFill/>
+          </a:ln>
+        </p:spPr>
+        <p:style>
+          <a:lnRef idx="2">
+            <a:schemeClr val="accent1">
+              <a:shade val="50000"/>
+            </a:schemeClr>
+          </a:lnRef>
+          <a:fillRef idx="1">
+            <a:schemeClr val="accent1"/>
+          </a:fillRef>
+          <a:effectRef idx="0">
+            <a:schemeClr val="accent1"/>
+          </a:effectRef>
+          <a:fontRef idx="minor">
+            <a:schemeClr val="lt1"/>
+          </a:fontRef>
+        </p:style>
+        <p:txBody>
+          <a:bodyPr rtlCol="0" anchor="ctr"/>
+          <a:lstStyle/>
+          <a:p>
+            <a:r>
+              <a:rPr lang="en-US" sz="2400" dirty="0" err="1">
+                <a:solidFill>
+                  <a:schemeClr val="tx1"/>
+                </a:solidFill>
+                <a:effectLst>
+                  <a:outerShdw blurRad="38100" dist="38100" dir="2700000" algn="tl">
+                    <a:srgbClr val="000000">
+                      <a:alpha val="43137"/>
+                    </a:srgbClr>
+                  </a:outerShdw>
+                </a:effectLst>
+                <a:latin typeface=".VnCourier" panose="020B7200000000000000" pitchFamily="34" charset="0"/>
+              </a:rPr>
+              <a:t>Trần</a:t>
+            </a:r>
+            <a:r>
+              <a:rPr lang="en-US" sz="2400" dirty="0">
+                <a:solidFill>
+                  <a:schemeClr val="tx1"/>
+                </a:solidFill>
+                <a:effectLst>
+                  <a:outerShdw blurRad="38100" dist="38100" dir="2700000" algn="tl">
+                    <a:srgbClr val="000000">
+                      <a:alpha val="43137"/>
+                    </a:srgbClr>
+                  </a:outerShdw>
+                </a:effectLst>
+                <a:latin typeface=".VnCourier" panose="020B7200000000000000" pitchFamily="34" charset="0"/>
+              </a:rPr>
+              <a:t> </a:t>
+            </a:r>
+            <a:r>
+              <a:rPr lang="en-US" sz="2400" dirty="0" err="1">
+                <a:solidFill>
+                  <a:schemeClr val="tx1"/>
+                </a:solidFill>
+                <a:effectLst>
+                  <a:outerShdw blurRad="38100" dist="38100" dir="2700000" algn="tl">
+                    <a:srgbClr val="000000">
+                      <a:alpha val="43137"/>
+                    </a:srgbClr>
+                  </a:outerShdw>
+                </a:effectLst>
+                <a:latin typeface=".VnCourier" panose="020B7200000000000000" pitchFamily="34" charset="0"/>
+              </a:rPr>
+              <a:t>Ngọc</a:t>
+            </a:r>
+            <a:r>
+              <a:rPr lang="en-US" sz="2400" dirty="0">
+                <a:solidFill>
+                  <a:schemeClr val="tx1"/>
+                </a:solidFill>
+                <a:effectLst>
+                  <a:outerShdw blurRad="38100" dist="38100" dir="2700000" algn="tl">
+                    <a:srgbClr val="000000">
+                      <a:alpha val="43137"/>
+                    </a:srgbClr>
+                  </a:outerShdw>
+                </a:effectLst>
+                <a:latin typeface=".VnCourier" panose="020B7200000000000000" pitchFamily="34" charset="0"/>
+              </a:rPr>
+              <a:t> </a:t>
+            </a:r>
+            <a:r>
+              <a:rPr lang="en-US" sz="2400" dirty="0" err="1">
+                <a:solidFill>
+                  <a:schemeClr val="tx1"/>
+                </a:solidFill>
+                <a:effectLst>
+                  <a:outerShdw blurRad="38100" dist="38100" dir="2700000" algn="tl">
+                    <a:srgbClr val="000000">
+                      <a:alpha val="43137"/>
+                    </a:srgbClr>
+                  </a:outerShdw>
+                </a:effectLst>
+                <a:latin typeface=".VnCourier" panose="020B7200000000000000" pitchFamily="34" charset="0"/>
+              </a:rPr>
+              <a:t>Công</a:t>
+            </a:r>
+            <a:endParaRPr lang="en-US" sz="2400" dirty="0">
+              <a:solidFill>
+                <a:schemeClr val="tx1"/>
+              </a:solidFill>
+              <a:effectLst>
+                <a:outerShdw blurRad="38100" dist="38100" dir="2700000" algn="tl">
+                  <a:srgbClr val="000000">
+                    <a:alpha val="43137"/>
+                  </a:srgbClr>
+                </a:outerShdw>
+              </a:effectLst>
+              <a:latin typeface=".VnCourier" panose="020B7200000000000000" pitchFamily="34" charset="0"/>
+            </a:endParaRPr>
+          </a:p>
+        </p:txBody>
+      </p:sp>
+      <p:sp>
+        <p:nvSpPr>
+          <p:cNvPr id="14" name="Rectangle 13">
+            <a:extLst>
+              <a:ext uri="{FF2B5EF4-FFF2-40B4-BE49-F238E27FC236}">
+                <a16:creationId xmlns:a16="http://schemas.microsoft.com/office/drawing/2014/main" id="{8EE479DE-7656-452F-8E97-A9988BA63E8E}"/>
+              </a:ext>
+            </a:extLst>
+          </p:cNvPr>
+          <p:cNvSpPr/>
+          <p:nvPr/>
+        </p:nvSpPr>
+        <p:spPr>
+          <a:xfrm>
+            <a:off x="1137460" y="5102042"/>
+            <a:ext cx="2861882" cy="477671"/>
+          </a:xfrm>
+          <a:prstGeom prst="rect">
+            <a:avLst/>
+          </a:prstGeom>
+          <a:noFill/>
+          <a:ln>
+            <a:noFill/>
+          </a:ln>
+        </p:spPr>
+        <p:style>
+          <a:lnRef idx="2">
+            <a:schemeClr val="accent1">
+              <a:shade val="50000"/>
+            </a:schemeClr>
+          </a:lnRef>
+          <a:fillRef idx="1">
+            <a:schemeClr val="accent1"/>
+          </a:fillRef>
+          <a:effectRef idx="0">
+            <a:schemeClr val="accent1"/>
+          </a:effectRef>
+          <a:fontRef idx="minor">
+            <a:schemeClr val="lt1"/>
+          </a:fontRef>
+        </p:style>
+        <p:txBody>
+          <a:bodyPr rtlCol="0" anchor="ctr"/>
+          <a:lstStyle/>
+          <a:p>
+            <a:r>
+              <a:rPr lang="en-US" sz="2400" dirty="0" err="1">
+                <a:solidFill>
+                  <a:schemeClr val="tx1"/>
+                </a:solidFill>
+                <a:effectLst>
+                  <a:outerShdw blurRad="38100" dist="38100" dir="2700000" algn="tl">
+                    <a:srgbClr val="000000">
+                      <a:alpha val="43137"/>
+                    </a:srgbClr>
+                  </a:outerShdw>
+                </a:effectLst>
+                <a:latin typeface=".VnCourier" panose="020B7200000000000000" pitchFamily="34" charset="0"/>
+              </a:rPr>
+              <a:t>Hoàng</a:t>
+            </a:r>
+            <a:r>
+              <a:rPr lang="en-US" sz="2400" dirty="0">
+                <a:solidFill>
+                  <a:schemeClr val="tx1"/>
+                </a:solidFill>
+                <a:effectLst>
+                  <a:outerShdw blurRad="38100" dist="38100" dir="2700000" algn="tl">
+                    <a:srgbClr val="000000">
+                      <a:alpha val="43137"/>
+                    </a:srgbClr>
+                  </a:outerShdw>
+                </a:effectLst>
+                <a:latin typeface=".VnCourier" panose="020B7200000000000000" pitchFamily="34" charset="0"/>
+              </a:rPr>
+              <a:t> Minh </a:t>
+            </a:r>
+            <a:r>
+              <a:rPr lang="en-US" sz="2400" dirty="0" err="1">
+                <a:solidFill>
+                  <a:schemeClr val="tx1"/>
+                </a:solidFill>
+                <a:effectLst>
+                  <a:outerShdw blurRad="38100" dist="38100" dir="2700000" algn="tl">
+                    <a:srgbClr val="000000">
+                      <a:alpha val="43137"/>
+                    </a:srgbClr>
+                  </a:outerShdw>
+                </a:effectLst>
+                <a:latin typeface=".VnCourier" panose="020B7200000000000000" pitchFamily="34" charset="0"/>
+              </a:rPr>
+              <a:t>Nguyệt</a:t>
+            </a:r>
+            <a:endParaRPr lang="en-US" sz="2400" dirty="0">
+              <a:solidFill>
+                <a:schemeClr val="tx1"/>
+              </a:solidFill>
+              <a:effectLst>
+                <a:outerShdw blurRad="38100" dist="38100" dir="2700000" algn="tl">
+                  <a:srgbClr val="000000">
+                    <a:alpha val="43137"/>
+                  </a:srgbClr>
+                </a:outerShdw>
+              </a:effectLst>
+              <a:latin typeface=".VnCourier" panose="020B7200000000000000" pitchFamily="34" charset="0"/>
+            </a:endParaRPr>
+          </a:p>
+        </p:txBody>
+      </p:sp>
+      <p:sp>
+        <p:nvSpPr>
+          <p:cNvPr id="15" name="Rectangle 14">
+            <a:extLst>
+              <a:ext uri="{FF2B5EF4-FFF2-40B4-BE49-F238E27FC236}">
+                <a16:creationId xmlns:a16="http://schemas.microsoft.com/office/drawing/2014/main" id="{8CED9837-5371-459A-9FE3-86CB89506207}"/>
+              </a:ext>
+            </a:extLst>
+          </p:cNvPr>
+          <p:cNvSpPr/>
+          <p:nvPr/>
+        </p:nvSpPr>
+        <p:spPr>
+          <a:xfrm>
+            <a:off x="1137460" y="5566878"/>
+            <a:ext cx="2861881" cy="477671"/>
+          </a:xfrm>
+          <a:prstGeom prst="rect">
+            <a:avLst/>
+          </a:prstGeom>
+          <a:noFill/>
+          <a:ln>
+            <a:noFill/>
+          </a:ln>
+        </p:spPr>
+        <p:style>
+          <a:lnRef idx="2">
+            <a:schemeClr val="accent1">
+              <a:shade val="50000"/>
+            </a:schemeClr>
+          </a:lnRef>
+          <a:fillRef idx="1">
+            <a:schemeClr val="accent1"/>
+          </a:fillRef>
+          <a:effectRef idx="0">
+            <a:schemeClr val="accent1"/>
+          </a:effectRef>
+          <a:fontRef idx="minor">
+            <a:schemeClr val="lt1"/>
+          </a:fontRef>
+        </p:style>
+        <p:txBody>
+          <a:bodyPr rtlCol="0" anchor="ctr"/>
+          <a:lstStyle/>
+          <a:p>
+            <a:r>
+              <a:rPr lang="en-US" sz="2400" dirty="0" err="1">
+                <a:solidFill>
+                  <a:schemeClr val="tx1"/>
+                </a:solidFill>
+                <a:effectLst>
+                  <a:outerShdw blurRad="38100" dist="38100" dir="2700000" algn="tl">
+                    <a:srgbClr val="000000">
+                      <a:alpha val="43137"/>
+                    </a:srgbClr>
+                  </a:outerShdw>
+                </a:effectLst>
+                <a:latin typeface=".VnCourier" panose="020B7200000000000000" pitchFamily="34" charset="0"/>
+              </a:rPr>
+              <a:t>Kiều</a:t>
+            </a:r>
+            <a:r>
+              <a:rPr lang="en-US" sz="2400" dirty="0">
+                <a:solidFill>
+                  <a:schemeClr val="tx1"/>
+                </a:solidFill>
+                <a:effectLst>
+                  <a:outerShdw blurRad="38100" dist="38100" dir="2700000" algn="tl">
+                    <a:srgbClr val="000000">
+                      <a:alpha val="43137"/>
+                    </a:srgbClr>
+                  </a:outerShdw>
+                </a:effectLst>
+                <a:latin typeface=".VnCourier" panose="020B7200000000000000" pitchFamily="34" charset="0"/>
+              </a:rPr>
+              <a:t> </a:t>
+            </a:r>
+            <a:r>
+              <a:rPr lang="en-US" sz="2400" dirty="0" err="1">
+                <a:solidFill>
+                  <a:schemeClr val="tx1"/>
+                </a:solidFill>
+                <a:effectLst>
+                  <a:outerShdw blurRad="38100" dist="38100" dir="2700000" algn="tl">
+                    <a:srgbClr val="000000">
+                      <a:alpha val="43137"/>
+                    </a:srgbClr>
+                  </a:outerShdw>
+                </a:effectLst>
+                <a:latin typeface=".VnCourier" panose="020B7200000000000000" pitchFamily="34" charset="0"/>
+              </a:rPr>
+              <a:t>Đăng</a:t>
+            </a:r>
+            <a:r>
+              <a:rPr lang="en-US" sz="2400" dirty="0">
+                <a:solidFill>
+                  <a:schemeClr val="tx1"/>
+                </a:solidFill>
+                <a:effectLst>
+                  <a:outerShdw blurRad="38100" dist="38100" dir="2700000" algn="tl">
+                    <a:srgbClr val="000000">
+                      <a:alpha val="43137"/>
+                    </a:srgbClr>
+                  </a:outerShdw>
+                </a:effectLst>
+                <a:latin typeface=".VnCourier" panose="020B7200000000000000" pitchFamily="34" charset="0"/>
+              </a:rPr>
+              <a:t> Nam</a:t>
+            </a:r>
+          </a:p>
+        </p:txBody>
+      </p:sp>
+      <p:sp>
+        <p:nvSpPr>
+          <p:cNvPr id="16" name="Rectangle 15">
+            <a:extLst>
+              <a:ext uri="{FF2B5EF4-FFF2-40B4-BE49-F238E27FC236}">
+                <a16:creationId xmlns:a16="http://schemas.microsoft.com/office/drawing/2014/main" id="{7E3B55CA-2480-4629-AE49-0DFAC4ADEC13}"/>
+              </a:ext>
+            </a:extLst>
+          </p:cNvPr>
+          <p:cNvSpPr/>
+          <p:nvPr/>
+        </p:nvSpPr>
+        <p:spPr>
+          <a:xfrm>
+            <a:off x="1137460" y="6054392"/>
+            <a:ext cx="2861882" cy="477671"/>
+          </a:xfrm>
+          <a:prstGeom prst="rect">
+            <a:avLst/>
+          </a:prstGeom>
+          <a:noFill/>
+          <a:ln>
+            <a:noFill/>
+          </a:ln>
+        </p:spPr>
+        <p:style>
+          <a:lnRef idx="2">
+            <a:schemeClr val="accent1">
+              <a:shade val="50000"/>
+            </a:schemeClr>
+          </a:lnRef>
+          <a:fillRef idx="1">
+            <a:schemeClr val="accent1"/>
+          </a:fillRef>
+          <a:effectRef idx="0">
+            <a:schemeClr val="accent1"/>
+          </a:effectRef>
+          <a:fontRef idx="minor">
+            <a:schemeClr val="lt1"/>
+          </a:fontRef>
+        </p:style>
+        <p:txBody>
+          <a:bodyPr rtlCol="0" anchor="ctr"/>
+          <a:lstStyle/>
+          <a:p>
+            <a:r>
+              <a:rPr lang="en-US" sz="2400" dirty="0" err="1">
+                <a:solidFill>
+                  <a:schemeClr val="tx1"/>
+                </a:solidFill>
+                <a:effectLst>
+                  <a:outerShdw blurRad="38100" dist="38100" dir="2700000" algn="tl">
+                    <a:srgbClr val="000000">
+                      <a:alpha val="43137"/>
+                    </a:srgbClr>
+                  </a:outerShdw>
+                </a:effectLst>
+                <a:latin typeface=".VnCourier" panose="020B7200000000000000" pitchFamily="34" charset="0"/>
+              </a:rPr>
+              <a:t>Nguyễn</a:t>
+            </a:r>
+            <a:r>
+              <a:rPr lang="en-US" sz="2400" dirty="0">
+                <a:solidFill>
+                  <a:schemeClr val="tx1"/>
+                </a:solidFill>
+                <a:effectLst>
+                  <a:outerShdw blurRad="38100" dist="38100" dir="2700000" algn="tl">
+                    <a:srgbClr val="000000">
+                      <a:alpha val="43137"/>
+                    </a:srgbClr>
+                  </a:outerShdw>
+                </a:effectLst>
+                <a:latin typeface=".VnCourier" panose="020B7200000000000000" pitchFamily="34" charset="0"/>
+              </a:rPr>
+              <a:t> </a:t>
+            </a:r>
+            <a:r>
+              <a:rPr lang="en-US" sz="2400" dirty="0" err="1">
+                <a:solidFill>
+                  <a:schemeClr val="tx1"/>
+                </a:solidFill>
+                <a:effectLst>
+                  <a:outerShdw blurRad="38100" dist="38100" dir="2700000" algn="tl">
+                    <a:srgbClr val="000000">
+                      <a:alpha val="43137"/>
+                    </a:srgbClr>
+                  </a:outerShdw>
+                </a:effectLst>
+                <a:latin typeface=".VnCourier" panose="020B7200000000000000" pitchFamily="34" charset="0"/>
+              </a:rPr>
+              <a:t>Trung</a:t>
+            </a:r>
+            <a:r>
+              <a:rPr lang="en-US" sz="2400" dirty="0">
+                <a:solidFill>
+                  <a:schemeClr val="tx1"/>
+                </a:solidFill>
+                <a:effectLst>
+                  <a:outerShdw blurRad="38100" dist="38100" dir="2700000" algn="tl">
+                    <a:srgbClr val="000000">
+                      <a:alpha val="43137"/>
+                    </a:srgbClr>
+                  </a:outerShdw>
+                </a:effectLst>
+                <a:latin typeface=".VnCourier" panose="020B7200000000000000" pitchFamily="34" charset="0"/>
+              </a:rPr>
+              <a:t> </a:t>
+            </a:r>
+            <a:r>
+              <a:rPr lang="en-US" sz="2400" dirty="0" err="1">
+                <a:solidFill>
+                  <a:schemeClr val="tx1"/>
+                </a:solidFill>
+                <a:effectLst>
+                  <a:outerShdw blurRad="38100" dist="38100" dir="2700000" algn="tl">
+                    <a:srgbClr val="000000">
+                      <a:alpha val="43137"/>
+                    </a:srgbClr>
+                  </a:outerShdw>
+                </a:effectLst>
+                <a:latin typeface=".VnCourier" panose="020B7200000000000000" pitchFamily="34" charset="0"/>
+              </a:rPr>
+              <a:t>Thành</a:t>
+            </a:r>
+            <a:endParaRPr lang="en-US" sz="2400" dirty="0">
+              <a:solidFill>
+                <a:schemeClr val="tx1"/>
+              </a:solidFill>
+              <a:effectLst>
+                <a:outerShdw blurRad="38100" dist="38100" dir="2700000" algn="tl">
+                  <a:srgbClr val="000000">
+                    <a:alpha val="43137"/>
+                  </a:srgbClr>
+                </a:outerShdw>
+              </a:effectLst>
+              <a:latin typeface=".VnCourier" panose="020B7200000000000000" pitchFamily="34" charset="0"/>
+            </a:endParaRPr>
+          </a:p>
+        </p:txBody>
+      </p:sp>
     </p:spTree>
     <p:extLst>
       <p:ext uri="{BB962C8B-B14F-4D97-AF65-F5344CB8AC3E}">
@@ -3956,6 +4811,35 @@
           </a:p>
         </p:txBody>
       </p:sp>
+      <p:sp>
+        <p:nvSpPr>
+          <p:cNvPr id="3" name="Slide Number Placeholder 2">
+            <a:extLst>
+              <a:ext uri="{FF2B5EF4-FFF2-40B4-BE49-F238E27FC236}">
+                <a16:creationId xmlns:a16="http://schemas.microsoft.com/office/drawing/2014/main" id="{94B4E1C2-2FBB-4850-AFBC-2E8F8FB6684E}"/>
+              </a:ext>
+            </a:extLst>
+          </p:cNvPr>
+          <p:cNvSpPr>
+            <a:spLocks noGrp="1"/>
+          </p:cNvSpPr>
+          <p:nvPr>
+            <p:ph type="sldNum" sz="quarter" idx="12"/>
+          </p:nvPr>
+        </p:nvSpPr>
+        <p:spPr/>
+        <p:txBody>
+          <a:bodyPr/>
+          <a:lstStyle/>
+          <a:p>
+            <a:fld id="{E9AE0C10-0EF1-C246-872D-CC0E704EB9A9}" type="slidenum">
+              <a:rPr lang="en-VN" smtClean="0"/>
+              <a:t>10</a:t>
+            </a:fld>
+            <a:endParaRPr lang="en-VN"/>
+          </a:p>
+        </p:txBody>
+      </p:sp>
     </p:spTree>
     <p:extLst>
       <p:ext uri="{BB962C8B-B14F-4D97-AF65-F5344CB8AC3E}">
@@ -4165,6 +5049,35 @@
           </a:prstGeom>
         </p:spPr>
       </p:pic>
+      <p:sp>
+        <p:nvSpPr>
+          <p:cNvPr id="7" name="Slide Number Placeholder 6">
+            <a:extLst>
+              <a:ext uri="{FF2B5EF4-FFF2-40B4-BE49-F238E27FC236}">
+                <a16:creationId xmlns:a16="http://schemas.microsoft.com/office/drawing/2014/main" id="{ACC078CF-E622-44A3-A7FF-95B735BFE9C3}"/>
+              </a:ext>
+            </a:extLst>
+          </p:cNvPr>
+          <p:cNvSpPr>
+            <a:spLocks noGrp="1"/>
+          </p:cNvSpPr>
+          <p:nvPr>
+            <p:ph type="sldNum" sz="quarter" idx="12"/>
+          </p:nvPr>
+        </p:nvSpPr>
+        <p:spPr/>
+        <p:txBody>
+          <a:bodyPr/>
+          <a:lstStyle/>
+          <a:p>
+            <a:fld id="{E9AE0C10-0EF1-C246-872D-CC0E704EB9A9}" type="slidenum">
+              <a:rPr lang="en-VN" smtClean="0"/>
+              <a:t>11</a:t>
+            </a:fld>
+            <a:endParaRPr lang="en-VN"/>
+          </a:p>
+        </p:txBody>
+      </p:sp>
     </p:spTree>
     <p:extLst>
       <p:ext uri="{BB962C8B-B14F-4D97-AF65-F5344CB8AC3E}">
@@ -4359,6 +5272,35 @@
           </a:p>
         </p:txBody>
       </p:sp>
+      <p:sp>
+        <p:nvSpPr>
+          <p:cNvPr id="4" name="Slide Number Placeholder 3">
+            <a:extLst>
+              <a:ext uri="{FF2B5EF4-FFF2-40B4-BE49-F238E27FC236}">
+                <a16:creationId xmlns:a16="http://schemas.microsoft.com/office/drawing/2014/main" id="{518DDF1E-6DFC-47E8-AB85-7DA54E585A55}"/>
+              </a:ext>
+            </a:extLst>
+          </p:cNvPr>
+          <p:cNvSpPr>
+            <a:spLocks noGrp="1"/>
+          </p:cNvSpPr>
+          <p:nvPr>
+            <p:ph type="sldNum" sz="quarter" idx="12"/>
+          </p:nvPr>
+        </p:nvSpPr>
+        <p:spPr/>
+        <p:txBody>
+          <a:bodyPr/>
+          <a:lstStyle/>
+          <a:p>
+            <a:fld id="{E9AE0C10-0EF1-C246-872D-CC0E704EB9A9}" type="slidenum">
+              <a:rPr lang="en-VN" smtClean="0"/>
+              <a:t>12</a:t>
+            </a:fld>
+            <a:endParaRPr lang="en-VN"/>
+          </a:p>
+        </p:txBody>
+      </p:sp>
     </p:spTree>
     <p:extLst>
       <p:ext uri="{BB962C8B-B14F-4D97-AF65-F5344CB8AC3E}">
@@ -4553,6 +5495,35 @@
           </a:prstGeom>
         </p:spPr>
       </p:pic>
+      <p:sp>
+        <p:nvSpPr>
+          <p:cNvPr id="3" name="Slide Number Placeholder 2">
+            <a:extLst>
+              <a:ext uri="{FF2B5EF4-FFF2-40B4-BE49-F238E27FC236}">
+                <a16:creationId xmlns:a16="http://schemas.microsoft.com/office/drawing/2014/main" id="{BB893117-B2FB-4649-A5EE-62A6511B8267}"/>
+              </a:ext>
+            </a:extLst>
+          </p:cNvPr>
+          <p:cNvSpPr>
+            <a:spLocks noGrp="1"/>
+          </p:cNvSpPr>
+          <p:nvPr>
+            <p:ph type="sldNum" sz="quarter" idx="12"/>
+          </p:nvPr>
+        </p:nvSpPr>
+        <p:spPr/>
+        <p:txBody>
+          <a:bodyPr/>
+          <a:lstStyle/>
+          <a:p>
+            <a:fld id="{E9AE0C10-0EF1-C246-872D-CC0E704EB9A9}" type="slidenum">
+              <a:rPr lang="en-VN" smtClean="0"/>
+              <a:t>13</a:t>
+            </a:fld>
+            <a:endParaRPr lang="en-VN"/>
+          </a:p>
+        </p:txBody>
+      </p:sp>
     </p:spTree>
     <p:extLst>
       <p:ext uri="{BB962C8B-B14F-4D97-AF65-F5344CB8AC3E}">
@@ -4747,6 +5718,35 @@
           </a:prstGeom>
         </p:spPr>
       </p:pic>
+      <p:sp>
+        <p:nvSpPr>
+          <p:cNvPr id="3" name="Slide Number Placeholder 2">
+            <a:extLst>
+              <a:ext uri="{FF2B5EF4-FFF2-40B4-BE49-F238E27FC236}">
+                <a16:creationId xmlns:a16="http://schemas.microsoft.com/office/drawing/2014/main" id="{1979CED1-C2CD-4B39-859B-CCCE6A997E79}"/>
+              </a:ext>
+            </a:extLst>
+          </p:cNvPr>
+          <p:cNvSpPr>
+            <a:spLocks noGrp="1"/>
+          </p:cNvSpPr>
+          <p:nvPr>
+            <p:ph type="sldNum" sz="quarter" idx="12"/>
+          </p:nvPr>
+        </p:nvSpPr>
+        <p:spPr/>
+        <p:txBody>
+          <a:bodyPr/>
+          <a:lstStyle/>
+          <a:p>
+            <a:fld id="{E9AE0C10-0EF1-C246-872D-CC0E704EB9A9}" type="slidenum">
+              <a:rPr lang="en-VN" smtClean="0"/>
+              <a:t>14</a:t>
+            </a:fld>
+            <a:endParaRPr lang="en-VN"/>
+          </a:p>
+        </p:txBody>
+      </p:sp>
     </p:spTree>
     <p:extLst>
       <p:ext uri="{BB962C8B-B14F-4D97-AF65-F5344CB8AC3E}">
@@ -4935,6 +5935,35 @@
           </a:prstGeom>
         </p:spPr>
       </p:pic>
+      <p:sp>
+        <p:nvSpPr>
+          <p:cNvPr id="3" name="Slide Number Placeholder 2">
+            <a:extLst>
+              <a:ext uri="{FF2B5EF4-FFF2-40B4-BE49-F238E27FC236}">
+                <a16:creationId xmlns:a16="http://schemas.microsoft.com/office/drawing/2014/main" id="{686A55E5-3B95-40B1-A0E9-504BC6DF9973}"/>
+              </a:ext>
+            </a:extLst>
+          </p:cNvPr>
+          <p:cNvSpPr>
+            <a:spLocks noGrp="1"/>
+          </p:cNvSpPr>
+          <p:nvPr>
+            <p:ph type="sldNum" sz="quarter" idx="12"/>
+          </p:nvPr>
+        </p:nvSpPr>
+        <p:spPr/>
+        <p:txBody>
+          <a:bodyPr/>
+          <a:lstStyle/>
+          <a:p>
+            <a:fld id="{E9AE0C10-0EF1-C246-872D-CC0E704EB9A9}" type="slidenum">
+              <a:rPr lang="en-VN" smtClean="0"/>
+              <a:t>15</a:t>
+            </a:fld>
+            <a:endParaRPr lang="en-VN"/>
+          </a:p>
+        </p:txBody>
+      </p:sp>
     </p:spTree>
     <p:extLst>
       <p:ext uri="{BB962C8B-B14F-4D97-AF65-F5344CB8AC3E}">
@@ -6540,6 +7569,35 @@
           </a:prstGeom>
         </p:spPr>
       </p:pic>
+      <p:sp>
+        <p:nvSpPr>
+          <p:cNvPr id="4" name="Slide Number Placeholder 3">
+            <a:extLst>
+              <a:ext uri="{FF2B5EF4-FFF2-40B4-BE49-F238E27FC236}">
+                <a16:creationId xmlns:a16="http://schemas.microsoft.com/office/drawing/2014/main" id="{BDA99E8E-7A76-4903-8068-B47B2ED51DFB}"/>
+              </a:ext>
+            </a:extLst>
+          </p:cNvPr>
+          <p:cNvSpPr>
+            <a:spLocks noGrp="1"/>
+          </p:cNvSpPr>
+          <p:nvPr>
+            <p:ph type="sldNum" sz="quarter" idx="12"/>
+          </p:nvPr>
+        </p:nvSpPr>
+        <p:spPr/>
+        <p:txBody>
+          <a:bodyPr/>
+          <a:lstStyle/>
+          <a:p>
+            <a:fld id="{E9AE0C10-0EF1-C246-872D-CC0E704EB9A9}" type="slidenum">
+              <a:rPr lang="en-VN" smtClean="0"/>
+              <a:t>17</a:t>
+            </a:fld>
+            <a:endParaRPr lang="en-VN"/>
+          </a:p>
+        </p:txBody>
+      </p:sp>
     </p:spTree>
     <p:extLst>
       <p:ext uri="{BB962C8B-B14F-4D97-AF65-F5344CB8AC3E}">
@@ -7562,6 +8620,35 @@
           </a:prstGeom>
         </p:spPr>
       </p:pic>
+      <p:sp>
+        <p:nvSpPr>
+          <p:cNvPr id="7" name="Slide Number Placeholder 6">
+            <a:extLst>
+              <a:ext uri="{FF2B5EF4-FFF2-40B4-BE49-F238E27FC236}">
+                <a16:creationId xmlns:a16="http://schemas.microsoft.com/office/drawing/2014/main" id="{3F80ADEA-6135-4B12-A96A-88AEEB0A9E02}"/>
+              </a:ext>
+            </a:extLst>
+          </p:cNvPr>
+          <p:cNvSpPr>
+            <a:spLocks noGrp="1"/>
+          </p:cNvSpPr>
+          <p:nvPr>
+            <p:ph type="sldNum" sz="quarter" idx="12"/>
+          </p:nvPr>
+        </p:nvSpPr>
+        <p:spPr/>
+        <p:txBody>
+          <a:bodyPr/>
+          <a:lstStyle/>
+          <a:p>
+            <a:fld id="{E9AE0C10-0EF1-C246-872D-CC0E704EB9A9}" type="slidenum">
+              <a:rPr lang="en-VN" smtClean="0"/>
+              <a:t>2</a:t>
+            </a:fld>
+            <a:endParaRPr lang="en-VN"/>
+          </a:p>
+        </p:txBody>
+      </p:sp>
     </p:spTree>
     <p:extLst>
       <p:ext uri="{BB962C8B-B14F-4D97-AF65-F5344CB8AC3E}">
@@ -8162,6 +9249,35 @@
           </a:p>
         </p:txBody>
       </p:sp>
+      <p:sp>
+        <p:nvSpPr>
+          <p:cNvPr id="6" name="Slide Number Placeholder 5">
+            <a:extLst>
+              <a:ext uri="{FF2B5EF4-FFF2-40B4-BE49-F238E27FC236}">
+                <a16:creationId xmlns:a16="http://schemas.microsoft.com/office/drawing/2014/main" id="{15DFC535-A763-45E3-B04B-772FE1CA362E}"/>
+              </a:ext>
+            </a:extLst>
+          </p:cNvPr>
+          <p:cNvSpPr>
+            <a:spLocks noGrp="1"/>
+          </p:cNvSpPr>
+          <p:nvPr>
+            <p:ph type="sldNum" sz="quarter" idx="12"/>
+          </p:nvPr>
+        </p:nvSpPr>
+        <p:spPr/>
+        <p:txBody>
+          <a:bodyPr/>
+          <a:lstStyle/>
+          <a:p>
+            <a:fld id="{E9AE0C10-0EF1-C246-872D-CC0E704EB9A9}" type="slidenum">
+              <a:rPr lang="en-VN" smtClean="0"/>
+              <a:t>3</a:t>
+            </a:fld>
+            <a:endParaRPr lang="en-VN"/>
+          </a:p>
+        </p:txBody>
+      </p:sp>
     </p:spTree>
     <p:extLst>
       <p:ext uri="{BB962C8B-B14F-4D97-AF65-F5344CB8AC3E}">
@@ -8358,6 +9474,35 @@
           </a:prstGeom>
         </p:spPr>
       </p:pic>
+      <p:sp>
+        <p:nvSpPr>
+          <p:cNvPr id="3" name="Slide Number Placeholder 2">
+            <a:extLst>
+              <a:ext uri="{FF2B5EF4-FFF2-40B4-BE49-F238E27FC236}">
+                <a16:creationId xmlns:a16="http://schemas.microsoft.com/office/drawing/2014/main" id="{447CDB93-8808-4AB6-94B6-A96D36C00B0E}"/>
+              </a:ext>
+            </a:extLst>
+          </p:cNvPr>
+          <p:cNvSpPr>
+            <a:spLocks noGrp="1"/>
+          </p:cNvSpPr>
+          <p:nvPr>
+            <p:ph type="sldNum" sz="quarter" idx="12"/>
+          </p:nvPr>
+        </p:nvSpPr>
+        <p:spPr/>
+        <p:txBody>
+          <a:bodyPr/>
+          <a:lstStyle/>
+          <a:p>
+            <a:fld id="{E9AE0C10-0EF1-C246-872D-CC0E704EB9A9}" type="slidenum">
+              <a:rPr lang="en-VN" smtClean="0"/>
+              <a:t>4</a:t>
+            </a:fld>
+            <a:endParaRPr lang="en-VN"/>
+          </a:p>
+        </p:txBody>
+      </p:sp>
     </p:spTree>
     <p:extLst>
       <p:ext uri="{BB962C8B-B14F-4D97-AF65-F5344CB8AC3E}">
@@ -8611,6 +9756,35 @@
           </a:prstGeom>
         </p:spPr>
       </p:pic>
+      <p:sp>
+        <p:nvSpPr>
+          <p:cNvPr id="3" name="Slide Number Placeholder 2">
+            <a:extLst>
+              <a:ext uri="{FF2B5EF4-FFF2-40B4-BE49-F238E27FC236}">
+                <a16:creationId xmlns:a16="http://schemas.microsoft.com/office/drawing/2014/main" id="{66B72D58-FE4A-4413-A1C8-79B941E8A100}"/>
+              </a:ext>
+            </a:extLst>
+          </p:cNvPr>
+          <p:cNvSpPr>
+            <a:spLocks noGrp="1"/>
+          </p:cNvSpPr>
+          <p:nvPr>
+            <p:ph type="sldNum" sz="quarter" idx="12"/>
+          </p:nvPr>
+        </p:nvSpPr>
+        <p:spPr/>
+        <p:txBody>
+          <a:bodyPr/>
+          <a:lstStyle/>
+          <a:p>
+            <a:fld id="{E9AE0C10-0EF1-C246-872D-CC0E704EB9A9}" type="slidenum">
+              <a:rPr lang="en-VN" smtClean="0"/>
+              <a:t>5</a:t>
+            </a:fld>
+            <a:endParaRPr lang="en-VN"/>
+          </a:p>
+        </p:txBody>
+      </p:sp>
     </p:spTree>
     <p:extLst>
       <p:ext uri="{BB962C8B-B14F-4D97-AF65-F5344CB8AC3E}">
@@ -8799,6 +9973,35 @@
           </a:prstGeom>
         </p:spPr>
       </p:pic>
+      <p:sp>
+        <p:nvSpPr>
+          <p:cNvPr id="3" name="Slide Number Placeholder 2">
+            <a:extLst>
+              <a:ext uri="{FF2B5EF4-FFF2-40B4-BE49-F238E27FC236}">
+                <a16:creationId xmlns:a16="http://schemas.microsoft.com/office/drawing/2014/main" id="{C9BAA714-B4BF-4263-A114-E3114BABCD8B}"/>
+              </a:ext>
+            </a:extLst>
+          </p:cNvPr>
+          <p:cNvSpPr>
+            <a:spLocks noGrp="1"/>
+          </p:cNvSpPr>
+          <p:nvPr>
+            <p:ph type="sldNum" sz="quarter" idx="12"/>
+          </p:nvPr>
+        </p:nvSpPr>
+        <p:spPr/>
+        <p:txBody>
+          <a:bodyPr/>
+          <a:lstStyle/>
+          <a:p>
+            <a:fld id="{E9AE0C10-0EF1-C246-872D-CC0E704EB9A9}" type="slidenum">
+              <a:rPr lang="en-VN" smtClean="0"/>
+              <a:t>6</a:t>
+            </a:fld>
+            <a:endParaRPr lang="en-VN"/>
+          </a:p>
+        </p:txBody>
+      </p:sp>
     </p:spTree>
     <p:extLst>
       <p:ext uri="{BB962C8B-B14F-4D97-AF65-F5344CB8AC3E}">
@@ -8993,6 +10196,35 @@
           </a:prstGeom>
         </p:spPr>
       </p:pic>
+      <p:sp>
+        <p:nvSpPr>
+          <p:cNvPr id="3" name="Slide Number Placeholder 2">
+            <a:extLst>
+              <a:ext uri="{FF2B5EF4-FFF2-40B4-BE49-F238E27FC236}">
+                <a16:creationId xmlns:a16="http://schemas.microsoft.com/office/drawing/2014/main" id="{818619B1-FB65-4AE1-9A44-ABE89E1363B3}"/>
+              </a:ext>
+            </a:extLst>
+          </p:cNvPr>
+          <p:cNvSpPr>
+            <a:spLocks noGrp="1"/>
+          </p:cNvSpPr>
+          <p:nvPr>
+            <p:ph type="sldNum" sz="quarter" idx="12"/>
+          </p:nvPr>
+        </p:nvSpPr>
+        <p:spPr/>
+        <p:txBody>
+          <a:bodyPr/>
+          <a:lstStyle/>
+          <a:p>
+            <a:fld id="{E9AE0C10-0EF1-C246-872D-CC0E704EB9A9}" type="slidenum">
+              <a:rPr lang="en-VN" smtClean="0"/>
+              <a:t>7</a:t>
+            </a:fld>
+            <a:endParaRPr lang="en-VN"/>
+          </a:p>
+        </p:txBody>
+      </p:sp>
     </p:spTree>
     <p:extLst>
       <p:ext uri="{BB962C8B-B14F-4D97-AF65-F5344CB8AC3E}">
@@ -9189,6 +10421,35 @@
           </a:prstGeom>
         </p:spPr>
       </p:pic>
+      <p:sp>
+        <p:nvSpPr>
+          <p:cNvPr id="3" name="Slide Number Placeholder 2">
+            <a:extLst>
+              <a:ext uri="{FF2B5EF4-FFF2-40B4-BE49-F238E27FC236}">
+                <a16:creationId xmlns:a16="http://schemas.microsoft.com/office/drawing/2014/main" id="{0D6AEF3F-EDCD-4B6D-B142-F38CBB5E851F}"/>
+              </a:ext>
+            </a:extLst>
+          </p:cNvPr>
+          <p:cNvSpPr>
+            <a:spLocks noGrp="1"/>
+          </p:cNvSpPr>
+          <p:nvPr>
+            <p:ph type="sldNum" sz="quarter" idx="12"/>
+          </p:nvPr>
+        </p:nvSpPr>
+        <p:spPr/>
+        <p:txBody>
+          <a:bodyPr/>
+          <a:lstStyle/>
+          <a:p>
+            <a:fld id="{E9AE0C10-0EF1-C246-872D-CC0E704EB9A9}" type="slidenum">
+              <a:rPr lang="en-VN" smtClean="0"/>
+              <a:t>8</a:t>
+            </a:fld>
+            <a:endParaRPr lang="en-VN"/>
+          </a:p>
+        </p:txBody>
+      </p:sp>
     </p:spTree>
     <p:extLst>
       <p:ext uri="{BB962C8B-B14F-4D97-AF65-F5344CB8AC3E}">
@@ -9276,61 +10537,6 @@
       </p:sp>
       <p:sp>
         <p:nvSpPr>
-          <p:cNvPr id="6" name="Rectangle 5"/>
-          <p:cNvSpPr/>
-          <p:nvPr/>
-        </p:nvSpPr>
-        <p:spPr>
-          <a:xfrm>
-            <a:off x="116114" y="1202306"/>
-            <a:ext cx="1417896" cy="5503293"/>
-          </a:xfrm>
-          <a:prstGeom prst="rect">
-            <a:avLst/>
-          </a:prstGeom>
-          <a:solidFill>
-            <a:srgbClr val="E8E5E4">
-              <a:alpha val="20000"/>
-            </a:srgbClr>
-          </a:solidFill>
-          <a:ln>
-            <a:noFill/>
-          </a:ln>
-          <a:effectLst>
-            <a:innerShdw blurRad="63500" dist="50800" dir="18900000">
-              <a:prstClr val="black">
-                <a:alpha val="50000"/>
-              </a:prstClr>
-            </a:innerShdw>
-          </a:effectLst>
-        </p:spPr>
-        <p:style>
-          <a:lnRef idx="2">
-            <a:schemeClr val="accent1">
-              <a:shade val="50000"/>
-            </a:schemeClr>
-          </a:lnRef>
-          <a:fillRef idx="1">
-            <a:schemeClr val="accent1"/>
-          </a:fillRef>
-          <a:effectRef idx="0">
-            <a:schemeClr val="accent1"/>
-          </a:effectRef>
-          <a:fontRef idx="minor">
-            <a:schemeClr val="lt1"/>
-          </a:fontRef>
-        </p:style>
-        <p:txBody>
-          <a:bodyPr rtlCol="0" anchor="ctr"/>
-          <a:lstStyle/>
-          <a:p>
-            <a:pPr algn="ctr"/>
-            <a:endParaRPr lang="en-US"/>
-          </a:p>
-        </p:txBody>
-      </p:sp>
-      <p:sp>
-        <p:nvSpPr>
           <p:cNvPr id="12" name="Rectangle 11">
             <a:extLst>
               <a:ext uri="{FF2B5EF4-FFF2-40B4-BE49-F238E27FC236}">
@@ -9389,67 +10595,6 @@
               </a:rPr>
               <a:t>PHÂN TÍCH THIẾT KẾ</a:t>
             </a:r>
-          </a:p>
-        </p:txBody>
-      </p:sp>
-      <p:sp>
-        <p:nvSpPr>
-          <p:cNvPr id="13" name="Rectangle 12">
-            <a:extLst>
-              <a:ext uri="{FF2B5EF4-FFF2-40B4-BE49-F238E27FC236}">
-                <a16:creationId xmlns:a16="http://schemas.microsoft.com/office/drawing/2014/main" id="{9F7AC728-0D09-A84C-A893-2FB2881C5A66}"/>
-              </a:ext>
-            </a:extLst>
-          </p:cNvPr>
-          <p:cNvSpPr/>
-          <p:nvPr/>
-        </p:nvSpPr>
-        <p:spPr>
-          <a:xfrm>
-            <a:off x="10657990" y="1202308"/>
-            <a:ext cx="1417896" cy="5503291"/>
-          </a:xfrm>
-          <a:prstGeom prst="rect">
-            <a:avLst/>
-          </a:prstGeom>
-          <a:solidFill>
-            <a:srgbClr val="A59992">
-              <a:alpha val="20000"/>
-            </a:srgbClr>
-          </a:solidFill>
-          <a:ln>
-            <a:noFill/>
-          </a:ln>
-          <a:effectLst>
-            <a:outerShdw blurRad="50800" dist="38100" dir="13500000" algn="br" rotWithShape="0">
-              <a:prstClr val="black">
-                <a:alpha val="40000"/>
-              </a:prstClr>
-            </a:outerShdw>
-          </a:effectLst>
-        </p:spPr>
-        <p:style>
-          <a:lnRef idx="2">
-            <a:schemeClr val="accent1">
-              <a:shade val="50000"/>
-            </a:schemeClr>
-          </a:lnRef>
-          <a:fillRef idx="1">
-            <a:schemeClr val="accent1"/>
-          </a:fillRef>
-          <a:effectRef idx="0">
-            <a:schemeClr val="accent1"/>
-          </a:effectRef>
-          <a:fontRef idx="minor">
-            <a:schemeClr val="lt1"/>
-          </a:fontRef>
-        </p:style>
-        <p:txBody>
-          <a:bodyPr rtlCol="0" anchor="ctr"/>
-          <a:lstStyle/>
-          <a:p>
-            <a:pPr algn="ctr"/>
-            <a:endParaRPr lang="en-US"/>
           </a:p>
         </p:txBody>
       </p:sp>
@@ -9879,4 +11024,299 @@
     </a:ext>
   </a:extLst>
 </a:theme>
+</file>
+
+<file path=ppt/theme/theme2.xml><?xml version="1.0" encoding="utf-8"?>
+<a:theme xmlns:a="http://schemas.openxmlformats.org/drawingml/2006/main" name="Office Theme">
+  <a:themeElements>
+    <a:clrScheme name="Office">
+      <a:dk1>
+        <a:sysClr val="windowText" lastClr="000000"/>
+      </a:dk1>
+      <a:lt1>
+        <a:sysClr val="window" lastClr="FFFFFF"/>
+      </a:lt1>
+      <a:dk2>
+        <a:srgbClr val="44546A"/>
+      </a:dk2>
+      <a:lt2>
+        <a:srgbClr val="E7E6E6"/>
+      </a:lt2>
+      <a:accent1>
+        <a:srgbClr val="4472C4"/>
+      </a:accent1>
+      <a:accent2>
+        <a:srgbClr val="ED7D31"/>
+      </a:accent2>
+      <a:accent3>
+        <a:srgbClr val="A5A5A5"/>
+      </a:accent3>
+      <a:accent4>
+        <a:srgbClr val="FFC000"/>
+      </a:accent4>
+      <a:accent5>
+        <a:srgbClr val="5B9BD5"/>
+      </a:accent5>
+      <a:accent6>
+        <a:srgbClr val="70AD47"/>
+      </a:accent6>
+      <a:hlink>
+        <a:srgbClr val="0563C1"/>
+      </a:hlink>
+      <a:folHlink>
+        <a:srgbClr val="954F72"/>
+      </a:folHlink>
+    </a:clrScheme>
+    <a:fontScheme name="Office">
+      <a:majorFont>
+        <a:latin typeface="Calibri Light" panose="020F0302020204030204"/>
+        <a:ea typeface=""/>
+        <a:cs typeface=""/>
+        <a:font script="Jpan" typeface="游ゴシック Light"/>
+        <a:font script="Hang" typeface="맑은 고딕"/>
+        <a:font script="Hans" typeface="等线 Light"/>
+        <a:font script="Hant" typeface="新細明體"/>
+        <a:font script="Arab" typeface="Times New Roman"/>
+        <a:font script="Hebr" typeface="Times New Roman"/>
+        <a:font script="Thai" typeface="Angsana New"/>
+        <a:font script="Ethi" typeface="Nyala"/>
+        <a:font script="Beng" typeface="Vrinda"/>
+        <a:font script="Gujr" typeface="Shruti"/>
+        <a:font script="Khmr" typeface="MoolBoran"/>
+        <a:font script="Knda" typeface="Tunga"/>
+        <a:font script="Guru" typeface="Raavi"/>
+        <a:font script="Cans" typeface="Euphemia"/>
+        <a:font script="Cher" typeface="Plantagenet Cherokee"/>
+        <a:font script="Yiii" typeface="Microsoft Yi Baiti"/>
+        <a:font script="Tibt" typeface="Microsoft Himalaya"/>
+        <a:font script="Thaa" typeface="MV Boli"/>
+        <a:font script="Deva" typeface="Mangal"/>
+        <a:font script="Telu" typeface="Gautami"/>
+        <a:font script="Taml" typeface="Latha"/>
+        <a:font script="Syrc" typeface="Estrangelo Edessa"/>
+        <a:font script="Orya" typeface="Kalinga"/>
+        <a:font script="Mlym" typeface="Kartika"/>
+        <a:font script="Laoo" typeface="DokChampa"/>
+        <a:font script="Sinh" typeface="Iskoola Pota"/>
+        <a:font script="Mong" typeface="Mongolian Baiti"/>
+        <a:font script="Viet" typeface="Times New Roman"/>
+        <a:font script="Uigh" typeface="Microsoft Uighur"/>
+        <a:font script="Geor" typeface="Sylfaen"/>
+        <a:font script="Armn" typeface="Arial"/>
+        <a:font script="Bugi" typeface="Leelawadee UI"/>
+        <a:font script="Bopo" typeface="Microsoft JhengHei"/>
+        <a:font script="Java" typeface="Javanese Text"/>
+        <a:font script="Lisu" typeface="Segoe UI"/>
+        <a:font script="Mymr" typeface="Myanmar Text"/>
+        <a:font script="Nkoo" typeface="Ebrima"/>
+        <a:font script="Olck" typeface="Nirmala UI"/>
+        <a:font script="Osma" typeface="Ebrima"/>
+        <a:font script="Phag" typeface="Phagspa"/>
+        <a:font script="Syrn" typeface="Estrangelo Edessa"/>
+        <a:font script="Syrj" typeface="Estrangelo Edessa"/>
+        <a:font script="Syre" typeface="Estrangelo Edessa"/>
+        <a:font script="Sora" typeface="Nirmala UI"/>
+        <a:font script="Tale" typeface="Microsoft Tai Le"/>
+        <a:font script="Talu" typeface="Microsoft New Tai Lue"/>
+        <a:font script="Tfng" typeface="Ebrima"/>
+      </a:majorFont>
+      <a:minorFont>
+        <a:latin typeface="Calibri" panose="020F0502020204030204"/>
+        <a:ea typeface=""/>
+        <a:cs typeface=""/>
+        <a:font script="Jpan" typeface="游ゴシック"/>
+        <a:font script="Hang" typeface="맑은 고딕"/>
+        <a:font script="Hans" typeface="等线"/>
+        <a:font script="Hant" typeface="新細明體"/>
+        <a:font script="Arab" typeface="Arial"/>
+        <a:font script="Hebr" typeface="Arial"/>
+        <a:font script="Thai" typeface="Cordia New"/>
+        <a:font script="Ethi" typeface="Nyala"/>
+        <a:font script="Beng" typeface="Vrinda"/>
+        <a:font script="Gujr" typeface="Shruti"/>
+        <a:font script="Khmr" typeface="DaunPenh"/>
+        <a:font script="Knda" typeface="Tunga"/>
+        <a:font script="Guru" typeface="Raavi"/>
+        <a:font script="Cans" typeface="Euphemia"/>
+        <a:font script="Cher" typeface="Plantagenet Cherokee"/>
+        <a:font script="Yiii" typeface="Microsoft Yi Baiti"/>
+        <a:font script="Tibt" typeface="Microsoft Himalaya"/>
+        <a:font script="Thaa" typeface="MV Boli"/>
+        <a:font script="Deva" typeface="Mangal"/>
+        <a:font script="Telu" typeface="Gautami"/>
+        <a:font script="Taml" typeface="Latha"/>
+        <a:font script="Syrc" typeface="Estrangelo Edessa"/>
+        <a:font script="Orya" typeface="Kalinga"/>
+        <a:font script="Mlym" typeface="Kartika"/>
+        <a:font script="Laoo" typeface="DokChampa"/>
+        <a:font script="Sinh" typeface="Iskoola Pota"/>
+        <a:font script="Mong" typeface="Mongolian Baiti"/>
+        <a:font script="Viet" typeface="Arial"/>
+        <a:font script="Uigh" typeface="Microsoft Uighur"/>
+        <a:font script="Geor" typeface="Sylfaen"/>
+        <a:font script="Armn" typeface="Arial"/>
+        <a:font script="Bugi" typeface="Leelawadee UI"/>
+        <a:font script="Bopo" typeface="Microsoft JhengHei"/>
+        <a:font script="Java" typeface="Javanese Text"/>
+        <a:font script="Lisu" typeface="Segoe UI"/>
+        <a:font script="Mymr" typeface="Myanmar Text"/>
+        <a:font script="Nkoo" typeface="Ebrima"/>
+        <a:font script="Olck" typeface="Nirmala UI"/>
+        <a:font script="Osma" typeface="Ebrima"/>
+        <a:font script="Phag" typeface="Phagspa"/>
+        <a:font script="Syrn" typeface="Estrangelo Edessa"/>
+        <a:font script="Syrj" typeface="Estrangelo Edessa"/>
+        <a:font script="Syre" typeface="Estrangelo Edessa"/>
+        <a:font script="Sora" typeface="Nirmala UI"/>
+        <a:font script="Tale" typeface="Microsoft Tai Le"/>
+        <a:font script="Talu" typeface="Microsoft New Tai Lue"/>
+        <a:font script="Tfng" typeface="Ebrima"/>
+      </a:minorFont>
+    </a:fontScheme>
+    <a:fmtScheme name="Office">
+      <a:fillStyleLst>
+        <a:solidFill>
+          <a:schemeClr val="phClr"/>
+        </a:solidFill>
+        <a:gradFill rotWithShape="1">
+          <a:gsLst>
+            <a:gs pos="0">
+              <a:schemeClr val="phClr">
+                <a:lumMod val="110000"/>
+                <a:satMod val="105000"/>
+                <a:tint val="67000"/>
+              </a:schemeClr>
+            </a:gs>
+            <a:gs pos="50000">
+              <a:schemeClr val="phClr">
+                <a:lumMod val="105000"/>
+                <a:satMod val="103000"/>
+                <a:tint val="73000"/>
+              </a:schemeClr>
+            </a:gs>
+            <a:gs pos="100000">
+              <a:schemeClr val="phClr">
+                <a:lumMod val="105000"/>
+                <a:satMod val="109000"/>
+                <a:tint val="81000"/>
+              </a:schemeClr>
+            </a:gs>
+          </a:gsLst>
+          <a:lin ang="5400000" scaled="0"/>
+        </a:gradFill>
+        <a:gradFill rotWithShape="1">
+          <a:gsLst>
+            <a:gs pos="0">
+              <a:schemeClr val="phClr">
+                <a:satMod val="103000"/>
+                <a:lumMod val="102000"/>
+                <a:tint val="94000"/>
+              </a:schemeClr>
+            </a:gs>
+            <a:gs pos="50000">
+              <a:schemeClr val="phClr">
+                <a:satMod val="110000"/>
+                <a:lumMod val="100000"/>
+                <a:shade val="100000"/>
+              </a:schemeClr>
+            </a:gs>
+            <a:gs pos="100000">
+              <a:schemeClr val="phClr">
+                <a:lumMod val="99000"/>
+                <a:satMod val="120000"/>
+                <a:shade val="78000"/>
+              </a:schemeClr>
+            </a:gs>
+          </a:gsLst>
+          <a:lin ang="5400000" scaled="0"/>
+        </a:gradFill>
+      </a:fillStyleLst>
+      <a:lnStyleLst>
+        <a:ln w="6350" cap="flat" cmpd="sng" algn="ctr">
+          <a:solidFill>
+            <a:schemeClr val="phClr"/>
+          </a:solidFill>
+          <a:prstDash val="solid"/>
+          <a:miter lim="800000"/>
+        </a:ln>
+        <a:ln w="12700" cap="flat" cmpd="sng" algn="ctr">
+          <a:solidFill>
+            <a:schemeClr val="phClr"/>
+          </a:solidFill>
+          <a:prstDash val="solid"/>
+          <a:miter lim="800000"/>
+        </a:ln>
+        <a:ln w="19050" cap="flat" cmpd="sng" algn="ctr">
+          <a:solidFill>
+            <a:schemeClr val="phClr"/>
+          </a:solidFill>
+          <a:prstDash val="solid"/>
+          <a:miter lim="800000"/>
+        </a:ln>
+      </a:lnStyleLst>
+      <a:effectStyleLst>
+        <a:effectStyle>
+          <a:effectLst/>
+        </a:effectStyle>
+        <a:effectStyle>
+          <a:effectLst/>
+        </a:effectStyle>
+        <a:effectStyle>
+          <a:effectLst>
+            <a:outerShdw blurRad="57150" dist="19050" dir="5400000" algn="ctr" rotWithShape="0">
+              <a:srgbClr val="000000">
+                <a:alpha val="63000"/>
+              </a:srgbClr>
+            </a:outerShdw>
+          </a:effectLst>
+        </a:effectStyle>
+      </a:effectStyleLst>
+      <a:bgFillStyleLst>
+        <a:solidFill>
+          <a:schemeClr val="phClr"/>
+        </a:solidFill>
+        <a:solidFill>
+          <a:schemeClr val="phClr">
+            <a:tint val="95000"/>
+            <a:satMod val="170000"/>
+          </a:schemeClr>
+        </a:solidFill>
+        <a:gradFill rotWithShape="1">
+          <a:gsLst>
+            <a:gs pos="0">
+              <a:schemeClr val="phClr">
+                <a:tint val="93000"/>
+                <a:satMod val="150000"/>
+                <a:shade val="98000"/>
+                <a:lumMod val="102000"/>
+              </a:schemeClr>
+            </a:gs>
+            <a:gs pos="50000">
+              <a:schemeClr val="phClr">
+                <a:tint val="98000"/>
+                <a:satMod val="130000"/>
+                <a:shade val="90000"/>
+                <a:lumMod val="103000"/>
+              </a:schemeClr>
+            </a:gs>
+            <a:gs pos="100000">
+              <a:schemeClr val="phClr">
+                <a:shade val="63000"/>
+                <a:satMod val="120000"/>
+              </a:schemeClr>
+            </a:gs>
+          </a:gsLst>
+          <a:lin ang="5400000" scaled="0"/>
+        </a:gradFill>
+      </a:bgFillStyleLst>
+    </a:fmtScheme>
+  </a:themeElements>
+  <a:objectDefaults/>
+  <a:extraClrSchemeLst/>
+  <a:extLst>
+    <a:ext uri="{05A4C25C-085E-4340-85A3-A5531E510DB2}">
+      <thm15:themeFamily xmlns:thm15="http://schemas.microsoft.com/office/thememl/2012/main" name="Office Theme" id="{62F939B6-93AF-4DB8-9C6B-D6C7DFDC589F}" vid="{4A3C46E8-61CC-4603-A589-7422A47A8E4A}"/>
+    </a:ext>
+  </a:extLst>
+</a:theme>
 </file>
--- a/report/FinalReport.pptx
+++ b/report/FinalReport.pptx
@@ -1,6 +1,6 @@
 
 <file path=ppt/presentation.xml><?xml version="1.0" encoding="utf-8"?>
-<p:presentation xmlns:a="http://schemas.openxmlformats.org/drawingml/2006/main" xmlns:r="http://schemas.openxmlformats.org/officeDocument/2006/relationships" xmlns:p="http://schemas.openxmlformats.org/presentationml/2006/main" showSpecialPlsOnTitleSld="0" saveSubsetFonts="1" autoCompressPictures="0">
+<p:presentation xmlns:a="http://schemas.openxmlformats.org/drawingml/2006/main" xmlns:r="http://schemas.openxmlformats.org/officeDocument/2006/relationships" xmlns:p="http://schemas.openxmlformats.org/presentationml/2006/main" saveSubsetFonts="1" autoCompressPictures="0">
   <p:sldMasterIdLst>
     <p:sldMasterId id="2147483648" r:id="rId1"/>
   </p:sldMasterIdLst>
@@ -213,7 +213,7 @@
           <a:p>
             <a:fld id="{01FDEEA1-956A-4AFB-ABC5-DCB461D8FCB6}" type="datetimeFigureOut">
               <a:rPr lang="en-US" smtClean="0"/>
-              <a:t>6/4/2020</a:t>
+              <a:t>6/4/20</a:t>
             </a:fld>
             <a:endParaRPr lang="en-US"/>
           </a:p>
@@ -627,9 +627,9 @@
           <a:bodyPr/>
           <a:lstStyle/>
           <a:p>
-            <a:fld id="{1A86B5BD-4459-468B-9691-51C131CCCD98}" type="datetime1">
-              <a:rPr lang="LID4096" smtClean="0"/>
-              <a:t>06/04/2020</a:t>
+            <a:fld id="{E694B2D3-6DEE-6C43-B7D8-29A2F46538C2}" type="datetime1">
+              <a:rPr lang="en-US" smtClean="0"/>
+              <a:t>6/4/20</a:t>
             </a:fld>
             <a:endParaRPr lang="en-VN"/>
           </a:p>
@@ -827,9 +827,9 @@
           <a:bodyPr/>
           <a:lstStyle/>
           <a:p>
-            <a:fld id="{61A5DC9B-F7A6-40FE-A0D3-5C5F6D60D834}" type="datetime1">
-              <a:rPr lang="LID4096" smtClean="0"/>
-              <a:t>06/04/2020</a:t>
+            <a:fld id="{38105CD8-F18C-0D4D-8270-5DDE4111480A}" type="datetime1">
+              <a:rPr lang="en-US" smtClean="0"/>
+              <a:t>6/4/20</a:t>
             </a:fld>
             <a:endParaRPr lang="en-VN"/>
           </a:p>
@@ -1037,9 +1037,9 @@
           <a:bodyPr/>
           <a:lstStyle/>
           <a:p>
-            <a:fld id="{0EA3BBA3-84D7-4F82-AC43-184A2032E672}" type="datetime1">
-              <a:rPr lang="LID4096" smtClean="0"/>
-              <a:t>06/04/2020</a:t>
+            <a:fld id="{0BC2060F-B037-244B-B858-1C3D60C5965E}" type="datetime1">
+              <a:rPr lang="en-US" smtClean="0"/>
+              <a:t>6/4/20</a:t>
             </a:fld>
             <a:endParaRPr lang="en-VN"/>
           </a:p>
@@ -1237,9 +1237,9 @@
           <a:bodyPr/>
           <a:lstStyle/>
           <a:p>
-            <a:fld id="{14AC1AA0-C639-4BB5-A281-341DC35ED3B3}" type="datetime1">
-              <a:rPr lang="LID4096" smtClean="0"/>
-              <a:t>06/04/2020</a:t>
+            <a:fld id="{2E600FAE-ECD2-5246-A23F-01EAACF2818D}" type="datetime1">
+              <a:rPr lang="en-US" smtClean="0"/>
+              <a:t>6/4/20</a:t>
             </a:fld>
             <a:endParaRPr lang="en-VN"/>
           </a:p>
@@ -1513,9 +1513,9 @@
           <a:bodyPr/>
           <a:lstStyle/>
           <a:p>
-            <a:fld id="{43ED78D4-39E2-4A46-A9F3-EFE6D38BB2F0}" type="datetime1">
-              <a:rPr lang="LID4096" smtClean="0"/>
-              <a:t>06/04/2020</a:t>
+            <a:fld id="{E62B4354-46E8-D546-807A-6D42524E6900}" type="datetime1">
+              <a:rPr lang="en-US" smtClean="0"/>
+              <a:t>6/4/20</a:t>
             </a:fld>
             <a:endParaRPr lang="en-VN"/>
           </a:p>
@@ -1781,9 +1781,9 @@
           <a:bodyPr/>
           <a:lstStyle/>
           <a:p>
-            <a:fld id="{BBA6921E-478F-4C41-BE9B-E5D90A4BC536}" type="datetime1">
-              <a:rPr lang="LID4096" smtClean="0"/>
-              <a:t>06/04/2020</a:t>
+            <a:fld id="{56FAAF9F-B068-BE49-906A-B9429D9A2A3A}" type="datetime1">
+              <a:rPr lang="en-US" smtClean="0"/>
+              <a:t>6/4/20</a:t>
             </a:fld>
             <a:endParaRPr lang="en-VN"/>
           </a:p>
@@ -2196,9 +2196,9 @@
           <a:bodyPr/>
           <a:lstStyle/>
           <a:p>
-            <a:fld id="{91DBA207-AE7E-4894-99A8-C08C23BD7059}" type="datetime1">
-              <a:rPr lang="LID4096" smtClean="0"/>
-              <a:t>06/04/2020</a:t>
+            <a:fld id="{2E59F4C5-04B1-7445-8A71-9BD5A366AC27}" type="datetime1">
+              <a:rPr lang="en-US" smtClean="0"/>
+              <a:t>6/4/20</a:t>
             </a:fld>
             <a:endParaRPr lang="en-VN"/>
           </a:p>
@@ -2338,9 +2338,9 @@
           <a:bodyPr/>
           <a:lstStyle/>
           <a:p>
-            <a:fld id="{5BE0FA6D-C952-46BD-BD48-EF1D00877F2A}" type="datetime1">
-              <a:rPr lang="LID4096" smtClean="0"/>
-              <a:t>06/04/2020</a:t>
+            <a:fld id="{0ADCFF57-C12E-794B-95DE-C8C2583734EE}" type="datetime1">
+              <a:rPr lang="en-US" smtClean="0"/>
+              <a:t>6/4/20</a:t>
             </a:fld>
             <a:endParaRPr lang="en-VN"/>
           </a:p>
@@ -2451,9 +2451,9 @@
           <a:bodyPr/>
           <a:lstStyle/>
           <a:p>
-            <a:fld id="{5EB90824-7FA5-454F-A55A-E1C5D94FA956}" type="datetime1">
-              <a:rPr lang="LID4096" smtClean="0"/>
-              <a:t>06/04/2020</a:t>
+            <a:fld id="{E4C8DB93-6FE2-F64C-BC03-CED829E55848}" type="datetime1">
+              <a:rPr lang="en-US" smtClean="0"/>
+              <a:t>6/4/20</a:t>
             </a:fld>
             <a:endParaRPr lang="en-VN"/>
           </a:p>
@@ -2764,9 +2764,9 @@
           <a:bodyPr/>
           <a:lstStyle/>
           <a:p>
-            <a:fld id="{8ACA31C4-7F42-4CDF-80C1-0E62026099EB}" type="datetime1">
-              <a:rPr lang="LID4096" smtClean="0"/>
-              <a:t>06/04/2020</a:t>
+            <a:fld id="{C8880A17-EE21-774F-830F-1E702C658951}" type="datetime1">
+              <a:rPr lang="en-US" smtClean="0"/>
+              <a:t>6/4/20</a:t>
             </a:fld>
             <a:endParaRPr lang="en-VN"/>
           </a:p>
@@ -3053,9 +3053,9 @@
           <a:bodyPr/>
           <a:lstStyle/>
           <a:p>
-            <a:fld id="{67E79196-DA74-4B73-A24D-44BF107C0965}" type="datetime1">
-              <a:rPr lang="LID4096" smtClean="0"/>
-              <a:t>06/04/2020</a:t>
+            <a:fld id="{A7F52B90-1B25-A64B-A834-5C0CE11D4DFD}" type="datetime1">
+              <a:rPr lang="en-US" smtClean="0"/>
+              <a:t>6/4/20</a:t>
             </a:fld>
             <a:endParaRPr lang="en-VN"/>
           </a:p>
@@ -3296,9 +3296,9 @@
             </a:lvl1pPr>
           </a:lstStyle>
           <a:p>
-            <a:fld id="{7AEE5555-E5F4-42E8-BB23-EC1E7008E89B}" type="datetime1">
-              <a:rPr lang="LID4096" smtClean="0"/>
-              <a:t>06/04/2020</a:t>
+            <a:fld id="{CB380339-B3FF-CD43-AB71-185B16043C9C}" type="datetime1">
+              <a:rPr lang="en-US" smtClean="0"/>
+              <a:t>6/4/20</a:t>
             </a:fld>
             <a:endParaRPr lang="en-VN"/>
           </a:p>
@@ -3724,8 +3724,8 @@
         </p:nvSpPr>
         <p:spPr>
           <a:xfrm>
-            <a:off x="59444" y="1033809"/>
-            <a:ext cx="12328478" cy="6980830"/>
+            <a:off x="0" y="422910"/>
+            <a:ext cx="12192000" cy="6435090"/>
           </a:xfrm>
           <a:prstGeom prst="rect">
             <a:avLst/>
@@ -3861,22 +3861,19 @@
               </a:rPr>
               <a:t>Nhóm</a:t>
             </a:r>
-            <a:r>
-              <a:rPr lang="en-US" sz="2400" b="1" dirty="0">
-                <a:solidFill>
-                  <a:schemeClr val="tx1"/>
-                </a:solidFill>
-                <a:effectLst>
-                  <a:outerShdw blurRad="38100" dist="38100" dir="2700000" algn="tl">
-                    <a:srgbClr val="000000">
-                      <a:alpha val="43137"/>
-                    </a:srgbClr>
-                  </a:outerShdw>
-                </a:effectLst>
-                <a:latin typeface=".VnCourier" panose="020B7200000000000000" pitchFamily="34" charset="0"/>
-              </a:rPr>
-              <a:t> --</a:t>
-            </a:r>
+            <a:endParaRPr lang="en-US" sz="2400" b="1" dirty="0">
+              <a:solidFill>
+                <a:schemeClr val="tx1"/>
+              </a:solidFill>
+              <a:effectLst>
+                <a:outerShdw blurRad="38100" dist="38100" dir="2700000" algn="tl">
+                  <a:srgbClr val="000000">
+                    <a:alpha val="43137"/>
+                  </a:srgbClr>
+                </a:outerShdw>
+              </a:effectLst>
+              <a:latin typeface=".VnCourier" panose="020B7200000000000000" pitchFamily="34" charset="0"/>
+            </a:endParaRPr>
           </a:p>
         </p:txBody>
       </p:sp>
@@ -3888,8 +3885,8 @@
         </p:nvSpPr>
         <p:spPr>
           <a:xfrm>
-            <a:off x="-68238" y="-77625"/>
-            <a:ext cx="12328477" cy="3064594"/>
+            <a:off x="0" y="33391"/>
+            <a:ext cx="12192000" cy="3064593"/>
           </a:xfrm>
           <a:prstGeom prst="rect">
             <a:avLst/>
@@ -3934,7 +3931,7 @@
         </p:nvSpPr>
         <p:spPr>
           <a:xfrm>
-            <a:off x="1803546" y="824226"/>
+            <a:off x="1609583" y="1438535"/>
             <a:ext cx="9109312" cy="1659450"/>
           </a:xfrm>
           <a:prstGeom prst="rect">
@@ -4018,7 +4015,7 @@
         </p:nvSpPr>
         <p:spPr>
           <a:xfrm>
-            <a:off x="2063435" y="3346636"/>
+            <a:off x="2179319" y="3202961"/>
             <a:ext cx="7833359" cy="644023"/>
           </a:xfrm>
           <a:prstGeom prst="rect">
@@ -4602,6 +4599,35 @@
               </a:effectLst>
               <a:latin typeface=".VnCourier" panose="020B7200000000000000" pitchFamily="34" charset="0"/>
             </a:endParaRPr>
+          </a:p>
+        </p:txBody>
+      </p:sp>
+      <p:sp>
+        <p:nvSpPr>
+          <p:cNvPr id="2" name="Slide Number Placeholder 1">
+            <a:extLst>
+              <a:ext uri="{FF2B5EF4-FFF2-40B4-BE49-F238E27FC236}">
+                <a16:creationId xmlns:a16="http://schemas.microsoft.com/office/drawing/2014/main" id="{E13D925D-DDC9-4F48-A52A-A6300F74D7DE}"/>
+              </a:ext>
+            </a:extLst>
+          </p:cNvPr>
+          <p:cNvSpPr>
+            <a:spLocks noGrp="1"/>
+          </p:cNvSpPr>
+          <p:nvPr>
+            <p:ph type="sldNum" sz="quarter" idx="12"/>
+          </p:nvPr>
+        </p:nvSpPr>
+        <p:spPr/>
+        <p:txBody>
+          <a:bodyPr/>
+          <a:lstStyle/>
+          <a:p>
+            <a:fld id="{E9AE0C10-0EF1-C246-872D-CC0E704EB9A9}" type="slidenum">
+              <a:rPr lang="en-VN" smtClean="0"/>
+              <a:t>1</a:t>
+            </a:fld>
+            <a:endParaRPr lang="en-VN"/>
           </a:p>
         </p:txBody>
       </p:sp>
@@ -5201,12 +5227,82 @@
           </a:p>
         </p:txBody>
       </p:sp>
+      <p:sp>
+        <p:nvSpPr>
+          <p:cNvPr id="16" name="TextBox 15">
+            <a:extLst>
+              <a:ext uri="{FF2B5EF4-FFF2-40B4-BE49-F238E27FC236}">
+                <a16:creationId xmlns:a16="http://schemas.microsoft.com/office/drawing/2014/main" id="{791328B2-E4F8-DE41-8601-C4EDD20E7335}"/>
+              </a:ext>
+            </a:extLst>
+          </p:cNvPr>
+          <p:cNvSpPr txBox="1"/>
+          <p:nvPr/>
+        </p:nvSpPr>
+        <p:spPr>
+          <a:xfrm>
+            <a:off x="575417" y="5884313"/>
+            <a:ext cx="1776833" cy="646331"/>
+          </a:xfrm>
+          <a:prstGeom prst="rect">
+            <a:avLst/>
+          </a:prstGeom>
+          <a:noFill/>
+        </p:spPr>
+        <p:txBody>
+          <a:bodyPr wrap="none" rtlCol="0">
+            <a:spAutoFit/>
+          </a:bodyPr>
+          <a:lstStyle/>
+          <a:p>
+            <a:r>
+              <a:rPr lang="en-VN" b="1" dirty="0"/>
+              <a:t>CLASS DIAGRAM</a:t>
+            </a:r>
+          </a:p>
+          <a:p>
+            <a:r>
+              <a:rPr lang="en-VN" b="1" dirty="0"/>
+              <a:t>TỔNG QUAN</a:t>
+            </a:r>
+          </a:p>
+        </p:txBody>
+      </p:sp>
+      <p:sp>
+        <p:nvSpPr>
+          <p:cNvPr id="4" name="Slide Number Placeholder 3">
+            <a:extLst>
+              <a:ext uri="{FF2B5EF4-FFF2-40B4-BE49-F238E27FC236}">
+                <a16:creationId xmlns:a16="http://schemas.microsoft.com/office/drawing/2014/main" id="{518DDF1E-6DFC-47E8-AB85-7DA54E585A55}"/>
+              </a:ext>
+            </a:extLst>
+          </p:cNvPr>
+          <p:cNvSpPr>
+            <a:spLocks noGrp="1"/>
+          </p:cNvSpPr>
+          <p:nvPr>
+            <p:ph type="sldNum" sz="quarter" idx="12"/>
+          </p:nvPr>
+        </p:nvSpPr>
+        <p:spPr/>
+        <p:txBody>
+          <a:bodyPr/>
+          <a:lstStyle/>
+          <a:p>
+            <a:fld id="{E9AE0C10-0EF1-C246-872D-CC0E704EB9A9}" type="slidenum">
+              <a:rPr lang="en-VN" smtClean="0"/>
+              <a:t>12</a:t>
+            </a:fld>
+            <a:endParaRPr lang="en-VN"/>
+          </a:p>
+        </p:txBody>
+      </p:sp>
       <p:pic>
         <p:nvPicPr>
-          <p:cNvPr id="13" name="Picture 12">
-            <a:extLst>
-              <a:ext uri="{FF2B5EF4-FFF2-40B4-BE49-F238E27FC236}">
-                <a16:creationId xmlns:a16="http://schemas.microsoft.com/office/drawing/2014/main" id="{33966F26-3954-674B-8F60-2A3198C0AFC3}"/>
+          <p:cNvPr id="5" name="Picture 4">
+            <a:extLst>
+              <a:ext uri="{FF2B5EF4-FFF2-40B4-BE49-F238E27FC236}">
+                <a16:creationId xmlns:a16="http://schemas.microsoft.com/office/drawing/2014/main" id="{69917B15-143E-154E-9563-744FFEAA58A0}"/>
               </a:ext>
             </a:extLst>
           </p:cNvPr>
@@ -5223,84 +5319,14 @@
         </p:blipFill>
         <p:spPr>
           <a:xfrm>
-            <a:off x="2685977" y="1037437"/>
-            <a:ext cx="7082612" cy="5493207"/>
+            <a:off x="2941573" y="1009077"/>
+            <a:ext cx="6308853" cy="5848923"/>
           </a:xfrm>
           <a:prstGeom prst="rect">
             <a:avLst/>
           </a:prstGeom>
         </p:spPr>
       </p:pic>
-      <p:sp>
-        <p:nvSpPr>
-          <p:cNvPr id="16" name="TextBox 15">
-            <a:extLst>
-              <a:ext uri="{FF2B5EF4-FFF2-40B4-BE49-F238E27FC236}">
-                <a16:creationId xmlns:a16="http://schemas.microsoft.com/office/drawing/2014/main" id="{791328B2-E4F8-DE41-8601-C4EDD20E7335}"/>
-              </a:ext>
-            </a:extLst>
-          </p:cNvPr>
-          <p:cNvSpPr txBox="1"/>
-          <p:nvPr/>
-        </p:nvSpPr>
-        <p:spPr>
-          <a:xfrm>
-            <a:off x="575417" y="5884313"/>
-            <a:ext cx="1949252" cy="646331"/>
-          </a:xfrm>
-          <a:prstGeom prst="rect">
-            <a:avLst/>
-          </a:prstGeom>
-          <a:noFill/>
-        </p:spPr>
-        <p:txBody>
-          <a:bodyPr wrap="none" rtlCol="0">
-            <a:spAutoFit/>
-          </a:bodyPr>
-          <a:lstStyle/>
-          <a:p>
-            <a:r>
-              <a:rPr lang="en-VN" b="1" dirty="0"/>
-              <a:t>CLASS DIAGRAM</a:t>
-            </a:r>
-          </a:p>
-          <a:p>
-            <a:r>
-              <a:rPr lang="en-VN" b="1" dirty="0"/>
-              <a:t>PACKAGE MODELS</a:t>
-            </a:r>
-          </a:p>
-        </p:txBody>
-      </p:sp>
-      <p:sp>
-        <p:nvSpPr>
-          <p:cNvPr id="4" name="Slide Number Placeholder 3">
-            <a:extLst>
-              <a:ext uri="{FF2B5EF4-FFF2-40B4-BE49-F238E27FC236}">
-                <a16:creationId xmlns:a16="http://schemas.microsoft.com/office/drawing/2014/main" id="{518DDF1E-6DFC-47E8-AB85-7DA54E585A55}"/>
-              </a:ext>
-            </a:extLst>
-          </p:cNvPr>
-          <p:cNvSpPr>
-            <a:spLocks noGrp="1"/>
-          </p:cNvSpPr>
-          <p:nvPr>
-            <p:ph type="sldNum" sz="quarter" idx="12"/>
-          </p:nvPr>
-        </p:nvSpPr>
-        <p:spPr/>
-        <p:txBody>
-          <a:bodyPr/>
-          <a:lstStyle/>
-          <a:p>
-            <a:fld id="{E9AE0C10-0EF1-C246-872D-CC0E704EB9A9}" type="slidenum">
-              <a:rPr lang="en-VN" smtClean="0"/>
-              <a:t>12</a:t>
-            </a:fld>
-            <a:endParaRPr lang="en-VN"/>
-          </a:p>
-        </p:txBody>
-      </p:sp>
     </p:spTree>
     <p:extLst>
       <p:ext uri="{BB962C8B-B14F-4D97-AF65-F5344CB8AC3E}">
@@ -5396,10 +5422,10 @@
       </p:sp>
       <p:pic>
         <p:nvPicPr>
-          <p:cNvPr id="15" name="Picture 14">
-            <a:extLst>
-              <a:ext uri="{FF2B5EF4-FFF2-40B4-BE49-F238E27FC236}">
-                <a16:creationId xmlns:a16="http://schemas.microsoft.com/office/drawing/2014/main" id="{12F6F707-27BF-6749-B4D2-10B904834957}"/>
+          <p:cNvPr id="8" name="Picture 7">
+            <a:extLst>
+              <a:ext uri="{FF2B5EF4-FFF2-40B4-BE49-F238E27FC236}">
+                <a16:creationId xmlns:a16="http://schemas.microsoft.com/office/drawing/2014/main" id="{02625421-E35E-4097-A4EB-00E64E2DD88C}"/>
               </a:ext>
             </a:extLst>
           </p:cNvPr>
@@ -5416,77 +5442,6 @@
         </p:blipFill>
         <p:spPr>
           <a:xfrm>
-            <a:off x="2244011" y="1110263"/>
-            <a:ext cx="7703978" cy="5377678"/>
-          </a:xfrm>
-          <a:prstGeom prst="rect">
-            <a:avLst/>
-          </a:prstGeom>
-        </p:spPr>
-      </p:pic>
-      <p:sp>
-        <p:nvSpPr>
-          <p:cNvPr id="7" name="TextBox 6">
-            <a:extLst>
-              <a:ext uri="{FF2B5EF4-FFF2-40B4-BE49-F238E27FC236}">
-                <a16:creationId xmlns:a16="http://schemas.microsoft.com/office/drawing/2014/main" id="{E248EB28-EEE3-0D43-9CCF-0C1A4EF557BF}"/>
-              </a:ext>
-            </a:extLst>
-          </p:cNvPr>
-          <p:cNvSpPr txBox="1"/>
-          <p:nvPr/>
-        </p:nvSpPr>
-        <p:spPr>
-          <a:xfrm>
-            <a:off x="403764" y="5747737"/>
-            <a:ext cx="1840247" cy="646331"/>
-          </a:xfrm>
-          <a:prstGeom prst="rect">
-            <a:avLst/>
-          </a:prstGeom>
-          <a:noFill/>
-        </p:spPr>
-        <p:txBody>
-          <a:bodyPr wrap="none" rtlCol="0">
-            <a:spAutoFit/>
-          </a:bodyPr>
-          <a:lstStyle/>
-          <a:p>
-            <a:r>
-              <a:rPr lang="en-VN" b="1" dirty="0"/>
-              <a:t>CLASS DIAGRAM</a:t>
-            </a:r>
-          </a:p>
-          <a:p>
-            <a:r>
-              <a:rPr lang="en-VN" b="1" dirty="0"/>
-              <a:t>PACKAGE MYSQL</a:t>
-            </a:r>
-          </a:p>
-        </p:txBody>
-      </p:sp>
-      <p:pic>
-        <p:nvPicPr>
-          <p:cNvPr id="8" name="Picture 7">
-            <a:extLst>
-              <a:ext uri="{FF2B5EF4-FFF2-40B4-BE49-F238E27FC236}">
-                <a16:creationId xmlns:a16="http://schemas.microsoft.com/office/drawing/2014/main" id="{02625421-E35E-4097-A4EB-00E64E2DD88C}"/>
-              </a:ext>
-            </a:extLst>
-          </p:cNvPr>
-          <p:cNvPicPr>
-            <a:picLocks noChangeAspect="1"/>
-          </p:cNvPicPr>
-          <p:nvPr/>
-        </p:nvPicPr>
-        <p:blipFill>
-          <a:blip r:embed="rId3"/>
-          <a:stretch>
-            <a:fillRect/>
-          </a:stretch>
-        </p:blipFill>
-        <p:spPr>
-          <a:xfrm>
             <a:off x="10449732" y="132975"/>
             <a:ext cx="1380660" cy="1582006"/>
           </a:xfrm>
@@ -5521,6 +5476,82 @@
               <a:t>13</a:t>
             </a:fld>
             <a:endParaRPr lang="en-VN"/>
+          </a:p>
+        </p:txBody>
+      </p:sp>
+      <p:pic>
+        <p:nvPicPr>
+          <p:cNvPr id="9" name="Picture 8">
+            <a:extLst>
+              <a:ext uri="{FF2B5EF4-FFF2-40B4-BE49-F238E27FC236}">
+                <a16:creationId xmlns:a16="http://schemas.microsoft.com/office/drawing/2014/main" id="{4E31FC5B-9775-8D4C-82A5-9EA19D5E2061}"/>
+              </a:ext>
+            </a:extLst>
+          </p:cNvPr>
+          <p:cNvPicPr/>
+          <p:nvPr/>
+        </p:nvPicPr>
+        <p:blipFill>
+          <a:blip r:embed="rId3">
+            <a:extLst>
+              <a:ext uri="{28A0092B-C50C-407E-A947-70E740481C1C}">
+                <a14:useLocalDpi xmlns:a14="http://schemas.microsoft.com/office/drawing/2010/main" val="0"/>
+              </a:ext>
+            </a:extLst>
+          </a:blip>
+          <a:stretch>
+            <a:fillRect/>
+          </a:stretch>
+        </p:blipFill>
+        <p:spPr>
+          <a:xfrm>
+            <a:off x="3566160" y="1201421"/>
+            <a:ext cx="6640830" cy="5154929"/>
+          </a:xfrm>
+          <a:prstGeom prst="rect">
+            <a:avLst/>
+          </a:prstGeom>
+        </p:spPr>
+      </p:pic>
+      <p:sp>
+        <p:nvSpPr>
+          <p:cNvPr id="7" name="TextBox 6">
+            <a:extLst>
+              <a:ext uri="{FF2B5EF4-FFF2-40B4-BE49-F238E27FC236}">
+                <a16:creationId xmlns:a16="http://schemas.microsoft.com/office/drawing/2014/main" id="{E248EB28-EEE3-0D43-9CCF-0C1A4EF557BF}"/>
+              </a:ext>
+            </a:extLst>
+          </p:cNvPr>
+          <p:cNvSpPr txBox="1"/>
+          <p:nvPr/>
+        </p:nvSpPr>
+        <p:spPr>
+          <a:xfrm>
+            <a:off x="221483" y="5433020"/>
+            <a:ext cx="3581995" cy="923330"/>
+          </a:xfrm>
+          <a:prstGeom prst="rect">
+            <a:avLst/>
+          </a:prstGeom>
+          <a:noFill/>
+        </p:spPr>
+        <p:txBody>
+          <a:bodyPr wrap="square" rtlCol="0">
+            <a:spAutoFit/>
+          </a:bodyPr>
+          <a:lstStyle/>
+          <a:p>
+            <a:r>
+              <a:rPr lang="en-US" b="1" dirty="0"/>
+              <a:t>BIỂU ĐỒ CỤ THỂ MỐI QUAN HỆ GIỮA CÁC LỚP </a:t>
+            </a:r>
+          </a:p>
+          <a:p>
+            <a:r>
+              <a:rPr lang="en-US" b="1" dirty="0"/>
+              <a:t>[ PACKAGE INTERFACE-BÁN HÀNG ] </a:t>
+            </a:r>
+            <a:endParaRPr lang="en-VN" b="1" dirty="0"/>
           </a:p>
         </p:txBody>
       </p:sp>
@@ -5619,10 +5650,10 @@
       </p:sp>
       <p:pic>
         <p:nvPicPr>
-          <p:cNvPr id="11" name="Picture 10">
-            <a:extLst>
-              <a:ext uri="{FF2B5EF4-FFF2-40B4-BE49-F238E27FC236}">
-                <a16:creationId xmlns:a16="http://schemas.microsoft.com/office/drawing/2014/main" id="{B001E981-785A-524C-B020-FDA953419A30}"/>
+          <p:cNvPr id="8" name="Picture 7">
+            <a:extLst>
+              <a:ext uri="{FF2B5EF4-FFF2-40B4-BE49-F238E27FC236}">
+                <a16:creationId xmlns:a16="http://schemas.microsoft.com/office/drawing/2014/main" id="{BF340165-9EBC-4025-9CFC-2DF781D68B6B}"/>
               </a:ext>
             </a:extLst>
           </p:cNvPr>
@@ -5639,77 +5670,6 @@
         </p:blipFill>
         <p:spPr>
           <a:xfrm>
-            <a:off x="2563266" y="1165520"/>
-            <a:ext cx="7478604" cy="5228548"/>
-          </a:xfrm>
-          <a:prstGeom prst="rect">
-            <a:avLst/>
-          </a:prstGeom>
-        </p:spPr>
-      </p:pic>
-      <p:sp>
-        <p:nvSpPr>
-          <p:cNvPr id="7" name="TextBox 6">
-            <a:extLst>
-              <a:ext uri="{FF2B5EF4-FFF2-40B4-BE49-F238E27FC236}">
-                <a16:creationId xmlns:a16="http://schemas.microsoft.com/office/drawing/2014/main" id="{8111DE63-D119-354C-911A-6F4017EAA75F}"/>
-              </a:ext>
-            </a:extLst>
-          </p:cNvPr>
-          <p:cNvSpPr txBox="1"/>
-          <p:nvPr/>
-        </p:nvSpPr>
-        <p:spPr>
-          <a:xfrm>
-            <a:off x="518064" y="5692560"/>
-            <a:ext cx="2159502" cy="646331"/>
-          </a:xfrm>
-          <a:prstGeom prst="rect">
-            <a:avLst/>
-          </a:prstGeom>
-          <a:noFill/>
-        </p:spPr>
-        <p:txBody>
-          <a:bodyPr wrap="none" rtlCol="0">
-            <a:spAutoFit/>
-          </a:bodyPr>
-          <a:lstStyle/>
-          <a:p>
-            <a:r>
-              <a:rPr lang="en-VN" b="1" dirty="0"/>
-              <a:t>CLASS DIAGRAM</a:t>
-            </a:r>
-          </a:p>
-          <a:p>
-            <a:r>
-              <a:rPr lang="en-VN" b="1" dirty="0"/>
-              <a:t>PACKAGE INTERFACE</a:t>
-            </a:r>
-          </a:p>
-        </p:txBody>
-      </p:sp>
-      <p:pic>
-        <p:nvPicPr>
-          <p:cNvPr id="8" name="Picture 7">
-            <a:extLst>
-              <a:ext uri="{FF2B5EF4-FFF2-40B4-BE49-F238E27FC236}">
-                <a16:creationId xmlns:a16="http://schemas.microsoft.com/office/drawing/2014/main" id="{BF340165-9EBC-4025-9CFC-2DF781D68B6B}"/>
-              </a:ext>
-            </a:extLst>
-          </p:cNvPr>
-          <p:cNvPicPr>
-            <a:picLocks noChangeAspect="1"/>
-          </p:cNvPicPr>
-          <p:nvPr/>
-        </p:nvPicPr>
-        <p:blipFill>
-          <a:blip r:embed="rId3"/>
-          <a:stretch>
-            <a:fillRect/>
-          </a:stretch>
-        </p:blipFill>
-        <p:spPr>
-          <a:xfrm>
             <a:off x="10449732" y="132975"/>
             <a:ext cx="1380660" cy="1582006"/>
           </a:xfrm>
@@ -5744,6 +5704,83 @@
               <a:t>14</a:t>
             </a:fld>
             <a:endParaRPr lang="en-VN"/>
+          </a:p>
+        </p:txBody>
+      </p:sp>
+      <p:pic>
+        <p:nvPicPr>
+          <p:cNvPr id="9" name="Picture 8">
+            <a:extLst>
+              <a:ext uri="{FF2B5EF4-FFF2-40B4-BE49-F238E27FC236}">
+                <a16:creationId xmlns:a16="http://schemas.microsoft.com/office/drawing/2014/main" id="{CD7C1A12-22A2-7C4A-A07B-88855C9047F6}"/>
+              </a:ext>
+            </a:extLst>
+          </p:cNvPr>
+          <p:cNvPicPr/>
+          <p:nvPr/>
+        </p:nvPicPr>
+        <p:blipFill>
+          <a:blip r:embed="rId3">
+            <a:extLst>
+              <a:ext uri="{28A0092B-C50C-407E-A947-70E740481C1C}">
+                <a14:useLocalDpi xmlns:a14="http://schemas.microsoft.com/office/drawing/2010/main" val="0"/>
+              </a:ext>
+            </a:extLst>
+          </a:blip>
+          <a:stretch>
+            <a:fillRect/>
+          </a:stretch>
+        </p:blipFill>
+        <p:spPr>
+          <a:xfrm>
+            <a:off x="3176324" y="1110263"/>
+            <a:ext cx="7360920" cy="5168702"/>
+          </a:xfrm>
+          <a:prstGeom prst="rect">
+            <a:avLst/>
+          </a:prstGeom>
+        </p:spPr>
+      </p:pic>
+      <p:sp>
+        <p:nvSpPr>
+          <p:cNvPr id="7" name="TextBox 6">
+            <a:extLst>
+              <a:ext uri="{FF2B5EF4-FFF2-40B4-BE49-F238E27FC236}">
+                <a16:creationId xmlns:a16="http://schemas.microsoft.com/office/drawing/2014/main" id="{8111DE63-D119-354C-911A-6F4017EAA75F}"/>
+              </a:ext>
+            </a:extLst>
+          </p:cNvPr>
+          <p:cNvSpPr txBox="1"/>
+          <p:nvPr/>
+        </p:nvSpPr>
+        <p:spPr>
+          <a:xfrm>
+            <a:off x="269915" y="5286072"/>
+            <a:ext cx="3311486" cy="923330"/>
+          </a:xfrm>
+          <a:prstGeom prst="rect">
+            <a:avLst/>
+          </a:prstGeom>
+          <a:solidFill>
+            <a:schemeClr val="bg1"/>
+          </a:solidFill>
+        </p:spPr>
+        <p:txBody>
+          <a:bodyPr wrap="square" rtlCol="0">
+            <a:spAutoFit/>
+          </a:bodyPr>
+          <a:lstStyle/>
+          <a:p>
+            <a:r>
+              <a:rPr lang="en-US" b="1" dirty="0"/>
+              <a:t>BIỂU ĐỒ CỤ THỂ MỐI QUAN HỆ GIỮA CÁC LỚP</a:t>
+            </a:r>
+          </a:p>
+          <a:p>
+            <a:r>
+              <a:rPr lang="en-US" b="1" dirty="0"/>
+              <a:t>[ PACKAGE INTERFACE-QUẢN LÝ ]</a:t>
+            </a:r>
           </a:p>
         </p:txBody>
       </p:sp>
@@ -5884,8 +5921,8 @@
         </p:nvSpPr>
         <p:spPr>
           <a:xfrm>
-            <a:off x="460771" y="6130774"/>
-            <a:ext cx="2341795" cy="369332"/>
+            <a:off x="269915" y="5641294"/>
+            <a:ext cx="2461700" cy="646331"/>
           </a:xfrm>
           <a:prstGeom prst="rect">
             <a:avLst/>
@@ -5900,7 +5937,13 @@
           <a:p>
             <a:r>
               <a:rPr lang="en-VN" b="1" dirty="0"/>
-              <a:t>DETAIL CLASS MODELS</a:t>
+              <a:t>DETAIL CLASS PACKAGE </a:t>
+            </a:r>
+          </a:p>
+          <a:p>
+            <a:r>
+              <a:rPr lang="en-VN" b="1" dirty="0"/>
+              <a:t>MODELS</a:t>
             </a:r>
           </a:p>
         </p:txBody>
@@ -6010,7 +6053,7 @@
         </p:nvSpPr>
         <p:spPr>
           <a:xfrm>
-            <a:off x="9942" y="0"/>
+            <a:off x="0" y="3170"/>
             <a:ext cx="7852229" cy="6858000"/>
           </a:xfrm>
           <a:prstGeom prst="rect">
@@ -6154,13 +6197,57 @@
       </p:sp>
       <p:sp>
         <p:nvSpPr>
-          <p:cNvPr id="7" name="Oval 6"/>
+          <p:cNvPr id="9" name="Rectangle 8"/>
           <p:cNvSpPr/>
           <p:nvPr/>
         </p:nvSpPr>
         <p:spPr>
           <a:xfrm>
-            <a:off x="849375" y="2396393"/>
+            <a:off x="1565081" y="1593978"/>
+            <a:ext cx="5425658" cy="644023"/>
+          </a:xfrm>
+          <a:prstGeom prst="rect">
+            <a:avLst/>
+          </a:prstGeom>
+          <a:noFill/>
+          <a:ln>
+            <a:noFill/>
+          </a:ln>
+        </p:spPr>
+        <p:style>
+          <a:lnRef idx="2">
+            <a:schemeClr val="accent3"/>
+          </a:lnRef>
+          <a:fillRef idx="1">
+            <a:schemeClr val="lt1"/>
+          </a:fillRef>
+          <a:effectRef idx="0">
+            <a:schemeClr val="accent3"/>
+          </a:effectRef>
+          <a:fontRef idx="minor">
+            <a:schemeClr val="dk1"/>
+          </a:fontRef>
+        </p:style>
+        <p:txBody>
+          <a:bodyPr rtlCol="0" anchor="ctr"/>
+          <a:lstStyle/>
+          <a:p>
+            <a:r>
+              <a:rPr lang="vi-VN" dirty="0"/>
+              <a:t>IDE Apache Netbeans, Công nghệ Swing </a:t>
+            </a:r>
+          </a:p>
+        </p:txBody>
+      </p:sp>
+      <p:sp>
+        <p:nvSpPr>
+          <p:cNvPr id="10" name="Oval 9"/>
+          <p:cNvSpPr/>
+          <p:nvPr/>
+        </p:nvSpPr>
+        <p:spPr>
+          <a:xfrm>
+            <a:off x="867863" y="3719477"/>
             <a:ext cx="609600" cy="638629"/>
           </a:xfrm>
           <a:prstGeom prst="ellipse">
@@ -6200,19 +6287,800 @@
       </p:sp>
       <p:sp>
         <p:nvSpPr>
-          <p:cNvPr id="8" name="Freeform 19">
-            <a:extLst>
-              <a:ext uri="{FF2B5EF4-FFF2-40B4-BE49-F238E27FC236}">
-                <a16:creationId xmlns:a16="http://schemas.microsoft.com/office/drawing/2014/main" id="{52F08ECD-8800-42CB-BDEA-E190428D4E46}"/>
-              </a:ext>
-            </a:extLst>
-          </p:cNvPr>
+          <p:cNvPr id="12" name="Rectangle 11"/>
           <p:cNvSpPr/>
           <p:nvPr/>
         </p:nvSpPr>
         <p:spPr>
           <a:xfrm>
-            <a:off x="1021606" y="2560894"/>
+            <a:off x="1638119" y="3606387"/>
+            <a:ext cx="3846285" cy="812800"/>
+          </a:xfrm>
+          <a:prstGeom prst="rect">
+            <a:avLst/>
+          </a:prstGeom>
+          <a:noFill/>
+          <a:ln>
+            <a:noFill/>
+          </a:ln>
+        </p:spPr>
+        <p:style>
+          <a:lnRef idx="2">
+            <a:schemeClr val="accent3"/>
+          </a:lnRef>
+          <a:fillRef idx="1">
+            <a:schemeClr val="lt1"/>
+          </a:fillRef>
+          <a:effectRef idx="0">
+            <a:schemeClr val="accent3"/>
+          </a:effectRef>
+          <a:fontRef idx="minor">
+            <a:schemeClr val="dk1"/>
+          </a:fontRef>
+        </p:style>
+        <p:txBody>
+          <a:bodyPr rtlCol="0" anchor="ctr"/>
+          <a:lstStyle/>
+          <a:p>
+            <a:endParaRPr lang="en-US" sz="2000" dirty="0"/>
+          </a:p>
+        </p:txBody>
+      </p:sp>
+      <p:sp>
+        <p:nvSpPr>
+          <p:cNvPr id="13" name="Oval 12"/>
+          <p:cNvSpPr/>
+          <p:nvPr/>
+        </p:nvSpPr>
+        <p:spPr>
+          <a:xfrm>
+            <a:off x="839278" y="2624983"/>
+            <a:ext cx="609600" cy="638629"/>
+          </a:xfrm>
+          <a:prstGeom prst="ellipse">
+            <a:avLst/>
+          </a:prstGeom>
+          <a:solidFill>
+            <a:srgbClr val="E8E5E4"/>
+          </a:solidFill>
+          <a:ln>
+            <a:solidFill>
+              <a:srgbClr val="4F2409"/>
+            </a:solidFill>
+          </a:ln>
+        </p:spPr>
+        <p:style>
+          <a:lnRef idx="2">
+            <a:schemeClr val="accent1"/>
+          </a:lnRef>
+          <a:fillRef idx="1">
+            <a:schemeClr val="lt1"/>
+          </a:fillRef>
+          <a:effectRef idx="0">
+            <a:schemeClr val="accent1"/>
+          </a:effectRef>
+          <a:fontRef idx="minor">
+            <a:schemeClr val="dk1"/>
+          </a:fontRef>
+        </p:style>
+        <p:txBody>
+          <a:bodyPr rtlCol="0" anchor="ctr"/>
+          <a:lstStyle/>
+          <a:p>
+            <a:pPr algn="ctr"/>
+            <a:endParaRPr lang="en-US" dirty="0"/>
+          </a:p>
+        </p:txBody>
+      </p:sp>
+      <p:sp>
+        <p:nvSpPr>
+          <p:cNvPr id="15" name="Rectangle 14"/>
+          <p:cNvSpPr/>
+          <p:nvPr/>
+        </p:nvSpPr>
+        <p:spPr>
+          <a:xfrm>
+            <a:off x="1627468" y="2555296"/>
+            <a:ext cx="5433034" cy="812800"/>
+          </a:xfrm>
+          <a:prstGeom prst="rect">
+            <a:avLst/>
+          </a:prstGeom>
+          <a:noFill/>
+          <a:ln>
+            <a:noFill/>
+          </a:ln>
+        </p:spPr>
+        <p:style>
+          <a:lnRef idx="2">
+            <a:schemeClr val="accent3"/>
+          </a:lnRef>
+          <a:fillRef idx="1">
+            <a:schemeClr val="lt1"/>
+          </a:fillRef>
+          <a:effectRef idx="0">
+            <a:schemeClr val="accent3"/>
+          </a:effectRef>
+          <a:fontRef idx="minor">
+            <a:schemeClr val="dk1"/>
+          </a:fontRef>
+        </p:style>
+        <p:txBody>
+          <a:bodyPr rtlCol="0" anchor="ctr"/>
+          <a:lstStyle/>
+          <a:p>
+            <a:r>
+              <a:rPr lang="vi-VN" dirty="0"/>
+              <a:t>MySQL với công cụ quản trị dữ liệu phpMyAdmin</a:t>
+            </a:r>
+            <a:r>
+              <a:rPr lang="en-VN" sz="2000" dirty="0"/>
+              <a:t> </a:t>
+            </a:r>
+            <a:endParaRPr lang="en-US" sz="2000" b="1" dirty="0"/>
+          </a:p>
+        </p:txBody>
+      </p:sp>
+      <p:sp>
+        <p:nvSpPr>
+          <p:cNvPr id="19" name="Oval 18"/>
+          <p:cNvSpPr/>
+          <p:nvPr/>
+        </p:nvSpPr>
+        <p:spPr>
+          <a:xfrm>
+            <a:off x="857844" y="1611989"/>
+            <a:ext cx="609600" cy="638629"/>
+          </a:xfrm>
+          <a:prstGeom prst="ellipse">
+            <a:avLst/>
+          </a:prstGeom>
+          <a:solidFill>
+            <a:srgbClr val="E8E5E4"/>
+          </a:solidFill>
+          <a:ln>
+            <a:solidFill>
+              <a:srgbClr val="4F2409"/>
+            </a:solidFill>
+          </a:ln>
+        </p:spPr>
+        <p:style>
+          <a:lnRef idx="2">
+            <a:schemeClr val="accent1"/>
+          </a:lnRef>
+          <a:fillRef idx="1">
+            <a:schemeClr val="lt1"/>
+          </a:fillRef>
+          <a:effectRef idx="0">
+            <a:schemeClr val="accent1"/>
+          </a:effectRef>
+          <a:fontRef idx="minor">
+            <a:schemeClr val="dk1"/>
+          </a:fontRef>
+        </p:style>
+        <p:txBody>
+          <a:bodyPr rtlCol="0" anchor="ctr"/>
+          <a:lstStyle/>
+          <a:p>
+            <a:pPr algn="ctr"/>
+            <a:endParaRPr lang="en-US" dirty="0"/>
+          </a:p>
+        </p:txBody>
+      </p:sp>
+      <p:sp>
+        <p:nvSpPr>
+          <p:cNvPr id="21" name="Rectangle 20"/>
+          <p:cNvSpPr/>
+          <p:nvPr/>
+        </p:nvSpPr>
+        <p:spPr>
+          <a:xfrm>
+            <a:off x="1570228" y="1510470"/>
+            <a:ext cx="3333242" cy="812800"/>
+          </a:xfrm>
+          <a:prstGeom prst="rect">
+            <a:avLst/>
+          </a:prstGeom>
+          <a:noFill/>
+          <a:ln>
+            <a:noFill/>
+          </a:ln>
+        </p:spPr>
+        <p:style>
+          <a:lnRef idx="2">
+            <a:schemeClr val="accent3"/>
+          </a:lnRef>
+          <a:fillRef idx="1">
+            <a:schemeClr val="lt1"/>
+          </a:fillRef>
+          <a:effectRef idx="0">
+            <a:schemeClr val="accent3"/>
+          </a:effectRef>
+          <a:fontRef idx="minor">
+            <a:schemeClr val="dk1"/>
+          </a:fontRef>
+        </p:style>
+        <p:txBody>
+          <a:bodyPr rtlCol="0" anchor="ctr"/>
+          <a:lstStyle/>
+          <a:p>
+            <a:endParaRPr lang="en-US" sz="2000" b="1" dirty="0"/>
+          </a:p>
+        </p:txBody>
+      </p:sp>
+      <p:sp>
+        <p:nvSpPr>
+          <p:cNvPr id="22" name="Round Same Side Corner Rectangle 6">
+            <a:extLst>
+              <a:ext uri="{FF2B5EF4-FFF2-40B4-BE49-F238E27FC236}">
+                <a16:creationId xmlns:a16="http://schemas.microsoft.com/office/drawing/2014/main" id="{50249BFC-DAB1-4F7B-8E1E-906F4332CD6A}"/>
+              </a:ext>
+            </a:extLst>
+          </p:cNvPr>
+          <p:cNvSpPr/>
+          <p:nvPr/>
+        </p:nvSpPr>
+        <p:spPr>
+          <a:xfrm rot="2700000">
+            <a:off x="1130555" y="2748309"/>
+            <a:ext cx="67645" cy="386349"/>
+          </a:xfrm>
+          <a:custGeom>
+            <a:avLst/>
+            <a:gdLst/>
+            <a:ahLst/>
+            <a:cxnLst/>
+            <a:rect l="l" t="t" r="r" b="b"/>
+            <a:pathLst>
+              <a:path w="1035916" h="4153123">
+                <a:moveTo>
+                  <a:pt x="277501" y="3759099"/>
+                </a:moveTo>
+                <a:lnTo>
+                  <a:pt x="758408" y="3759099"/>
+                </a:lnTo>
+                <a:lnTo>
+                  <a:pt x="517954" y="4153123"/>
+                </a:lnTo>
+                <a:close/>
+                <a:moveTo>
+                  <a:pt x="42612" y="2944898"/>
+                </a:moveTo>
+                <a:cubicBezTo>
+                  <a:pt x="153922" y="2941505"/>
+                  <a:pt x="246502" y="2889483"/>
+                  <a:pt x="275675" y="2819018"/>
+                </a:cubicBezTo>
+                <a:cubicBezTo>
+                  <a:pt x="304648" y="2892614"/>
+                  <a:pt x="403763" y="2945872"/>
+                  <a:pt x="521107" y="2945872"/>
+                </a:cubicBezTo>
+                <a:cubicBezTo>
+                  <a:pt x="638453" y="2945872"/>
+                  <a:pt x="737567" y="2892613"/>
+                  <a:pt x="766540" y="2819017"/>
+                </a:cubicBezTo>
+                <a:cubicBezTo>
+                  <a:pt x="795133" y="2888142"/>
+                  <a:pt x="884783" y="2939514"/>
+                  <a:pt x="993299" y="2944464"/>
+                </a:cubicBezTo>
+                <a:lnTo>
+                  <a:pt x="776840" y="3657264"/>
+                </a:lnTo>
+                <a:lnTo>
+                  <a:pt x="258940" y="3657264"/>
+                </a:lnTo>
+                <a:close/>
+                <a:moveTo>
+                  <a:pt x="809102" y="564558"/>
+                </a:moveTo>
+                <a:lnTo>
+                  <a:pt x="1035914" y="564558"/>
+                </a:lnTo>
+                <a:lnTo>
+                  <a:pt x="1035915" y="2838682"/>
+                </a:lnTo>
+                <a:cubicBezTo>
+                  <a:pt x="1029586" y="2840409"/>
+                  <a:pt x="1023074" y="2840731"/>
+                  <a:pt x="1016490" y="2840731"/>
+                </a:cubicBezTo>
+                <a:cubicBezTo>
+                  <a:pt x="901952" y="2840731"/>
+                  <a:pt x="809102" y="2743612"/>
+                  <a:pt x="809101" y="2623810"/>
+                </a:cubicBezTo>
+                <a:close/>
+                <a:moveTo>
+                  <a:pt x="310569" y="564558"/>
+                </a:moveTo>
+                <a:lnTo>
+                  <a:pt x="725347" y="564558"/>
+                </a:lnTo>
+                <a:lnTo>
+                  <a:pt x="725347" y="2633342"/>
+                </a:lnTo>
+                <a:cubicBezTo>
+                  <a:pt x="725347" y="2747880"/>
+                  <a:pt x="632496" y="2840731"/>
+                  <a:pt x="517958" y="2840731"/>
+                </a:cubicBezTo>
+                <a:cubicBezTo>
+                  <a:pt x="403420" y="2840731"/>
+                  <a:pt x="310569" y="2747880"/>
+                  <a:pt x="310569" y="2633342"/>
+                </a:cubicBezTo>
+                <a:close/>
+                <a:moveTo>
+                  <a:pt x="0" y="564557"/>
+                </a:moveTo>
+                <a:lnTo>
+                  <a:pt x="226813" y="564557"/>
+                </a:lnTo>
+                <a:lnTo>
+                  <a:pt x="226813" y="2623810"/>
+                </a:lnTo>
+                <a:cubicBezTo>
+                  <a:pt x="226813" y="2743612"/>
+                  <a:pt x="133962" y="2840731"/>
+                  <a:pt x="19424" y="2840730"/>
+                </a:cubicBezTo>
+                <a:cubicBezTo>
+                  <a:pt x="12841" y="2840730"/>
+                  <a:pt x="6329" y="2840409"/>
+                  <a:pt x="0" y="2838682"/>
+                </a:cubicBezTo>
+                <a:close/>
+                <a:moveTo>
+                  <a:pt x="71964" y="71964"/>
+                </a:moveTo>
+                <a:cubicBezTo>
+                  <a:pt x="116427" y="27501"/>
+                  <a:pt x="177852" y="0"/>
+                  <a:pt x="245701" y="0"/>
+                </a:cubicBezTo>
+                <a:lnTo>
+                  <a:pt x="790215" y="0"/>
+                </a:lnTo>
+                <a:cubicBezTo>
+                  <a:pt x="925912" y="0"/>
+                  <a:pt x="1035916" y="110004"/>
+                  <a:pt x="1035916" y="245701"/>
+                </a:cubicBezTo>
+                <a:cubicBezTo>
+                  <a:pt x="1035916" y="327601"/>
+                  <a:pt x="1035915" y="409501"/>
+                  <a:pt x="1035915" y="491401"/>
+                </a:cubicBezTo>
+                <a:lnTo>
+                  <a:pt x="0" y="491401"/>
+                </a:lnTo>
+                <a:lnTo>
+                  <a:pt x="0" y="245701"/>
+                </a:lnTo>
+                <a:cubicBezTo>
+                  <a:pt x="0" y="177853"/>
+                  <a:pt x="27501" y="116427"/>
+                  <a:pt x="71964" y="71964"/>
+                </a:cubicBezTo>
+                <a:close/>
+              </a:path>
+            </a:pathLst>
+          </a:custGeom>
+          <a:solidFill>
+            <a:srgbClr val="E8E5E4"/>
+          </a:solidFill>
+          <a:ln>
+            <a:solidFill>
+              <a:srgbClr val="4F2409"/>
+            </a:solidFill>
+          </a:ln>
+        </p:spPr>
+        <p:style>
+          <a:lnRef idx="2">
+            <a:schemeClr val="accent1">
+              <a:shade val="50000"/>
+            </a:schemeClr>
+          </a:lnRef>
+          <a:fillRef idx="1">
+            <a:schemeClr val="accent1"/>
+          </a:fillRef>
+          <a:effectRef idx="0">
+            <a:schemeClr val="accent1"/>
+          </a:effectRef>
+          <a:fontRef idx="minor">
+            <a:schemeClr val="lt1"/>
+          </a:fontRef>
+        </p:style>
+        <p:txBody>
+          <a:bodyPr rot="0" spcFirstLastPara="0" vertOverflow="overflow" horzOverflow="overflow" vert="horz" wrap="square" lIns="91440" tIns="45720" rIns="91440" bIns="45720" numCol="1" spcCol="0" rtlCol="0" fromWordArt="0" anchor="ctr" anchorCtr="0" forceAA="0" compatLnSpc="1">
+            <a:prstTxWarp prst="textNoShape">
+              <a:avLst/>
+            </a:prstTxWarp>
+            <a:noAutofit/>
+          </a:bodyPr>
+          <a:lstStyle/>
+          <a:p>
+            <a:pPr algn="ctr"/>
+            <a:endParaRPr lang="ko-KR" altLang="en-US" dirty="0"/>
+          </a:p>
+        </p:txBody>
+      </p:sp>
+      <p:sp>
+        <p:nvSpPr>
+          <p:cNvPr id="24" name="Oval 44">
+            <a:extLst>
+              <a:ext uri="{FF2B5EF4-FFF2-40B4-BE49-F238E27FC236}">
+                <a16:creationId xmlns:a16="http://schemas.microsoft.com/office/drawing/2014/main" id="{76730F0A-55ED-4BC7-ACD2-11C5DF5601C0}"/>
+              </a:ext>
+            </a:extLst>
+          </p:cNvPr>
+          <p:cNvSpPr>
+            <a:spLocks noChangeAspect="1"/>
+          </p:cNvSpPr>
+          <p:nvPr/>
+        </p:nvSpPr>
+        <p:spPr>
+          <a:xfrm>
+            <a:off x="1091340" y="1772962"/>
+            <a:ext cx="240245" cy="286057"/>
+          </a:xfrm>
+          <a:custGeom>
+            <a:avLst/>
+            <a:gdLst/>
+            <a:ahLst/>
+            <a:cxnLst/>
+            <a:rect l="l" t="t" r="r" b="b"/>
+            <a:pathLst>
+              <a:path w="2721114" h="3240000">
+                <a:moveTo>
+                  <a:pt x="2519839" y="2469622"/>
+                </a:moveTo>
+                <a:lnTo>
+                  <a:pt x="2201779" y="2787682"/>
+                </a:lnTo>
+                <a:lnTo>
+                  <a:pt x="2003023" y="2588926"/>
+                </a:lnTo>
+                <a:lnTo>
+                  <a:pt x="1901669" y="2690281"/>
+                </a:lnTo>
+                <a:lnTo>
+                  <a:pt x="2203868" y="2992480"/>
+                </a:lnTo>
+                <a:lnTo>
+                  <a:pt x="2305222" y="2891125"/>
+                </a:lnTo>
+                <a:lnTo>
+                  <a:pt x="2303133" y="2889037"/>
+                </a:lnTo>
+                <a:lnTo>
+                  <a:pt x="2621194" y="2570977"/>
+                </a:lnTo>
+                <a:close/>
+                <a:moveTo>
+                  <a:pt x="2263914" y="2238970"/>
+                </a:moveTo>
+                <a:cubicBezTo>
+                  <a:pt x="2516419" y="2238970"/>
+                  <a:pt x="2721114" y="2443665"/>
+                  <a:pt x="2721114" y="2696170"/>
+                </a:cubicBezTo>
+                <a:cubicBezTo>
+                  <a:pt x="2721114" y="2948675"/>
+                  <a:pt x="2516419" y="3153370"/>
+                  <a:pt x="2263914" y="3153370"/>
+                </a:cubicBezTo>
+                <a:cubicBezTo>
+                  <a:pt x="2011409" y="3153370"/>
+                  <a:pt x="1806714" y="2948675"/>
+                  <a:pt x="1806714" y="2696170"/>
+                </a:cubicBezTo>
+                <a:cubicBezTo>
+                  <a:pt x="1806714" y="2443665"/>
+                  <a:pt x="2011409" y="2238970"/>
+                  <a:pt x="2263914" y="2238970"/>
+                </a:cubicBezTo>
+                <a:close/>
+                <a:moveTo>
+                  <a:pt x="1576134" y="17032"/>
+                </a:moveTo>
+                <a:lnTo>
+                  <a:pt x="2276728" y="17032"/>
+                </a:lnTo>
+                <a:lnTo>
+                  <a:pt x="2276728" y="17033"/>
+                </a:lnTo>
+                <a:lnTo>
+                  <a:pt x="1576135" y="17033"/>
+                </a:lnTo>
+                <a:close/>
+                <a:moveTo>
+                  <a:pt x="0" y="17032"/>
+                </a:moveTo>
+                <a:lnTo>
+                  <a:pt x="1321887" y="17032"/>
+                </a:lnTo>
+                <a:lnTo>
+                  <a:pt x="1321887" y="996125"/>
+                </a:lnTo>
+                <a:lnTo>
+                  <a:pt x="2276728" y="996125"/>
+                </a:lnTo>
+                <a:lnTo>
+                  <a:pt x="2276728" y="2160187"/>
+                </a:lnTo>
+                <a:cubicBezTo>
+                  <a:pt x="1979345" y="2161001"/>
+                  <a:pt x="1738579" y="2402384"/>
+                  <a:pt x="1738579" y="2700000"/>
+                </a:cubicBezTo>
+                <a:cubicBezTo>
+                  <a:pt x="1738579" y="2997617"/>
+                  <a:pt x="1979345" y="3238999"/>
+                  <a:pt x="2276728" y="3239814"/>
+                </a:cubicBezTo>
+                <a:lnTo>
+                  <a:pt x="2276728" y="3240000"/>
+                </a:lnTo>
+                <a:lnTo>
+                  <a:pt x="0" y="3240000"/>
+                </a:lnTo>
+                <a:close/>
+                <a:moveTo>
+                  <a:pt x="1436085" y="0"/>
+                </a:moveTo>
+                <a:lnTo>
+                  <a:pt x="2287664" y="888809"/>
+                </a:lnTo>
+                <a:lnTo>
+                  <a:pt x="1436085" y="888809"/>
+                </a:lnTo>
+                <a:close/>
+              </a:path>
+            </a:pathLst>
+          </a:custGeom>
+          <a:solidFill>
+            <a:srgbClr val="E8E5E4"/>
+          </a:solidFill>
+          <a:ln>
+            <a:solidFill>
+              <a:srgbClr val="4F2409"/>
+            </a:solidFill>
+          </a:ln>
+        </p:spPr>
+        <p:style>
+          <a:lnRef idx="2">
+            <a:schemeClr val="accent1">
+              <a:shade val="50000"/>
+            </a:schemeClr>
+          </a:lnRef>
+          <a:fillRef idx="1">
+            <a:schemeClr val="accent1"/>
+          </a:fillRef>
+          <a:effectRef idx="0">
+            <a:schemeClr val="accent1"/>
+          </a:effectRef>
+          <a:fontRef idx="minor">
+            <a:schemeClr val="lt1"/>
+          </a:fontRef>
+        </p:style>
+        <p:txBody>
+          <a:bodyPr rot="0" spcFirstLastPara="0" vertOverflow="overflow" horzOverflow="overflow" vert="horz" wrap="square" lIns="91440" tIns="45720" rIns="91440" bIns="45720" numCol="1" spcCol="0" rtlCol="0" fromWordArt="0" anchor="ctr" anchorCtr="0" forceAA="0" compatLnSpc="1">
+            <a:prstTxWarp prst="textNoShape">
+              <a:avLst/>
+            </a:prstTxWarp>
+            <a:noAutofit/>
+          </a:bodyPr>
+          <a:lstStyle/>
+          <a:p>
+            <a:pPr algn="ctr"/>
+            <a:endParaRPr lang="ko-KR" altLang="en-US" dirty="0"/>
+          </a:p>
+        </p:txBody>
+      </p:sp>
+      <p:sp>
+        <p:nvSpPr>
+          <p:cNvPr id="27" name="Rectangle 26"/>
+          <p:cNvSpPr/>
+          <p:nvPr/>
+        </p:nvSpPr>
+        <p:spPr>
+          <a:xfrm>
+            <a:off x="1638412" y="4962341"/>
+            <a:ext cx="3846285" cy="812800"/>
+          </a:xfrm>
+          <a:prstGeom prst="rect">
+            <a:avLst/>
+          </a:prstGeom>
+          <a:noFill/>
+          <a:ln>
+            <a:noFill/>
+          </a:ln>
+        </p:spPr>
+        <p:style>
+          <a:lnRef idx="2">
+            <a:schemeClr val="accent3"/>
+          </a:lnRef>
+          <a:fillRef idx="1">
+            <a:schemeClr val="lt1"/>
+          </a:fillRef>
+          <a:effectRef idx="0">
+            <a:schemeClr val="accent3"/>
+          </a:effectRef>
+          <a:fontRef idx="minor">
+            <a:schemeClr val="dk1"/>
+          </a:fontRef>
+        </p:style>
+        <p:txBody>
+          <a:bodyPr rtlCol="0" anchor="ctr"/>
+          <a:lstStyle/>
+          <a:p>
+            <a:endParaRPr lang="en-US" sz="2000" dirty="0"/>
+          </a:p>
+        </p:txBody>
+      </p:sp>
+      <p:sp>
+        <p:nvSpPr>
+          <p:cNvPr id="26" name="Rectangle 25">
+            <a:extLst>
+              <a:ext uri="{FF2B5EF4-FFF2-40B4-BE49-F238E27FC236}">
+                <a16:creationId xmlns:a16="http://schemas.microsoft.com/office/drawing/2014/main" id="{6698B4DE-2BEA-924B-8318-41F5E7CE4393}"/>
+              </a:ext>
+            </a:extLst>
+          </p:cNvPr>
+          <p:cNvSpPr/>
+          <p:nvPr/>
+        </p:nvSpPr>
+        <p:spPr>
+          <a:xfrm>
+            <a:off x="269915" y="220407"/>
+            <a:ext cx="5065303" cy="889856"/>
+          </a:xfrm>
+          <a:prstGeom prst="rect">
+            <a:avLst/>
+          </a:prstGeom>
+          <a:noFill/>
+          <a:ln w="12700" cap="flat" cmpd="sng" algn="ctr">
+            <a:noFill/>
+            <a:prstDash val="solid"/>
+            <a:miter lim="800000"/>
+          </a:ln>
+          <a:effectLst>
+            <a:outerShdw blurRad="50800" dist="50800" dir="5400000" algn="ctr" rotWithShape="0">
+              <a:srgbClr val="000000">
+                <a:alpha val="8000"/>
+              </a:srgbClr>
+            </a:outerShdw>
+          </a:effectLst>
+        </p:spPr>
+        <p:txBody>
+          <a:bodyPr rtlCol="0" anchor="ctr"/>
+          <a:lstStyle/>
+          <a:p>
+            <a:pPr algn="ctr">
+              <a:defRPr/>
+            </a:pPr>
+            <a:r>
+              <a:rPr lang="en-US" sz="3200" b="1" kern="0" spc="300" dirty="0">
+                <a:solidFill>
+                  <a:srgbClr val="E7E6E6">
+                    <a:lumMod val="10000"/>
+                  </a:srgbClr>
+                </a:solidFill>
+                <a:effectLst>
+                  <a:outerShdw blurRad="38100" dist="38100" dir="2700000" algn="tl">
+                    <a:srgbClr val="000000">
+                      <a:alpha val="43137"/>
+                    </a:srgbClr>
+                  </a:outerShdw>
+                </a:effectLst>
+                <a:latin typeface=".VnCourier New" panose="02027200000000000000" pitchFamily="18" charset="0"/>
+                <a:cs typeface="Courier New" panose="02070309020205020404" pitchFamily="49" charset="0"/>
+              </a:rPr>
+              <a:t>CÔNG CỤ SỬ DỤNG</a:t>
+            </a:r>
+          </a:p>
+        </p:txBody>
+      </p:sp>
+      <p:pic>
+        <p:nvPicPr>
+          <p:cNvPr id="28" name="Picture 27">
+            <a:extLst>
+              <a:ext uri="{FF2B5EF4-FFF2-40B4-BE49-F238E27FC236}">
+                <a16:creationId xmlns:a16="http://schemas.microsoft.com/office/drawing/2014/main" id="{5B7D53AF-C3D3-2248-ACF6-066EF4D8F9D0}"/>
+              </a:ext>
+            </a:extLst>
+          </p:cNvPr>
+          <p:cNvPicPr>
+            <a:picLocks noChangeAspect="1"/>
+          </p:cNvPicPr>
+          <p:nvPr/>
+        </p:nvPicPr>
+        <p:blipFill>
+          <a:blip r:embed="rId2"/>
+          <a:stretch>
+            <a:fillRect/>
+          </a:stretch>
+        </p:blipFill>
+        <p:spPr>
+          <a:xfrm>
+            <a:off x="9319384" y="2396393"/>
+            <a:ext cx="1623176" cy="1751219"/>
+          </a:xfrm>
+          <a:prstGeom prst="rect">
+            <a:avLst/>
+          </a:prstGeom>
+        </p:spPr>
+      </p:pic>
+      <p:sp>
+        <p:nvSpPr>
+          <p:cNvPr id="20" name="Rectangle 19">
+            <a:extLst>
+              <a:ext uri="{FF2B5EF4-FFF2-40B4-BE49-F238E27FC236}">
+                <a16:creationId xmlns:a16="http://schemas.microsoft.com/office/drawing/2014/main" id="{DD93768B-26B5-4F44-B316-D8E405A5EA02}"/>
+              </a:ext>
+            </a:extLst>
+          </p:cNvPr>
+          <p:cNvSpPr/>
+          <p:nvPr/>
+        </p:nvSpPr>
+        <p:spPr>
+          <a:xfrm>
+            <a:off x="1627468" y="3652401"/>
+            <a:ext cx="5433034" cy="812800"/>
+          </a:xfrm>
+          <a:prstGeom prst="rect">
+            <a:avLst/>
+          </a:prstGeom>
+          <a:noFill/>
+          <a:ln>
+            <a:noFill/>
+          </a:ln>
+        </p:spPr>
+        <p:style>
+          <a:lnRef idx="2">
+            <a:schemeClr val="accent3"/>
+          </a:lnRef>
+          <a:fillRef idx="1">
+            <a:schemeClr val="lt1"/>
+          </a:fillRef>
+          <a:effectRef idx="0">
+            <a:schemeClr val="accent3"/>
+          </a:effectRef>
+          <a:fontRef idx="minor">
+            <a:schemeClr val="dk1"/>
+          </a:fontRef>
+        </p:style>
+        <p:txBody>
+          <a:bodyPr rtlCol="0" anchor="ctr"/>
+          <a:lstStyle/>
+          <a:p>
+            <a:r>
+              <a:rPr lang="vi-VN" dirty="0"/>
+              <a:t>Phần mềm Astah xây dựng UML</a:t>
+            </a:r>
+            <a:endParaRPr lang="en-US" sz="2000" b="1" dirty="0"/>
+          </a:p>
+        </p:txBody>
+      </p:sp>
+      <p:sp>
+        <p:nvSpPr>
+          <p:cNvPr id="8" name="Freeform 19">
+            <a:extLst>
+              <a:ext uri="{FF2B5EF4-FFF2-40B4-BE49-F238E27FC236}">
+                <a16:creationId xmlns:a16="http://schemas.microsoft.com/office/drawing/2014/main" id="{52F08ECD-8800-42CB-BDEA-E190428D4E46}"/>
+              </a:ext>
+            </a:extLst>
+          </p:cNvPr>
+          <p:cNvSpPr/>
+          <p:nvPr/>
+        </p:nvSpPr>
+        <p:spPr>
+          <a:xfrm>
+            <a:off x="1010217" y="3883978"/>
             <a:ext cx="314672" cy="309626"/>
           </a:xfrm>
           <a:custGeom>
@@ -6445,14 +7313,72 @@
       </p:sp>
       <p:sp>
         <p:nvSpPr>
-          <p:cNvPr id="9" name="Rectangle 8"/>
+          <p:cNvPr id="25" name="Oval 24">
+            <a:extLst>
+              <a:ext uri="{FF2B5EF4-FFF2-40B4-BE49-F238E27FC236}">
+                <a16:creationId xmlns:a16="http://schemas.microsoft.com/office/drawing/2014/main" id="{76DE25E8-4E99-9F4D-A46B-A926F848D543}"/>
+              </a:ext>
+            </a:extLst>
+          </p:cNvPr>
           <p:cNvSpPr/>
           <p:nvPr/>
         </p:nvSpPr>
         <p:spPr>
           <a:xfrm>
-            <a:off x="1570228" y="2103521"/>
-            <a:ext cx="5425658" cy="1224372"/>
+            <a:off x="839278" y="4840907"/>
+            <a:ext cx="609600" cy="638629"/>
+          </a:xfrm>
+          <a:prstGeom prst="ellipse">
+            <a:avLst/>
+          </a:prstGeom>
+          <a:solidFill>
+            <a:srgbClr val="E8E5E4"/>
+          </a:solidFill>
+          <a:ln>
+            <a:solidFill>
+              <a:srgbClr val="4F2409"/>
+            </a:solidFill>
+          </a:ln>
+        </p:spPr>
+        <p:style>
+          <a:lnRef idx="2">
+            <a:schemeClr val="accent1"/>
+          </a:lnRef>
+          <a:fillRef idx="1">
+            <a:schemeClr val="lt1"/>
+          </a:fillRef>
+          <a:effectRef idx="0">
+            <a:schemeClr val="accent1"/>
+          </a:effectRef>
+          <a:fontRef idx="minor">
+            <a:schemeClr val="dk1"/>
+          </a:fontRef>
+        </p:style>
+        <p:txBody>
+          <a:bodyPr rtlCol="0" anchor="ctr"/>
+          <a:lstStyle/>
+          <a:p>
+            <a:pPr algn="ctr"/>
+            <a:endParaRPr lang="en-US" dirty="0"/>
+          </a:p>
+        </p:txBody>
+      </p:sp>
+      <p:sp>
+        <p:nvSpPr>
+          <p:cNvPr id="29" name="Rectangle 28">
+            <a:extLst>
+              <a:ext uri="{FF2B5EF4-FFF2-40B4-BE49-F238E27FC236}">
+                <a16:creationId xmlns:a16="http://schemas.microsoft.com/office/drawing/2014/main" id="{BF180EFF-CB2F-C14D-AA60-FF5A32191D99}"/>
+              </a:ext>
+            </a:extLst>
+          </p:cNvPr>
+          <p:cNvSpPr/>
+          <p:nvPr/>
+        </p:nvSpPr>
+        <p:spPr>
+          <a:xfrm>
+            <a:off x="1609534" y="4727817"/>
+            <a:ext cx="3846285" cy="812800"/>
           </a:xfrm>
           <a:prstGeom prst="rect">
             <a:avLst/>
@@ -6480,69 +7406,26 @@
           <a:bodyPr rtlCol="0" anchor="ctr"/>
           <a:lstStyle/>
           <a:p>
-            <a:r>
-              <a:rPr lang="en-US" sz="2000" b="1" dirty="0"/>
-              <a:t>..</a:t>
-            </a:r>
-          </a:p>
-        </p:txBody>
-      </p:sp>
-      <p:sp>
-        <p:nvSpPr>
-          <p:cNvPr id="10" name="Oval 9"/>
+            <a:endParaRPr lang="en-US" sz="2000" dirty="0"/>
+          </a:p>
+        </p:txBody>
+      </p:sp>
+      <p:sp>
+        <p:nvSpPr>
+          <p:cNvPr id="30" name="Rectangle 29">
+            <a:extLst>
+              <a:ext uri="{FF2B5EF4-FFF2-40B4-BE49-F238E27FC236}">
+                <a16:creationId xmlns:a16="http://schemas.microsoft.com/office/drawing/2014/main" id="{CD391DF8-531F-5C42-9F9C-CC2BD8D76BE0}"/>
+              </a:ext>
+            </a:extLst>
+          </p:cNvPr>
           <p:cNvSpPr/>
           <p:nvPr/>
         </p:nvSpPr>
         <p:spPr>
           <a:xfrm>
-            <a:off x="857212" y="4173616"/>
-            <a:ext cx="609600" cy="638629"/>
-          </a:xfrm>
-          <a:prstGeom prst="ellipse">
-            <a:avLst/>
-          </a:prstGeom>
-          <a:solidFill>
-            <a:srgbClr val="E8E5E4"/>
-          </a:solidFill>
-          <a:ln>
-            <a:solidFill>
-              <a:srgbClr val="4F2409"/>
-            </a:solidFill>
-          </a:ln>
-        </p:spPr>
-        <p:style>
-          <a:lnRef idx="2">
-            <a:schemeClr val="accent1"/>
-          </a:lnRef>
-          <a:fillRef idx="1">
-            <a:schemeClr val="lt1"/>
-          </a:fillRef>
-          <a:effectRef idx="0">
-            <a:schemeClr val="accent1"/>
-          </a:effectRef>
-          <a:fontRef idx="minor">
-            <a:schemeClr val="dk1"/>
-          </a:fontRef>
-        </p:style>
-        <p:txBody>
-          <a:bodyPr rtlCol="0" anchor="ctr"/>
-          <a:lstStyle/>
-          <a:p>
-            <a:pPr algn="ctr"/>
-            <a:endParaRPr lang="en-US" dirty="0"/>
-          </a:p>
-        </p:txBody>
-      </p:sp>
-      <p:sp>
-        <p:nvSpPr>
-          <p:cNvPr id="12" name="Rectangle 11"/>
-          <p:cNvSpPr/>
-          <p:nvPr/>
-        </p:nvSpPr>
-        <p:spPr>
-          <a:xfrm>
-            <a:off x="1627468" y="4060526"/>
-            <a:ext cx="3846285" cy="812800"/>
+            <a:off x="1598883" y="4773831"/>
+            <a:ext cx="5433034" cy="812800"/>
           </a:xfrm>
           <a:prstGeom prst="rect">
             <a:avLst/>
@@ -6571,209 +7454,29 @@
           <a:lstStyle/>
           <a:p>
             <a:r>
-              <a:rPr lang="en-US" sz="2000" b="1" dirty="0"/>
-              <a:t>..</a:t>
-            </a:r>
-            <a:endParaRPr lang="en-US" sz="2000" dirty="0"/>
-          </a:p>
-        </p:txBody>
-      </p:sp>
-      <p:sp>
-        <p:nvSpPr>
-          <p:cNvPr id="13" name="Oval 12"/>
+              <a:rPr lang="vi-VN" dirty="0"/>
+              <a:t>Quản lý Source Code GitHub</a:t>
+            </a:r>
+            <a:endParaRPr lang="en-US" sz="2000" b="1" dirty="0"/>
+          </a:p>
+        </p:txBody>
+      </p:sp>
+      <p:sp>
+        <p:nvSpPr>
+          <p:cNvPr id="31" name="Freeform 19">
+            <a:extLst>
+              <a:ext uri="{FF2B5EF4-FFF2-40B4-BE49-F238E27FC236}">
+                <a16:creationId xmlns:a16="http://schemas.microsoft.com/office/drawing/2014/main" id="{1E1A5514-FF3A-554D-92CD-AA19D745AA06}"/>
+              </a:ext>
+            </a:extLst>
+          </p:cNvPr>
           <p:cNvSpPr/>
           <p:nvPr/>
         </p:nvSpPr>
         <p:spPr>
           <a:xfrm>
-            <a:off x="857844" y="3225583"/>
-            <a:ext cx="609600" cy="638629"/>
-          </a:xfrm>
-          <a:prstGeom prst="ellipse">
-            <a:avLst/>
-          </a:prstGeom>
-          <a:solidFill>
-            <a:srgbClr val="E8E5E4"/>
-          </a:solidFill>
-          <a:ln>
-            <a:solidFill>
-              <a:srgbClr val="4F2409"/>
-            </a:solidFill>
-          </a:ln>
-        </p:spPr>
-        <p:style>
-          <a:lnRef idx="2">
-            <a:schemeClr val="accent1"/>
-          </a:lnRef>
-          <a:fillRef idx="1">
-            <a:schemeClr val="lt1"/>
-          </a:fillRef>
-          <a:effectRef idx="0">
-            <a:schemeClr val="accent1"/>
-          </a:effectRef>
-          <a:fontRef idx="minor">
-            <a:schemeClr val="dk1"/>
-          </a:fontRef>
-        </p:style>
-        <p:txBody>
-          <a:bodyPr rtlCol="0" anchor="ctr"/>
-          <a:lstStyle/>
-          <a:p>
-            <a:pPr algn="ctr"/>
-            <a:endParaRPr lang="en-US" dirty="0"/>
-          </a:p>
-        </p:txBody>
-      </p:sp>
-      <p:sp>
-        <p:nvSpPr>
-          <p:cNvPr id="15" name="Rectangle 14"/>
-          <p:cNvSpPr/>
-          <p:nvPr/>
-        </p:nvSpPr>
-        <p:spPr>
-          <a:xfrm>
-            <a:off x="1616817" y="3158711"/>
-            <a:ext cx="5433034" cy="812800"/>
-          </a:xfrm>
-          <a:prstGeom prst="rect">
-            <a:avLst/>
-          </a:prstGeom>
-          <a:noFill/>
-          <a:ln>
-            <a:noFill/>
-          </a:ln>
-        </p:spPr>
-        <p:style>
-          <a:lnRef idx="2">
-            <a:schemeClr val="accent3"/>
-          </a:lnRef>
-          <a:fillRef idx="1">
-            <a:schemeClr val="lt1"/>
-          </a:fillRef>
-          <a:effectRef idx="0">
-            <a:schemeClr val="accent3"/>
-          </a:effectRef>
-          <a:fontRef idx="minor">
-            <a:schemeClr val="dk1"/>
-          </a:fontRef>
-        </p:style>
-        <p:txBody>
-          <a:bodyPr rtlCol="0" anchor="ctr"/>
-          <a:lstStyle/>
-          <a:p>
-            <a:r>
-              <a:rPr lang="en-US" sz="2000" b="1" dirty="0"/>
-              <a:t>..</a:t>
-            </a:r>
-          </a:p>
-        </p:txBody>
-      </p:sp>
-      <p:sp>
-        <p:nvSpPr>
-          <p:cNvPr id="19" name="Oval 18"/>
-          <p:cNvSpPr/>
-          <p:nvPr/>
-        </p:nvSpPr>
-        <p:spPr>
-          <a:xfrm>
-            <a:off x="857844" y="1611989"/>
-            <a:ext cx="609600" cy="638629"/>
-          </a:xfrm>
-          <a:prstGeom prst="ellipse">
-            <a:avLst/>
-          </a:prstGeom>
-          <a:solidFill>
-            <a:srgbClr val="E8E5E4"/>
-          </a:solidFill>
-          <a:ln>
-            <a:solidFill>
-              <a:srgbClr val="4F2409"/>
-            </a:solidFill>
-          </a:ln>
-        </p:spPr>
-        <p:style>
-          <a:lnRef idx="2">
-            <a:schemeClr val="accent1"/>
-          </a:lnRef>
-          <a:fillRef idx="1">
-            <a:schemeClr val="lt1"/>
-          </a:fillRef>
-          <a:effectRef idx="0">
-            <a:schemeClr val="accent1"/>
-          </a:effectRef>
-          <a:fontRef idx="minor">
-            <a:schemeClr val="dk1"/>
-          </a:fontRef>
-        </p:style>
-        <p:txBody>
-          <a:bodyPr rtlCol="0" anchor="ctr"/>
-          <a:lstStyle/>
-          <a:p>
-            <a:pPr algn="ctr"/>
-            <a:endParaRPr lang="en-US" dirty="0"/>
-          </a:p>
-        </p:txBody>
-      </p:sp>
-      <p:sp>
-        <p:nvSpPr>
-          <p:cNvPr id="21" name="Rectangle 20"/>
-          <p:cNvSpPr/>
-          <p:nvPr/>
-        </p:nvSpPr>
-        <p:spPr>
-          <a:xfrm>
-            <a:off x="1570228" y="1510470"/>
-            <a:ext cx="2365829" cy="812800"/>
-          </a:xfrm>
-          <a:prstGeom prst="rect">
-            <a:avLst/>
-          </a:prstGeom>
-          <a:noFill/>
-          <a:ln>
-            <a:noFill/>
-          </a:ln>
-        </p:spPr>
-        <p:style>
-          <a:lnRef idx="2">
-            <a:schemeClr val="accent3"/>
-          </a:lnRef>
-          <a:fillRef idx="1">
-            <a:schemeClr val="lt1"/>
-          </a:fillRef>
-          <a:effectRef idx="0">
-            <a:schemeClr val="accent3"/>
-          </a:effectRef>
-          <a:fontRef idx="minor">
-            <a:schemeClr val="dk1"/>
-          </a:fontRef>
-        </p:style>
-        <p:txBody>
-          <a:bodyPr rtlCol="0" anchor="ctr"/>
-          <a:lstStyle/>
-          <a:p>
-            <a:r>
-              <a:rPr lang="en-US" sz="2000" b="1" dirty="0"/>
-              <a:t>..</a:t>
-            </a:r>
-          </a:p>
-        </p:txBody>
-      </p:sp>
-      <p:sp>
-        <p:nvSpPr>
-          <p:cNvPr id="22" name="Round Same Side Corner Rectangle 6">
-            <a:extLst>
-              <a:ext uri="{FF2B5EF4-FFF2-40B4-BE49-F238E27FC236}">
-                <a16:creationId xmlns:a16="http://schemas.microsoft.com/office/drawing/2014/main" id="{50249BFC-DAB1-4F7B-8E1E-906F4332CD6A}"/>
-              </a:ext>
-            </a:extLst>
-          </p:cNvPr>
-          <p:cNvSpPr/>
-          <p:nvPr/>
-        </p:nvSpPr>
-        <p:spPr>
-          <a:xfrm rot="2700000">
-            <a:off x="1119904" y="3351724"/>
-            <a:ext cx="67645" cy="386349"/>
+            <a:off x="981632" y="5005408"/>
+            <a:ext cx="314672" cy="309626"/>
           </a:xfrm>
           <a:custGeom>
             <a:avLst/>
@@ -6782,138 +7485,183 @@
             <a:cxnLst/>
             <a:rect l="l" t="t" r="r" b="b"/>
             <a:pathLst>
-              <a:path w="1035916" h="4153123">
+              <a:path w="3214097" h="3162551">
                 <a:moveTo>
-                  <a:pt x="277501" y="3759099"/>
-                </a:moveTo>
-                <a:lnTo>
-                  <a:pt x="758408" y="3759099"/>
-                </a:lnTo>
-                <a:lnTo>
-                  <a:pt x="517954" y="4153123"/>
-                </a:lnTo>
-                <a:close/>
-                <a:moveTo>
-                  <a:pt x="42612" y="2944898"/>
+                  <a:pt x="1014592" y="2306036"/>
                 </a:moveTo>
                 <a:cubicBezTo>
-                  <a:pt x="153922" y="2941505"/>
-                  <a:pt x="246502" y="2889483"/>
-                  <a:pt x="275675" y="2819018"/>
+                  <a:pt x="854868" y="2306036"/>
+                  <a:pt x="725386" y="2435518"/>
+                  <a:pt x="725386" y="2595242"/>
                 </a:cubicBezTo>
                 <a:cubicBezTo>
-                  <a:pt x="304648" y="2892614"/>
-                  <a:pt x="403763" y="2945872"/>
-                  <a:pt x="521107" y="2945872"/>
+                  <a:pt x="725386" y="2754966"/>
+                  <a:pt x="854868" y="2884448"/>
+                  <a:pt x="1014592" y="2884448"/>
                 </a:cubicBezTo>
                 <a:cubicBezTo>
-                  <a:pt x="638453" y="2945872"/>
-                  <a:pt x="737567" y="2892613"/>
-                  <a:pt x="766540" y="2819017"/>
+                  <a:pt x="1174316" y="2884448"/>
+                  <a:pt x="1303798" y="2754966"/>
+                  <a:pt x="1303798" y="2595242"/>
                 </a:cubicBezTo>
                 <a:cubicBezTo>
-                  <a:pt x="795133" y="2888142"/>
-                  <a:pt x="884783" y="2939514"/>
-                  <a:pt x="993299" y="2944464"/>
-                </a:cubicBezTo>
-                <a:lnTo>
-                  <a:pt x="776840" y="3657264"/>
-                </a:lnTo>
-                <a:lnTo>
-                  <a:pt x="258940" y="3657264"/>
-                </a:lnTo>
-                <a:close/>
-                <a:moveTo>
-                  <a:pt x="809102" y="564558"/>
-                </a:moveTo>
-                <a:lnTo>
-                  <a:pt x="1035914" y="564558"/>
-                </a:lnTo>
-                <a:lnTo>
-                  <a:pt x="1035915" y="2838682"/>
-                </a:lnTo>
-                <a:cubicBezTo>
-                  <a:pt x="1029586" y="2840409"/>
-                  <a:pt x="1023074" y="2840731"/>
-                  <a:pt x="1016490" y="2840731"/>
-                </a:cubicBezTo>
-                <a:cubicBezTo>
-                  <a:pt x="901952" y="2840731"/>
-                  <a:pt x="809102" y="2743612"/>
-                  <a:pt x="809101" y="2623810"/>
+                  <a:pt x="1303798" y="2435518"/>
+                  <a:pt x="1174316" y="2306036"/>
+                  <a:pt x="1014592" y="2306036"/>
                 </a:cubicBezTo>
                 <a:close/>
                 <a:moveTo>
-                  <a:pt x="310569" y="564558"/>
+                  <a:pt x="481275" y="1691816"/>
                 </a:moveTo>
-                <a:lnTo>
-                  <a:pt x="725347" y="564558"/>
-                </a:lnTo>
-                <a:lnTo>
-                  <a:pt x="725347" y="2633342"/>
-                </a:lnTo>
                 <a:cubicBezTo>
-                  <a:pt x="725347" y="2747880"/>
-                  <a:pt x="632496" y="2840731"/>
-                  <a:pt x="517958" y="2840731"/>
+                  <a:pt x="321551" y="1691816"/>
+                  <a:pt x="192069" y="1821298"/>
+                  <a:pt x="192069" y="1981022"/>
                 </a:cubicBezTo>
                 <a:cubicBezTo>
-                  <a:pt x="403420" y="2840731"/>
-                  <a:pt x="310569" y="2747880"/>
-                  <a:pt x="310569" y="2633342"/>
+                  <a:pt x="192069" y="2140746"/>
+                  <a:pt x="321551" y="2270228"/>
+                  <a:pt x="481275" y="2270228"/>
+                </a:cubicBezTo>
+                <a:cubicBezTo>
+                  <a:pt x="640999" y="2270228"/>
+                  <a:pt x="770481" y="2140746"/>
+                  <a:pt x="770481" y="1981022"/>
+                </a:cubicBezTo>
+                <a:cubicBezTo>
+                  <a:pt x="770481" y="1821298"/>
+                  <a:pt x="640999" y="1691816"/>
+                  <a:pt x="481275" y="1691816"/>
                 </a:cubicBezTo>
                 <a:close/>
                 <a:moveTo>
-                  <a:pt x="0" y="564557"/>
+                  <a:pt x="2764751" y="1113404"/>
                 </a:moveTo>
-                <a:lnTo>
-                  <a:pt x="226813" y="564557"/>
-                </a:lnTo>
-                <a:lnTo>
-                  <a:pt x="226813" y="2623810"/>
-                </a:lnTo>
                 <a:cubicBezTo>
-                  <a:pt x="226813" y="2743612"/>
-                  <a:pt x="133962" y="2840731"/>
-                  <a:pt x="19424" y="2840730"/>
+                  <a:pt x="2605027" y="1113404"/>
+                  <a:pt x="2475545" y="1242886"/>
+                  <a:pt x="2475545" y="1402610"/>
                 </a:cubicBezTo>
                 <a:cubicBezTo>
-                  <a:pt x="12841" y="2840730"/>
-                  <a:pt x="6329" y="2840409"/>
-                  <a:pt x="0" y="2838682"/>
+                  <a:pt x="2475545" y="1562334"/>
+                  <a:pt x="2605027" y="1691816"/>
+                  <a:pt x="2764751" y="1691816"/>
+                </a:cubicBezTo>
+                <a:cubicBezTo>
+                  <a:pt x="2924475" y="1691816"/>
+                  <a:pt x="3053957" y="1562334"/>
+                  <a:pt x="3053957" y="1402610"/>
+                </a:cubicBezTo>
+                <a:cubicBezTo>
+                  <a:pt x="3053957" y="1242886"/>
+                  <a:pt x="2924475" y="1113404"/>
+                  <a:pt x="2764751" y="1113404"/>
                 </a:cubicBezTo>
                 <a:close/>
                 <a:moveTo>
-                  <a:pt x="71964" y="71964"/>
+                  <a:pt x="532503" y="881964"/>
                 </a:moveTo>
                 <a:cubicBezTo>
-                  <a:pt x="116427" y="27501"/>
-                  <a:pt x="177852" y="0"/>
-                  <a:pt x="245701" y="0"/>
-                </a:cubicBezTo>
-                <a:lnTo>
-                  <a:pt x="790215" y="0"/>
-                </a:lnTo>
-                <a:cubicBezTo>
-                  <a:pt x="925912" y="0"/>
-                  <a:pt x="1035916" y="110004"/>
-                  <a:pt x="1035916" y="245701"/>
+                  <a:pt x="372779" y="881964"/>
+                  <a:pt x="243297" y="1011446"/>
+                  <a:pt x="243297" y="1171170"/>
                 </a:cubicBezTo>
                 <a:cubicBezTo>
-                  <a:pt x="1035916" y="327601"/>
-                  <a:pt x="1035915" y="409501"/>
-                  <a:pt x="1035915" y="491401"/>
+                  <a:pt x="243297" y="1330894"/>
+                  <a:pt x="372779" y="1460376"/>
+                  <a:pt x="532503" y="1460376"/>
                 </a:cubicBezTo>
-                <a:lnTo>
-                  <a:pt x="0" y="491401"/>
-                </a:lnTo>
-                <a:lnTo>
-                  <a:pt x="0" y="245701"/>
-                </a:lnTo>
                 <a:cubicBezTo>
-                  <a:pt x="0" y="177853"/>
-                  <a:pt x="27501" y="116427"/>
-                  <a:pt x="71964" y="71964"/>
+                  <a:pt x="692227" y="1460376"/>
+                  <a:pt x="821709" y="1330894"/>
+                  <a:pt x="821709" y="1171170"/>
+                </a:cubicBezTo>
+                <a:cubicBezTo>
+                  <a:pt x="821709" y="1011446"/>
+                  <a:pt x="692227" y="881964"/>
+                  <a:pt x="532503" y="881964"/>
+                </a:cubicBezTo>
+                <a:close/>
+                <a:moveTo>
+                  <a:pt x="1162143" y="321316"/>
+                </a:moveTo>
+                <a:cubicBezTo>
+                  <a:pt x="1002419" y="321316"/>
+                  <a:pt x="872937" y="450798"/>
+                  <a:pt x="872937" y="610522"/>
+                </a:cubicBezTo>
+                <a:cubicBezTo>
+                  <a:pt x="872937" y="770246"/>
+                  <a:pt x="1002419" y="899728"/>
+                  <a:pt x="1162143" y="899728"/>
+                </a:cubicBezTo>
+                <a:cubicBezTo>
+                  <a:pt x="1321867" y="899728"/>
+                  <a:pt x="1451349" y="770246"/>
+                  <a:pt x="1451349" y="610522"/>
+                </a:cubicBezTo>
+                <a:cubicBezTo>
+                  <a:pt x="1451349" y="450798"/>
+                  <a:pt x="1321867" y="321316"/>
+                  <a:pt x="1162143" y="321316"/>
+                </a:cubicBezTo>
+                <a:close/>
+                <a:moveTo>
+                  <a:pt x="1963447" y="177300"/>
+                </a:moveTo>
+                <a:cubicBezTo>
+                  <a:pt x="1803723" y="177300"/>
+                  <a:pt x="1674241" y="306782"/>
+                  <a:pt x="1674241" y="466506"/>
+                </a:cubicBezTo>
+                <a:cubicBezTo>
+                  <a:pt x="1674241" y="626230"/>
+                  <a:pt x="1803723" y="755712"/>
+                  <a:pt x="1963447" y="755712"/>
+                </a:cubicBezTo>
+                <a:cubicBezTo>
+                  <a:pt x="2123171" y="755712"/>
+                  <a:pt x="2252653" y="626230"/>
+                  <a:pt x="2252653" y="466506"/>
+                </a:cubicBezTo>
+                <a:cubicBezTo>
+                  <a:pt x="2252653" y="306782"/>
+                  <a:pt x="2123171" y="177300"/>
+                  <a:pt x="1963447" y="177300"/>
+                </a:cubicBezTo>
+                <a:close/>
+                <a:moveTo>
+                  <a:pt x="1752672" y="312"/>
+                </a:moveTo>
+                <a:cubicBezTo>
+                  <a:pt x="1817888" y="-690"/>
+                  <a:pt x="1885249" y="703"/>
+                  <a:pt x="1954799" y="4657"/>
+                </a:cubicBezTo>
+                <a:cubicBezTo>
+                  <a:pt x="2504015" y="53541"/>
+                  <a:pt x="2975590" y="412975"/>
+                  <a:pt x="3145244" y="944937"/>
+                </a:cubicBezTo>
+                <a:cubicBezTo>
+                  <a:pt x="3412664" y="2126757"/>
+                  <a:pt x="2837568" y="2017487"/>
+                  <a:pt x="2506889" y="1867964"/>
+                </a:cubicBezTo>
+                <a:cubicBezTo>
+                  <a:pt x="1580987" y="1673869"/>
+                  <a:pt x="2725425" y="3197869"/>
+                  <a:pt x="1014520" y="3161925"/>
+                </a:cubicBezTo>
+                <a:cubicBezTo>
+                  <a:pt x="-14898" y="3061283"/>
+                  <a:pt x="-138545" y="1873713"/>
+                  <a:pt x="108747" y="1100212"/>
+                </a:cubicBezTo>
+                <a:cubicBezTo>
+                  <a:pt x="278579" y="569148"/>
+                  <a:pt x="774429" y="15339"/>
+                  <a:pt x="1752672" y="312"/>
                 </a:cubicBezTo>
                 <a:close/>
               </a:path>
@@ -6960,492 +7708,33 @@
       </p:sp>
       <p:sp>
         <p:nvSpPr>
-          <p:cNvPr id="23" name="Rectangle 7">
-            <a:extLst>
-              <a:ext uri="{FF2B5EF4-FFF2-40B4-BE49-F238E27FC236}">
-                <a16:creationId xmlns:a16="http://schemas.microsoft.com/office/drawing/2014/main" id="{025B9413-06DE-47AF-A557-FB9FC361BDCD}"/>
-              </a:ext>
-            </a:extLst>
-          </p:cNvPr>
-          <p:cNvSpPr/>
-          <p:nvPr/>
-        </p:nvSpPr>
-        <p:spPr>
-          <a:xfrm rot="18900000">
-            <a:off x="1084958" y="4295266"/>
-            <a:ext cx="154109" cy="343323"/>
-          </a:xfrm>
-          <a:custGeom>
-            <a:avLst/>
-            <a:gdLst/>
-            <a:ahLst/>
-            <a:cxnLst/>
-            <a:rect l="l" t="t" r="r" b="b"/>
-            <a:pathLst>
-              <a:path w="154109" h="343323">
-                <a:moveTo>
-                  <a:pt x="102909" y="313772"/>
-                </a:moveTo>
-                <a:lnTo>
-                  <a:pt x="102909" y="328547"/>
-                </a:lnTo>
-                <a:cubicBezTo>
-                  <a:pt x="102909" y="336708"/>
-                  <a:pt x="96294" y="343322"/>
-                  <a:pt x="88133" y="343323"/>
-                </a:cubicBezTo>
-                <a:lnTo>
-                  <a:pt x="65975" y="343322"/>
-                </a:lnTo>
-                <a:cubicBezTo>
-                  <a:pt x="57814" y="343322"/>
-                  <a:pt x="51199" y="336708"/>
-                  <a:pt x="51199" y="328547"/>
-                </a:cubicBezTo>
-                <a:cubicBezTo>
-                  <a:pt x="51199" y="323622"/>
-                  <a:pt x="51200" y="318696"/>
-                  <a:pt x="51200" y="313771"/>
-                </a:cubicBezTo>
-                <a:close/>
-                <a:moveTo>
-                  <a:pt x="123327" y="15459"/>
-                </a:moveTo>
-                <a:cubicBezTo>
-                  <a:pt x="141678" y="29245"/>
-                  <a:pt x="152926" y="50497"/>
-                  <a:pt x="154008" y="73425"/>
-                </a:cubicBezTo>
-                <a:cubicBezTo>
-                  <a:pt x="155089" y="96353"/>
-                  <a:pt x="145890" y="118568"/>
-                  <a:pt x="128916" y="134021"/>
-                </a:cubicBezTo>
-                <a:lnTo>
-                  <a:pt x="119294" y="123450"/>
-                </a:lnTo>
-                <a:cubicBezTo>
-                  <a:pt x="133118" y="110865"/>
-                  <a:pt x="140611" y="92772"/>
-                  <a:pt x="139730" y="74098"/>
-                </a:cubicBezTo>
-                <a:cubicBezTo>
-                  <a:pt x="138850" y="55424"/>
-                  <a:pt x="129689" y="38115"/>
-                  <a:pt x="114743" y="26887"/>
-                </a:cubicBezTo>
-                <a:close/>
-                <a:moveTo>
-                  <a:pt x="136698" y="17411"/>
-                </a:moveTo>
-                <a:cubicBezTo>
-                  <a:pt x="103758" y="-15529"/>
-                  <a:pt x="50351" y="-15529"/>
-                  <a:pt x="17412" y="17411"/>
-                </a:cubicBezTo>
-                <a:cubicBezTo>
-                  <a:pt x="-15528" y="50351"/>
-                  <a:pt x="-15528" y="103757"/>
-                  <a:pt x="17412" y="136697"/>
-                </a:cubicBezTo>
-                <a:cubicBezTo>
-                  <a:pt x="50351" y="169637"/>
-                  <a:pt x="103758" y="169637"/>
-                  <a:pt x="136698" y="136697"/>
-                </a:cubicBezTo>
-                <a:cubicBezTo>
-                  <a:pt x="169637" y="103757"/>
-                  <a:pt x="169637" y="50351"/>
-                  <a:pt x="136698" y="17411"/>
-                </a:cubicBezTo>
-                <a:close/>
-                <a:moveTo>
-                  <a:pt x="154109" y="0"/>
-                </a:moveTo>
-                <a:cubicBezTo>
-                  <a:pt x="196665" y="42556"/>
-                  <a:pt x="196665" y="111552"/>
-                  <a:pt x="154109" y="154108"/>
-                </a:cubicBezTo>
-                <a:cubicBezTo>
-                  <a:pt x="139576" y="168641"/>
-                  <a:pt x="121959" y="178211"/>
-                  <a:pt x="102912" y="180994"/>
-                </a:cubicBezTo>
-                <a:lnTo>
-                  <a:pt x="102912" y="308310"/>
-                </a:lnTo>
-                <a:lnTo>
-                  <a:pt x="51197" y="308310"/>
-                </a:lnTo>
-                <a:lnTo>
-                  <a:pt x="51197" y="180994"/>
-                </a:lnTo>
-                <a:cubicBezTo>
-                  <a:pt x="32150" y="178211"/>
-                  <a:pt x="14534" y="168641"/>
-                  <a:pt x="0" y="154108"/>
-                </a:cubicBezTo>
-                <a:cubicBezTo>
-                  <a:pt x="-42555" y="111552"/>
-                  <a:pt x="-42555" y="42556"/>
-                  <a:pt x="0" y="0"/>
-                </a:cubicBezTo>
-                <a:cubicBezTo>
-                  <a:pt x="42556" y="-42556"/>
-                  <a:pt x="111553" y="-42556"/>
-                  <a:pt x="154109" y="0"/>
-                </a:cubicBezTo>
-                <a:close/>
-              </a:path>
-            </a:pathLst>
-          </a:custGeom>
-          <a:solidFill>
-            <a:srgbClr val="E8E5E4"/>
-          </a:solidFill>
-          <a:ln>
-            <a:solidFill>
-              <a:srgbClr val="4F2409"/>
-            </a:solidFill>
-          </a:ln>
-        </p:spPr>
-        <p:style>
-          <a:lnRef idx="2">
-            <a:schemeClr val="accent1">
-              <a:shade val="50000"/>
-            </a:schemeClr>
-          </a:lnRef>
-          <a:fillRef idx="1">
-            <a:schemeClr val="accent1"/>
-          </a:fillRef>
-          <a:effectRef idx="0">
-            <a:schemeClr val="accent1"/>
-          </a:effectRef>
-          <a:fontRef idx="minor">
-            <a:schemeClr val="lt1"/>
-          </a:fontRef>
-        </p:style>
-        <p:txBody>
-          <a:bodyPr rot="0" spcFirstLastPara="0" vertOverflow="overflow" horzOverflow="overflow" vert="horz" wrap="square" lIns="91440" tIns="45720" rIns="91440" bIns="45720" numCol="1" spcCol="0" rtlCol="0" fromWordArt="0" anchor="ctr" anchorCtr="0" forceAA="0" compatLnSpc="1">
-            <a:prstTxWarp prst="textNoShape">
-              <a:avLst/>
-            </a:prstTxWarp>
-            <a:noAutofit/>
-          </a:bodyPr>
-          <a:lstStyle/>
-          <a:p>
-            <a:pPr algn="ctr"/>
-            <a:endParaRPr lang="ko-KR" altLang="en-US" dirty="0"/>
-          </a:p>
-        </p:txBody>
-      </p:sp>
-      <p:sp>
-        <p:nvSpPr>
-          <p:cNvPr id="24" name="Oval 44">
-            <a:extLst>
-              <a:ext uri="{FF2B5EF4-FFF2-40B4-BE49-F238E27FC236}">
-                <a16:creationId xmlns:a16="http://schemas.microsoft.com/office/drawing/2014/main" id="{76730F0A-55ED-4BC7-ACD2-11C5DF5601C0}"/>
+          <p:cNvPr id="3" name="Slide Number Placeholder 2">
+            <a:extLst>
+              <a:ext uri="{FF2B5EF4-FFF2-40B4-BE49-F238E27FC236}">
+                <a16:creationId xmlns:a16="http://schemas.microsoft.com/office/drawing/2014/main" id="{35F3301E-20AB-0646-B22C-9EB442876A45}"/>
               </a:ext>
             </a:extLst>
           </p:cNvPr>
           <p:cNvSpPr>
-            <a:spLocks noChangeAspect="1"/>
+            <a:spLocks noGrp="1"/>
           </p:cNvSpPr>
-          <p:nvPr/>
-        </p:nvSpPr>
-        <p:spPr>
-          <a:xfrm>
-            <a:off x="1091340" y="1772962"/>
-            <a:ext cx="240245" cy="286057"/>
-          </a:xfrm>
-          <a:custGeom>
-            <a:avLst/>
-            <a:gdLst/>
-            <a:ahLst/>
-            <a:cxnLst/>
-            <a:rect l="l" t="t" r="r" b="b"/>
-            <a:pathLst>
-              <a:path w="2721114" h="3240000">
-                <a:moveTo>
-                  <a:pt x="2519839" y="2469622"/>
-                </a:moveTo>
-                <a:lnTo>
-                  <a:pt x="2201779" y="2787682"/>
-                </a:lnTo>
-                <a:lnTo>
-                  <a:pt x="2003023" y="2588926"/>
-                </a:lnTo>
-                <a:lnTo>
-                  <a:pt x="1901669" y="2690281"/>
-                </a:lnTo>
-                <a:lnTo>
-                  <a:pt x="2203868" y="2992480"/>
-                </a:lnTo>
-                <a:lnTo>
-                  <a:pt x="2305222" y="2891125"/>
-                </a:lnTo>
-                <a:lnTo>
-                  <a:pt x="2303133" y="2889037"/>
-                </a:lnTo>
-                <a:lnTo>
-                  <a:pt x="2621194" y="2570977"/>
-                </a:lnTo>
-                <a:close/>
-                <a:moveTo>
-                  <a:pt x="2263914" y="2238970"/>
-                </a:moveTo>
-                <a:cubicBezTo>
-                  <a:pt x="2516419" y="2238970"/>
-                  <a:pt x="2721114" y="2443665"/>
-                  <a:pt x="2721114" y="2696170"/>
-                </a:cubicBezTo>
-                <a:cubicBezTo>
-                  <a:pt x="2721114" y="2948675"/>
-                  <a:pt x="2516419" y="3153370"/>
-                  <a:pt x="2263914" y="3153370"/>
-                </a:cubicBezTo>
-                <a:cubicBezTo>
-                  <a:pt x="2011409" y="3153370"/>
-                  <a:pt x="1806714" y="2948675"/>
-                  <a:pt x="1806714" y="2696170"/>
-                </a:cubicBezTo>
-                <a:cubicBezTo>
-                  <a:pt x="1806714" y="2443665"/>
-                  <a:pt x="2011409" y="2238970"/>
-                  <a:pt x="2263914" y="2238970"/>
-                </a:cubicBezTo>
-                <a:close/>
-                <a:moveTo>
-                  <a:pt x="1576134" y="17032"/>
-                </a:moveTo>
-                <a:lnTo>
-                  <a:pt x="2276728" y="17032"/>
-                </a:lnTo>
-                <a:lnTo>
-                  <a:pt x="2276728" y="17033"/>
-                </a:lnTo>
-                <a:lnTo>
-                  <a:pt x="1576135" y="17033"/>
-                </a:lnTo>
-                <a:close/>
-                <a:moveTo>
-                  <a:pt x="0" y="17032"/>
-                </a:moveTo>
-                <a:lnTo>
-                  <a:pt x="1321887" y="17032"/>
-                </a:lnTo>
-                <a:lnTo>
-                  <a:pt x="1321887" y="996125"/>
-                </a:lnTo>
-                <a:lnTo>
-                  <a:pt x="2276728" y="996125"/>
-                </a:lnTo>
-                <a:lnTo>
-                  <a:pt x="2276728" y="2160187"/>
-                </a:lnTo>
-                <a:cubicBezTo>
-                  <a:pt x="1979345" y="2161001"/>
-                  <a:pt x="1738579" y="2402384"/>
-                  <a:pt x="1738579" y="2700000"/>
-                </a:cubicBezTo>
-                <a:cubicBezTo>
-                  <a:pt x="1738579" y="2997617"/>
-                  <a:pt x="1979345" y="3238999"/>
-                  <a:pt x="2276728" y="3239814"/>
-                </a:cubicBezTo>
-                <a:lnTo>
-                  <a:pt x="2276728" y="3240000"/>
-                </a:lnTo>
-                <a:lnTo>
-                  <a:pt x="0" y="3240000"/>
-                </a:lnTo>
-                <a:close/>
-                <a:moveTo>
-                  <a:pt x="1436085" y="0"/>
-                </a:moveTo>
-                <a:lnTo>
-                  <a:pt x="2287664" y="888809"/>
-                </a:lnTo>
-                <a:lnTo>
-                  <a:pt x="1436085" y="888809"/>
-                </a:lnTo>
-                <a:close/>
-              </a:path>
-            </a:pathLst>
-          </a:custGeom>
-          <a:solidFill>
-            <a:srgbClr val="E8E5E4"/>
-          </a:solidFill>
-          <a:ln>
-            <a:solidFill>
-              <a:srgbClr val="4F2409"/>
-            </a:solidFill>
-          </a:ln>
-        </p:spPr>
-        <p:style>
-          <a:lnRef idx="2">
-            <a:schemeClr val="accent1">
-              <a:shade val="50000"/>
-            </a:schemeClr>
-          </a:lnRef>
-          <a:fillRef idx="1">
-            <a:schemeClr val="accent1"/>
-          </a:fillRef>
-          <a:effectRef idx="0">
-            <a:schemeClr val="accent1"/>
-          </a:effectRef>
-          <a:fontRef idx="minor">
-            <a:schemeClr val="lt1"/>
-          </a:fontRef>
-        </p:style>
-        <p:txBody>
-          <a:bodyPr rot="0" spcFirstLastPara="0" vertOverflow="overflow" horzOverflow="overflow" vert="horz" wrap="square" lIns="91440" tIns="45720" rIns="91440" bIns="45720" numCol="1" spcCol="0" rtlCol="0" fromWordArt="0" anchor="ctr" anchorCtr="0" forceAA="0" compatLnSpc="1">
-            <a:prstTxWarp prst="textNoShape">
-              <a:avLst/>
-            </a:prstTxWarp>
-            <a:noAutofit/>
-          </a:bodyPr>
-          <a:lstStyle/>
-          <a:p>
-            <a:pPr algn="ctr"/>
-            <a:endParaRPr lang="ko-KR" altLang="en-US" dirty="0"/>
-          </a:p>
-        </p:txBody>
-      </p:sp>
-      <p:sp>
-        <p:nvSpPr>
-          <p:cNvPr id="27" name="Rectangle 26"/>
-          <p:cNvSpPr/>
-          <p:nvPr/>
-        </p:nvSpPr>
-        <p:spPr>
-          <a:xfrm>
-            <a:off x="1638412" y="4962341"/>
-            <a:ext cx="3846285" cy="812800"/>
-          </a:xfrm>
-          <a:prstGeom prst="rect">
-            <a:avLst/>
-          </a:prstGeom>
-          <a:noFill/>
-          <a:ln>
-            <a:noFill/>
-          </a:ln>
-        </p:spPr>
-        <p:style>
-          <a:lnRef idx="2">
-            <a:schemeClr val="accent3"/>
-          </a:lnRef>
-          <a:fillRef idx="1">
-            <a:schemeClr val="lt1"/>
-          </a:fillRef>
-          <a:effectRef idx="0">
-            <a:schemeClr val="accent3"/>
-          </a:effectRef>
-          <a:fontRef idx="minor">
-            <a:schemeClr val="dk1"/>
-          </a:fontRef>
-        </p:style>
-        <p:txBody>
-          <a:bodyPr rtlCol="0" anchor="ctr"/>
-          <a:lstStyle/>
-          <a:p>
-            <a:endParaRPr lang="en-US" sz="2000" dirty="0"/>
-          </a:p>
-        </p:txBody>
-      </p:sp>
-      <p:sp>
-        <p:nvSpPr>
-          <p:cNvPr id="26" name="Rectangle 25">
-            <a:extLst>
-              <a:ext uri="{FF2B5EF4-FFF2-40B4-BE49-F238E27FC236}">
-                <a16:creationId xmlns:a16="http://schemas.microsoft.com/office/drawing/2014/main" id="{6698B4DE-2BEA-924B-8318-41F5E7CE4393}"/>
-              </a:ext>
-            </a:extLst>
-          </p:cNvPr>
-          <p:cNvSpPr/>
-          <p:nvPr/>
-        </p:nvSpPr>
-        <p:spPr>
-          <a:xfrm>
-            <a:off x="269915" y="220407"/>
-            <a:ext cx="5065303" cy="889856"/>
-          </a:xfrm>
-          <a:prstGeom prst="rect">
-            <a:avLst/>
-          </a:prstGeom>
-          <a:noFill/>
-          <a:ln w="12700" cap="flat" cmpd="sng" algn="ctr">
-            <a:noFill/>
-            <a:prstDash val="solid"/>
-            <a:miter lim="800000"/>
-          </a:ln>
-          <a:effectLst>
-            <a:outerShdw blurRad="50800" dist="50800" dir="5400000" algn="ctr" rotWithShape="0">
-              <a:srgbClr val="000000">
-                <a:alpha val="8000"/>
-              </a:srgbClr>
-            </a:outerShdw>
-          </a:effectLst>
-        </p:spPr>
-        <p:txBody>
-          <a:bodyPr rtlCol="0" anchor="ctr"/>
-          <a:lstStyle/>
-          <a:p>
-            <a:pPr algn="ctr">
-              <a:defRPr/>
-            </a:pPr>
-            <a:r>
-              <a:rPr lang="en-US" sz="3200" b="1" kern="0" spc="300" dirty="0">
-                <a:solidFill>
-                  <a:srgbClr val="E7E6E6">
-                    <a:lumMod val="10000"/>
-                  </a:srgbClr>
-                </a:solidFill>
-                <a:effectLst>
-                  <a:outerShdw blurRad="38100" dist="38100" dir="2700000" algn="tl">
-                    <a:srgbClr val="000000">
-                      <a:alpha val="43137"/>
-                    </a:srgbClr>
-                  </a:outerShdw>
-                </a:effectLst>
-                <a:latin typeface=".VnCourier New" panose="02027200000000000000" pitchFamily="18" charset="0"/>
-                <a:cs typeface="Courier New" panose="02070309020205020404" pitchFamily="49" charset="0"/>
-              </a:rPr>
-              <a:t>CÔNG CỤ SỬ DỤNG</a:t>
-            </a:r>
-          </a:p>
-        </p:txBody>
-      </p:sp>
-      <p:pic>
-        <p:nvPicPr>
-          <p:cNvPr id="28" name="Picture 27">
-            <a:extLst>
-              <a:ext uri="{FF2B5EF4-FFF2-40B4-BE49-F238E27FC236}">
-                <a16:creationId xmlns:a16="http://schemas.microsoft.com/office/drawing/2014/main" id="{5B7D53AF-C3D3-2248-ACF6-066EF4D8F9D0}"/>
-              </a:ext>
-            </a:extLst>
-          </p:cNvPr>
-          <p:cNvPicPr>
-            <a:picLocks noChangeAspect="1"/>
-          </p:cNvPicPr>
-          <p:nvPr/>
-        </p:nvPicPr>
-        <p:blipFill>
-          <a:blip r:embed="rId2"/>
-          <a:stretch>
-            <a:fillRect/>
-          </a:stretch>
-        </p:blipFill>
-        <p:spPr>
-          <a:xfrm>
-            <a:off x="9319384" y="2396393"/>
-            <a:ext cx="1623176" cy="1751219"/>
-          </a:xfrm>
-          <a:prstGeom prst="rect">
-            <a:avLst/>
-          </a:prstGeom>
-        </p:spPr>
-      </p:pic>
+          <p:nvPr>
+            <p:ph type="sldNum" sz="quarter" idx="12"/>
+          </p:nvPr>
+        </p:nvSpPr>
+        <p:spPr/>
+        <p:txBody>
+          <a:bodyPr/>
+          <a:lstStyle/>
+          <a:p>
+            <a:fld id="{E9AE0C10-0EF1-C246-872D-CC0E704EB9A9}" type="slidenum">
+              <a:rPr lang="en-VN" smtClean="0"/>
+              <a:t>16</a:t>
+            </a:fld>
+            <a:endParaRPr lang="en-VN"/>
+          </a:p>
+        </p:txBody>
+      </p:sp>
     </p:spTree>
     <p:extLst>
       <p:ext uri="{BB962C8B-B14F-4D97-AF65-F5344CB8AC3E}">
@@ -9815,36 +10104,6 @@
           <a:chExt cx="0" cy="0"/>
         </a:xfrm>
       </p:grpSpPr>
-      <p:pic>
-        <p:nvPicPr>
-          <p:cNvPr id="4" name="Picture 3">
-            <a:extLst>
-              <a:ext uri="{FF2B5EF4-FFF2-40B4-BE49-F238E27FC236}">
-                <a16:creationId xmlns:a16="http://schemas.microsoft.com/office/drawing/2014/main" id="{EF403996-371E-E44D-8E9A-16EC3BC84582}"/>
-              </a:ext>
-            </a:extLst>
-          </p:cNvPr>
-          <p:cNvPicPr>
-            <a:picLocks noChangeAspect="1"/>
-          </p:cNvPicPr>
-          <p:nvPr/>
-        </p:nvPicPr>
-        <p:blipFill>
-          <a:blip r:embed="rId2"/>
-          <a:stretch>
-            <a:fillRect/>
-          </a:stretch>
-        </p:blipFill>
-        <p:spPr>
-          <a:xfrm>
-            <a:off x="3864987" y="1110263"/>
-            <a:ext cx="4769172" cy="5422786"/>
-          </a:xfrm>
-          <a:prstGeom prst="rect">
-            <a:avLst/>
-          </a:prstGeom>
-        </p:spPr>
-      </p:pic>
       <p:sp>
         <p:nvSpPr>
           <p:cNvPr id="7" name="TextBox 6">
@@ -9958,7 +10217,7 @@
           <p:nvPr/>
         </p:nvPicPr>
         <p:blipFill>
-          <a:blip r:embed="rId3"/>
+          <a:blip r:embed="rId2"/>
           <a:stretch>
             <a:fillRect/>
           </a:stretch>
@@ -10002,6 +10261,36 @@
           </a:p>
         </p:txBody>
       </p:sp>
+      <p:pic>
+        <p:nvPicPr>
+          <p:cNvPr id="5" name="Picture 4">
+            <a:extLst>
+              <a:ext uri="{FF2B5EF4-FFF2-40B4-BE49-F238E27FC236}">
+                <a16:creationId xmlns:a16="http://schemas.microsoft.com/office/drawing/2014/main" id="{FE10A62C-4073-7A4F-84FC-2658CD225496}"/>
+              </a:ext>
+            </a:extLst>
+          </p:cNvPr>
+          <p:cNvPicPr>
+            <a:picLocks noChangeAspect="1"/>
+          </p:cNvPicPr>
+          <p:nvPr/>
+        </p:nvPicPr>
+        <p:blipFill>
+          <a:blip r:embed="rId3"/>
+          <a:stretch>
+            <a:fillRect/>
+          </a:stretch>
+        </p:blipFill>
+        <p:spPr>
+          <a:xfrm>
+            <a:off x="3743325" y="949140"/>
+            <a:ext cx="4705349" cy="5468378"/>
+          </a:xfrm>
+          <a:prstGeom prst="rect">
+            <a:avLst/>
+          </a:prstGeom>
+        </p:spPr>
+      </p:pic>
     </p:spTree>
     <p:extLst>
       <p:ext uri="{BB962C8B-B14F-4D97-AF65-F5344CB8AC3E}">
@@ -10718,6 +11007,35 @@
           </a:prstGeom>
         </p:spPr>
       </p:pic>
+      <p:sp>
+        <p:nvSpPr>
+          <p:cNvPr id="2" name="Slide Number Placeholder 1">
+            <a:extLst>
+              <a:ext uri="{FF2B5EF4-FFF2-40B4-BE49-F238E27FC236}">
+                <a16:creationId xmlns:a16="http://schemas.microsoft.com/office/drawing/2014/main" id="{3B2BAB44-D44D-884C-BA5B-4C822EC48CA8}"/>
+              </a:ext>
+            </a:extLst>
+          </p:cNvPr>
+          <p:cNvSpPr>
+            <a:spLocks noGrp="1"/>
+          </p:cNvSpPr>
+          <p:nvPr>
+            <p:ph type="sldNum" sz="quarter" idx="12"/>
+          </p:nvPr>
+        </p:nvSpPr>
+        <p:spPr/>
+        <p:txBody>
+          <a:bodyPr/>
+          <a:lstStyle/>
+          <a:p>
+            <a:fld id="{E9AE0C10-0EF1-C246-872D-CC0E704EB9A9}" type="slidenum">
+              <a:rPr lang="en-VN" smtClean="0"/>
+              <a:t>9</a:t>
+            </a:fld>
+            <a:endParaRPr lang="en-VN"/>
+          </a:p>
+        </p:txBody>
+      </p:sp>
     </p:spTree>
     <p:extLst>
       <p:ext uri="{BB962C8B-B14F-4D97-AF65-F5344CB8AC3E}">

--- a/report/FinalReport.pptx
+++ b/report/FinalReport.pptx
@@ -5,26 +5,28 @@
     <p:sldMasterId id="2147483648" r:id="rId1"/>
   </p:sldMasterIdLst>
   <p:notesMasterIdLst>
-    <p:notesMasterId r:id="rId19"/>
+    <p:notesMasterId r:id="rId21"/>
   </p:notesMasterIdLst>
   <p:sldIdLst>
     <p:sldId id="274" r:id="rId2"/>
     <p:sldId id="258" r:id="rId3"/>
-    <p:sldId id="260" r:id="rId4"/>
-    <p:sldId id="257" r:id="rId5"/>
-    <p:sldId id="261" r:id="rId6"/>
-    <p:sldId id="262" r:id="rId7"/>
-    <p:sldId id="263" r:id="rId8"/>
-    <p:sldId id="264" r:id="rId9"/>
-    <p:sldId id="266" r:id="rId10"/>
-    <p:sldId id="267" r:id="rId11"/>
-    <p:sldId id="277" r:id="rId12"/>
-    <p:sldId id="269" r:id="rId13"/>
-    <p:sldId id="271" r:id="rId14"/>
-    <p:sldId id="272" r:id="rId15"/>
-    <p:sldId id="275" r:id="rId16"/>
-    <p:sldId id="276" r:id="rId17"/>
-    <p:sldId id="273" r:id="rId18"/>
+    <p:sldId id="279" r:id="rId4"/>
+    <p:sldId id="260" r:id="rId5"/>
+    <p:sldId id="278" r:id="rId6"/>
+    <p:sldId id="257" r:id="rId7"/>
+    <p:sldId id="261" r:id="rId8"/>
+    <p:sldId id="262" r:id="rId9"/>
+    <p:sldId id="263" r:id="rId10"/>
+    <p:sldId id="264" r:id="rId11"/>
+    <p:sldId id="266" r:id="rId12"/>
+    <p:sldId id="267" r:id="rId13"/>
+    <p:sldId id="277" r:id="rId14"/>
+    <p:sldId id="269" r:id="rId15"/>
+    <p:sldId id="271" r:id="rId16"/>
+    <p:sldId id="272" r:id="rId17"/>
+    <p:sldId id="275" r:id="rId18"/>
+    <p:sldId id="276" r:id="rId19"/>
+    <p:sldId id="273" r:id="rId20"/>
   </p:sldIdLst>
   <p:sldSz cx="12192000" cy="6858000"/>
   <p:notesSz cx="6858000" cy="9144000"/>
@@ -213,7 +215,7 @@
           <a:p>
             <a:fld id="{01FDEEA1-956A-4AFB-ABC5-DCB461D8FCB6}" type="datetimeFigureOut">
               <a:rPr lang="en-US" smtClean="0"/>
-              <a:t>6/4/20</a:t>
+              <a:t>6/5/20</a:t>
             </a:fld>
             <a:endParaRPr lang="en-US"/>
           </a:p>
@@ -629,7 +631,7 @@
           <a:p>
             <a:fld id="{E694B2D3-6DEE-6C43-B7D8-29A2F46538C2}" type="datetime1">
               <a:rPr lang="en-US" smtClean="0"/>
-              <a:t>6/4/20</a:t>
+              <a:t>6/5/20</a:t>
             </a:fld>
             <a:endParaRPr lang="en-VN"/>
           </a:p>
@@ -829,7 +831,7 @@
           <a:p>
             <a:fld id="{38105CD8-F18C-0D4D-8270-5DDE4111480A}" type="datetime1">
               <a:rPr lang="en-US" smtClean="0"/>
-              <a:t>6/4/20</a:t>
+              <a:t>6/5/20</a:t>
             </a:fld>
             <a:endParaRPr lang="en-VN"/>
           </a:p>
@@ -1039,7 +1041,7 @@
           <a:p>
             <a:fld id="{0BC2060F-B037-244B-B858-1C3D60C5965E}" type="datetime1">
               <a:rPr lang="en-US" smtClean="0"/>
-              <a:t>6/4/20</a:t>
+              <a:t>6/5/20</a:t>
             </a:fld>
             <a:endParaRPr lang="en-VN"/>
           </a:p>
@@ -1239,7 +1241,7 @@
           <a:p>
             <a:fld id="{2E600FAE-ECD2-5246-A23F-01EAACF2818D}" type="datetime1">
               <a:rPr lang="en-US" smtClean="0"/>
-              <a:t>6/4/20</a:t>
+              <a:t>6/5/20</a:t>
             </a:fld>
             <a:endParaRPr lang="en-VN"/>
           </a:p>
@@ -1515,7 +1517,7 @@
           <a:p>
             <a:fld id="{E62B4354-46E8-D546-807A-6D42524E6900}" type="datetime1">
               <a:rPr lang="en-US" smtClean="0"/>
-              <a:t>6/4/20</a:t>
+              <a:t>6/5/20</a:t>
             </a:fld>
             <a:endParaRPr lang="en-VN"/>
           </a:p>
@@ -1783,7 +1785,7 @@
           <a:p>
             <a:fld id="{56FAAF9F-B068-BE49-906A-B9429D9A2A3A}" type="datetime1">
               <a:rPr lang="en-US" smtClean="0"/>
-              <a:t>6/4/20</a:t>
+              <a:t>6/5/20</a:t>
             </a:fld>
             <a:endParaRPr lang="en-VN"/>
           </a:p>
@@ -2198,7 +2200,7 @@
           <a:p>
             <a:fld id="{2E59F4C5-04B1-7445-8A71-9BD5A366AC27}" type="datetime1">
               <a:rPr lang="en-US" smtClean="0"/>
-              <a:t>6/4/20</a:t>
+              <a:t>6/5/20</a:t>
             </a:fld>
             <a:endParaRPr lang="en-VN"/>
           </a:p>
@@ -2340,7 +2342,7 @@
           <a:p>
             <a:fld id="{0ADCFF57-C12E-794B-95DE-C8C2583734EE}" type="datetime1">
               <a:rPr lang="en-US" smtClean="0"/>
-              <a:t>6/4/20</a:t>
+              <a:t>6/5/20</a:t>
             </a:fld>
             <a:endParaRPr lang="en-VN"/>
           </a:p>
@@ -2453,7 +2455,7 @@
           <a:p>
             <a:fld id="{E4C8DB93-6FE2-F64C-BC03-CED829E55848}" type="datetime1">
               <a:rPr lang="en-US" smtClean="0"/>
-              <a:t>6/4/20</a:t>
+              <a:t>6/5/20</a:t>
             </a:fld>
             <a:endParaRPr lang="en-VN"/>
           </a:p>
@@ -2766,7 +2768,7 @@
           <a:p>
             <a:fld id="{C8880A17-EE21-774F-830F-1E702C658951}" type="datetime1">
               <a:rPr lang="en-US" smtClean="0"/>
-              <a:t>6/4/20</a:t>
+              <a:t>6/5/20</a:t>
             </a:fld>
             <a:endParaRPr lang="en-VN"/>
           </a:p>
@@ -3055,7 +3057,7 @@
           <a:p>
             <a:fld id="{A7F52B90-1B25-A64B-A834-5C0CE11D4DFD}" type="datetime1">
               <a:rPr lang="en-US" smtClean="0"/>
-              <a:t>6/4/20</a:t>
+              <a:t>6/5/20</a:t>
             </a:fld>
             <a:endParaRPr lang="en-VN"/>
           </a:p>
@@ -3298,7 +3300,7 @@
           <a:p>
             <a:fld id="{CB380339-B3FF-CD43-AB71-185B16043C9C}" type="datetime1">
               <a:rPr lang="en-US" smtClean="0"/>
-              <a:t>6/4/20</a:t>
+              <a:t>6/5/20</a:t>
             </a:fld>
             <a:endParaRPr lang="en-VN"/>
           </a:p>
@@ -3859,7 +3861,39 @@
                 </a:effectLst>
                 <a:latin typeface=".VnCourier" panose="020B7200000000000000" pitchFamily="34" charset="0"/>
               </a:rPr>
-              <a:t>Nhóm</a:t>
+              <a:t>Thành</a:t>
+            </a:r>
+            <a:r>
+              <a:rPr lang="en-US" sz="2400" b="1" dirty="0">
+                <a:solidFill>
+                  <a:schemeClr val="tx1"/>
+                </a:solidFill>
+                <a:effectLst>
+                  <a:outerShdw blurRad="38100" dist="38100" dir="2700000" algn="tl">
+                    <a:srgbClr val="000000">
+                      <a:alpha val="43137"/>
+                    </a:srgbClr>
+                  </a:outerShdw>
+                </a:effectLst>
+                <a:latin typeface=".VnCourier" panose="020B7200000000000000" pitchFamily="34" charset="0"/>
+              </a:rPr>
+              <a:t> </a:t>
+            </a:r>
+            <a:r>
+              <a:rPr lang="en-US" sz="2400" b="1" dirty="0" err="1">
+                <a:solidFill>
+                  <a:schemeClr val="tx1"/>
+                </a:solidFill>
+                <a:effectLst>
+                  <a:outerShdw blurRad="38100" dist="38100" dir="2700000" algn="tl">
+                    <a:srgbClr val="000000">
+                      <a:alpha val="43137"/>
+                    </a:srgbClr>
+                  </a:outerShdw>
+                </a:effectLst>
+                <a:latin typeface=".VnCourier" panose="020B7200000000000000" pitchFamily="34" charset="0"/>
+              </a:rPr>
+              <a:t>Viên</a:t>
             </a:r>
             <a:endParaRPr lang="en-US" sz="2400" b="1" dirty="0">
               <a:solidFill>
@@ -4663,10 +4697,10 @@
       </p:grpSpPr>
       <p:sp>
         <p:nvSpPr>
-          <p:cNvPr id="6" name="Rectangle 5">
-            <a:extLst>
-              <a:ext uri="{FF2B5EF4-FFF2-40B4-BE49-F238E27FC236}">
-                <a16:creationId xmlns:a16="http://schemas.microsoft.com/office/drawing/2014/main" id="{FE2B29CF-C549-E64C-B9A1-BEB338493485}"/>
+          <p:cNvPr id="5" name="Rectangle 4">
+            <a:extLst>
+              <a:ext uri="{FF2B5EF4-FFF2-40B4-BE49-F238E27FC236}">
+                <a16:creationId xmlns:a16="http://schemas.microsoft.com/office/drawing/2014/main" id="{2016ECFD-B465-0F4F-8A3D-562FD31590B5}"/>
               </a:ext>
             </a:extLst>
           </p:cNvPr>
@@ -4675,7 +4709,7 @@
         </p:nvSpPr>
         <p:spPr>
           <a:xfrm>
-            <a:off x="269915" y="192698"/>
+            <a:off x="0" y="250295"/>
             <a:ext cx="5065303" cy="889856"/>
           </a:xfrm>
           <a:prstGeom prst="rect">
@@ -4719,17 +4753,17 @@
                 <a:latin typeface=".VnCourier New" panose="02027200000000000000" pitchFamily="18" charset="0"/>
                 <a:cs typeface="Courier New" panose="02070309020205020404" pitchFamily="49" charset="0"/>
               </a:rPr>
-              <a:t>BIỂU ĐỒ TRÌNH TỰ</a:t>
+              <a:t>ĐẶC TẢ USECASE</a:t>
             </a:r>
           </a:p>
         </p:txBody>
       </p:sp>
       <p:pic>
         <p:nvPicPr>
-          <p:cNvPr id="4" name="Picture 3">
-            <a:extLst>
-              <a:ext uri="{FF2B5EF4-FFF2-40B4-BE49-F238E27FC236}">
-                <a16:creationId xmlns:a16="http://schemas.microsoft.com/office/drawing/2014/main" id="{AF7A8D01-0846-456F-AF95-E302E65AEAD2}"/>
+          <p:cNvPr id="7" name="Picture 6">
+            <a:extLst>
+              <a:ext uri="{FF2B5EF4-FFF2-40B4-BE49-F238E27FC236}">
+                <a16:creationId xmlns:a16="http://schemas.microsoft.com/office/drawing/2014/main" id="{781C6590-918D-734D-8A7E-9B4DD2282893}"/>
               </a:ext>
             </a:extLst>
           </p:cNvPr>
@@ -4746,20 +4780,63 @@
         </p:blipFill>
         <p:spPr>
           <a:xfrm>
-            <a:off x="10449732" y="132975"/>
-            <a:ext cx="1380660" cy="1582006"/>
+            <a:off x="3631848" y="1213846"/>
+            <a:ext cx="6136740" cy="5433934"/>
           </a:xfrm>
           <a:prstGeom prst="rect">
             <a:avLst/>
           </a:prstGeom>
         </p:spPr>
       </p:pic>
+      <p:sp>
+        <p:nvSpPr>
+          <p:cNvPr id="8" name="TextBox 7">
+            <a:extLst>
+              <a:ext uri="{FF2B5EF4-FFF2-40B4-BE49-F238E27FC236}">
+                <a16:creationId xmlns:a16="http://schemas.microsoft.com/office/drawing/2014/main" id="{B41377C0-7778-B040-B456-B9519DC21D0D}"/>
+              </a:ext>
+            </a:extLst>
+          </p:cNvPr>
+          <p:cNvSpPr txBox="1"/>
+          <p:nvPr/>
+        </p:nvSpPr>
+        <p:spPr>
+          <a:xfrm>
+            <a:off x="528050" y="5644154"/>
+            <a:ext cx="3103798" cy="646331"/>
+          </a:xfrm>
+          <a:prstGeom prst="rect">
+            <a:avLst/>
+          </a:prstGeom>
+          <a:solidFill>
+            <a:schemeClr val="bg1"/>
+          </a:solidFill>
+        </p:spPr>
+        <p:txBody>
+          <a:bodyPr wrap="none" rtlCol="0">
+            <a:spAutoFit/>
+          </a:bodyPr>
+          <a:lstStyle/>
+          <a:p>
+            <a:r>
+              <a:rPr lang="en-VN" b="1" dirty="0"/>
+              <a:t>BIỂU ĐỒ HOẠT ĐỘNG</a:t>
+            </a:r>
+          </a:p>
+          <a:p>
+            <a:r>
+              <a:rPr lang="en-VN" b="1" dirty="0"/>
+              <a:t>USE CASE QUẢN LÝ THỰC ĐƠN</a:t>
+            </a:r>
+          </a:p>
+        </p:txBody>
+      </p:sp>
       <p:pic>
         <p:nvPicPr>
-          <p:cNvPr id="5" name="Picture 4">
-            <a:extLst>
-              <a:ext uri="{FF2B5EF4-FFF2-40B4-BE49-F238E27FC236}">
-                <a16:creationId xmlns:a16="http://schemas.microsoft.com/office/drawing/2014/main" id="{73AC08A3-2648-4B4E-B68F-1A08402FB2C5}"/>
+          <p:cNvPr id="9" name="Picture 8">
+            <a:extLst>
+              <a:ext uri="{FF2B5EF4-FFF2-40B4-BE49-F238E27FC236}">
+                <a16:creationId xmlns:a16="http://schemas.microsoft.com/office/drawing/2014/main" id="{DED182D7-76ED-4686-B774-F977AB2798D7}"/>
               </a:ext>
             </a:extLst>
           </p:cNvPr>
@@ -4776,8 +4853,8 @@
         </p:blipFill>
         <p:spPr>
           <a:xfrm>
-            <a:off x="2041814" y="985708"/>
-            <a:ext cx="8477827" cy="5651885"/>
+            <a:off x="10449732" y="132975"/>
+            <a:ext cx="1380660" cy="1582006"/>
           </a:xfrm>
           <a:prstGeom prst="rect">
             <a:avLst/>
@@ -4786,63 +4863,10 @@
       </p:pic>
       <p:sp>
         <p:nvSpPr>
-          <p:cNvPr id="7" name="TextBox 6">
-            <a:extLst>
-              <a:ext uri="{FF2B5EF4-FFF2-40B4-BE49-F238E27FC236}">
-                <a16:creationId xmlns:a16="http://schemas.microsoft.com/office/drawing/2014/main" id="{AF5EC718-02EA-460D-8C9D-24FB4013AE16}"/>
-              </a:ext>
-            </a:extLst>
-          </p:cNvPr>
-          <p:cNvSpPr txBox="1"/>
-          <p:nvPr/>
-        </p:nvSpPr>
-        <p:spPr>
-          <a:xfrm>
-            <a:off x="361796" y="3630627"/>
-            <a:ext cx="1467004" cy="1477328"/>
-          </a:xfrm>
-          <a:prstGeom prst="rect">
-            <a:avLst/>
-          </a:prstGeom>
-          <a:solidFill>
-            <a:schemeClr val="bg1"/>
-          </a:solidFill>
-        </p:spPr>
-        <p:txBody>
-          <a:bodyPr wrap="square" rtlCol="0">
-            <a:spAutoFit/>
-          </a:bodyPr>
-          <a:lstStyle/>
-          <a:p>
-            <a:r>
-              <a:rPr lang="en-VN" b="1" dirty="0"/>
-              <a:t>BIỂU ĐỒ </a:t>
-            </a:r>
-            <a:r>
-              <a:rPr lang="en-US" b="1" dirty="0"/>
-              <a:t>TRÌNH TỰ</a:t>
-            </a:r>
-            <a:endParaRPr lang="en-VN" b="1" dirty="0"/>
-          </a:p>
-          <a:p>
-            <a:r>
-              <a:rPr lang="en-VN" b="1" dirty="0"/>
-              <a:t>USE CASE </a:t>
-            </a:r>
-            <a:r>
-              <a:rPr lang="en-US" b="1" dirty="0"/>
-              <a:t>BÁN HÀNG – GỌI MÓN</a:t>
-            </a:r>
-            <a:endParaRPr lang="en-VN" b="1" dirty="0"/>
-          </a:p>
-        </p:txBody>
-      </p:sp>
-      <p:sp>
-        <p:nvSpPr>
           <p:cNvPr id="3" name="Slide Number Placeholder 2">
             <a:extLst>
               <a:ext uri="{FF2B5EF4-FFF2-40B4-BE49-F238E27FC236}">
-                <a16:creationId xmlns:a16="http://schemas.microsoft.com/office/drawing/2014/main" id="{94B4E1C2-2FBB-4850-AFBC-2E8F8FB6684E}"/>
+                <a16:creationId xmlns:a16="http://schemas.microsoft.com/office/drawing/2014/main" id="{0D6AEF3F-EDCD-4B6D-B142-F38CBB5E851F}"/>
               </a:ext>
             </a:extLst>
           </p:cNvPr>
@@ -4869,7 +4893,7 @@
     </p:spTree>
     <p:extLst>
       <p:ext uri="{BB962C8B-B14F-4D97-AF65-F5344CB8AC3E}">
-        <p14:creationId xmlns:p14="http://schemas.microsoft.com/office/powerpoint/2010/main" val="1597982882"/>
+        <p14:creationId xmlns:p14="http://schemas.microsoft.com/office/powerpoint/2010/main" val="3415943052"/>
       </p:ext>
     </p:extLst>
   </p:cSld>
@@ -4898,19 +4922,74 @@
       </p:grpSpPr>
       <p:sp>
         <p:nvSpPr>
-          <p:cNvPr id="2" name="Rectangle 1">
-            <a:extLst>
-              <a:ext uri="{FF2B5EF4-FFF2-40B4-BE49-F238E27FC236}">
-                <a16:creationId xmlns:a16="http://schemas.microsoft.com/office/drawing/2014/main" id="{0EB15DA3-7B5D-44FC-8EEB-B150988770F1}"/>
-              </a:ext>
-            </a:extLst>
-          </p:cNvPr>
+          <p:cNvPr id="4" name="Rectangle 3"/>
           <p:cNvSpPr/>
           <p:nvPr/>
         </p:nvSpPr>
         <p:spPr>
           <a:xfrm>
-            <a:off x="269915" y="192698"/>
+            <a:off x="1670957" y="995963"/>
+            <a:ext cx="8850086" cy="5755850"/>
+          </a:xfrm>
+          <a:prstGeom prst="rect">
+            <a:avLst/>
+          </a:prstGeom>
+          <a:solidFill>
+            <a:srgbClr val="76583D">
+              <a:alpha val="61000"/>
+            </a:srgbClr>
+          </a:solidFill>
+          <a:ln>
+            <a:noFill/>
+          </a:ln>
+          <a:effectLst>
+            <a:outerShdw blurRad="50800" dist="38100" dir="2700000" algn="tl" rotWithShape="0">
+              <a:prstClr val="black">
+                <a:alpha val="73000"/>
+              </a:prstClr>
+            </a:outerShdw>
+          </a:effectLst>
+        </p:spPr>
+        <p:style>
+          <a:lnRef idx="2">
+            <a:schemeClr val="accent1">
+              <a:shade val="50000"/>
+            </a:schemeClr>
+          </a:lnRef>
+          <a:fillRef idx="1">
+            <a:schemeClr val="accent1"/>
+          </a:fillRef>
+          <a:effectRef idx="0">
+            <a:schemeClr val="accent1"/>
+          </a:effectRef>
+          <a:fontRef idx="minor">
+            <a:schemeClr val="lt1"/>
+          </a:fontRef>
+        </p:style>
+        <p:txBody>
+          <a:bodyPr rtlCol="0" anchor="ctr"/>
+          <a:lstStyle/>
+          <a:p>
+            <a:pPr algn="ctr"/>
+            <a:endParaRPr lang="en-US"/>
+          </a:p>
+        </p:txBody>
+      </p:sp>
+      <p:sp>
+        <p:nvSpPr>
+          <p:cNvPr id="12" name="Rectangle 11">
+            <a:extLst>
+              <a:ext uri="{FF2B5EF4-FFF2-40B4-BE49-F238E27FC236}">
+                <a16:creationId xmlns:a16="http://schemas.microsoft.com/office/drawing/2014/main" id="{78587B29-3A12-8F44-B3A8-0F1345FF2276}"/>
+              </a:ext>
+            </a:extLst>
+          </p:cNvPr>
+          <p:cNvSpPr/>
+          <p:nvPr/>
+        </p:nvSpPr>
+        <p:spPr>
+          <a:xfrm>
+            <a:off x="0" y="163257"/>
             <a:ext cx="5065303" cy="889856"/>
           </a:xfrm>
           <a:prstGeom prst="rect">
@@ -4954,17 +5033,17 @@
                 <a:latin typeface=".VnCourier New" panose="02027200000000000000" pitchFamily="18" charset="0"/>
                 <a:cs typeface="Courier New" panose="02070309020205020404" pitchFamily="49" charset="0"/>
               </a:rPr>
-              <a:t>BIỂU ĐỒ TRÌNH TỰ</a:t>
+              <a:t>PHÂN TÍCH THIẾT KẾ</a:t>
             </a:r>
           </a:p>
         </p:txBody>
       </p:sp>
       <p:pic>
         <p:nvPicPr>
-          <p:cNvPr id="3" name="Picture 2">
-            <a:extLst>
-              <a:ext uri="{FF2B5EF4-FFF2-40B4-BE49-F238E27FC236}">
-                <a16:creationId xmlns:a16="http://schemas.microsoft.com/office/drawing/2014/main" id="{3376EBAD-2A2B-413A-9911-E1DEC0B31929}"/>
+          <p:cNvPr id="16" name="Picture 15">
+            <a:extLst>
+              <a:ext uri="{FF2B5EF4-FFF2-40B4-BE49-F238E27FC236}">
+                <a16:creationId xmlns:a16="http://schemas.microsoft.com/office/drawing/2014/main" id="{6F789B6F-1316-1B4E-9EAC-017AEB0A0C4B}"/>
               </a:ext>
             </a:extLst>
           </p:cNvPr>
@@ -4981,8 +5060,8 @@
         </p:blipFill>
         <p:spPr>
           <a:xfrm>
-            <a:off x="10449732" y="132975"/>
-            <a:ext cx="1380660" cy="1582006"/>
+            <a:off x="1807904" y="1110263"/>
+            <a:ext cx="8576192" cy="5513266"/>
           </a:xfrm>
           <a:prstGeom prst="rect">
             <a:avLst/>
@@ -4991,10 +5070,10 @@
       </p:pic>
       <p:sp>
         <p:nvSpPr>
-          <p:cNvPr id="4" name="TextBox 3">
-            <a:extLst>
-              <a:ext uri="{FF2B5EF4-FFF2-40B4-BE49-F238E27FC236}">
-                <a16:creationId xmlns:a16="http://schemas.microsoft.com/office/drawing/2014/main" id="{58855A3F-5439-485B-9AFF-40943CBC2D0B}"/>
+          <p:cNvPr id="17" name="TextBox 16">
+            <a:extLst>
+              <a:ext uri="{FF2B5EF4-FFF2-40B4-BE49-F238E27FC236}">
+                <a16:creationId xmlns:a16="http://schemas.microsoft.com/office/drawing/2014/main" id="{4C5ADA6F-7402-8A4D-9E3C-53AF37936F7A}"/>
               </a:ext>
             </a:extLst>
           </p:cNvPr>
@@ -5003,8 +5082,8 @@
         </p:nvSpPr>
         <p:spPr>
           <a:xfrm>
-            <a:off x="896165" y="5505609"/>
-            <a:ext cx="2649259" cy="923330"/>
+            <a:off x="269915" y="5630942"/>
+            <a:ext cx="4945743" cy="904287"/>
           </a:xfrm>
           <a:prstGeom prst="rect">
             <a:avLst/>
@@ -5012,6 +5091,13 @@
           <a:solidFill>
             <a:schemeClr val="bg1"/>
           </a:solidFill>
+          <a:effectLst>
+            <a:innerShdw blurRad="63500" dist="50800" dir="8100000">
+              <a:prstClr val="black">
+                <a:alpha val="50000"/>
+              </a:prstClr>
+            </a:innerShdw>
+          </a:effectLst>
         </p:spPr>
         <p:txBody>
           <a:bodyPr wrap="square" rtlCol="0">
@@ -5019,38 +5105,35 @@
           </a:bodyPr>
           <a:lstStyle/>
           <a:p>
-            <a:r>
-              <a:rPr lang="en-VN" b="1" dirty="0"/>
-              <a:t>BIỂU ĐỒ </a:t>
-            </a:r>
-            <a:r>
-              <a:rPr lang="en-US" b="1" dirty="0"/>
-              <a:t>TRÌNH TỰ</a:t>
-            </a:r>
-            <a:endParaRPr lang="en-VN" b="1" dirty="0"/>
-          </a:p>
-          <a:p>
-            <a:r>
-              <a:rPr lang="en-VN" b="1" dirty="0"/>
-              <a:t>USE CASE </a:t>
-            </a:r>
-            <a:endParaRPr lang="en-US" b="1" dirty="0"/>
-          </a:p>
-          <a:p>
-            <a:r>
-              <a:rPr lang="en-US" b="1" dirty="0"/>
-              <a:t>QUẢN LÝ THỰC ĐƠN</a:t>
-            </a:r>
-            <a:endParaRPr lang="en-VN" b="1" dirty="0"/>
+            <a:pPr algn="ctr">
+              <a:lnSpc>
+                <a:spcPct val="150000"/>
+              </a:lnSpc>
+            </a:pPr>
+            <a:r>
+              <a:rPr lang="en-VN" sz="2800" b="1" dirty="0"/>
+              <a:t>THIẾT KẾ CƠ SỞ DỮ LIỆU</a:t>
+            </a:r>
+          </a:p>
+          <a:p>
+            <a:pPr algn="ctr">
+              <a:lnSpc>
+                <a:spcPct val="150000"/>
+              </a:lnSpc>
+            </a:pPr>
+            <a:r>
+              <a:rPr lang="en-VN" sz="800" b="1" dirty="0"/>
+              <a:t>   </a:t>
+            </a:r>
           </a:p>
         </p:txBody>
       </p:sp>
       <p:pic>
         <p:nvPicPr>
-          <p:cNvPr id="6" name="Picture 5">
-            <a:extLst>
-              <a:ext uri="{FF2B5EF4-FFF2-40B4-BE49-F238E27FC236}">
-                <a16:creationId xmlns:a16="http://schemas.microsoft.com/office/drawing/2014/main" id="{B063BEBD-6AF3-4DC9-8F27-E2890D104F2C}"/>
+          <p:cNvPr id="8" name="Picture 7">
+            <a:extLst>
+              <a:ext uri="{FF2B5EF4-FFF2-40B4-BE49-F238E27FC236}">
+                <a16:creationId xmlns:a16="http://schemas.microsoft.com/office/drawing/2014/main" id="{65803C33-BC1E-4DE9-A11F-E47FFA6B26D8}"/>
               </a:ext>
             </a:extLst>
           </p:cNvPr>
@@ -5067,8 +5150,8 @@
         </p:blipFill>
         <p:spPr>
           <a:xfrm>
-            <a:off x="3742362" y="849744"/>
-            <a:ext cx="6228843" cy="5925127"/>
+            <a:off x="10449732" y="132975"/>
+            <a:ext cx="1380660" cy="1582006"/>
           </a:xfrm>
           <a:prstGeom prst="rect">
             <a:avLst/>
@@ -5077,10 +5160,10 @@
       </p:pic>
       <p:sp>
         <p:nvSpPr>
-          <p:cNvPr id="7" name="Slide Number Placeholder 6">
-            <a:extLst>
-              <a:ext uri="{FF2B5EF4-FFF2-40B4-BE49-F238E27FC236}">
-                <a16:creationId xmlns:a16="http://schemas.microsoft.com/office/drawing/2014/main" id="{ACC078CF-E622-44A3-A7FF-95B735BFE9C3}"/>
+          <p:cNvPr id="2" name="Slide Number Placeholder 1">
+            <a:extLst>
+              <a:ext uri="{FF2B5EF4-FFF2-40B4-BE49-F238E27FC236}">
+                <a16:creationId xmlns:a16="http://schemas.microsoft.com/office/drawing/2014/main" id="{3B2BAB44-D44D-884C-BA5B-4C822EC48CA8}"/>
               </a:ext>
             </a:extLst>
           </p:cNvPr>
@@ -5107,7 +5190,7 @@
     </p:spTree>
     <p:extLst>
       <p:ext uri="{BB962C8B-B14F-4D97-AF65-F5344CB8AC3E}">
-        <p14:creationId xmlns:p14="http://schemas.microsoft.com/office/powerpoint/2010/main" val="2033124094"/>
+        <p14:creationId xmlns:p14="http://schemas.microsoft.com/office/powerpoint/2010/main" val="1977851558"/>
       </p:ext>
     </p:extLst>
   </p:cSld>
@@ -5134,36 +5217,6 @@
           <a:chExt cx="0" cy="0"/>
         </a:xfrm>
       </p:grpSpPr>
-      <p:pic>
-        <p:nvPicPr>
-          <p:cNvPr id="3" name="Picture 2">
-            <a:extLst>
-              <a:ext uri="{FF2B5EF4-FFF2-40B4-BE49-F238E27FC236}">
-                <a16:creationId xmlns:a16="http://schemas.microsoft.com/office/drawing/2014/main" id="{849923BE-2873-0647-BFE0-81A3EE2D1AC8}"/>
-              </a:ext>
-            </a:extLst>
-          </p:cNvPr>
-          <p:cNvPicPr>
-            <a:picLocks noChangeAspect="1"/>
-          </p:cNvPicPr>
-          <p:nvPr/>
-        </p:nvPicPr>
-        <p:blipFill>
-          <a:blip r:embed="rId2"/>
-          <a:stretch>
-            <a:fillRect/>
-          </a:stretch>
-        </p:blipFill>
-        <p:spPr>
-          <a:xfrm>
-            <a:off x="9768589" y="257826"/>
-            <a:ext cx="1623176" cy="1859889"/>
-          </a:xfrm>
-          <a:prstGeom prst="rect">
-            <a:avLst/>
-          </a:prstGeom>
-        </p:spPr>
-      </p:pic>
       <p:sp>
         <p:nvSpPr>
           <p:cNvPr id="6" name="Rectangle 5">
@@ -5178,7 +5231,7 @@
         </p:nvSpPr>
         <p:spPr>
           <a:xfrm>
-            <a:off x="269915" y="220407"/>
+            <a:off x="0" y="156612"/>
             <a:ext cx="5065303" cy="889856"/>
           </a:xfrm>
           <a:prstGeom prst="rect">
@@ -5222,87 +5275,47 @@
                 <a:latin typeface=".VnCourier New" panose="02027200000000000000" pitchFamily="18" charset="0"/>
                 <a:cs typeface="Courier New" panose="02070309020205020404" pitchFamily="49" charset="0"/>
               </a:rPr>
-              <a:t>BIỂU ĐỒ LỚP</a:t>
-            </a:r>
-          </a:p>
-        </p:txBody>
-      </p:sp>
-      <p:sp>
-        <p:nvSpPr>
-          <p:cNvPr id="16" name="TextBox 15">
-            <a:extLst>
-              <a:ext uri="{FF2B5EF4-FFF2-40B4-BE49-F238E27FC236}">
-                <a16:creationId xmlns:a16="http://schemas.microsoft.com/office/drawing/2014/main" id="{791328B2-E4F8-DE41-8601-C4EDD20E7335}"/>
-              </a:ext>
-            </a:extLst>
-          </p:cNvPr>
-          <p:cNvSpPr txBox="1"/>
+              <a:t>BIỂU ĐỒ TRÌNH TỰ</a:t>
+            </a:r>
+          </a:p>
+        </p:txBody>
+      </p:sp>
+      <p:pic>
+        <p:nvPicPr>
+          <p:cNvPr id="4" name="Picture 3">
+            <a:extLst>
+              <a:ext uri="{FF2B5EF4-FFF2-40B4-BE49-F238E27FC236}">
+                <a16:creationId xmlns:a16="http://schemas.microsoft.com/office/drawing/2014/main" id="{AF7A8D01-0846-456F-AF95-E302E65AEAD2}"/>
+              </a:ext>
+            </a:extLst>
+          </p:cNvPr>
+          <p:cNvPicPr>
+            <a:picLocks noChangeAspect="1"/>
+          </p:cNvPicPr>
           <p:nvPr/>
-        </p:nvSpPr>
-        <p:spPr>
-          <a:xfrm>
-            <a:off x="575417" y="5884313"/>
-            <a:ext cx="1776833" cy="646331"/>
+        </p:nvPicPr>
+        <p:blipFill>
+          <a:blip r:embed="rId2"/>
+          <a:stretch>
+            <a:fillRect/>
+          </a:stretch>
+        </p:blipFill>
+        <p:spPr>
+          <a:xfrm>
+            <a:off x="10449732" y="132975"/>
+            <a:ext cx="1380660" cy="1582006"/>
           </a:xfrm>
           <a:prstGeom prst="rect">
             <a:avLst/>
           </a:prstGeom>
-          <a:noFill/>
-        </p:spPr>
-        <p:txBody>
-          <a:bodyPr wrap="none" rtlCol="0">
-            <a:spAutoFit/>
-          </a:bodyPr>
-          <a:lstStyle/>
-          <a:p>
-            <a:r>
-              <a:rPr lang="en-VN" b="1" dirty="0"/>
-              <a:t>CLASS DIAGRAM</a:t>
-            </a:r>
-          </a:p>
-          <a:p>
-            <a:r>
-              <a:rPr lang="en-VN" b="1" dirty="0"/>
-              <a:t>TỔNG QUAN</a:t>
-            </a:r>
-          </a:p>
-        </p:txBody>
-      </p:sp>
-      <p:sp>
-        <p:nvSpPr>
-          <p:cNvPr id="4" name="Slide Number Placeholder 3">
-            <a:extLst>
-              <a:ext uri="{FF2B5EF4-FFF2-40B4-BE49-F238E27FC236}">
-                <a16:creationId xmlns:a16="http://schemas.microsoft.com/office/drawing/2014/main" id="{518DDF1E-6DFC-47E8-AB85-7DA54E585A55}"/>
-              </a:ext>
-            </a:extLst>
-          </p:cNvPr>
-          <p:cNvSpPr>
-            <a:spLocks noGrp="1"/>
-          </p:cNvSpPr>
-          <p:nvPr>
-            <p:ph type="sldNum" sz="quarter" idx="12"/>
-          </p:nvPr>
-        </p:nvSpPr>
-        <p:spPr/>
-        <p:txBody>
-          <a:bodyPr/>
-          <a:lstStyle/>
-          <a:p>
-            <a:fld id="{E9AE0C10-0EF1-C246-872D-CC0E704EB9A9}" type="slidenum">
-              <a:rPr lang="en-VN" smtClean="0"/>
-              <a:t>12</a:t>
-            </a:fld>
-            <a:endParaRPr lang="en-VN"/>
-          </a:p>
-        </p:txBody>
-      </p:sp>
+        </p:spPr>
+      </p:pic>
       <p:pic>
         <p:nvPicPr>
           <p:cNvPr id="5" name="Picture 4">
             <a:extLst>
               <a:ext uri="{FF2B5EF4-FFF2-40B4-BE49-F238E27FC236}">
-                <a16:creationId xmlns:a16="http://schemas.microsoft.com/office/drawing/2014/main" id="{69917B15-143E-154E-9563-744FFEAA58A0}"/>
+                <a16:creationId xmlns:a16="http://schemas.microsoft.com/office/drawing/2014/main" id="{73AC08A3-2648-4B4E-B68F-1A08402FB2C5}"/>
               </a:ext>
             </a:extLst>
           </p:cNvPr>
@@ -5319,18 +5332,100 @@
         </p:blipFill>
         <p:spPr>
           <a:xfrm>
-            <a:off x="2941573" y="1009077"/>
-            <a:ext cx="6308853" cy="5848923"/>
+            <a:off x="2041814" y="985708"/>
+            <a:ext cx="8477827" cy="5651885"/>
           </a:xfrm>
           <a:prstGeom prst="rect">
             <a:avLst/>
           </a:prstGeom>
         </p:spPr>
       </p:pic>
+      <p:sp>
+        <p:nvSpPr>
+          <p:cNvPr id="7" name="TextBox 6">
+            <a:extLst>
+              <a:ext uri="{FF2B5EF4-FFF2-40B4-BE49-F238E27FC236}">
+                <a16:creationId xmlns:a16="http://schemas.microsoft.com/office/drawing/2014/main" id="{AF5EC718-02EA-460D-8C9D-24FB4013AE16}"/>
+              </a:ext>
+            </a:extLst>
+          </p:cNvPr>
+          <p:cNvSpPr txBox="1"/>
+          <p:nvPr/>
+        </p:nvSpPr>
+        <p:spPr>
+          <a:xfrm>
+            <a:off x="361796" y="3630627"/>
+            <a:ext cx="1467004" cy="1477328"/>
+          </a:xfrm>
+          <a:prstGeom prst="rect">
+            <a:avLst/>
+          </a:prstGeom>
+          <a:solidFill>
+            <a:schemeClr val="bg1"/>
+          </a:solidFill>
+        </p:spPr>
+        <p:txBody>
+          <a:bodyPr wrap="square" rtlCol="0">
+            <a:spAutoFit/>
+          </a:bodyPr>
+          <a:lstStyle/>
+          <a:p>
+            <a:r>
+              <a:rPr lang="en-VN" b="1" dirty="0"/>
+              <a:t>BIỂU ĐỒ </a:t>
+            </a:r>
+            <a:r>
+              <a:rPr lang="en-US" b="1" dirty="0"/>
+              <a:t>TRÌNH TỰ</a:t>
+            </a:r>
+            <a:endParaRPr lang="en-VN" b="1" dirty="0"/>
+          </a:p>
+          <a:p>
+            <a:r>
+              <a:rPr lang="en-VN" b="1" dirty="0"/>
+              <a:t>USE CASE </a:t>
+            </a:r>
+            <a:r>
+              <a:rPr lang="en-US" b="1" dirty="0"/>
+              <a:t>BÁN HÀNG – GỌI MÓN</a:t>
+            </a:r>
+            <a:endParaRPr lang="en-VN" b="1" dirty="0"/>
+          </a:p>
+        </p:txBody>
+      </p:sp>
+      <p:sp>
+        <p:nvSpPr>
+          <p:cNvPr id="3" name="Slide Number Placeholder 2">
+            <a:extLst>
+              <a:ext uri="{FF2B5EF4-FFF2-40B4-BE49-F238E27FC236}">
+                <a16:creationId xmlns:a16="http://schemas.microsoft.com/office/drawing/2014/main" id="{94B4E1C2-2FBB-4850-AFBC-2E8F8FB6684E}"/>
+              </a:ext>
+            </a:extLst>
+          </p:cNvPr>
+          <p:cNvSpPr>
+            <a:spLocks noGrp="1"/>
+          </p:cNvSpPr>
+          <p:nvPr>
+            <p:ph type="sldNum" sz="quarter" idx="12"/>
+          </p:nvPr>
+        </p:nvSpPr>
+        <p:spPr/>
+        <p:txBody>
+          <a:bodyPr/>
+          <a:lstStyle/>
+          <a:p>
+            <a:fld id="{E9AE0C10-0EF1-C246-872D-CC0E704EB9A9}" type="slidenum">
+              <a:rPr lang="en-VN" smtClean="0"/>
+              <a:t>12</a:t>
+            </a:fld>
+            <a:endParaRPr lang="en-VN"/>
+          </a:p>
+        </p:txBody>
+      </p:sp>
     </p:spTree>
     <p:extLst>
       <p:ext uri="{BB962C8B-B14F-4D97-AF65-F5344CB8AC3E}">
-        <p14:creationId xmlns:p14="http://schemas.microsoft.com/office/powerpoint/2010/main" val="1963631301"/>
+        <p14:creationId xmlns:p14="http://schemas.microsoft.com/office/powerpoint/2010/main" val="1597982882"/>
       </p:ext>
     </p:extLst>
   </p:cSld>
@@ -5359,10 +5454,10 @@
       </p:grpSpPr>
       <p:sp>
         <p:nvSpPr>
-          <p:cNvPr id="6" name="Rectangle 5">
-            <a:extLst>
-              <a:ext uri="{FF2B5EF4-FFF2-40B4-BE49-F238E27FC236}">
-                <a16:creationId xmlns:a16="http://schemas.microsoft.com/office/drawing/2014/main" id="{FE2B29CF-C549-E64C-B9A1-BEB338493485}"/>
+          <p:cNvPr id="2" name="Rectangle 1">
+            <a:extLst>
+              <a:ext uri="{FF2B5EF4-FFF2-40B4-BE49-F238E27FC236}">
+                <a16:creationId xmlns:a16="http://schemas.microsoft.com/office/drawing/2014/main" id="{0EB15DA3-7B5D-44FC-8EEB-B150988770F1}"/>
               </a:ext>
             </a:extLst>
           </p:cNvPr>
@@ -5371,7 +5466,7 @@
         </p:nvSpPr>
         <p:spPr>
           <a:xfrm>
-            <a:off x="269915" y="220407"/>
+            <a:off x="61613" y="150203"/>
             <a:ext cx="5065303" cy="889856"/>
           </a:xfrm>
           <a:prstGeom prst="rect">
@@ -5415,17 +5510,17 @@
                 <a:latin typeface=".VnCourier New" panose="02027200000000000000" pitchFamily="18" charset="0"/>
                 <a:cs typeface="Courier New" panose="02070309020205020404" pitchFamily="49" charset="0"/>
               </a:rPr>
-              <a:t>BIỂU ĐỒ LỚP</a:t>
+              <a:t>BIỂU ĐỒ TRÌNH TỰ</a:t>
             </a:r>
           </a:p>
         </p:txBody>
       </p:sp>
       <p:pic>
         <p:nvPicPr>
-          <p:cNvPr id="8" name="Picture 7">
-            <a:extLst>
-              <a:ext uri="{FF2B5EF4-FFF2-40B4-BE49-F238E27FC236}">
-                <a16:creationId xmlns:a16="http://schemas.microsoft.com/office/drawing/2014/main" id="{02625421-E35E-4097-A4EB-00E64E2DD88C}"/>
+          <p:cNvPr id="3" name="Picture 2">
+            <a:extLst>
+              <a:ext uri="{FF2B5EF4-FFF2-40B4-BE49-F238E27FC236}">
+                <a16:creationId xmlns:a16="http://schemas.microsoft.com/office/drawing/2014/main" id="{3376EBAD-2A2B-413A-9911-E1DEC0B31929}"/>
               </a:ext>
             </a:extLst>
           </p:cNvPr>
@@ -5452,10 +5547,96 @@
       </p:pic>
       <p:sp>
         <p:nvSpPr>
-          <p:cNvPr id="3" name="Slide Number Placeholder 2">
-            <a:extLst>
-              <a:ext uri="{FF2B5EF4-FFF2-40B4-BE49-F238E27FC236}">
-                <a16:creationId xmlns:a16="http://schemas.microsoft.com/office/drawing/2014/main" id="{BB893117-B2FB-4649-A5EE-62A6511B8267}"/>
+          <p:cNvPr id="4" name="TextBox 3">
+            <a:extLst>
+              <a:ext uri="{FF2B5EF4-FFF2-40B4-BE49-F238E27FC236}">
+                <a16:creationId xmlns:a16="http://schemas.microsoft.com/office/drawing/2014/main" id="{58855A3F-5439-485B-9AFF-40943CBC2D0B}"/>
+              </a:ext>
+            </a:extLst>
+          </p:cNvPr>
+          <p:cNvSpPr txBox="1"/>
+          <p:nvPr/>
+        </p:nvSpPr>
+        <p:spPr>
+          <a:xfrm>
+            <a:off x="896165" y="5505609"/>
+            <a:ext cx="2649259" cy="923330"/>
+          </a:xfrm>
+          <a:prstGeom prst="rect">
+            <a:avLst/>
+          </a:prstGeom>
+          <a:solidFill>
+            <a:schemeClr val="bg1"/>
+          </a:solidFill>
+        </p:spPr>
+        <p:txBody>
+          <a:bodyPr wrap="square" rtlCol="0">
+            <a:spAutoFit/>
+          </a:bodyPr>
+          <a:lstStyle/>
+          <a:p>
+            <a:r>
+              <a:rPr lang="en-VN" b="1" dirty="0"/>
+              <a:t>BIỂU ĐỒ </a:t>
+            </a:r>
+            <a:r>
+              <a:rPr lang="en-US" b="1" dirty="0"/>
+              <a:t>TRÌNH TỰ</a:t>
+            </a:r>
+            <a:endParaRPr lang="en-VN" b="1" dirty="0"/>
+          </a:p>
+          <a:p>
+            <a:r>
+              <a:rPr lang="en-VN" b="1" dirty="0"/>
+              <a:t>USE CASE </a:t>
+            </a:r>
+            <a:endParaRPr lang="en-US" b="1" dirty="0"/>
+          </a:p>
+          <a:p>
+            <a:r>
+              <a:rPr lang="en-US" b="1" dirty="0"/>
+              <a:t>QUẢN LÝ THỰC ĐƠN</a:t>
+            </a:r>
+            <a:endParaRPr lang="en-VN" b="1" dirty="0"/>
+          </a:p>
+        </p:txBody>
+      </p:sp>
+      <p:pic>
+        <p:nvPicPr>
+          <p:cNvPr id="6" name="Picture 5">
+            <a:extLst>
+              <a:ext uri="{FF2B5EF4-FFF2-40B4-BE49-F238E27FC236}">
+                <a16:creationId xmlns:a16="http://schemas.microsoft.com/office/drawing/2014/main" id="{B063BEBD-6AF3-4DC9-8F27-E2890D104F2C}"/>
+              </a:ext>
+            </a:extLst>
+          </p:cNvPr>
+          <p:cNvPicPr>
+            <a:picLocks noChangeAspect="1"/>
+          </p:cNvPicPr>
+          <p:nvPr/>
+        </p:nvPicPr>
+        <p:blipFill>
+          <a:blip r:embed="rId3"/>
+          <a:stretch>
+            <a:fillRect/>
+          </a:stretch>
+        </p:blipFill>
+        <p:spPr>
+          <a:xfrm>
+            <a:off x="3742362" y="849744"/>
+            <a:ext cx="6228843" cy="5925127"/>
+          </a:xfrm>
+          <a:prstGeom prst="rect">
+            <a:avLst/>
+          </a:prstGeom>
+        </p:spPr>
+      </p:pic>
+      <p:sp>
+        <p:nvSpPr>
+          <p:cNvPr id="7" name="Slide Number Placeholder 6">
+            <a:extLst>
+              <a:ext uri="{FF2B5EF4-FFF2-40B4-BE49-F238E27FC236}">
+                <a16:creationId xmlns:a16="http://schemas.microsoft.com/office/drawing/2014/main" id="{ACC078CF-E622-44A3-A7FF-95B735BFE9C3}"/>
               </a:ext>
             </a:extLst>
           </p:cNvPr>
@@ -5479,86 +5660,10 @@
           </a:p>
         </p:txBody>
       </p:sp>
-      <p:pic>
-        <p:nvPicPr>
-          <p:cNvPr id="9" name="Picture 8">
-            <a:extLst>
-              <a:ext uri="{FF2B5EF4-FFF2-40B4-BE49-F238E27FC236}">
-                <a16:creationId xmlns:a16="http://schemas.microsoft.com/office/drawing/2014/main" id="{4E31FC5B-9775-8D4C-82A5-9EA19D5E2061}"/>
-              </a:ext>
-            </a:extLst>
-          </p:cNvPr>
-          <p:cNvPicPr/>
-          <p:nvPr/>
-        </p:nvPicPr>
-        <p:blipFill>
-          <a:blip r:embed="rId3">
-            <a:extLst>
-              <a:ext uri="{28A0092B-C50C-407E-A947-70E740481C1C}">
-                <a14:useLocalDpi xmlns:a14="http://schemas.microsoft.com/office/drawing/2010/main" val="0"/>
-              </a:ext>
-            </a:extLst>
-          </a:blip>
-          <a:stretch>
-            <a:fillRect/>
-          </a:stretch>
-        </p:blipFill>
-        <p:spPr>
-          <a:xfrm>
-            <a:off x="3566160" y="1201421"/>
-            <a:ext cx="6640830" cy="5154929"/>
-          </a:xfrm>
-          <a:prstGeom prst="rect">
-            <a:avLst/>
-          </a:prstGeom>
-        </p:spPr>
-      </p:pic>
-      <p:sp>
-        <p:nvSpPr>
-          <p:cNvPr id="7" name="TextBox 6">
-            <a:extLst>
-              <a:ext uri="{FF2B5EF4-FFF2-40B4-BE49-F238E27FC236}">
-                <a16:creationId xmlns:a16="http://schemas.microsoft.com/office/drawing/2014/main" id="{E248EB28-EEE3-0D43-9CCF-0C1A4EF557BF}"/>
-              </a:ext>
-            </a:extLst>
-          </p:cNvPr>
-          <p:cNvSpPr txBox="1"/>
-          <p:nvPr/>
-        </p:nvSpPr>
-        <p:spPr>
-          <a:xfrm>
-            <a:off x="221483" y="5433020"/>
-            <a:ext cx="3581995" cy="923330"/>
-          </a:xfrm>
-          <a:prstGeom prst="rect">
-            <a:avLst/>
-          </a:prstGeom>
-          <a:noFill/>
-        </p:spPr>
-        <p:txBody>
-          <a:bodyPr wrap="square" rtlCol="0">
-            <a:spAutoFit/>
-          </a:bodyPr>
-          <a:lstStyle/>
-          <a:p>
-            <a:r>
-              <a:rPr lang="en-US" b="1" dirty="0"/>
-              <a:t>BIỂU ĐỒ CỤ THỂ MỐI QUAN HỆ GIỮA CÁC LỚP </a:t>
-            </a:r>
-          </a:p>
-          <a:p>
-            <a:r>
-              <a:rPr lang="en-US" b="1" dirty="0"/>
-              <a:t>[ PACKAGE INTERFACE-BÁN HÀNG ] </a:t>
-            </a:r>
-            <a:endParaRPr lang="en-VN" b="1" dirty="0"/>
-          </a:p>
-        </p:txBody>
-      </p:sp>
     </p:spTree>
     <p:extLst>
       <p:ext uri="{BB962C8B-B14F-4D97-AF65-F5344CB8AC3E}">
-        <p14:creationId xmlns:p14="http://schemas.microsoft.com/office/powerpoint/2010/main" val="3147069618"/>
+        <p14:creationId xmlns:p14="http://schemas.microsoft.com/office/powerpoint/2010/main" val="2033124094"/>
       </p:ext>
     </p:extLst>
   </p:cSld>
@@ -5585,6 +5690,36 @@
           <a:chExt cx="0" cy="0"/>
         </a:xfrm>
       </p:grpSpPr>
+      <p:pic>
+        <p:nvPicPr>
+          <p:cNvPr id="3" name="Picture 2">
+            <a:extLst>
+              <a:ext uri="{FF2B5EF4-FFF2-40B4-BE49-F238E27FC236}">
+                <a16:creationId xmlns:a16="http://schemas.microsoft.com/office/drawing/2014/main" id="{849923BE-2873-0647-BFE0-81A3EE2D1AC8}"/>
+              </a:ext>
+            </a:extLst>
+          </p:cNvPr>
+          <p:cNvPicPr>
+            <a:picLocks noChangeAspect="1"/>
+          </p:cNvPicPr>
+          <p:nvPr/>
+        </p:nvPicPr>
+        <p:blipFill>
+          <a:blip r:embed="rId2"/>
+          <a:stretch>
+            <a:fillRect/>
+          </a:stretch>
+        </p:blipFill>
+        <p:spPr>
+          <a:xfrm>
+            <a:off x="9768589" y="257826"/>
+            <a:ext cx="1623176" cy="1859889"/>
+          </a:xfrm>
+          <a:prstGeom prst="rect">
+            <a:avLst/>
+          </a:prstGeom>
+        </p:spPr>
+      </p:pic>
       <p:sp>
         <p:nvSpPr>
           <p:cNvPr id="6" name="Rectangle 5">
@@ -5599,7 +5734,7 @@
         </p:nvSpPr>
         <p:spPr>
           <a:xfrm>
-            <a:off x="269915" y="220407"/>
+            <a:off x="408921" y="257826"/>
             <a:ext cx="5065303" cy="889856"/>
           </a:xfrm>
           <a:prstGeom prst="rect">
@@ -5623,7 +5758,7 @@
           <a:bodyPr rtlCol="0" anchor="ctr"/>
           <a:lstStyle/>
           <a:p>
-            <a:pPr algn="ctr">
+            <a:pPr>
               <a:defRPr/>
             </a:pPr>
             <a:r>
@@ -5648,12 +5783,82 @@
           </a:p>
         </p:txBody>
       </p:sp>
+      <p:sp>
+        <p:nvSpPr>
+          <p:cNvPr id="16" name="TextBox 15">
+            <a:extLst>
+              <a:ext uri="{FF2B5EF4-FFF2-40B4-BE49-F238E27FC236}">
+                <a16:creationId xmlns:a16="http://schemas.microsoft.com/office/drawing/2014/main" id="{791328B2-E4F8-DE41-8601-C4EDD20E7335}"/>
+              </a:ext>
+            </a:extLst>
+          </p:cNvPr>
+          <p:cNvSpPr txBox="1"/>
+          <p:nvPr/>
+        </p:nvSpPr>
+        <p:spPr>
+          <a:xfrm>
+            <a:off x="838199" y="5892581"/>
+            <a:ext cx="1776833" cy="646331"/>
+          </a:xfrm>
+          <a:prstGeom prst="rect">
+            <a:avLst/>
+          </a:prstGeom>
+          <a:noFill/>
+        </p:spPr>
+        <p:txBody>
+          <a:bodyPr wrap="none" rtlCol="0">
+            <a:spAutoFit/>
+          </a:bodyPr>
+          <a:lstStyle/>
+          <a:p>
+            <a:r>
+              <a:rPr lang="en-VN" b="1" dirty="0"/>
+              <a:t>CLASS DIAGRAM</a:t>
+            </a:r>
+          </a:p>
+          <a:p>
+            <a:r>
+              <a:rPr lang="en-VN" b="1" dirty="0"/>
+              <a:t>TỔNG QUAN</a:t>
+            </a:r>
+          </a:p>
+        </p:txBody>
+      </p:sp>
+      <p:sp>
+        <p:nvSpPr>
+          <p:cNvPr id="4" name="Slide Number Placeholder 3">
+            <a:extLst>
+              <a:ext uri="{FF2B5EF4-FFF2-40B4-BE49-F238E27FC236}">
+                <a16:creationId xmlns:a16="http://schemas.microsoft.com/office/drawing/2014/main" id="{518DDF1E-6DFC-47E8-AB85-7DA54E585A55}"/>
+              </a:ext>
+            </a:extLst>
+          </p:cNvPr>
+          <p:cNvSpPr>
+            <a:spLocks noGrp="1"/>
+          </p:cNvSpPr>
+          <p:nvPr>
+            <p:ph type="sldNum" sz="quarter" idx="12"/>
+          </p:nvPr>
+        </p:nvSpPr>
+        <p:spPr/>
+        <p:txBody>
+          <a:bodyPr/>
+          <a:lstStyle/>
+          <a:p>
+            <a:fld id="{E9AE0C10-0EF1-C246-872D-CC0E704EB9A9}" type="slidenum">
+              <a:rPr lang="en-VN" smtClean="0"/>
+              <a:t>14</a:t>
+            </a:fld>
+            <a:endParaRPr lang="en-VN"/>
+          </a:p>
+        </p:txBody>
+      </p:sp>
       <p:pic>
         <p:nvPicPr>
-          <p:cNvPr id="8" name="Picture 7">
-            <a:extLst>
-              <a:ext uri="{FF2B5EF4-FFF2-40B4-BE49-F238E27FC236}">
-                <a16:creationId xmlns:a16="http://schemas.microsoft.com/office/drawing/2014/main" id="{BF340165-9EBC-4025-9CFC-2DF781D68B6B}"/>
+          <p:cNvPr id="5" name="Picture 4">
+            <a:extLst>
+              <a:ext uri="{FF2B5EF4-FFF2-40B4-BE49-F238E27FC236}">
+                <a16:creationId xmlns:a16="http://schemas.microsoft.com/office/drawing/2014/main" id="{69917B15-143E-154E-9563-744FFEAA58A0}"/>
               </a:ext>
             </a:extLst>
           </p:cNvPr>
@@ -5663,131 +5868,25 @@
           <p:nvPr/>
         </p:nvPicPr>
         <p:blipFill>
-          <a:blip r:embed="rId2"/>
+          <a:blip r:embed="rId3"/>
           <a:stretch>
             <a:fillRect/>
           </a:stretch>
         </p:blipFill>
         <p:spPr>
           <a:xfrm>
-            <a:off x="10449732" y="132975"/>
-            <a:ext cx="1380660" cy="1582006"/>
+            <a:off x="2941573" y="1009077"/>
+            <a:ext cx="6308853" cy="5848923"/>
           </a:xfrm>
           <a:prstGeom prst="rect">
             <a:avLst/>
           </a:prstGeom>
         </p:spPr>
       </p:pic>
-      <p:sp>
-        <p:nvSpPr>
-          <p:cNvPr id="3" name="Slide Number Placeholder 2">
-            <a:extLst>
-              <a:ext uri="{FF2B5EF4-FFF2-40B4-BE49-F238E27FC236}">
-                <a16:creationId xmlns:a16="http://schemas.microsoft.com/office/drawing/2014/main" id="{1979CED1-C2CD-4B39-859B-CCCE6A997E79}"/>
-              </a:ext>
-            </a:extLst>
-          </p:cNvPr>
-          <p:cNvSpPr>
-            <a:spLocks noGrp="1"/>
-          </p:cNvSpPr>
-          <p:nvPr>
-            <p:ph type="sldNum" sz="quarter" idx="12"/>
-          </p:nvPr>
-        </p:nvSpPr>
-        <p:spPr/>
-        <p:txBody>
-          <a:bodyPr/>
-          <a:lstStyle/>
-          <a:p>
-            <a:fld id="{E9AE0C10-0EF1-C246-872D-CC0E704EB9A9}" type="slidenum">
-              <a:rPr lang="en-VN" smtClean="0"/>
-              <a:t>14</a:t>
-            </a:fld>
-            <a:endParaRPr lang="en-VN"/>
-          </a:p>
-        </p:txBody>
-      </p:sp>
-      <p:pic>
-        <p:nvPicPr>
-          <p:cNvPr id="9" name="Picture 8">
-            <a:extLst>
-              <a:ext uri="{FF2B5EF4-FFF2-40B4-BE49-F238E27FC236}">
-                <a16:creationId xmlns:a16="http://schemas.microsoft.com/office/drawing/2014/main" id="{CD7C1A12-22A2-7C4A-A07B-88855C9047F6}"/>
-              </a:ext>
-            </a:extLst>
-          </p:cNvPr>
-          <p:cNvPicPr/>
-          <p:nvPr/>
-        </p:nvPicPr>
-        <p:blipFill>
-          <a:blip r:embed="rId3">
-            <a:extLst>
-              <a:ext uri="{28A0092B-C50C-407E-A947-70E740481C1C}">
-                <a14:useLocalDpi xmlns:a14="http://schemas.microsoft.com/office/drawing/2010/main" val="0"/>
-              </a:ext>
-            </a:extLst>
-          </a:blip>
-          <a:stretch>
-            <a:fillRect/>
-          </a:stretch>
-        </p:blipFill>
-        <p:spPr>
-          <a:xfrm>
-            <a:off x="3176324" y="1110263"/>
-            <a:ext cx="7360920" cy="5168702"/>
-          </a:xfrm>
-          <a:prstGeom prst="rect">
-            <a:avLst/>
-          </a:prstGeom>
-        </p:spPr>
-      </p:pic>
-      <p:sp>
-        <p:nvSpPr>
-          <p:cNvPr id="7" name="TextBox 6">
-            <a:extLst>
-              <a:ext uri="{FF2B5EF4-FFF2-40B4-BE49-F238E27FC236}">
-                <a16:creationId xmlns:a16="http://schemas.microsoft.com/office/drawing/2014/main" id="{8111DE63-D119-354C-911A-6F4017EAA75F}"/>
-              </a:ext>
-            </a:extLst>
-          </p:cNvPr>
-          <p:cNvSpPr txBox="1"/>
-          <p:nvPr/>
-        </p:nvSpPr>
-        <p:spPr>
-          <a:xfrm>
-            <a:off x="269915" y="5286072"/>
-            <a:ext cx="3311486" cy="923330"/>
-          </a:xfrm>
-          <a:prstGeom prst="rect">
-            <a:avLst/>
-          </a:prstGeom>
-          <a:solidFill>
-            <a:schemeClr val="bg1"/>
-          </a:solidFill>
-        </p:spPr>
-        <p:txBody>
-          <a:bodyPr wrap="square" rtlCol="0">
-            <a:spAutoFit/>
-          </a:bodyPr>
-          <a:lstStyle/>
-          <a:p>
-            <a:r>
-              <a:rPr lang="en-US" b="1" dirty="0"/>
-              <a:t>BIỂU ĐỒ CỤ THỂ MỐI QUAN HỆ GIỮA CÁC LỚP</a:t>
-            </a:r>
-          </a:p>
-          <a:p>
-            <a:r>
-              <a:rPr lang="en-US" b="1" dirty="0"/>
-              <a:t>[ PACKAGE INTERFACE-QUẢN LÝ ]</a:t>
-            </a:r>
-          </a:p>
-        </p:txBody>
-      </p:sp>
     </p:spTree>
     <p:extLst>
       <p:ext uri="{BB962C8B-B14F-4D97-AF65-F5344CB8AC3E}">
-        <p14:creationId xmlns:p14="http://schemas.microsoft.com/office/powerpoint/2010/main" val="4143834433"/>
+        <p14:creationId xmlns:p14="http://schemas.microsoft.com/office/powerpoint/2010/main" val="1963631301"/>
       </p:ext>
     </p:extLst>
   </p:cSld>
@@ -5828,7 +5927,7 @@
         </p:nvSpPr>
         <p:spPr>
           <a:xfrm>
-            <a:off x="269915" y="220407"/>
+            <a:off x="559282" y="270920"/>
             <a:ext cx="5065303" cy="889856"/>
           </a:xfrm>
           <a:prstGeom prst="rect">
@@ -5852,7 +5951,7 @@
           <a:bodyPr rtlCol="0" anchor="ctr"/>
           <a:lstStyle/>
           <a:p>
-            <a:pPr algn="ctr">
+            <a:pPr>
               <a:defRPr/>
             </a:pPr>
             <a:r>
@@ -5879,10 +5978,10 @@
       </p:sp>
       <p:pic>
         <p:nvPicPr>
-          <p:cNvPr id="4" name="Picture 3">
-            <a:extLst>
-              <a:ext uri="{FF2B5EF4-FFF2-40B4-BE49-F238E27FC236}">
-                <a16:creationId xmlns:a16="http://schemas.microsoft.com/office/drawing/2014/main" id="{709B5B5B-0B67-F54B-A6C7-CDE32D310809}"/>
+          <p:cNvPr id="8" name="Picture 7">
+            <a:extLst>
+              <a:ext uri="{FF2B5EF4-FFF2-40B4-BE49-F238E27FC236}">
+                <a16:creationId xmlns:a16="http://schemas.microsoft.com/office/drawing/2014/main" id="{02625421-E35E-4097-A4EB-00E64E2DD88C}"/>
               </a:ext>
             </a:extLst>
           </p:cNvPr>
@@ -5899,6 +5998,463 @@
         </p:blipFill>
         <p:spPr>
           <a:xfrm>
+            <a:off x="10449732" y="132975"/>
+            <a:ext cx="1380660" cy="1582006"/>
+          </a:xfrm>
+          <a:prstGeom prst="rect">
+            <a:avLst/>
+          </a:prstGeom>
+        </p:spPr>
+      </p:pic>
+      <p:sp>
+        <p:nvSpPr>
+          <p:cNvPr id="3" name="Slide Number Placeholder 2">
+            <a:extLst>
+              <a:ext uri="{FF2B5EF4-FFF2-40B4-BE49-F238E27FC236}">
+                <a16:creationId xmlns:a16="http://schemas.microsoft.com/office/drawing/2014/main" id="{BB893117-B2FB-4649-A5EE-62A6511B8267}"/>
+              </a:ext>
+            </a:extLst>
+          </p:cNvPr>
+          <p:cNvSpPr>
+            <a:spLocks noGrp="1"/>
+          </p:cNvSpPr>
+          <p:nvPr>
+            <p:ph type="sldNum" sz="quarter" idx="12"/>
+          </p:nvPr>
+        </p:nvSpPr>
+        <p:spPr/>
+        <p:txBody>
+          <a:bodyPr/>
+          <a:lstStyle/>
+          <a:p>
+            <a:fld id="{E9AE0C10-0EF1-C246-872D-CC0E704EB9A9}" type="slidenum">
+              <a:rPr lang="en-VN" smtClean="0"/>
+              <a:t>15</a:t>
+            </a:fld>
+            <a:endParaRPr lang="en-VN"/>
+          </a:p>
+        </p:txBody>
+      </p:sp>
+      <p:pic>
+        <p:nvPicPr>
+          <p:cNvPr id="9" name="Picture 8">
+            <a:extLst>
+              <a:ext uri="{FF2B5EF4-FFF2-40B4-BE49-F238E27FC236}">
+                <a16:creationId xmlns:a16="http://schemas.microsoft.com/office/drawing/2014/main" id="{4E31FC5B-9775-8D4C-82A5-9EA19D5E2061}"/>
+              </a:ext>
+            </a:extLst>
+          </p:cNvPr>
+          <p:cNvPicPr/>
+          <p:nvPr/>
+        </p:nvPicPr>
+        <p:blipFill>
+          <a:blip r:embed="rId3">
+            <a:extLst>
+              <a:ext uri="{28A0092B-C50C-407E-A947-70E740481C1C}">
+                <a14:useLocalDpi xmlns:a14="http://schemas.microsoft.com/office/drawing/2010/main" val="0"/>
+              </a:ext>
+            </a:extLst>
+          </a:blip>
+          <a:stretch>
+            <a:fillRect/>
+          </a:stretch>
+        </p:blipFill>
+        <p:spPr>
+          <a:xfrm>
+            <a:off x="3566160" y="1201421"/>
+            <a:ext cx="6640830" cy="5154929"/>
+          </a:xfrm>
+          <a:prstGeom prst="rect">
+            <a:avLst/>
+          </a:prstGeom>
+        </p:spPr>
+      </p:pic>
+      <p:sp>
+        <p:nvSpPr>
+          <p:cNvPr id="7" name="TextBox 6">
+            <a:extLst>
+              <a:ext uri="{FF2B5EF4-FFF2-40B4-BE49-F238E27FC236}">
+                <a16:creationId xmlns:a16="http://schemas.microsoft.com/office/drawing/2014/main" id="{E248EB28-EEE3-0D43-9CCF-0C1A4EF557BF}"/>
+              </a:ext>
+            </a:extLst>
+          </p:cNvPr>
+          <p:cNvSpPr txBox="1"/>
+          <p:nvPr/>
+        </p:nvSpPr>
+        <p:spPr>
+          <a:xfrm>
+            <a:off x="191716" y="5433020"/>
+            <a:ext cx="3586588" cy="923330"/>
+          </a:xfrm>
+          <a:prstGeom prst="rect">
+            <a:avLst/>
+          </a:prstGeom>
+          <a:noFill/>
+        </p:spPr>
+        <p:txBody>
+          <a:bodyPr wrap="square" rtlCol="0">
+            <a:spAutoFit/>
+          </a:bodyPr>
+          <a:lstStyle/>
+          <a:p>
+            <a:r>
+              <a:rPr lang="en-US" b="1" dirty="0"/>
+              <a:t>BIỂU ĐỒ CỤ THỂ MỐI QUAN HỆ GIỮA CÁC LỚP </a:t>
+            </a:r>
+          </a:p>
+          <a:p>
+            <a:r>
+              <a:rPr lang="en-US" b="1" dirty="0"/>
+              <a:t>[ PACKAGE INTERFACE-BÁN HÀNG ] </a:t>
+            </a:r>
+            <a:endParaRPr lang="en-VN" b="1" dirty="0"/>
+          </a:p>
+        </p:txBody>
+      </p:sp>
+    </p:spTree>
+    <p:extLst>
+      <p:ext uri="{BB962C8B-B14F-4D97-AF65-F5344CB8AC3E}">
+        <p14:creationId xmlns:p14="http://schemas.microsoft.com/office/powerpoint/2010/main" val="3147069618"/>
+      </p:ext>
+    </p:extLst>
+  </p:cSld>
+  <p:clrMapOvr>
+    <a:masterClrMapping/>
+  </p:clrMapOvr>
+</p:sld>
+</file>
+
+<file path=ppt/slides/slide16.xml><?xml version="1.0" encoding="utf-8"?>
+<p:sld xmlns:a="http://schemas.openxmlformats.org/drawingml/2006/main" xmlns:r="http://schemas.openxmlformats.org/officeDocument/2006/relationships" xmlns:p="http://schemas.openxmlformats.org/presentationml/2006/main">
+  <p:cSld>
+    <p:spTree>
+      <p:nvGrpSpPr>
+        <p:cNvPr id="1" name=""/>
+        <p:cNvGrpSpPr/>
+        <p:nvPr/>
+      </p:nvGrpSpPr>
+      <p:grpSpPr>
+        <a:xfrm>
+          <a:off x="0" y="0"/>
+          <a:ext cx="0" cy="0"/>
+          <a:chOff x="0" y="0"/>
+          <a:chExt cx="0" cy="0"/>
+        </a:xfrm>
+      </p:grpSpPr>
+      <p:sp>
+        <p:nvSpPr>
+          <p:cNvPr id="6" name="Rectangle 5">
+            <a:extLst>
+              <a:ext uri="{FF2B5EF4-FFF2-40B4-BE49-F238E27FC236}">
+                <a16:creationId xmlns:a16="http://schemas.microsoft.com/office/drawing/2014/main" id="{FE2B29CF-C549-E64C-B9A1-BEB338493485}"/>
+              </a:ext>
+            </a:extLst>
+          </p:cNvPr>
+          <p:cNvSpPr/>
+          <p:nvPr/>
+        </p:nvSpPr>
+        <p:spPr>
+          <a:xfrm>
+            <a:off x="643672" y="220407"/>
+            <a:ext cx="5065303" cy="889856"/>
+          </a:xfrm>
+          <a:prstGeom prst="rect">
+            <a:avLst/>
+          </a:prstGeom>
+          <a:noFill/>
+          <a:ln w="12700" cap="flat" cmpd="sng" algn="ctr">
+            <a:noFill/>
+            <a:prstDash val="solid"/>
+            <a:miter lim="800000"/>
+          </a:ln>
+          <a:effectLst>
+            <a:outerShdw blurRad="50800" dist="50800" dir="5400000" algn="ctr" rotWithShape="0">
+              <a:srgbClr val="000000">
+                <a:alpha val="8000"/>
+              </a:srgbClr>
+            </a:outerShdw>
+          </a:effectLst>
+        </p:spPr>
+        <p:txBody>
+          <a:bodyPr rtlCol="0" anchor="ctr"/>
+          <a:lstStyle/>
+          <a:p>
+            <a:pPr>
+              <a:defRPr/>
+            </a:pPr>
+            <a:r>
+              <a:rPr lang="en-US" sz="3200" b="1" kern="0" spc="300" dirty="0">
+                <a:solidFill>
+                  <a:srgbClr val="E7E6E6">
+                    <a:lumMod val="10000"/>
+                  </a:srgbClr>
+                </a:solidFill>
+                <a:effectLst>
+                  <a:outerShdw blurRad="38100" dist="38100" dir="2700000" algn="tl">
+                    <a:srgbClr val="000000">
+                      <a:alpha val="43137"/>
+                    </a:srgbClr>
+                  </a:outerShdw>
+                </a:effectLst>
+                <a:latin typeface=".VnCourier New" panose="02027200000000000000" pitchFamily="18" charset="0"/>
+                <a:cs typeface="Courier New" panose="02070309020205020404" pitchFamily="49" charset="0"/>
+              </a:rPr>
+              <a:t>BIỂU ĐỒ LỚP</a:t>
+            </a:r>
+          </a:p>
+        </p:txBody>
+      </p:sp>
+      <p:pic>
+        <p:nvPicPr>
+          <p:cNvPr id="8" name="Picture 7">
+            <a:extLst>
+              <a:ext uri="{FF2B5EF4-FFF2-40B4-BE49-F238E27FC236}">
+                <a16:creationId xmlns:a16="http://schemas.microsoft.com/office/drawing/2014/main" id="{BF340165-9EBC-4025-9CFC-2DF781D68B6B}"/>
+              </a:ext>
+            </a:extLst>
+          </p:cNvPr>
+          <p:cNvPicPr>
+            <a:picLocks noChangeAspect="1"/>
+          </p:cNvPicPr>
+          <p:nvPr/>
+        </p:nvPicPr>
+        <p:blipFill>
+          <a:blip r:embed="rId2"/>
+          <a:stretch>
+            <a:fillRect/>
+          </a:stretch>
+        </p:blipFill>
+        <p:spPr>
+          <a:xfrm>
+            <a:off x="10449732" y="132975"/>
+            <a:ext cx="1380660" cy="1582006"/>
+          </a:xfrm>
+          <a:prstGeom prst="rect">
+            <a:avLst/>
+          </a:prstGeom>
+        </p:spPr>
+      </p:pic>
+      <p:sp>
+        <p:nvSpPr>
+          <p:cNvPr id="3" name="Slide Number Placeholder 2">
+            <a:extLst>
+              <a:ext uri="{FF2B5EF4-FFF2-40B4-BE49-F238E27FC236}">
+                <a16:creationId xmlns:a16="http://schemas.microsoft.com/office/drawing/2014/main" id="{1979CED1-C2CD-4B39-859B-CCCE6A997E79}"/>
+              </a:ext>
+            </a:extLst>
+          </p:cNvPr>
+          <p:cNvSpPr>
+            <a:spLocks noGrp="1"/>
+          </p:cNvSpPr>
+          <p:nvPr>
+            <p:ph type="sldNum" sz="quarter" idx="12"/>
+          </p:nvPr>
+        </p:nvSpPr>
+        <p:spPr/>
+        <p:txBody>
+          <a:bodyPr/>
+          <a:lstStyle/>
+          <a:p>
+            <a:fld id="{E9AE0C10-0EF1-C246-872D-CC0E704EB9A9}" type="slidenum">
+              <a:rPr lang="en-VN" smtClean="0"/>
+              <a:t>16</a:t>
+            </a:fld>
+            <a:endParaRPr lang="en-VN"/>
+          </a:p>
+        </p:txBody>
+      </p:sp>
+      <p:pic>
+        <p:nvPicPr>
+          <p:cNvPr id="9" name="Picture 8">
+            <a:extLst>
+              <a:ext uri="{FF2B5EF4-FFF2-40B4-BE49-F238E27FC236}">
+                <a16:creationId xmlns:a16="http://schemas.microsoft.com/office/drawing/2014/main" id="{CD7C1A12-22A2-7C4A-A07B-88855C9047F6}"/>
+              </a:ext>
+            </a:extLst>
+          </p:cNvPr>
+          <p:cNvPicPr/>
+          <p:nvPr/>
+        </p:nvPicPr>
+        <p:blipFill>
+          <a:blip r:embed="rId3">
+            <a:extLst>
+              <a:ext uri="{28A0092B-C50C-407E-A947-70E740481C1C}">
+                <a14:useLocalDpi xmlns:a14="http://schemas.microsoft.com/office/drawing/2010/main" val="0"/>
+              </a:ext>
+            </a:extLst>
+          </a:blip>
+          <a:stretch>
+            <a:fillRect/>
+          </a:stretch>
+        </p:blipFill>
+        <p:spPr>
+          <a:xfrm>
+            <a:off x="3176324" y="1110263"/>
+            <a:ext cx="7360920" cy="5168702"/>
+          </a:xfrm>
+          <a:prstGeom prst="rect">
+            <a:avLst/>
+          </a:prstGeom>
+        </p:spPr>
+      </p:pic>
+      <p:sp>
+        <p:nvSpPr>
+          <p:cNvPr id="7" name="TextBox 6">
+            <a:extLst>
+              <a:ext uri="{FF2B5EF4-FFF2-40B4-BE49-F238E27FC236}">
+                <a16:creationId xmlns:a16="http://schemas.microsoft.com/office/drawing/2014/main" id="{8111DE63-D119-354C-911A-6F4017EAA75F}"/>
+              </a:ext>
+            </a:extLst>
+          </p:cNvPr>
+          <p:cNvSpPr txBox="1"/>
+          <p:nvPr/>
+        </p:nvSpPr>
+        <p:spPr>
+          <a:xfrm>
+            <a:off x="269915" y="5078636"/>
+            <a:ext cx="2906409" cy="1200329"/>
+          </a:xfrm>
+          <a:prstGeom prst="rect">
+            <a:avLst/>
+          </a:prstGeom>
+          <a:solidFill>
+            <a:schemeClr val="bg1"/>
+          </a:solidFill>
+        </p:spPr>
+        <p:txBody>
+          <a:bodyPr wrap="square" rtlCol="0">
+            <a:spAutoFit/>
+          </a:bodyPr>
+          <a:lstStyle/>
+          <a:p>
+            <a:r>
+              <a:rPr lang="en-US" b="1" dirty="0"/>
+              <a:t>BIỂU ĐỒ CỤ THỂ MỐI QUAN HỆ GIỮA CÁC LỚP</a:t>
+            </a:r>
+          </a:p>
+          <a:p>
+            <a:r>
+              <a:rPr lang="en-US" b="1" dirty="0"/>
+              <a:t>[ PACKAGE INTERFACE-QUẢN LÝ ]</a:t>
+            </a:r>
+          </a:p>
+        </p:txBody>
+      </p:sp>
+    </p:spTree>
+    <p:extLst>
+      <p:ext uri="{BB962C8B-B14F-4D97-AF65-F5344CB8AC3E}">
+        <p14:creationId xmlns:p14="http://schemas.microsoft.com/office/powerpoint/2010/main" val="4143834433"/>
+      </p:ext>
+    </p:extLst>
+  </p:cSld>
+  <p:clrMapOvr>
+    <a:masterClrMapping/>
+  </p:clrMapOvr>
+</p:sld>
+</file>
+
+<file path=ppt/slides/slide17.xml><?xml version="1.0" encoding="utf-8"?>
+<p:sld xmlns:a="http://schemas.openxmlformats.org/drawingml/2006/main" xmlns:r="http://schemas.openxmlformats.org/officeDocument/2006/relationships" xmlns:p="http://schemas.openxmlformats.org/presentationml/2006/main">
+  <p:cSld>
+    <p:spTree>
+      <p:nvGrpSpPr>
+        <p:cNvPr id="1" name=""/>
+        <p:cNvGrpSpPr/>
+        <p:nvPr/>
+      </p:nvGrpSpPr>
+      <p:grpSpPr>
+        <a:xfrm>
+          <a:off x="0" y="0"/>
+          <a:ext cx="0" cy="0"/>
+          <a:chOff x="0" y="0"/>
+          <a:chExt cx="0" cy="0"/>
+        </a:xfrm>
+      </p:grpSpPr>
+      <p:sp>
+        <p:nvSpPr>
+          <p:cNvPr id="6" name="Rectangle 5">
+            <a:extLst>
+              <a:ext uri="{FF2B5EF4-FFF2-40B4-BE49-F238E27FC236}">
+                <a16:creationId xmlns:a16="http://schemas.microsoft.com/office/drawing/2014/main" id="{FE2B29CF-C549-E64C-B9A1-BEB338493485}"/>
+              </a:ext>
+            </a:extLst>
+          </p:cNvPr>
+          <p:cNvSpPr/>
+          <p:nvPr/>
+        </p:nvSpPr>
+        <p:spPr>
+          <a:xfrm>
+            <a:off x="536133" y="220407"/>
+            <a:ext cx="5065303" cy="889856"/>
+          </a:xfrm>
+          <a:prstGeom prst="rect">
+            <a:avLst/>
+          </a:prstGeom>
+          <a:noFill/>
+          <a:ln w="12700" cap="flat" cmpd="sng" algn="ctr">
+            <a:noFill/>
+            <a:prstDash val="solid"/>
+            <a:miter lim="800000"/>
+          </a:ln>
+          <a:effectLst>
+            <a:outerShdw blurRad="50800" dist="50800" dir="5400000" algn="ctr" rotWithShape="0">
+              <a:srgbClr val="000000">
+                <a:alpha val="8000"/>
+              </a:srgbClr>
+            </a:outerShdw>
+          </a:effectLst>
+        </p:spPr>
+        <p:txBody>
+          <a:bodyPr rtlCol="0" anchor="ctr"/>
+          <a:lstStyle/>
+          <a:p>
+            <a:pPr>
+              <a:defRPr/>
+            </a:pPr>
+            <a:r>
+              <a:rPr lang="en-US" sz="3200" b="1" kern="0" spc="300" dirty="0">
+                <a:solidFill>
+                  <a:srgbClr val="E7E6E6">
+                    <a:lumMod val="10000"/>
+                  </a:srgbClr>
+                </a:solidFill>
+                <a:effectLst>
+                  <a:outerShdw blurRad="38100" dist="38100" dir="2700000" algn="tl">
+                    <a:srgbClr val="000000">
+                      <a:alpha val="43137"/>
+                    </a:srgbClr>
+                  </a:outerShdw>
+                </a:effectLst>
+                <a:latin typeface=".VnCourier New" panose="02027200000000000000" pitchFamily="18" charset="0"/>
+                <a:cs typeface="Courier New" panose="02070309020205020404" pitchFamily="49" charset="0"/>
+              </a:rPr>
+              <a:t>BIỂU ĐỒ LỚP</a:t>
+            </a:r>
+          </a:p>
+        </p:txBody>
+      </p:sp>
+      <p:pic>
+        <p:nvPicPr>
+          <p:cNvPr id="4" name="Picture 3">
+            <a:extLst>
+              <a:ext uri="{FF2B5EF4-FFF2-40B4-BE49-F238E27FC236}">
+                <a16:creationId xmlns:a16="http://schemas.microsoft.com/office/drawing/2014/main" id="{709B5B5B-0B67-F54B-A6C7-CDE32D310809}"/>
+              </a:ext>
+            </a:extLst>
+          </p:cNvPr>
+          <p:cNvPicPr>
+            <a:picLocks noChangeAspect="1"/>
+          </p:cNvPicPr>
+          <p:nvPr/>
+        </p:nvPicPr>
+        <p:blipFill>
+          <a:blip r:embed="rId2"/>
+          <a:stretch>
+            <a:fillRect/>
+          </a:stretch>
+        </p:blipFill>
+        <p:spPr>
+          <a:xfrm>
             <a:off x="2581926" y="1110263"/>
             <a:ext cx="7300963" cy="5389843"/>
           </a:xfrm>
@@ -6001,7 +6557,7 @@
           <a:p>
             <a:fld id="{E9AE0C10-0EF1-C246-872D-CC0E704EB9A9}" type="slidenum">
               <a:rPr lang="en-VN" smtClean="0"/>
-              <a:t>15</a:t>
+              <a:t>17</a:t>
             </a:fld>
             <a:endParaRPr lang="en-VN"/>
           </a:p>
@@ -6020,7 +6576,7 @@
 </p:sld>
 </file>
 
-<file path=ppt/slides/slide16.xml><?xml version="1.0" encoding="utf-8"?>
+<file path=ppt/slides/slide18.xml><?xml version="1.0" encoding="utf-8"?>
 <p:sld xmlns:a="http://schemas.openxmlformats.org/drawingml/2006/main" xmlns:r="http://schemas.openxmlformats.org/officeDocument/2006/relationships" xmlns:p="http://schemas.openxmlformats.org/presentationml/2006/main">
   <p:cSld>
     <p:bg>
@@ -7729,7 +8285,7 @@
           <a:p>
             <a:fld id="{E9AE0C10-0EF1-C246-872D-CC0E704EB9A9}" type="slidenum">
               <a:rPr lang="en-VN" smtClean="0"/>
-              <a:t>16</a:t>
+              <a:t>18</a:t>
             </a:fld>
             <a:endParaRPr lang="en-VN"/>
           </a:p>
@@ -7748,7 +8304,7 @@
 </p:sld>
 </file>
 
-<file path=ppt/slides/slide17.xml><?xml version="1.0" encoding="utf-8"?>
+<file path=ppt/slides/slide19.xml><?xml version="1.0" encoding="utf-8"?>
 <p:sld xmlns:a="http://schemas.openxmlformats.org/drawingml/2006/main" xmlns:r="http://schemas.openxmlformats.org/officeDocument/2006/relationships" xmlns:p="http://schemas.openxmlformats.org/presentationml/2006/main">
   <p:cSld>
     <p:spTree>
@@ -7881,7 +8437,7 @@
           <a:p>
             <a:fld id="{E9AE0C10-0EF1-C246-872D-CC0E704EB9A9}" type="slidenum">
               <a:rPr lang="en-VN" smtClean="0"/>
-              <a:t>17</a:t>
+              <a:t>19</a:t>
             </a:fld>
             <a:endParaRPr lang="en-VN"/>
           </a:p>
@@ -8954,6 +9510,375 @@
 <file path=ppt/slides/slide3.xml><?xml version="1.0" encoding="utf-8"?>
 <p:sld xmlns:a="http://schemas.openxmlformats.org/drawingml/2006/main" xmlns:r="http://schemas.openxmlformats.org/officeDocument/2006/relationships" xmlns:p="http://schemas.openxmlformats.org/presentationml/2006/main">
   <p:cSld>
+    <p:spTree>
+      <p:nvGrpSpPr>
+        <p:cNvPr id="1" name=""/>
+        <p:cNvGrpSpPr/>
+        <p:nvPr/>
+      </p:nvGrpSpPr>
+      <p:grpSpPr>
+        <a:xfrm>
+          <a:off x="0" y="0"/>
+          <a:ext cx="0" cy="0"/>
+          <a:chOff x="0" y="0"/>
+          <a:chExt cx="0" cy="0"/>
+        </a:xfrm>
+      </p:grpSpPr>
+      <p:sp>
+        <p:nvSpPr>
+          <p:cNvPr id="6" name="Rectangle 5">
+            <a:extLst>
+              <a:ext uri="{FF2B5EF4-FFF2-40B4-BE49-F238E27FC236}">
+                <a16:creationId xmlns:a16="http://schemas.microsoft.com/office/drawing/2014/main" id="{FE2B29CF-C549-E64C-B9A1-BEB338493485}"/>
+              </a:ext>
+            </a:extLst>
+          </p:cNvPr>
+          <p:cNvSpPr/>
+          <p:nvPr/>
+        </p:nvSpPr>
+        <p:spPr>
+          <a:xfrm>
+            <a:off x="361608" y="254502"/>
+            <a:ext cx="5306128" cy="889856"/>
+          </a:xfrm>
+          <a:prstGeom prst="rect">
+            <a:avLst/>
+          </a:prstGeom>
+          <a:noFill/>
+          <a:ln w="12700" cap="flat" cmpd="sng" algn="ctr">
+            <a:noFill/>
+            <a:prstDash val="solid"/>
+            <a:miter lim="800000"/>
+          </a:ln>
+          <a:effectLst>
+            <a:outerShdw blurRad="50800" dist="50800" dir="5400000" algn="ctr" rotWithShape="0">
+              <a:srgbClr val="000000">
+                <a:alpha val="8000"/>
+              </a:srgbClr>
+            </a:outerShdw>
+          </a:effectLst>
+        </p:spPr>
+        <p:txBody>
+          <a:bodyPr rtlCol="0" anchor="ctr"/>
+          <a:lstStyle/>
+          <a:p>
+            <a:pPr algn="ctr">
+              <a:defRPr/>
+            </a:pPr>
+            <a:r>
+              <a:rPr lang="en-US" sz="3200" b="1" kern="0" spc="300" dirty="0">
+                <a:solidFill>
+                  <a:srgbClr val="E7E6E6">
+                    <a:lumMod val="10000"/>
+                  </a:srgbClr>
+                </a:solidFill>
+                <a:effectLst>
+                  <a:outerShdw blurRad="38100" dist="38100" dir="2700000" algn="tl">
+                    <a:srgbClr val="000000">
+                      <a:alpha val="43137"/>
+                    </a:srgbClr>
+                  </a:outerShdw>
+                </a:effectLst>
+                <a:latin typeface=".VnCourier New" panose="02027200000000000000" pitchFamily="18" charset="0"/>
+                <a:cs typeface="Courier New" panose="02070309020205020404" pitchFamily="49" charset="0"/>
+              </a:rPr>
+              <a:t>LÝ DO LỰA CHỌN ĐỀ TÀI</a:t>
+            </a:r>
+          </a:p>
+        </p:txBody>
+      </p:sp>
+      <p:pic>
+        <p:nvPicPr>
+          <p:cNvPr id="7" name="Picture 6">
+            <a:extLst>
+              <a:ext uri="{FF2B5EF4-FFF2-40B4-BE49-F238E27FC236}">
+                <a16:creationId xmlns:a16="http://schemas.microsoft.com/office/drawing/2014/main" id="{A882591C-3C01-4971-AD56-05F54BD2D904}"/>
+              </a:ext>
+            </a:extLst>
+          </p:cNvPr>
+          <p:cNvPicPr>
+            <a:picLocks noChangeAspect="1"/>
+          </p:cNvPicPr>
+          <p:nvPr/>
+        </p:nvPicPr>
+        <p:blipFill>
+          <a:blip r:embed="rId2"/>
+          <a:stretch>
+            <a:fillRect/>
+          </a:stretch>
+        </p:blipFill>
+        <p:spPr>
+          <a:xfrm>
+            <a:off x="10449732" y="132975"/>
+            <a:ext cx="1380660" cy="1582006"/>
+          </a:xfrm>
+          <a:prstGeom prst="rect">
+            <a:avLst/>
+          </a:prstGeom>
+        </p:spPr>
+      </p:pic>
+      <p:sp>
+        <p:nvSpPr>
+          <p:cNvPr id="3" name="Slide Number Placeholder 2">
+            <a:extLst>
+              <a:ext uri="{FF2B5EF4-FFF2-40B4-BE49-F238E27FC236}">
+                <a16:creationId xmlns:a16="http://schemas.microsoft.com/office/drawing/2014/main" id="{447CDB93-8808-4AB6-94B6-A96D36C00B0E}"/>
+              </a:ext>
+            </a:extLst>
+          </p:cNvPr>
+          <p:cNvSpPr>
+            <a:spLocks noGrp="1"/>
+          </p:cNvSpPr>
+          <p:nvPr>
+            <p:ph type="sldNum" sz="quarter" idx="12"/>
+          </p:nvPr>
+        </p:nvSpPr>
+        <p:spPr/>
+        <p:txBody>
+          <a:bodyPr/>
+          <a:lstStyle/>
+          <a:p>
+            <a:fld id="{E9AE0C10-0EF1-C246-872D-CC0E704EB9A9}" type="slidenum">
+              <a:rPr lang="en-VN" smtClean="0"/>
+              <a:t>3</a:t>
+            </a:fld>
+            <a:endParaRPr lang="en-VN"/>
+          </a:p>
+        </p:txBody>
+      </p:sp>
+      <p:sp>
+        <p:nvSpPr>
+          <p:cNvPr id="2" name="Rectangle 2">
+            <a:extLst>
+              <a:ext uri="{FF2B5EF4-FFF2-40B4-BE49-F238E27FC236}">
+                <a16:creationId xmlns:a16="http://schemas.microsoft.com/office/drawing/2014/main" id="{32F37524-E201-A645-BFFA-6FBAC992CF87}"/>
+              </a:ext>
+            </a:extLst>
+          </p:cNvPr>
+          <p:cNvSpPr>
+            <a:spLocks noChangeArrowheads="1"/>
+          </p:cNvSpPr>
+          <p:nvPr/>
+        </p:nvSpPr>
+        <p:spPr bwMode="auto">
+          <a:xfrm>
+            <a:off x="1030145" y="1817224"/>
+            <a:ext cx="10990126" cy="113017"/>
+          </a:xfrm>
+          <a:prstGeom prst="rect">
+            <a:avLst/>
+          </a:prstGeom>
+          <a:noFill/>
+          <a:ln>
+            <a:noFill/>
+          </a:ln>
+          <a:effectLst/>
+          <a:extLst>
+            <a:ext uri="{909E8E84-426E-40DD-AFC4-6F175D3DCCD1}">
+              <a14:hiddenFill xmlns:a14="http://schemas.microsoft.com/office/drawing/2010/main">
+                <a:solidFill>
+                  <a:schemeClr val="accent1"/>
+                </a:solidFill>
+              </a14:hiddenFill>
+            </a:ext>
+            <a:ext uri="{91240B29-F687-4F45-9708-019B960494DF}">
+              <a14:hiddenLine xmlns:a14="http://schemas.microsoft.com/office/drawing/2010/main" w="9525">
+                <a:solidFill>
+                  <a:schemeClr val="tx1"/>
+                </a:solidFill>
+                <a:miter lim="800000"/>
+                <a:headEnd/>
+                <a:tailEnd/>
+              </a14:hiddenLine>
+            </a:ext>
+            <a:ext uri="{AF507438-7753-43E0-B8FC-AC1667EBCBE1}">
+              <a14:hiddenEffects xmlns:a14="http://schemas.microsoft.com/office/drawing/2010/main">
+                <a:effectLst>
+                  <a:outerShdw dist="35921" dir="2700000" algn="ctr" rotWithShape="0">
+                    <a:schemeClr val="bg2"/>
+                  </a:outerShdw>
+                </a:effectLst>
+              </a14:hiddenEffects>
+            </a:ext>
+          </a:extLst>
+        </p:spPr>
+        <p:txBody>
+          <a:bodyPr vert="horz" wrap="square" lIns="91440" tIns="45720" rIns="91440" bIns="45720" numCol="1" anchor="ctr" anchorCtr="0" compatLnSpc="1">
+            <a:prstTxWarp prst="textNoShape">
+              <a:avLst/>
+            </a:prstTxWarp>
+            <a:spAutoFit/>
+          </a:bodyPr>
+          <a:lstStyle/>
+          <a:p>
+            <a:endParaRPr lang="en-VN"/>
+          </a:p>
+        </p:txBody>
+      </p:sp>
+      <p:pic>
+        <p:nvPicPr>
+          <p:cNvPr id="4" name="Picture 3">
+            <a:extLst>
+              <a:ext uri="{FF2B5EF4-FFF2-40B4-BE49-F238E27FC236}">
+                <a16:creationId xmlns:a16="http://schemas.microsoft.com/office/drawing/2014/main" id="{FA5D05F4-9F91-D649-ACBF-E352650A3A92}"/>
+              </a:ext>
+            </a:extLst>
+          </p:cNvPr>
+          <p:cNvPicPr>
+            <a:picLocks noChangeAspect="1"/>
+          </p:cNvPicPr>
+          <p:nvPr/>
+        </p:nvPicPr>
+        <p:blipFill>
+          <a:blip r:embed="rId3"/>
+          <a:stretch>
+            <a:fillRect/>
+          </a:stretch>
+        </p:blipFill>
+        <p:spPr>
+          <a:xfrm>
+            <a:off x="2479794" y="1930241"/>
+            <a:ext cx="7232409" cy="3530512"/>
+          </a:xfrm>
+          <a:prstGeom prst="rect">
+            <a:avLst/>
+          </a:prstGeom>
+        </p:spPr>
+      </p:pic>
+      <p:sp>
+        <p:nvSpPr>
+          <p:cNvPr id="8" name="TextBox 7">
+            <a:extLst>
+              <a:ext uri="{FF2B5EF4-FFF2-40B4-BE49-F238E27FC236}">
+                <a16:creationId xmlns:a16="http://schemas.microsoft.com/office/drawing/2014/main" id="{E33F555A-4F7D-B64B-AD4F-CAB4B0CCC655}"/>
+              </a:ext>
+            </a:extLst>
+          </p:cNvPr>
+          <p:cNvSpPr txBox="1"/>
+          <p:nvPr/>
+        </p:nvSpPr>
+        <p:spPr>
+          <a:xfrm>
+            <a:off x="1983782" y="5650917"/>
+            <a:ext cx="8224431" cy="369332"/>
+          </a:xfrm>
+          <a:prstGeom prst="rect">
+            <a:avLst/>
+          </a:prstGeom>
+          <a:noFill/>
+        </p:spPr>
+        <p:txBody>
+          <a:bodyPr wrap="none" rtlCol="0">
+            <a:spAutoFit/>
+          </a:bodyPr>
+          <a:lstStyle/>
+          <a:p>
+            <a:pPr algn="ctr"/>
+            <a:r>
+              <a:rPr lang="en-VN" dirty="0"/>
+              <a:t>BIỂU ĐỒ THỐNG KÊ DỰ ĐOÁN MỨC ĐỘ TĂNG TRƯỞNG TRONG NGÀNH ĐỒ UỐNG</a:t>
+            </a:r>
+            <a:r>
+              <a:rPr lang="en-VN" baseline="30000" dirty="0"/>
+              <a:t>[1]</a:t>
+            </a:r>
+            <a:endParaRPr lang="en-VN" dirty="0"/>
+          </a:p>
+        </p:txBody>
+      </p:sp>
+      <p:sp>
+        <p:nvSpPr>
+          <p:cNvPr id="9" name="TextBox 8">
+            <a:extLst>
+              <a:ext uri="{FF2B5EF4-FFF2-40B4-BE49-F238E27FC236}">
+                <a16:creationId xmlns:a16="http://schemas.microsoft.com/office/drawing/2014/main" id="{8AF0D02B-E9E9-2042-8D91-5A20E67A8D44}"/>
+              </a:ext>
+            </a:extLst>
+          </p:cNvPr>
+          <p:cNvSpPr txBox="1"/>
+          <p:nvPr/>
+        </p:nvSpPr>
+        <p:spPr>
+          <a:xfrm>
+            <a:off x="361608" y="6400412"/>
+            <a:ext cx="6282554" cy="276999"/>
+          </a:xfrm>
+          <a:prstGeom prst="rect">
+            <a:avLst/>
+          </a:prstGeom>
+          <a:noFill/>
+        </p:spPr>
+        <p:txBody>
+          <a:bodyPr wrap="none" rtlCol="0">
+            <a:spAutoFit/>
+          </a:bodyPr>
+          <a:lstStyle/>
+          <a:p>
+            <a:r>
+              <a:rPr lang="en-VN" sz="1200" dirty="0"/>
+              <a:t>[1] </a:t>
+            </a:r>
+            <a:r>
+              <a:rPr lang="en-US" sz="1200" dirty="0">
+                <a:hlinkClick r:id="rId4"/>
+              </a:rPr>
+              <a:t>https://bbgv.org/business-center/knowledge/sector-reports-knowledge/vietnam-2019-drinks/</a:t>
+            </a:r>
+            <a:endParaRPr lang="en-VN" sz="1200" dirty="0"/>
+          </a:p>
+        </p:txBody>
+      </p:sp>
+      <p:sp>
+        <p:nvSpPr>
+          <p:cNvPr id="10" name="TextBox 9">
+            <a:extLst>
+              <a:ext uri="{FF2B5EF4-FFF2-40B4-BE49-F238E27FC236}">
+                <a16:creationId xmlns:a16="http://schemas.microsoft.com/office/drawing/2014/main" id="{809B6C92-B056-A642-BC7E-8857DA11262B}"/>
+              </a:ext>
+            </a:extLst>
+          </p:cNvPr>
+          <p:cNvSpPr txBox="1"/>
+          <p:nvPr/>
+        </p:nvSpPr>
+        <p:spPr>
+          <a:xfrm>
+            <a:off x="465780" y="1198553"/>
+            <a:ext cx="8829148" cy="369332"/>
+          </a:xfrm>
+          <a:prstGeom prst="rect">
+            <a:avLst/>
+          </a:prstGeom>
+          <a:noFill/>
+        </p:spPr>
+        <p:txBody>
+          <a:bodyPr wrap="none" rtlCol="0">
+            <a:spAutoFit/>
+          </a:bodyPr>
+          <a:lstStyle/>
+          <a:p>
+            <a:r>
+              <a:rPr lang="en-VN" b="1" dirty="0"/>
+              <a:t>Năm 2019 - tại HÀ NỘI: 4000 cửa hàng đồ uống &amp; hơn 5000 cửa hàng kinh doanh quán ăn.</a:t>
+            </a:r>
+          </a:p>
+        </p:txBody>
+      </p:sp>
+    </p:spTree>
+    <p:extLst>
+      <p:ext uri="{BB962C8B-B14F-4D97-AF65-F5344CB8AC3E}">
+        <p14:creationId xmlns:p14="http://schemas.microsoft.com/office/powerpoint/2010/main" val="623859710"/>
+      </p:ext>
+    </p:extLst>
+  </p:cSld>
+  <p:clrMapOvr>
+    <a:masterClrMapping/>
+  </p:clrMapOvr>
+</p:sld>
+</file>
+
+<file path=ppt/slides/slide4.xml><?xml version="1.0" encoding="utf-8"?>
+<p:sld xmlns:a="http://schemas.openxmlformats.org/drawingml/2006/main" xmlns:r="http://schemas.openxmlformats.org/officeDocument/2006/relationships" xmlns:p="http://schemas.openxmlformats.org/presentationml/2006/main">
+  <p:cSld>
     <p:bg>
       <p:bgPr>
         <a:solidFill>
@@ -9561,7 +10486,7 @@
           <a:p>
             <a:fld id="{E9AE0C10-0EF1-C246-872D-CC0E704EB9A9}" type="slidenum">
               <a:rPr lang="en-VN" smtClean="0"/>
-              <a:t>3</a:t>
+              <a:t>4</a:t>
             </a:fld>
             <a:endParaRPr lang="en-VN"/>
           </a:p>
@@ -9571,231 +10496,6 @@
     <p:extLst>
       <p:ext uri="{BB962C8B-B14F-4D97-AF65-F5344CB8AC3E}">
         <p14:creationId xmlns:p14="http://schemas.microsoft.com/office/powerpoint/2010/main" val="4240378404"/>
-      </p:ext>
-    </p:extLst>
-  </p:cSld>
-  <p:clrMapOvr>
-    <a:masterClrMapping/>
-  </p:clrMapOvr>
-</p:sld>
-</file>
-
-<file path=ppt/slides/slide4.xml><?xml version="1.0" encoding="utf-8"?>
-<p:sld xmlns:a="http://schemas.openxmlformats.org/drawingml/2006/main" xmlns:r="http://schemas.openxmlformats.org/officeDocument/2006/relationships" xmlns:p="http://schemas.openxmlformats.org/presentationml/2006/main">
-  <p:cSld>
-    <p:bg>
-      <p:bgPr>
-        <a:solidFill>
-          <a:schemeClr val="bg1"/>
-        </a:solidFill>
-        <a:effectLst/>
-      </p:bgPr>
-    </p:bg>
-    <p:spTree>
-      <p:nvGrpSpPr>
-        <p:cNvPr id="1" name=""/>
-        <p:cNvGrpSpPr/>
-        <p:nvPr/>
-      </p:nvGrpSpPr>
-      <p:grpSpPr>
-        <a:xfrm>
-          <a:off x="0" y="0"/>
-          <a:ext cx="0" cy="0"/>
-          <a:chOff x="0" y="0"/>
-          <a:chExt cx="0" cy="0"/>
-        </a:xfrm>
-      </p:grpSpPr>
-      <p:sp>
-        <p:nvSpPr>
-          <p:cNvPr id="6" name="Rectangle 5">
-            <a:extLst>
-              <a:ext uri="{FF2B5EF4-FFF2-40B4-BE49-F238E27FC236}">
-                <a16:creationId xmlns:a16="http://schemas.microsoft.com/office/drawing/2014/main" id="{FE2B29CF-C549-E64C-B9A1-BEB338493485}"/>
-              </a:ext>
-            </a:extLst>
-          </p:cNvPr>
-          <p:cNvSpPr/>
-          <p:nvPr/>
-        </p:nvSpPr>
-        <p:spPr>
-          <a:xfrm>
-            <a:off x="269915" y="220407"/>
-            <a:ext cx="5065303" cy="889856"/>
-          </a:xfrm>
-          <a:prstGeom prst="rect">
-            <a:avLst/>
-          </a:prstGeom>
-          <a:noFill/>
-          <a:ln w="12700" cap="flat" cmpd="sng" algn="ctr">
-            <a:noFill/>
-            <a:prstDash val="solid"/>
-            <a:miter lim="800000"/>
-          </a:ln>
-          <a:effectLst>
-            <a:outerShdw blurRad="50800" dist="50800" dir="5400000" algn="ctr" rotWithShape="0">
-              <a:srgbClr val="000000">
-                <a:alpha val="8000"/>
-              </a:srgbClr>
-            </a:outerShdw>
-          </a:effectLst>
-        </p:spPr>
-        <p:txBody>
-          <a:bodyPr rtlCol="0" anchor="ctr"/>
-          <a:lstStyle/>
-          <a:p>
-            <a:pPr algn="ctr">
-              <a:defRPr/>
-            </a:pPr>
-            <a:r>
-              <a:rPr lang="en-US" sz="3200" b="1" kern="0" spc="300" dirty="0">
-                <a:solidFill>
-                  <a:srgbClr val="E7E6E6">
-                    <a:lumMod val="10000"/>
-                  </a:srgbClr>
-                </a:solidFill>
-                <a:effectLst>
-                  <a:outerShdw blurRad="38100" dist="38100" dir="2700000" algn="tl">
-                    <a:srgbClr val="000000">
-                      <a:alpha val="43137"/>
-                    </a:srgbClr>
-                  </a:outerShdw>
-                </a:effectLst>
-                <a:latin typeface=".VnCourier New" panose="02027200000000000000" pitchFamily="18" charset="0"/>
-                <a:cs typeface="Courier New" panose="02070309020205020404" pitchFamily="49" charset="0"/>
-              </a:rPr>
-              <a:t>PHÂN TÍCH USECASE</a:t>
-            </a:r>
-          </a:p>
-        </p:txBody>
-      </p:sp>
-      <p:pic>
-        <p:nvPicPr>
-          <p:cNvPr id="10" name="Picture 9">
-            <a:extLst>
-              <a:ext uri="{FF2B5EF4-FFF2-40B4-BE49-F238E27FC236}">
-                <a16:creationId xmlns:a16="http://schemas.microsoft.com/office/drawing/2014/main" id="{D713282F-0D18-E04A-B05C-FAF0D967FA12}"/>
-              </a:ext>
-            </a:extLst>
-          </p:cNvPr>
-          <p:cNvPicPr>
-            <a:picLocks noChangeAspect="1"/>
-          </p:cNvPicPr>
-          <p:nvPr/>
-        </p:nvPicPr>
-        <p:blipFill>
-          <a:blip r:embed="rId2"/>
-          <a:stretch>
-            <a:fillRect/>
-          </a:stretch>
-        </p:blipFill>
-        <p:spPr>
-          <a:xfrm>
-            <a:off x="3237887" y="975334"/>
-            <a:ext cx="5759689" cy="5497222"/>
-          </a:xfrm>
-          <a:prstGeom prst="rect">
-            <a:avLst/>
-          </a:prstGeom>
-        </p:spPr>
-      </p:pic>
-      <p:sp>
-        <p:nvSpPr>
-          <p:cNvPr id="11" name="TextBox 10">
-            <a:extLst>
-              <a:ext uri="{FF2B5EF4-FFF2-40B4-BE49-F238E27FC236}">
-                <a16:creationId xmlns:a16="http://schemas.microsoft.com/office/drawing/2014/main" id="{460F6268-D289-3143-B67A-401516FDDF16}"/>
-              </a:ext>
-            </a:extLst>
-          </p:cNvPr>
-          <p:cNvSpPr txBox="1"/>
-          <p:nvPr/>
-        </p:nvSpPr>
-        <p:spPr>
-          <a:xfrm>
-            <a:off x="882370" y="5823333"/>
-            <a:ext cx="2355517" cy="369332"/>
-          </a:xfrm>
-          <a:prstGeom prst="rect">
-            <a:avLst/>
-          </a:prstGeom>
-          <a:noFill/>
-        </p:spPr>
-        <p:txBody>
-          <a:bodyPr wrap="none" rtlCol="0">
-            <a:spAutoFit/>
-          </a:bodyPr>
-          <a:lstStyle/>
-          <a:p>
-            <a:r>
-              <a:rPr lang="en-VN" b="1" dirty="0"/>
-              <a:t>USE CASE TỔNG QUAN</a:t>
-            </a:r>
-          </a:p>
-        </p:txBody>
-      </p:sp>
-      <p:pic>
-        <p:nvPicPr>
-          <p:cNvPr id="7" name="Picture 6">
-            <a:extLst>
-              <a:ext uri="{FF2B5EF4-FFF2-40B4-BE49-F238E27FC236}">
-                <a16:creationId xmlns:a16="http://schemas.microsoft.com/office/drawing/2014/main" id="{A882591C-3C01-4971-AD56-05F54BD2D904}"/>
-              </a:ext>
-            </a:extLst>
-          </p:cNvPr>
-          <p:cNvPicPr>
-            <a:picLocks noChangeAspect="1"/>
-          </p:cNvPicPr>
-          <p:nvPr/>
-        </p:nvPicPr>
-        <p:blipFill>
-          <a:blip r:embed="rId3"/>
-          <a:stretch>
-            <a:fillRect/>
-          </a:stretch>
-        </p:blipFill>
-        <p:spPr>
-          <a:xfrm>
-            <a:off x="10449732" y="132975"/>
-            <a:ext cx="1380660" cy="1582006"/>
-          </a:xfrm>
-          <a:prstGeom prst="rect">
-            <a:avLst/>
-          </a:prstGeom>
-        </p:spPr>
-      </p:pic>
-      <p:sp>
-        <p:nvSpPr>
-          <p:cNvPr id="3" name="Slide Number Placeholder 2">
-            <a:extLst>
-              <a:ext uri="{FF2B5EF4-FFF2-40B4-BE49-F238E27FC236}">
-                <a16:creationId xmlns:a16="http://schemas.microsoft.com/office/drawing/2014/main" id="{447CDB93-8808-4AB6-94B6-A96D36C00B0E}"/>
-              </a:ext>
-            </a:extLst>
-          </p:cNvPr>
-          <p:cNvSpPr>
-            <a:spLocks noGrp="1"/>
-          </p:cNvSpPr>
-          <p:nvPr>
-            <p:ph type="sldNum" sz="quarter" idx="12"/>
-          </p:nvPr>
-        </p:nvSpPr>
-        <p:spPr/>
-        <p:txBody>
-          <a:bodyPr/>
-          <a:lstStyle/>
-          <a:p>
-            <a:fld id="{E9AE0C10-0EF1-C246-872D-CC0E704EB9A9}" type="slidenum">
-              <a:rPr lang="en-VN" smtClean="0"/>
-              <a:t>4</a:t>
-            </a:fld>
-            <a:endParaRPr lang="en-VN"/>
-          </a:p>
-        </p:txBody>
-      </p:sp>
-    </p:spTree>
-    <p:extLst>
-      <p:ext uri="{BB962C8B-B14F-4D97-AF65-F5344CB8AC3E}">
-        <p14:creationId xmlns:p14="http://schemas.microsoft.com/office/powerpoint/2010/main" val="3349522652"/>
       </p:ext>
     </p:extLst>
   </p:cSld>
@@ -9822,12 +10522,75 @@
           <a:chExt cx="0" cy="0"/>
         </a:xfrm>
       </p:grpSpPr>
+      <p:sp>
+        <p:nvSpPr>
+          <p:cNvPr id="6" name="Rectangle 5">
+            <a:extLst>
+              <a:ext uri="{FF2B5EF4-FFF2-40B4-BE49-F238E27FC236}">
+                <a16:creationId xmlns:a16="http://schemas.microsoft.com/office/drawing/2014/main" id="{FE2B29CF-C549-E64C-B9A1-BEB338493485}"/>
+              </a:ext>
+            </a:extLst>
+          </p:cNvPr>
+          <p:cNvSpPr/>
+          <p:nvPr/>
+        </p:nvSpPr>
+        <p:spPr>
+          <a:xfrm>
+            <a:off x="361608" y="223126"/>
+            <a:ext cx="5065303" cy="889856"/>
+          </a:xfrm>
+          <a:prstGeom prst="rect">
+            <a:avLst/>
+          </a:prstGeom>
+          <a:noFill/>
+          <a:ln w="12700" cap="flat" cmpd="sng" algn="ctr">
+            <a:noFill/>
+            <a:prstDash val="solid"/>
+            <a:miter lim="800000"/>
+          </a:ln>
+          <a:effectLst>
+            <a:outerShdw blurRad="50800" dist="50800" dir="5400000" algn="ctr" rotWithShape="0">
+              <a:srgbClr val="000000">
+                <a:alpha val="8000"/>
+              </a:srgbClr>
+            </a:outerShdw>
+          </a:effectLst>
+        </p:spPr>
+        <p:txBody>
+          <a:bodyPr rtlCol="0" anchor="ctr"/>
+          <a:lstStyle/>
+          <a:p>
+            <a:pPr algn="ctr">
+              <a:defRPr/>
+            </a:pPr>
+            <a:r>
+              <a:rPr lang="en-US" sz="3200" b="1" kern="0" spc="300" dirty="0">
+                <a:solidFill>
+                  <a:srgbClr val="E7E6E6">
+                    <a:lumMod val="10000"/>
+                  </a:srgbClr>
+                </a:solidFill>
+                <a:effectLst>
+                  <a:outerShdw blurRad="38100" dist="38100" dir="2700000" algn="tl">
+                    <a:srgbClr val="000000">
+                      <a:alpha val="43137"/>
+                    </a:srgbClr>
+                  </a:outerShdw>
+                </a:effectLst>
+                <a:latin typeface=".VnCourier New" panose="02027200000000000000" pitchFamily="18" charset="0"/>
+                <a:cs typeface="Courier New" panose="02070309020205020404" pitchFamily="49" charset="0"/>
+              </a:rPr>
+              <a:t>MÔ HÌNH TỔNG QUAN</a:t>
+            </a:r>
+          </a:p>
+        </p:txBody>
+      </p:sp>
       <p:pic>
         <p:nvPicPr>
-          <p:cNvPr id="4" name="Picture 3">
-            <a:extLst>
-              <a:ext uri="{FF2B5EF4-FFF2-40B4-BE49-F238E27FC236}">
-                <a16:creationId xmlns:a16="http://schemas.microsoft.com/office/drawing/2014/main" id="{DFDA5401-3AED-0B4B-B61C-190DAE264A3B}"/>
+          <p:cNvPr id="7" name="Picture 6">
+            <a:extLst>
+              <a:ext uri="{FF2B5EF4-FFF2-40B4-BE49-F238E27FC236}">
+                <a16:creationId xmlns:a16="http://schemas.microsoft.com/office/drawing/2014/main" id="{A882591C-3C01-4971-AD56-05F54BD2D904}"/>
               </a:ext>
             </a:extLst>
           </p:cNvPr>
@@ -9844,120 +10607,203 @@
         </p:blipFill>
         <p:spPr>
           <a:xfrm>
-            <a:off x="1101558" y="1996861"/>
-            <a:ext cx="4746819" cy="3937161"/>
+            <a:off x="10449732" y="132975"/>
+            <a:ext cx="1380660" cy="1582006"/>
           </a:xfrm>
           <a:prstGeom prst="rect">
             <a:avLst/>
           </a:prstGeom>
         </p:spPr>
       </p:pic>
+      <p:sp>
+        <p:nvSpPr>
+          <p:cNvPr id="3" name="Slide Number Placeholder 2">
+            <a:extLst>
+              <a:ext uri="{FF2B5EF4-FFF2-40B4-BE49-F238E27FC236}">
+                <a16:creationId xmlns:a16="http://schemas.microsoft.com/office/drawing/2014/main" id="{447CDB93-8808-4AB6-94B6-A96D36C00B0E}"/>
+              </a:ext>
+            </a:extLst>
+          </p:cNvPr>
+          <p:cNvSpPr>
+            <a:spLocks noGrp="1"/>
+          </p:cNvSpPr>
+          <p:nvPr>
+            <p:ph type="sldNum" sz="quarter" idx="12"/>
+          </p:nvPr>
+        </p:nvSpPr>
+        <p:spPr/>
+        <p:txBody>
+          <a:bodyPr/>
+          <a:lstStyle/>
+          <a:p>
+            <a:fld id="{E9AE0C10-0EF1-C246-872D-CC0E704EB9A9}" type="slidenum">
+              <a:rPr lang="en-VN" smtClean="0"/>
+              <a:t>5</a:t>
+            </a:fld>
+            <a:endParaRPr lang="en-VN"/>
+          </a:p>
+        </p:txBody>
+      </p:sp>
+      <p:sp>
+        <p:nvSpPr>
+          <p:cNvPr id="2" name="Rectangle 2">
+            <a:extLst>
+              <a:ext uri="{FF2B5EF4-FFF2-40B4-BE49-F238E27FC236}">
+                <a16:creationId xmlns:a16="http://schemas.microsoft.com/office/drawing/2014/main" id="{32F37524-E201-A645-BFFA-6FBAC992CF87}"/>
+              </a:ext>
+            </a:extLst>
+          </p:cNvPr>
+          <p:cNvSpPr>
+            <a:spLocks noChangeArrowheads="1"/>
+          </p:cNvSpPr>
+          <p:nvPr/>
+        </p:nvSpPr>
+        <p:spPr bwMode="auto">
+          <a:xfrm>
+            <a:off x="1030145" y="1817224"/>
+            <a:ext cx="10990126" cy="113017"/>
+          </a:xfrm>
+          <a:prstGeom prst="rect">
+            <a:avLst/>
+          </a:prstGeom>
+          <a:noFill/>
+          <a:ln>
+            <a:noFill/>
+          </a:ln>
+          <a:effectLst/>
+          <a:extLst>
+            <a:ext uri="{909E8E84-426E-40DD-AFC4-6F175D3DCCD1}">
+              <a14:hiddenFill xmlns:a14="http://schemas.microsoft.com/office/drawing/2010/main">
+                <a:solidFill>
+                  <a:schemeClr val="accent1"/>
+                </a:solidFill>
+              </a14:hiddenFill>
+            </a:ext>
+            <a:ext uri="{91240B29-F687-4F45-9708-019B960494DF}">
+              <a14:hiddenLine xmlns:a14="http://schemas.microsoft.com/office/drawing/2010/main" w="9525">
+                <a:solidFill>
+                  <a:schemeClr val="tx1"/>
+                </a:solidFill>
+                <a:miter lim="800000"/>
+                <a:headEnd/>
+                <a:tailEnd/>
+              </a14:hiddenLine>
+            </a:ext>
+            <a:ext uri="{AF507438-7753-43E0-B8FC-AC1667EBCBE1}">
+              <a14:hiddenEffects xmlns:a14="http://schemas.microsoft.com/office/drawing/2010/main">
+                <a:effectLst>
+                  <a:outerShdw dist="35921" dir="2700000" algn="ctr" rotWithShape="0">
+                    <a:schemeClr val="bg2"/>
+                  </a:outerShdw>
+                </a:effectLst>
+              </a14:hiddenEffects>
+            </a:ext>
+          </a:extLst>
+        </p:spPr>
+        <p:txBody>
+          <a:bodyPr vert="horz" wrap="square" lIns="91440" tIns="45720" rIns="91440" bIns="45720" numCol="1" anchor="ctr" anchorCtr="0" compatLnSpc="1">
+            <a:prstTxWarp prst="textNoShape">
+              <a:avLst/>
+            </a:prstTxWarp>
+            <a:spAutoFit/>
+          </a:bodyPr>
+          <a:lstStyle/>
+          <a:p>
+            <a:endParaRPr lang="en-VN"/>
+          </a:p>
+        </p:txBody>
+      </p:sp>
       <p:pic>
         <p:nvPicPr>
-          <p:cNvPr id="7" name="Picture 6">
-            <a:extLst>
-              <a:ext uri="{FF2B5EF4-FFF2-40B4-BE49-F238E27FC236}">
-                <a16:creationId xmlns:a16="http://schemas.microsoft.com/office/drawing/2014/main" id="{5188B20D-B35C-F045-8FAA-04DFB4FB8C29}"/>
+          <p:cNvPr id="1025" name="Picture 2">
+            <a:extLst>
+              <a:ext uri="{FF2B5EF4-FFF2-40B4-BE49-F238E27FC236}">
+                <a16:creationId xmlns:a16="http://schemas.microsoft.com/office/drawing/2014/main" id="{F803CA45-1E75-254A-8268-92E834FB6F59}"/>
               </a:ext>
             </a:extLst>
           </p:cNvPr>
           <p:cNvPicPr>
-            <a:picLocks noChangeAspect="1"/>
+            <a:picLocks noChangeAspect="1" noChangeArrowheads="1"/>
           </p:cNvPicPr>
           <p:nvPr/>
         </p:nvPicPr>
         <p:blipFill>
-          <a:blip r:embed="rId3"/>
+          <a:blip r:embed="rId3" r:link="rId4">
+            <a:extLst>
+              <a:ext uri="{28A0092B-C50C-407E-A947-70E740481C1C}">
+                <a14:useLocalDpi xmlns:a14="http://schemas.microsoft.com/office/drawing/2010/main" val="0"/>
+              </a:ext>
+            </a:extLst>
+          </a:blip>
+          <a:srcRect/>
           <a:stretch>
             <a:fillRect/>
           </a:stretch>
         </p:blipFill>
-        <p:spPr>
-          <a:xfrm>
-            <a:off x="6250787" y="1996861"/>
-            <a:ext cx="4889275" cy="3937161"/>
-          </a:xfrm>
-          <a:prstGeom prst="rect">
-            <a:avLst/>
-          </a:prstGeom>
-        </p:spPr>
-      </p:pic>
-      <p:sp>
-        <p:nvSpPr>
-          <p:cNvPr id="9" name="TextBox 8">
-            <a:extLst>
-              <a:ext uri="{FF2B5EF4-FFF2-40B4-BE49-F238E27FC236}">
-                <a16:creationId xmlns:a16="http://schemas.microsoft.com/office/drawing/2014/main" id="{7BFBC2BA-E773-4A4E-B684-AEE30FA66D15}"/>
-              </a:ext>
-            </a:extLst>
-          </p:cNvPr>
-          <p:cNvSpPr txBox="1"/>
-          <p:nvPr/>
-        </p:nvSpPr>
-        <p:spPr>
-          <a:xfrm>
-            <a:off x="2373864" y="6041312"/>
-            <a:ext cx="2202206" cy="369332"/>
+        <p:spPr bwMode="auto">
+          <a:xfrm>
+            <a:off x="1074033" y="1426186"/>
+            <a:ext cx="10043933" cy="4203408"/>
           </a:xfrm>
           <a:prstGeom prst="rect">
             <a:avLst/>
           </a:prstGeom>
           <a:noFill/>
-        </p:spPr>
-        <p:txBody>
-          <a:bodyPr wrap="none" rtlCol="0">
-            <a:spAutoFit/>
-          </a:bodyPr>
-          <a:lstStyle/>
-          <a:p>
-            <a:r>
-              <a:rPr lang="en-VN" b="1" dirty="0"/>
-              <a:t>USE CASE BÁN HÀNG</a:t>
-            </a:r>
-          </a:p>
-        </p:txBody>
-      </p:sp>
-      <p:sp>
-        <p:nvSpPr>
-          <p:cNvPr id="11" name="TextBox 10">
-            <a:extLst>
-              <a:ext uri="{FF2B5EF4-FFF2-40B4-BE49-F238E27FC236}">
-                <a16:creationId xmlns:a16="http://schemas.microsoft.com/office/drawing/2014/main" id="{BCD50AA2-18D5-A449-A7AB-76170103DF5D}"/>
-              </a:ext>
-            </a:extLst>
-          </p:cNvPr>
-          <p:cNvSpPr txBox="1"/>
-          <p:nvPr/>
-        </p:nvSpPr>
-        <p:spPr>
-          <a:xfrm>
-            <a:off x="7642892" y="6041312"/>
-            <a:ext cx="2105063" cy="369332"/>
-          </a:xfrm>
-          <a:prstGeom prst="rect">
-            <a:avLst/>
-          </a:prstGeom>
-          <a:noFill/>
-        </p:spPr>
-        <p:txBody>
-          <a:bodyPr wrap="none" rtlCol="0">
-            <a:spAutoFit/>
-          </a:bodyPr>
-          <a:lstStyle/>
-          <a:p>
-            <a:r>
-              <a:rPr lang="en-VN" b="1" dirty="0"/>
-              <a:t>USE CASE THIẾT LẬP</a:t>
-            </a:r>
-          </a:p>
-        </p:txBody>
-      </p:sp>
-      <p:sp>
-        <p:nvSpPr>
-          <p:cNvPr id="12" name="Rectangle 11">
-            <a:extLst>
-              <a:ext uri="{FF2B5EF4-FFF2-40B4-BE49-F238E27FC236}">
-                <a16:creationId xmlns:a16="http://schemas.microsoft.com/office/drawing/2014/main" id="{71B978A8-AB15-F443-8497-12727615BAD0}"/>
+          <a:extLst>
+            <a:ext uri="{909E8E84-426E-40DD-AFC4-6F175D3DCCD1}">
+              <a14:hiddenFill xmlns:a14="http://schemas.microsoft.com/office/drawing/2010/main">
+                <a:solidFill>
+                  <a:srgbClr val="FFFFFF"/>
+                </a:solidFill>
+              </a14:hiddenFill>
+            </a:ext>
+          </a:extLst>
+        </p:spPr>
+      </p:pic>
+    </p:spTree>
+    <p:extLst>
+      <p:ext uri="{BB962C8B-B14F-4D97-AF65-F5344CB8AC3E}">
+        <p14:creationId xmlns:p14="http://schemas.microsoft.com/office/powerpoint/2010/main" val="3993544180"/>
+      </p:ext>
+    </p:extLst>
+  </p:cSld>
+  <p:clrMapOvr>
+    <a:masterClrMapping/>
+  </p:clrMapOvr>
+</p:sld>
+</file>
+
+<file path=ppt/slides/slide6.xml><?xml version="1.0" encoding="utf-8"?>
+<p:sld xmlns:a="http://schemas.openxmlformats.org/drawingml/2006/main" xmlns:r="http://schemas.openxmlformats.org/officeDocument/2006/relationships" xmlns:p="http://schemas.openxmlformats.org/presentationml/2006/main">
+  <p:cSld>
+    <p:bg>
+      <p:bgPr>
+        <a:solidFill>
+          <a:schemeClr val="bg1"/>
+        </a:solidFill>
+        <a:effectLst/>
+      </p:bgPr>
+    </p:bg>
+    <p:spTree>
+      <p:nvGrpSpPr>
+        <p:cNvPr id="1" name=""/>
+        <p:cNvGrpSpPr/>
+        <p:nvPr/>
+      </p:nvGrpSpPr>
+      <p:grpSpPr>
+        <a:xfrm>
+          <a:off x="0" y="0"/>
+          <a:ext cx="0" cy="0"/>
+          <a:chOff x="0" y="0"/>
+          <a:chExt cx="0" cy="0"/>
+        </a:xfrm>
+      </p:grpSpPr>
+      <p:sp>
+        <p:nvSpPr>
+          <p:cNvPr id="6" name="Rectangle 5">
+            <a:extLst>
+              <a:ext uri="{FF2B5EF4-FFF2-40B4-BE49-F238E27FC236}">
+                <a16:creationId xmlns:a16="http://schemas.microsoft.com/office/drawing/2014/main" id="{FE2B29CF-C549-E64C-B9A1-BEB338493485}"/>
               </a:ext>
             </a:extLst>
           </p:cNvPr>
@@ -9966,7 +10812,7 @@
         </p:nvSpPr>
         <p:spPr>
           <a:xfrm>
-            <a:off x="269915" y="220407"/>
+            <a:off x="0" y="132975"/>
             <a:ext cx="5065303" cy="889856"/>
           </a:xfrm>
           <a:prstGeom prst="rect">
@@ -10017,197 +10863,10 @@
       </p:sp>
       <p:pic>
         <p:nvPicPr>
-          <p:cNvPr id="13" name="Picture 12">
-            <a:extLst>
-              <a:ext uri="{FF2B5EF4-FFF2-40B4-BE49-F238E27FC236}">
-                <a16:creationId xmlns:a16="http://schemas.microsoft.com/office/drawing/2014/main" id="{EC0C53C3-ACE8-5341-A807-4A49DAF632D5}"/>
-              </a:ext>
-            </a:extLst>
-          </p:cNvPr>
-          <p:cNvPicPr>
-            <a:picLocks noChangeAspect="1"/>
-          </p:cNvPicPr>
-          <p:nvPr/>
-        </p:nvPicPr>
-        <p:blipFill>
-          <a:blip r:embed="rId4"/>
-          <a:stretch>
-            <a:fillRect/>
-          </a:stretch>
-        </p:blipFill>
-        <p:spPr>
-          <a:xfrm>
-            <a:off x="10449732" y="132975"/>
-            <a:ext cx="1380660" cy="1582006"/>
-          </a:xfrm>
-          <a:prstGeom prst="rect">
-            <a:avLst/>
-          </a:prstGeom>
-        </p:spPr>
-      </p:pic>
-      <p:sp>
-        <p:nvSpPr>
-          <p:cNvPr id="3" name="Slide Number Placeholder 2">
-            <a:extLst>
-              <a:ext uri="{FF2B5EF4-FFF2-40B4-BE49-F238E27FC236}">
-                <a16:creationId xmlns:a16="http://schemas.microsoft.com/office/drawing/2014/main" id="{66B72D58-FE4A-4413-A1C8-79B941E8A100}"/>
-              </a:ext>
-            </a:extLst>
-          </p:cNvPr>
-          <p:cNvSpPr>
-            <a:spLocks noGrp="1"/>
-          </p:cNvSpPr>
-          <p:nvPr>
-            <p:ph type="sldNum" sz="quarter" idx="12"/>
-          </p:nvPr>
-        </p:nvSpPr>
-        <p:spPr/>
-        <p:txBody>
-          <a:bodyPr/>
-          <a:lstStyle/>
-          <a:p>
-            <a:fld id="{E9AE0C10-0EF1-C246-872D-CC0E704EB9A9}" type="slidenum">
-              <a:rPr lang="en-VN" smtClean="0"/>
-              <a:t>5</a:t>
-            </a:fld>
-            <a:endParaRPr lang="en-VN"/>
-          </a:p>
-        </p:txBody>
-      </p:sp>
-    </p:spTree>
-    <p:extLst>
-      <p:ext uri="{BB962C8B-B14F-4D97-AF65-F5344CB8AC3E}">
-        <p14:creationId xmlns:p14="http://schemas.microsoft.com/office/powerpoint/2010/main" val="2061414875"/>
-      </p:ext>
-    </p:extLst>
-  </p:cSld>
-  <p:clrMapOvr>
-    <a:masterClrMapping/>
-  </p:clrMapOvr>
-</p:sld>
-</file>
-
-<file path=ppt/slides/slide6.xml><?xml version="1.0" encoding="utf-8"?>
-<p:sld xmlns:a="http://schemas.openxmlformats.org/drawingml/2006/main" xmlns:r="http://schemas.openxmlformats.org/officeDocument/2006/relationships" xmlns:p="http://schemas.openxmlformats.org/presentationml/2006/main">
-  <p:cSld>
-    <p:spTree>
-      <p:nvGrpSpPr>
-        <p:cNvPr id="1" name=""/>
-        <p:cNvGrpSpPr/>
-        <p:nvPr/>
-      </p:nvGrpSpPr>
-      <p:grpSpPr>
-        <a:xfrm>
-          <a:off x="0" y="0"/>
-          <a:ext cx="0" cy="0"/>
-          <a:chOff x="0" y="0"/>
-          <a:chExt cx="0" cy="0"/>
-        </a:xfrm>
-      </p:grpSpPr>
-      <p:sp>
-        <p:nvSpPr>
-          <p:cNvPr id="7" name="TextBox 6">
-            <a:extLst>
-              <a:ext uri="{FF2B5EF4-FFF2-40B4-BE49-F238E27FC236}">
-                <a16:creationId xmlns:a16="http://schemas.microsoft.com/office/drawing/2014/main" id="{8F24D2AC-18FA-5241-92EC-38304E3F95FE}"/>
-              </a:ext>
-            </a:extLst>
-          </p:cNvPr>
-          <p:cNvSpPr txBox="1"/>
-          <p:nvPr/>
-        </p:nvSpPr>
-        <p:spPr>
-          <a:xfrm>
-            <a:off x="1378564" y="6048186"/>
-            <a:ext cx="1990417" cy="369332"/>
-          </a:xfrm>
-          <a:prstGeom prst="rect">
-            <a:avLst/>
-          </a:prstGeom>
-          <a:noFill/>
-        </p:spPr>
-        <p:txBody>
-          <a:bodyPr wrap="none" rtlCol="0">
-            <a:spAutoFit/>
-          </a:bodyPr>
-          <a:lstStyle/>
-          <a:p>
-            <a:r>
-              <a:rPr lang="en-VN" b="1" dirty="0"/>
-              <a:t>USE CASE QUẢN LÝ</a:t>
-            </a:r>
-          </a:p>
-        </p:txBody>
-      </p:sp>
-      <p:sp>
-        <p:nvSpPr>
-          <p:cNvPr id="8" name="Rectangle 7">
-            <a:extLst>
-              <a:ext uri="{FF2B5EF4-FFF2-40B4-BE49-F238E27FC236}">
-                <a16:creationId xmlns:a16="http://schemas.microsoft.com/office/drawing/2014/main" id="{DC39FB75-17C0-E64B-A8E8-EA388AED9957}"/>
-              </a:ext>
-            </a:extLst>
-          </p:cNvPr>
-          <p:cNvSpPr/>
-          <p:nvPr/>
-        </p:nvSpPr>
-        <p:spPr>
-          <a:xfrm>
-            <a:off x="269915" y="220407"/>
-            <a:ext cx="5065303" cy="889856"/>
-          </a:xfrm>
-          <a:prstGeom prst="rect">
-            <a:avLst/>
-          </a:prstGeom>
-          <a:noFill/>
-          <a:ln w="12700" cap="flat" cmpd="sng" algn="ctr">
-            <a:noFill/>
-            <a:prstDash val="solid"/>
-            <a:miter lim="800000"/>
-          </a:ln>
-          <a:effectLst>
-            <a:outerShdw blurRad="50800" dist="50800" dir="5400000" algn="ctr" rotWithShape="0">
-              <a:srgbClr val="000000">
-                <a:alpha val="8000"/>
-              </a:srgbClr>
-            </a:outerShdw>
-          </a:effectLst>
-        </p:spPr>
-        <p:txBody>
-          <a:bodyPr rtlCol="0" anchor="ctr"/>
-          <a:lstStyle/>
-          <a:p>
-            <a:pPr algn="ctr">
-              <a:defRPr/>
-            </a:pPr>
-            <a:r>
-              <a:rPr lang="en-US" sz="3200" b="1" kern="0" spc="300" dirty="0">
-                <a:solidFill>
-                  <a:srgbClr val="E7E6E6">
-                    <a:lumMod val="10000"/>
-                  </a:srgbClr>
-                </a:solidFill>
-                <a:effectLst>
-                  <a:outerShdw blurRad="38100" dist="38100" dir="2700000" algn="tl">
-                    <a:srgbClr val="000000">
-                      <a:alpha val="43137"/>
-                    </a:srgbClr>
-                  </a:outerShdw>
-                </a:effectLst>
-                <a:latin typeface=".VnCourier New" panose="02027200000000000000" pitchFamily="18" charset="0"/>
-                <a:cs typeface="Courier New" panose="02070309020205020404" pitchFamily="49" charset="0"/>
-              </a:rPr>
-              <a:t>PHÂN TÍCH USECASE</a:t>
-            </a:r>
-          </a:p>
-        </p:txBody>
-      </p:sp>
-      <p:pic>
-        <p:nvPicPr>
-          <p:cNvPr id="6" name="Picture 5">
-            <a:extLst>
-              <a:ext uri="{FF2B5EF4-FFF2-40B4-BE49-F238E27FC236}">
-                <a16:creationId xmlns:a16="http://schemas.microsoft.com/office/drawing/2014/main" id="{ACD4C133-1BDE-4B2E-80C2-EF7A6BD37D7D}"/>
+          <p:cNvPr id="10" name="Picture 9">
+            <a:extLst>
+              <a:ext uri="{FF2B5EF4-FFF2-40B4-BE49-F238E27FC236}">
+                <a16:creationId xmlns:a16="http://schemas.microsoft.com/office/drawing/2014/main" id="{D713282F-0D18-E04A-B05C-FAF0D967FA12}"/>
               </a:ext>
             </a:extLst>
           </p:cNvPr>
@@ -10224,8 +10883,8 @@
         </p:blipFill>
         <p:spPr>
           <a:xfrm>
-            <a:off x="10449732" y="132975"/>
-            <a:ext cx="1380660" cy="1582006"/>
+            <a:off x="3237887" y="975334"/>
+            <a:ext cx="5759689" cy="5497222"/>
           </a:xfrm>
           <a:prstGeom prst="rect">
             <a:avLst/>
@@ -10234,39 +10893,45 @@
       </p:pic>
       <p:sp>
         <p:nvSpPr>
-          <p:cNvPr id="3" name="Slide Number Placeholder 2">
-            <a:extLst>
-              <a:ext uri="{FF2B5EF4-FFF2-40B4-BE49-F238E27FC236}">
-                <a16:creationId xmlns:a16="http://schemas.microsoft.com/office/drawing/2014/main" id="{C9BAA714-B4BF-4263-A114-E3114BABCD8B}"/>
-              </a:ext>
-            </a:extLst>
-          </p:cNvPr>
-          <p:cNvSpPr>
-            <a:spLocks noGrp="1"/>
-          </p:cNvSpPr>
-          <p:nvPr>
-            <p:ph type="sldNum" sz="quarter" idx="12"/>
-          </p:nvPr>
-        </p:nvSpPr>
-        <p:spPr/>
-        <p:txBody>
-          <a:bodyPr/>
-          <a:lstStyle/>
-          <a:p>
-            <a:fld id="{E9AE0C10-0EF1-C246-872D-CC0E704EB9A9}" type="slidenum">
-              <a:rPr lang="en-VN" smtClean="0"/>
-              <a:t>6</a:t>
-            </a:fld>
-            <a:endParaRPr lang="en-VN"/>
+          <p:cNvPr id="11" name="TextBox 10">
+            <a:extLst>
+              <a:ext uri="{FF2B5EF4-FFF2-40B4-BE49-F238E27FC236}">
+                <a16:creationId xmlns:a16="http://schemas.microsoft.com/office/drawing/2014/main" id="{460F6268-D289-3143-B67A-401516FDDF16}"/>
+              </a:ext>
+            </a:extLst>
+          </p:cNvPr>
+          <p:cNvSpPr txBox="1"/>
+          <p:nvPr/>
+        </p:nvSpPr>
+        <p:spPr>
+          <a:xfrm>
+            <a:off x="882370" y="6102859"/>
+            <a:ext cx="2355517" cy="369332"/>
+          </a:xfrm>
+          <a:prstGeom prst="rect">
+            <a:avLst/>
+          </a:prstGeom>
+          <a:noFill/>
+        </p:spPr>
+        <p:txBody>
+          <a:bodyPr wrap="none" rtlCol="0">
+            <a:spAutoFit/>
+          </a:bodyPr>
+          <a:lstStyle/>
+          <a:p>
+            <a:r>
+              <a:rPr lang="en-VN" b="1" dirty="0"/>
+              <a:t>USE CASE TỔNG QUAN</a:t>
+            </a:r>
           </a:p>
         </p:txBody>
       </p:sp>
       <p:pic>
         <p:nvPicPr>
-          <p:cNvPr id="5" name="Picture 4">
-            <a:extLst>
-              <a:ext uri="{FF2B5EF4-FFF2-40B4-BE49-F238E27FC236}">
-                <a16:creationId xmlns:a16="http://schemas.microsoft.com/office/drawing/2014/main" id="{FE10A62C-4073-7A4F-84FC-2658CD225496}"/>
+          <p:cNvPr id="7" name="Picture 6">
+            <a:extLst>
+              <a:ext uri="{FF2B5EF4-FFF2-40B4-BE49-F238E27FC236}">
+                <a16:creationId xmlns:a16="http://schemas.microsoft.com/office/drawing/2014/main" id="{A882591C-3C01-4971-AD56-05F54BD2D904}"/>
               </a:ext>
             </a:extLst>
           </p:cNvPr>
@@ -10283,18 +10948,47 @@
         </p:blipFill>
         <p:spPr>
           <a:xfrm>
-            <a:off x="3743325" y="949140"/>
-            <a:ext cx="4705349" cy="5468378"/>
+            <a:off x="10449732" y="132975"/>
+            <a:ext cx="1380660" cy="1582006"/>
           </a:xfrm>
           <a:prstGeom prst="rect">
             <a:avLst/>
           </a:prstGeom>
         </p:spPr>
       </p:pic>
+      <p:sp>
+        <p:nvSpPr>
+          <p:cNvPr id="3" name="Slide Number Placeholder 2">
+            <a:extLst>
+              <a:ext uri="{FF2B5EF4-FFF2-40B4-BE49-F238E27FC236}">
+                <a16:creationId xmlns:a16="http://schemas.microsoft.com/office/drawing/2014/main" id="{447CDB93-8808-4AB6-94B6-A96D36C00B0E}"/>
+              </a:ext>
+            </a:extLst>
+          </p:cNvPr>
+          <p:cNvSpPr>
+            <a:spLocks noGrp="1"/>
+          </p:cNvSpPr>
+          <p:nvPr>
+            <p:ph type="sldNum" sz="quarter" idx="12"/>
+          </p:nvPr>
+        </p:nvSpPr>
+        <p:spPr/>
+        <p:txBody>
+          <a:bodyPr/>
+          <a:lstStyle/>
+          <a:p>
+            <a:fld id="{E9AE0C10-0EF1-C246-872D-CC0E704EB9A9}" type="slidenum">
+              <a:rPr lang="en-VN" smtClean="0"/>
+              <a:t>6</a:t>
+            </a:fld>
+            <a:endParaRPr lang="en-VN"/>
+          </a:p>
+        </p:txBody>
+      </p:sp>
     </p:spTree>
     <p:extLst>
       <p:ext uri="{BB962C8B-B14F-4D97-AF65-F5344CB8AC3E}">
-        <p14:creationId xmlns:p14="http://schemas.microsoft.com/office/powerpoint/2010/main" val="3847054751"/>
+        <p14:creationId xmlns:p14="http://schemas.microsoft.com/office/powerpoint/2010/main" val="3349522652"/>
       </p:ext>
     </p:extLst>
   </p:cSld>
@@ -10321,12 +11015,142 @@
           <a:chExt cx="0" cy="0"/>
         </a:xfrm>
       </p:grpSpPr>
-      <p:sp>
-        <p:nvSpPr>
-          <p:cNvPr id="5" name="Rectangle 4">
-            <a:extLst>
-              <a:ext uri="{FF2B5EF4-FFF2-40B4-BE49-F238E27FC236}">
-                <a16:creationId xmlns:a16="http://schemas.microsoft.com/office/drawing/2014/main" id="{2016ECFD-B465-0F4F-8A3D-562FD31590B5}"/>
+      <p:pic>
+        <p:nvPicPr>
+          <p:cNvPr id="4" name="Picture 3">
+            <a:extLst>
+              <a:ext uri="{FF2B5EF4-FFF2-40B4-BE49-F238E27FC236}">
+                <a16:creationId xmlns:a16="http://schemas.microsoft.com/office/drawing/2014/main" id="{DFDA5401-3AED-0B4B-B61C-190DAE264A3B}"/>
+              </a:ext>
+            </a:extLst>
+          </p:cNvPr>
+          <p:cNvPicPr>
+            <a:picLocks noChangeAspect="1"/>
+          </p:cNvPicPr>
+          <p:nvPr/>
+        </p:nvPicPr>
+        <p:blipFill>
+          <a:blip r:embed="rId2"/>
+          <a:stretch>
+            <a:fillRect/>
+          </a:stretch>
+        </p:blipFill>
+        <p:spPr>
+          <a:xfrm>
+            <a:off x="1101558" y="1996861"/>
+            <a:ext cx="4746819" cy="3937161"/>
+          </a:xfrm>
+          <a:prstGeom prst="rect">
+            <a:avLst/>
+          </a:prstGeom>
+        </p:spPr>
+      </p:pic>
+      <p:pic>
+        <p:nvPicPr>
+          <p:cNvPr id="7" name="Picture 6">
+            <a:extLst>
+              <a:ext uri="{FF2B5EF4-FFF2-40B4-BE49-F238E27FC236}">
+                <a16:creationId xmlns:a16="http://schemas.microsoft.com/office/drawing/2014/main" id="{5188B20D-B35C-F045-8FAA-04DFB4FB8C29}"/>
+              </a:ext>
+            </a:extLst>
+          </p:cNvPr>
+          <p:cNvPicPr>
+            <a:picLocks noChangeAspect="1"/>
+          </p:cNvPicPr>
+          <p:nvPr/>
+        </p:nvPicPr>
+        <p:blipFill>
+          <a:blip r:embed="rId3"/>
+          <a:stretch>
+            <a:fillRect/>
+          </a:stretch>
+        </p:blipFill>
+        <p:spPr>
+          <a:xfrm>
+            <a:off x="6250787" y="1996861"/>
+            <a:ext cx="4889275" cy="3937161"/>
+          </a:xfrm>
+          <a:prstGeom prst="rect">
+            <a:avLst/>
+          </a:prstGeom>
+        </p:spPr>
+      </p:pic>
+      <p:sp>
+        <p:nvSpPr>
+          <p:cNvPr id="9" name="TextBox 8">
+            <a:extLst>
+              <a:ext uri="{FF2B5EF4-FFF2-40B4-BE49-F238E27FC236}">
+                <a16:creationId xmlns:a16="http://schemas.microsoft.com/office/drawing/2014/main" id="{7BFBC2BA-E773-4A4E-B684-AEE30FA66D15}"/>
+              </a:ext>
+            </a:extLst>
+          </p:cNvPr>
+          <p:cNvSpPr txBox="1"/>
+          <p:nvPr/>
+        </p:nvSpPr>
+        <p:spPr>
+          <a:xfrm>
+            <a:off x="2373864" y="6041312"/>
+            <a:ext cx="2202206" cy="369332"/>
+          </a:xfrm>
+          <a:prstGeom prst="rect">
+            <a:avLst/>
+          </a:prstGeom>
+          <a:noFill/>
+        </p:spPr>
+        <p:txBody>
+          <a:bodyPr wrap="none" rtlCol="0">
+            <a:spAutoFit/>
+          </a:bodyPr>
+          <a:lstStyle/>
+          <a:p>
+            <a:r>
+              <a:rPr lang="en-VN" b="1" dirty="0"/>
+              <a:t>USE CASE BÁN HÀNG</a:t>
+            </a:r>
+          </a:p>
+        </p:txBody>
+      </p:sp>
+      <p:sp>
+        <p:nvSpPr>
+          <p:cNvPr id="11" name="TextBox 10">
+            <a:extLst>
+              <a:ext uri="{FF2B5EF4-FFF2-40B4-BE49-F238E27FC236}">
+                <a16:creationId xmlns:a16="http://schemas.microsoft.com/office/drawing/2014/main" id="{BCD50AA2-18D5-A449-A7AB-76170103DF5D}"/>
+              </a:ext>
+            </a:extLst>
+          </p:cNvPr>
+          <p:cNvSpPr txBox="1"/>
+          <p:nvPr/>
+        </p:nvSpPr>
+        <p:spPr>
+          <a:xfrm>
+            <a:off x="7642892" y="6041312"/>
+            <a:ext cx="2105063" cy="369332"/>
+          </a:xfrm>
+          <a:prstGeom prst="rect">
+            <a:avLst/>
+          </a:prstGeom>
+          <a:noFill/>
+        </p:spPr>
+        <p:txBody>
+          <a:bodyPr wrap="none" rtlCol="0">
+            <a:spAutoFit/>
+          </a:bodyPr>
+          <a:lstStyle/>
+          <a:p>
+            <a:r>
+              <a:rPr lang="en-VN" b="1" dirty="0"/>
+              <a:t>USE CASE THIẾT LẬP</a:t>
+            </a:r>
+          </a:p>
+        </p:txBody>
+      </p:sp>
+      <p:sp>
+        <p:nvSpPr>
+          <p:cNvPr id="12" name="Rectangle 11">
+            <a:extLst>
+              <a:ext uri="{FF2B5EF4-FFF2-40B4-BE49-F238E27FC236}">
+                <a16:creationId xmlns:a16="http://schemas.microsoft.com/office/drawing/2014/main" id="{71B978A8-AB15-F443-8497-12727615BAD0}"/>
               </a:ext>
             </a:extLst>
           </p:cNvPr>
@@ -10335,7 +11159,7 @@
         </p:nvSpPr>
         <p:spPr>
           <a:xfrm>
-            <a:off x="269915" y="220407"/>
+            <a:off x="0" y="237147"/>
             <a:ext cx="5065303" cy="889856"/>
           </a:xfrm>
           <a:prstGeom prst="rect">
@@ -10379,17 +11203,17 @@
                 <a:latin typeface=".VnCourier New" panose="02027200000000000000" pitchFamily="18" charset="0"/>
                 <a:cs typeface="Courier New" panose="02070309020205020404" pitchFamily="49" charset="0"/>
               </a:rPr>
-              <a:t>ĐẶC TẢ USECASE</a:t>
+              <a:t>PHÂN TÍCH USECASE</a:t>
             </a:r>
           </a:p>
         </p:txBody>
       </p:sp>
       <p:pic>
         <p:nvPicPr>
-          <p:cNvPr id="4" name="Picture 3">
-            <a:extLst>
-              <a:ext uri="{FF2B5EF4-FFF2-40B4-BE49-F238E27FC236}">
-                <a16:creationId xmlns:a16="http://schemas.microsoft.com/office/drawing/2014/main" id="{FA14E069-4C27-A049-9BA7-9933570CECB4}"/>
+          <p:cNvPr id="13" name="Picture 12">
+            <a:extLst>
+              <a:ext uri="{FF2B5EF4-FFF2-40B4-BE49-F238E27FC236}">
+                <a16:creationId xmlns:a16="http://schemas.microsoft.com/office/drawing/2014/main" id="{EC0C53C3-ACE8-5341-A807-4A49DAF632D5}"/>
               </a:ext>
             </a:extLst>
           </p:cNvPr>
@@ -10399,15 +11223,15 @@
           <p:nvPr/>
         </p:nvPicPr>
         <p:blipFill>
-          <a:blip r:embed="rId2"/>
+          <a:blip r:embed="rId4"/>
           <a:stretch>
             <a:fillRect/>
           </a:stretch>
         </p:blipFill>
         <p:spPr>
           <a:xfrm>
-            <a:off x="3022375" y="1017785"/>
-            <a:ext cx="6147249" cy="5619808"/>
+            <a:off x="10449732" y="132975"/>
+            <a:ext cx="1380660" cy="1582006"/>
           </a:xfrm>
           <a:prstGeom prst="rect">
             <a:avLst/>
@@ -10416,81 +11240,10 @@
       </p:pic>
       <p:sp>
         <p:nvSpPr>
-          <p:cNvPr id="11" name="TextBox 10">
-            <a:extLst>
-              <a:ext uri="{FF2B5EF4-FFF2-40B4-BE49-F238E27FC236}">
-                <a16:creationId xmlns:a16="http://schemas.microsoft.com/office/drawing/2014/main" id="{2807DF2E-7A25-A942-A4F7-1EA4D9903AD4}"/>
-              </a:ext>
-            </a:extLst>
-          </p:cNvPr>
-          <p:cNvSpPr txBox="1"/>
-          <p:nvPr/>
-        </p:nvSpPr>
-        <p:spPr>
-          <a:xfrm>
-            <a:off x="528050" y="5991262"/>
-            <a:ext cx="2236190" cy="646331"/>
-          </a:xfrm>
-          <a:prstGeom prst="rect">
-            <a:avLst/>
-          </a:prstGeom>
-          <a:noFill/>
-        </p:spPr>
-        <p:txBody>
-          <a:bodyPr wrap="none" rtlCol="0">
-            <a:spAutoFit/>
-          </a:bodyPr>
-          <a:lstStyle/>
-          <a:p>
-            <a:r>
-              <a:rPr lang="en-VN" b="1" dirty="0"/>
-              <a:t>BIỂU ĐỒ HOẠT ĐỘNG</a:t>
-            </a:r>
-          </a:p>
-          <a:p>
-            <a:r>
-              <a:rPr lang="en-VN" b="1" dirty="0"/>
-              <a:t>USE CASE BÁN HÀNG</a:t>
-            </a:r>
-          </a:p>
-        </p:txBody>
-      </p:sp>
-      <p:pic>
-        <p:nvPicPr>
-          <p:cNvPr id="6" name="Picture 5">
-            <a:extLst>
-              <a:ext uri="{FF2B5EF4-FFF2-40B4-BE49-F238E27FC236}">
-                <a16:creationId xmlns:a16="http://schemas.microsoft.com/office/drawing/2014/main" id="{35DA0122-7E53-4370-B0E1-BFEA9D300CDD}"/>
-              </a:ext>
-            </a:extLst>
-          </p:cNvPr>
-          <p:cNvPicPr>
-            <a:picLocks noChangeAspect="1"/>
-          </p:cNvPicPr>
-          <p:nvPr/>
-        </p:nvPicPr>
-        <p:blipFill>
-          <a:blip r:embed="rId3"/>
-          <a:stretch>
-            <a:fillRect/>
-          </a:stretch>
-        </p:blipFill>
-        <p:spPr>
-          <a:xfrm>
-            <a:off x="10449732" y="132975"/>
-            <a:ext cx="1380660" cy="1582006"/>
-          </a:xfrm>
-          <a:prstGeom prst="rect">
-            <a:avLst/>
-          </a:prstGeom>
-        </p:spPr>
-      </p:pic>
-      <p:sp>
-        <p:nvSpPr>
           <p:cNvPr id="3" name="Slide Number Placeholder 2">
             <a:extLst>
               <a:ext uri="{FF2B5EF4-FFF2-40B4-BE49-F238E27FC236}">
-                <a16:creationId xmlns:a16="http://schemas.microsoft.com/office/drawing/2014/main" id="{818619B1-FB65-4AE1-9A44-ABE89E1363B3}"/>
+                <a16:creationId xmlns:a16="http://schemas.microsoft.com/office/drawing/2014/main" id="{66B72D58-FE4A-4413-A1C8-79B941E8A100}"/>
               </a:ext>
             </a:extLst>
           </p:cNvPr>
@@ -10517,7 +11270,7 @@
     </p:spTree>
     <p:extLst>
       <p:ext uri="{BB962C8B-B14F-4D97-AF65-F5344CB8AC3E}">
-        <p14:creationId xmlns:p14="http://schemas.microsoft.com/office/powerpoint/2010/main" val="4274067993"/>
+        <p14:creationId xmlns:p14="http://schemas.microsoft.com/office/powerpoint/2010/main" val="2061414875"/>
       </p:ext>
     </p:extLst>
   </p:cSld>
@@ -10546,10 +11299,45 @@
       </p:grpSpPr>
       <p:sp>
         <p:nvSpPr>
-          <p:cNvPr id="5" name="Rectangle 4">
-            <a:extLst>
-              <a:ext uri="{FF2B5EF4-FFF2-40B4-BE49-F238E27FC236}">
-                <a16:creationId xmlns:a16="http://schemas.microsoft.com/office/drawing/2014/main" id="{2016ECFD-B465-0F4F-8A3D-562FD31590B5}"/>
+          <p:cNvPr id="7" name="TextBox 6">
+            <a:extLst>
+              <a:ext uri="{FF2B5EF4-FFF2-40B4-BE49-F238E27FC236}">
+                <a16:creationId xmlns:a16="http://schemas.microsoft.com/office/drawing/2014/main" id="{8F24D2AC-18FA-5241-92EC-38304E3F95FE}"/>
+              </a:ext>
+            </a:extLst>
+          </p:cNvPr>
+          <p:cNvSpPr txBox="1"/>
+          <p:nvPr/>
+        </p:nvSpPr>
+        <p:spPr>
+          <a:xfrm>
+            <a:off x="1378564" y="6048186"/>
+            <a:ext cx="1990417" cy="369332"/>
+          </a:xfrm>
+          <a:prstGeom prst="rect">
+            <a:avLst/>
+          </a:prstGeom>
+          <a:noFill/>
+        </p:spPr>
+        <p:txBody>
+          <a:bodyPr wrap="none" rtlCol="0">
+            <a:spAutoFit/>
+          </a:bodyPr>
+          <a:lstStyle/>
+          <a:p>
+            <a:r>
+              <a:rPr lang="en-VN" b="1" dirty="0"/>
+              <a:t>USE CASE QUẢN LÝ</a:t>
+            </a:r>
+          </a:p>
+        </p:txBody>
+      </p:sp>
+      <p:sp>
+        <p:nvSpPr>
+          <p:cNvPr id="8" name="Rectangle 7">
+            <a:extLst>
+              <a:ext uri="{FF2B5EF4-FFF2-40B4-BE49-F238E27FC236}">
+                <a16:creationId xmlns:a16="http://schemas.microsoft.com/office/drawing/2014/main" id="{DC39FB75-17C0-E64B-A8E8-EA388AED9957}"/>
               </a:ext>
             </a:extLst>
           </p:cNvPr>
@@ -10558,7 +11346,7 @@
         </p:nvSpPr>
         <p:spPr>
           <a:xfrm>
-            <a:off x="269915" y="220407"/>
+            <a:off x="210145" y="132975"/>
             <a:ext cx="5065303" cy="889856"/>
           </a:xfrm>
           <a:prstGeom prst="rect">
@@ -10602,17 +11390,17 @@
                 <a:latin typeface=".VnCourier New" panose="02027200000000000000" pitchFamily="18" charset="0"/>
                 <a:cs typeface="Courier New" panose="02070309020205020404" pitchFamily="49" charset="0"/>
               </a:rPr>
-              <a:t>ĐẶC TẢ USECASE</a:t>
+              <a:t>PHÂN TÍCH USECASE</a:t>
             </a:r>
           </a:p>
         </p:txBody>
       </p:sp>
       <p:pic>
         <p:nvPicPr>
-          <p:cNvPr id="7" name="Picture 6">
-            <a:extLst>
-              <a:ext uri="{FF2B5EF4-FFF2-40B4-BE49-F238E27FC236}">
-                <a16:creationId xmlns:a16="http://schemas.microsoft.com/office/drawing/2014/main" id="{781C6590-918D-734D-8A7E-9B4DD2282893}"/>
+          <p:cNvPr id="6" name="Picture 5">
+            <a:extLst>
+              <a:ext uri="{FF2B5EF4-FFF2-40B4-BE49-F238E27FC236}">
+                <a16:creationId xmlns:a16="http://schemas.microsoft.com/office/drawing/2014/main" id="{ACD4C133-1BDE-4B2E-80C2-EF7A6BD37D7D}"/>
               </a:ext>
             </a:extLst>
           </p:cNvPr>
@@ -10629,8 +11417,8 @@
         </p:blipFill>
         <p:spPr>
           <a:xfrm>
-            <a:off x="3631848" y="1213846"/>
-            <a:ext cx="6136740" cy="5433934"/>
+            <a:off x="10449732" y="132975"/>
+            <a:ext cx="1380660" cy="1582006"/>
           </a:xfrm>
           <a:prstGeom prst="rect">
             <a:avLst/>
@@ -10639,53 +11427,39 @@
       </p:pic>
       <p:sp>
         <p:nvSpPr>
-          <p:cNvPr id="8" name="TextBox 7">
-            <a:extLst>
-              <a:ext uri="{FF2B5EF4-FFF2-40B4-BE49-F238E27FC236}">
-                <a16:creationId xmlns:a16="http://schemas.microsoft.com/office/drawing/2014/main" id="{B41377C0-7778-B040-B456-B9519DC21D0D}"/>
-              </a:ext>
-            </a:extLst>
-          </p:cNvPr>
-          <p:cNvSpPr txBox="1"/>
-          <p:nvPr/>
-        </p:nvSpPr>
-        <p:spPr>
-          <a:xfrm>
-            <a:off x="528050" y="5644154"/>
-            <a:ext cx="3103798" cy="646331"/>
-          </a:xfrm>
-          <a:prstGeom prst="rect">
-            <a:avLst/>
-          </a:prstGeom>
-          <a:solidFill>
-            <a:schemeClr val="bg1"/>
-          </a:solidFill>
-        </p:spPr>
-        <p:txBody>
-          <a:bodyPr wrap="none" rtlCol="0">
-            <a:spAutoFit/>
-          </a:bodyPr>
-          <a:lstStyle/>
-          <a:p>
-            <a:r>
-              <a:rPr lang="en-VN" b="1" dirty="0"/>
-              <a:t>BIỂU ĐỒ HOẠT ĐỘNG</a:t>
-            </a:r>
-          </a:p>
-          <a:p>
-            <a:r>
-              <a:rPr lang="en-VN" b="1" dirty="0"/>
-              <a:t>USE CASE QUẢN LÝ THỰC ĐƠN</a:t>
-            </a:r>
+          <p:cNvPr id="3" name="Slide Number Placeholder 2">
+            <a:extLst>
+              <a:ext uri="{FF2B5EF4-FFF2-40B4-BE49-F238E27FC236}">
+                <a16:creationId xmlns:a16="http://schemas.microsoft.com/office/drawing/2014/main" id="{C9BAA714-B4BF-4263-A114-E3114BABCD8B}"/>
+              </a:ext>
+            </a:extLst>
+          </p:cNvPr>
+          <p:cNvSpPr>
+            <a:spLocks noGrp="1"/>
+          </p:cNvSpPr>
+          <p:nvPr>
+            <p:ph type="sldNum" sz="quarter" idx="12"/>
+          </p:nvPr>
+        </p:nvSpPr>
+        <p:spPr/>
+        <p:txBody>
+          <a:bodyPr/>
+          <a:lstStyle/>
+          <a:p>
+            <a:fld id="{E9AE0C10-0EF1-C246-872D-CC0E704EB9A9}" type="slidenum">
+              <a:rPr lang="en-VN" smtClean="0"/>
+              <a:t>8</a:t>
+            </a:fld>
+            <a:endParaRPr lang="en-VN"/>
           </a:p>
         </p:txBody>
       </p:sp>
       <p:pic>
         <p:nvPicPr>
-          <p:cNvPr id="9" name="Picture 8">
-            <a:extLst>
-              <a:ext uri="{FF2B5EF4-FFF2-40B4-BE49-F238E27FC236}">
-                <a16:creationId xmlns:a16="http://schemas.microsoft.com/office/drawing/2014/main" id="{DED182D7-76ED-4686-B774-F977AB2798D7}"/>
+          <p:cNvPr id="5" name="Picture 4">
+            <a:extLst>
+              <a:ext uri="{FF2B5EF4-FFF2-40B4-BE49-F238E27FC236}">
+                <a16:creationId xmlns:a16="http://schemas.microsoft.com/office/drawing/2014/main" id="{FE10A62C-4073-7A4F-84FC-2658CD225496}"/>
               </a:ext>
             </a:extLst>
           </p:cNvPr>
@@ -10702,47 +11476,18 @@
         </p:blipFill>
         <p:spPr>
           <a:xfrm>
-            <a:off x="10449732" y="132975"/>
-            <a:ext cx="1380660" cy="1582006"/>
+            <a:off x="3743325" y="949140"/>
+            <a:ext cx="4705349" cy="5468378"/>
           </a:xfrm>
           <a:prstGeom prst="rect">
             <a:avLst/>
           </a:prstGeom>
         </p:spPr>
       </p:pic>
-      <p:sp>
-        <p:nvSpPr>
-          <p:cNvPr id="3" name="Slide Number Placeholder 2">
-            <a:extLst>
-              <a:ext uri="{FF2B5EF4-FFF2-40B4-BE49-F238E27FC236}">
-                <a16:creationId xmlns:a16="http://schemas.microsoft.com/office/drawing/2014/main" id="{0D6AEF3F-EDCD-4B6D-B142-F38CBB5E851F}"/>
-              </a:ext>
-            </a:extLst>
-          </p:cNvPr>
-          <p:cNvSpPr>
-            <a:spLocks noGrp="1"/>
-          </p:cNvSpPr>
-          <p:nvPr>
-            <p:ph type="sldNum" sz="quarter" idx="12"/>
-          </p:nvPr>
-        </p:nvSpPr>
-        <p:spPr/>
-        <p:txBody>
-          <a:bodyPr/>
-          <a:lstStyle/>
-          <a:p>
-            <a:fld id="{E9AE0C10-0EF1-C246-872D-CC0E704EB9A9}" type="slidenum">
-              <a:rPr lang="en-VN" smtClean="0"/>
-              <a:t>8</a:t>
-            </a:fld>
-            <a:endParaRPr lang="en-VN"/>
-          </a:p>
-        </p:txBody>
-      </p:sp>
     </p:spTree>
     <p:extLst>
       <p:ext uri="{BB962C8B-B14F-4D97-AF65-F5344CB8AC3E}">
-        <p14:creationId xmlns:p14="http://schemas.microsoft.com/office/powerpoint/2010/main" val="3415943052"/>
+        <p14:creationId xmlns:p14="http://schemas.microsoft.com/office/powerpoint/2010/main" val="3847054751"/>
       </p:ext>
     </p:extLst>
   </p:cSld>
@@ -10771,74 +11516,19 @@
       </p:grpSpPr>
       <p:sp>
         <p:nvSpPr>
-          <p:cNvPr id="4" name="Rectangle 3"/>
+          <p:cNvPr id="5" name="Rectangle 4">
+            <a:extLst>
+              <a:ext uri="{FF2B5EF4-FFF2-40B4-BE49-F238E27FC236}">
+                <a16:creationId xmlns:a16="http://schemas.microsoft.com/office/drawing/2014/main" id="{2016ECFD-B465-0F4F-8A3D-562FD31590B5}"/>
+              </a:ext>
+            </a:extLst>
+          </p:cNvPr>
           <p:cNvSpPr/>
           <p:nvPr/>
         </p:nvSpPr>
         <p:spPr>
           <a:xfrm>
-            <a:off x="1670957" y="995963"/>
-            <a:ext cx="8850086" cy="5755850"/>
-          </a:xfrm>
-          <a:prstGeom prst="rect">
-            <a:avLst/>
-          </a:prstGeom>
-          <a:solidFill>
-            <a:srgbClr val="76583D">
-              <a:alpha val="61000"/>
-            </a:srgbClr>
-          </a:solidFill>
-          <a:ln>
-            <a:noFill/>
-          </a:ln>
-          <a:effectLst>
-            <a:outerShdw blurRad="50800" dist="38100" dir="2700000" algn="tl" rotWithShape="0">
-              <a:prstClr val="black">
-                <a:alpha val="73000"/>
-              </a:prstClr>
-            </a:outerShdw>
-          </a:effectLst>
-        </p:spPr>
-        <p:style>
-          <a:lnRef idx="2">
-            <a:schemeClr val="accent1">
-              <a:shade val="50000"/>
-            </a:schemeClr>
-          </a:lnRef>
-          <a:fillRef idx="1">
-            <a:schemeClr val="accent1"/>
-          </a:fillRef>
-          <a:effectRef idx="0">
-            <a:schemeClr val="accent1"/>
-          </a:effectRef>
-          <a:fontRef idx="minor">
-            <a:schemeClr val="lt1"/>
-          </a:fontRef>
-        </p:style>
-        <p:txBody>
-          <a:bodyPr rtlCol="0" anchor="ctr"/>
-          <a:lstStyle/>
-          <a:p>
-            <a:pPr algn="ctr"/>
-            <a:endParaRPr lang="en-US"/>
-          </a:p>
-        </p:txBody>
-      </p:sp>
-      <p:sp>
-        <p:nvSpPr>
-          <p:cNvPr id="12" name="Rectangle 11">
-            <a:extLst>
-              <a:ext uri="{FF2B5EF4-FFF2-40B4-BE49-F238E27FC236}">
-                <a16:creationId xmlns:a16="http://schemas.microsoft.com/office/drawing/2014/main" id="{78587B29-3A12-8F44-B3A8-0F1345FF2276}"/>
-              </a:ext>
-            </a:extLst>
-          </p:cNvPr>
-          <p:cNvSpPr/>
-          <p:nvPr/>
-        </p:nvSpPr>
-        <p:spPr>
-          <a:xfrm>
-            <a:off x="269915" y="220407"/>
+            <a:off x="0" y="139992"/>
             <a:ext cx="5065303" cy="889856"/>
           </a:xfrm>
           <a:prstGeom prst="rect">
@@ -10882,17 +11572,17 @@
                 <a:latin typeface=".VnCourier New" panose="02027200000000000000" pitchFamily="18" charset="0"/>
                 <a:cs typeface="Courier New" panose="02070309020205020404" pitchFamily="49" charset="0"/>
               </a:rPr>
-              <a:t>PHÂN TÍCH THIẾT KẾ</a:t>
+              <a:t>ĐẶC TẢ USECASE</a:t>
             </a:r>
           </a:p>
         </p:txBody>
       </p:sp>
       <p:pic>
         <p:nvPicPr>
-          <p:cNvPr id="16" name="Picture 15">
-            <a:extLst>
-              <a:ext uri="{FF2B5EF4-FFF2-40B4-BE49-F238E27FC236}">
-                <a16:creationId xmlns:a16="http://schemas.microsoft.com/office/drawing/2014/main" id="{6F789B6F-1316-1B4E-9EAC-017AEB0A0C4B}"/>
+          <p:cNvPr id="4" name="Picture 3">
+            <a:extLst>
+              <a:ext uri="{FF2B5EF4-FFF2-40B4-BE49-F238E27FC236}">
+                <a16:creationId xmlns:a16="http://schemas.microsoft.com/office/drawing/2014/main" id="{FA14E069-4C27-A049-9BA7-9933570CECB4}"/>
               </a:ext>
             </a:extLst>
           </p:cNvPr>
@@ -10909,8 +11599,8 @@
         </p:blipFill>
         <p:spPr>
           <a:xfrm>
-            <a:off x="1807904" y="1110263"/>
-            <a:ext cx="8576192" cy="5513266"/>
+            <a:off x="3022375" y="1017785"/>
+            <a:ext cx="6147249" cy="5619808"/>
           </a:xfrm>
           <a:prstGeom prst="rect">
             <a:avLst/>
@@ -10919,10 +11609,10 @@
       </p:pic>
       <p:sp>
         <p:nvSpPr>
-          <p:cNvPr id="17" name="TextBox 16">
-            <a:extLst>
-              <a:ext uri="{FF2B5EF4-FFF2-40B4-BE49-F238E27FC236}">
-                <a16:creationId xmlns:a16="http://schemas.microsoft.com/office/drawing/2014/main" id="{4C5ADA6F-7402-8A4D-9E3C-53AF37936F7A}"/>
+          <p:cNvPr id="11" name="TextBox 10">
+            <a:extLst>
+              <a:ext uri="{FF2B5EF4-FFF2-40B4-BE49-F238E27FC236}">
+                <a16:creationId xmlns:a16="http://schemas.microsoft.com/office/drawing/2014/main" id="{2807DF2E-7A25-A942-A4F7-1EA4D9903AD4}"/>
               </a:ext>
             </a:extLst>
           </p:cNvPr>
@@ -10931,58 +11621,39 @@
         </p:nvSpPr>
         <p:spPr>
           <a:xfrm>
-            <a:off x="269915" y="5630942"/>
-            <a:ext cx="4945743" cy="904287"/>
+            <a:off x="528050" y="5991262"/>
+            <a:ext cx="2236190" cy="646331"/>
           </a:xfrm>
           <a:prstGeom prst="rect">
             <a:avLst/>
           </a:prstGeom>
-          <a:solidFill>
-            <a:schemeClr val="bg1"/>
-          </a:solidFill>
-          <a:effectLst>
-            <a:innerShdw blurRad="63500" dist="50800" dir="8100000">
-              <a:prstClr val="black">
-                <a:alpha val="50000"/>
-              </a:prstClr>
-            </a:innerShdw>
-          </a:effectLst>
-        </p:spPr>
-        <p:txBody>
-          <a:bodyPr wrap="square" rtlCol="0">
+          <a:noFill/>
+        </p:spPr>
+        <p:txBody>
+          <a:bodyPr wrap="none" rtlCol="0">
             <a:spAutoFit/>
           </a:bodyPr>
           <a:lstStyle/>
           <a:p>
-            <a:pPr algn="ctr">
-              <a:lnSpc>
-                <a:spcPct val="150000"/>
-              </a:lnSpc>
-            </a:pPr>
-            <a:r>
-              <a:rPr lang="en-VN" sz="2800" b="1" dirty="0"/>
-              <a:t>THIẾT KẾ CƠ SỞ DỮ LIỆU</a:t>
-            </a:r>
-          </a:p>
-          <a:p>
-            <a:pPr algn="ctr">
-              <a:lnSpc>
-                <a:spcPct val="150000"/>
-              </a:lnSpc>
-            </a:pPr>
-            <a:r>
-              <a:rPr lang="en-VN" sz="800" b="1" dirty="0"/>
-              <a:t>   </a:t>
+            <a:r>
+              <a:rPr lang="en-VN" b="1" dirty="0"/>
+              <a:t>BIỂU ĐỒ HOẠT ĐỘNG</a:t>
+            </a:r>
+          </a:p>
+          <a:p>
+            <a:r>
+              <a:rPr lang="en-VN" b="1" dirty="0"/>
+              <a:t>USE CASE BÁN HÀNG</a:t>
             </a:r>
           </a:p>
         </p:txBody>
       </p:sp>
       <p:pic>
         <p:nvPicPr>
-          <p:cNvPr id="8" name="Picture 7">
-            <a:extLst>
-              <a:ext uri="{FF2B5EF4-FFF2-40B4-BE49-F238E27FC236}">
-                <a16:creationId xmlns:a16="http://schemas.microsoft.com/office/drawing/2014/main" id="{65803C33-BC1E-4DE9-A11F-E47FFA6B26D8}"/>
+          <p:cNvPr id="6" name="Picture 5">
+            <a:extLst>
+              <a:ext uri="{FF2B5EF4-FFF2-40B4-BE49-F238E27FC236}">
+                <a16:creationId xmlns:a16="http://schemas.microsoft.com/office/drawing/2014/main" id="{35DA0122-7E53-4370-B0E1-BFEA9D300CDD}"/>
               </a:ext>
             </a:extLst>
           </p:cNvPr>
@@ -11009,10 +11680,10 @@
       </p:pic>
       <p:sp>
         <p:nvSpPr>
-          <p:cNvPr id="2" name="Slide Number Placeholder 1">
-            <a:extLst>
-              <a:ext uri="{FF2B5EF4-FFF2-40B4-BE49-F238E27FC236}">
-                <a16:creationId xmlns:a16="http://schemas.microsoft.com/office/drawing/2014/main" id="{3B2BAB44-D44D-884C-BA5B-4C822EC48CA8}"/>
+          <p:cNvPr id="3" name="Slide Number Placeholder 2">
+            <a:extLst>
+              <a:ext uri="{FF2B5EF4-FFF2-40B4-BE49-F238E27FC236}">
+                <a16:creationId xmlns:a16="http://schemas.microsoft.com/office/drawing/2014/main" id="{818619B1-FB65-4AE1-9A44-ABE89E1363B3}"/>
               </a:ext>
             </a:extLst>
           </p:cNvPr>
@@ -11039,7 +11710,7 @@
     </p:spTree>
     <p:extLst>
       <p:ext uri="{BB962C8B-B14F-4D97-AF65-F5344CB8AC3E}">
-        <p14:creationId xmlns:p14="http://schemas.microsoft.com/office/powerpoint/2010/main" val="1977851558"/>
+        <p14:creationId xmlns:p14="http://schemas.microsoft.com/office/powerpoint/2010/main" val="4274067993"/>
       </p:ext>
     </p:extLst>
   </p:cSld>
